--- a/Presentazione/CCPresentation.pptx
+++ b/Presentazione/CCPresentation.pptx
@@ -7,6 +7,9 @@
   <p:sldIdLst>
     <p:sldId id="256" r:id="rId2"/>
     <p:sldId id="257" r:id="rId3"/>
+    <p:sldId id="260" r:id="rId4"/>
+    <p:sldId id="262" r:id="rId5"/>
+    <p:sldId id="263" r:id="rId6"/>
   </p:sldIdLst>
   <p:sldSz cx="12192000" cy="6858000"/>
   <p:notesSz cx="6858000" cy="9144000"/>
@@ -105,6 +108,11 @@
       </a:defRPr>
     </a:lvl9pPr>
   </p:defaultTextStyle>
+  <p:extLst>
+    <p:ext uri="{EFAFB233-063F-42B5-8137-9DF3F51BA10A}">
+      <p15:sldGuideLst xmlns:p15="http://schemas.microsoft.com/office/powerpoint/2012/main"/>
+    </p:ext>
+  </p:extLst>
 </p:presentation>
 </file>
 
@@ -255,7 +263,7 @@
           <a:p>
             <a:fld id="{30C41E12-1A14-8344-9316-66086320E489}" type="datetimeFigureOut">
               <a:rPr lang="it-IT" smtClean="0"/>
-              <a:t>26/06/20</a:t>
+              <a:t>27/06/2020</a:t>
             </a:fld>
             <a:endParaRPr lang="it-IT"/>
           </a:p>
@@ -453,7 +461,7 @@
           <a:p>
             <a:fld id="{30C41E12-1A14-8344-9316-66086320E489}" type="datetimeFigureOut">
               <a:rPr lang="it-IT" smtClean="0"/>
-              <a:t>26/06/20</a:t>
+              <a:t>27/06/2020</a:t>
             </a:fld>
             <a:endParaRPr lang="it-IT"/>
           </a:p>
@@ -661,7 +669,7 @@
           <a:p>
             <a:fld id="{30C41E12-1A14-8344-9316-66086320E489}" type="datetimeFigureOut">
               <a:rPr lang="it-IT" smtClean="0"/>
-              <a:t>26/06/20</a:t>
+              <a:t>27/06/2020</a:t>
             </a:fld>
             <a:endParaRPr lang="it-IT"/>
           </a:p>
@@ -859,7 +867,7 @@
           <a:p>
             <a:fld id="{30C41E12-1A14-8344-9316-66086320E489}" type="datetimeFigureOut">
               <a:rPr lang="it-IT" smtClean="0"/>
-              <a:t>26/06/20</a:t>
+              <a:t>27/06/2020</a:t>
             </a:fld>
             <a:endParaRPr lang="it-IT"/>
           </a:p>
@@ -1134,7 +1142,7 @@
           <a:p>
             <a:fld id="{30C41E12-1A14-8344-9316-66086320E489}" type="datetimeFigureOut">
               <a:rPr lang="it-IT" smtClean="0"/>
-              <a:t>26/06/20</a:t>
+              <a:t>27/06/2020</a:t>
             </a:fld>
             <a:endParaRPr lang="it-IT"/>
           </a:p>
@@ -1399,7 +1407,7 @@
           <a:p>
             <a:fld id="{30C41E12-1A14-8344-9316-66086320E489}" type="datetimeFigureOut">
               <a:rPr lang="it-IT" smtClean="0"/>
-              <a:t>26/06/20</a:t>
+              <a:t>27/06/2020</a:t>
             </a:fld>
             <a:endParaRPr lang="it-IT"/>
           </a:p>
@@ -1811,7 +1819,7 @@
           <a:p>
             <a:fld id="{30C41E12-1A14-8344-9316-66086320E489}" type="datetimeFigureOut">
               <a:rPr lang="it-IT" smtClean="0"/>
-              <a:t>26/06/20</a:t>
+              <a:t>27/06/2020</a:t>
             </a:fld>
             <a:endParaRPr lang="it-IT"/>
           </a:p>
@@ -1952,7 +1960,7 @@
           <a:p>
             <a:fld id="{30C41E12-1A14-8344-9316-66086320E489}" type="datetimeFigureOut">
               <a:rPr lang="it-IT" smtClean="0"/>
-              <a:t>26/06/20</a:t>
+              <a:t>27/06/2020</a:t>
             </a:fld>
             <a:endParaRPr lang="it-IT"/>
           </a:p>
@@ -2065,7 +2073,7 @@
           <a:p>
             <a:fld id="{30C41E12-1A14-8344-9316-66086320E489}" type="datetimeFigureOut">
               <a:rPr lang="it-IT" smtClean="0"/>
-              <a:t>26/06/20</a:t>
+              <a:t>27/06/2020</a:t>
             </a:fld>
             <a:endParaRPr lang="it-IT"/>
           </a:p>
@@ -2376,7 +2384,7 @@
           <a:p>
             <a:fld id="{30C41E12-1A14-8344-9316-66086320E489}" type="datetimeFigureOut">
               <a:rPr lang="it-IT" smtClean="0"/>
-              <a:t>26/06/20</a:t>
+              <a:t>27/06/2020</a:t>
             </a:fld>
             <a:endParaRPr lang="it-IT"/>
           </a:p>
@@ -2664,7 +2672,7 @@
           <a:p>
             <a:fld id="{30C41E12-1A14-8344-9316-66086320E489}" type="datetimeFigureOut">
               <a:rPr lang="it-IT" smtClean="0"/>
-              <a:t>26/06/20</a:t>
+              <a:t>27/06/2020</a:t>
             </a:fld>
             <a:endParaRPr lang="it-IT"/>
           </a:p>
@@ -2905,7 +2913,7 @@
           <a:p>
             <a:fld id="{30C41E12-1A14-8344-9316-66086320E489}" type="datetimeFigureOut">
               <a:rPr lang="it-IT" smtClean="0"/>
-              <a:t>26/06/20</a:t>
+              <a:t>27/06/2020</a:t>
             </a:fld>
             <a:endParaRPr lang="it-IT"/>
           </a:p>
@@ -3330,12 +3338,12 @@
           <a:chExt cx="0" cy="0"/>
         </a:xfrm>
       </p:grpSpPr>
-      <p:sp>
-        <p:nvSpPr>
-          <p:cNvPr id="8" name="Rectangle 7">
-            <a:extLst>
-              <a:ext uri="{FF2B5EF4-FFF2-40B4-BE49-F238E27FC236}">
-                <a16:creationId xmlns:a16="http://schemas.microsoft.com/office/drawing/2014/main" id="{23962611-DFD5-4092-AAFD-559E3DFCE2C9}"/>
+      <p:sp useBgFill="1">
+        <p:nvSpPr>
+          <p:cNvPr id="77" name="Rectangle 76">
+            <a:extLst>
+              <a:ext uri="{FF2B5EF4-FFF2-40B4-BE49-F238E27FC236}">
+                <a16:creationId xmlns:a16="http://schemas.microsoft.com/office/drawing/2014/main" id="{BAD76F3E-3A97-486B-B402-44400A8B9173}"/>
               </a:ext>
               <a:ext uri="{C183D7F6-B498-43B3-948B-1728B52AA6E4}">
                 <adec:decorative xmlns:adec="http://schemas.microsoft.com/office/drawing/2017/decorative" val="1"/>
@@ -3355,37 +3363,12 @@
         </p:nvSpPr>
         <p:spPr>
           <a:xfrm>
-            <a:off x="475488" y="0"/>
-            <a:ext cx="10910292" cy="6858000"/>
+            <a:off x="0" y="0"/>
+            <a:ext cx="12192000" cy="6858000"/>
           </a:xfrm>
           <a:prstGeom prst="rect">
             <a:avLst/>
           </a:prstGeom>
-          <a:gradFill>
-            <a:gsLst>
-              <a:gs pos="0">
-                <a:schemeClr val="accent1">
-                  <a:lumMod val="90000"/>
-                </a:schemeClr>
-              </a:gs>
-              <a:gs pos="25000">
-                <a:schemeClr val="accent1">
-                  <a:lumMod val="90000"/>
-                </a:schemeClr>
-              </a:gs>
-              <a:gs pos="94000">
-                <a:schemeClr val="bg2">
-                  <a:lumMod val="25000"/>
-                </a:schemeClr>
-              </a:gs>
-              <a:gs pos="100000">
-                <a:schemeClr val="bg2">
-                  <a:lumMod val="25000"/>
-                </a:schemeClr>
-              </a:gs>
-            </a:gsLst>
-            <a:lin ang="4200000" scaled="0"/>
-          </a:gradFill>
           <a:ln>
             <a:noFill/>
           </a:ln>
@@ -3415,21 +3398,94 @@
           </a:p>
         </p:txBody>
       </p:sp>
-      <p:pic>
-        <p:nvPicPr>
-          <p:cNvPr id="10" name="Picture 9">
-            <a:extLst>
-              <a:ext uri="{FF2B5EF4-FFF2-40B4-BE49-F238E27FC236}">
-                <a16:creationId xmlns:a16="http://schemas.microsoft.com/office/drawing/2014/main" id="{2270F1FA-0425-408F-9861-80BF5AFB276D}"/>
+      <p:sp>
+        <p:nvSpPr>
+          <p:cNvPr id="2" name="Titolo 1">
+            <a:extLst>
+              <a:ext uri="{FF2B5EF4-FFF2-40B4-BE49-F238E27FC236}">
+                <a16:creationId xmlns:a16="http://schemas.microsoft.com/office/drawing/2014/main" id="{003D0494-4B78-A548-B7FD-5C28A8CF744F}"/>
+              </a:ext>
+            </a:extLst>
+          </p:cNvPr>
+          <p:cNvSpPr>
+            <a:spLocks noGrp="1"/>
+          </p:cNvSpPr>
+          <p:nvPr>
+            <p:ph type="ctrTitle"/>
+          </p:nvPr>
+        </p:nvSpPr>
+        <p:spPr>
+          <a:xfrm>
+            <a:off x="838199" y="1093788"/>
+            <a:ext cx="10506455" cy="2967208"/>
+          </a:xfrm>
+        </p:spPr>
+        <p:txBody>
+          <a:bodyPr>
+            <a:normAutofit/>
+          </a:bodyPr>
+          <a:lstStyle/>
+          <a:p>
+            <a:pPr algn="l"/>
+            <a:r>
+              <a:rPr lang="it-IT" sz="8000"/>
+              <a:t>Cloud Computing Project Presentation</a:t>
+            </a:r>
+          </a:p>
+        </p:txBody>
+      </p:sp>
+      <p:sp>
+        <p:nvSpPr>
+          <p:cNvPr id="3" name="Sottotitolo 2">
+            <a:extLst>
+              <a:ext uri="{FF2B5EF4-FFF2-40B4-BE49-F238E27FC236}">
+                <a16:creationId xmlns:a16="http://schemas.microsoft.com/office/drawing/2014/main" id="{93CE895F-5A6A-444E-852F-4708C80AFC71}"/>
+              </a:ext>
+            </a:extLst>
+          </p:cNvPr>
+          <p:cNvSpPr>
+            <a:spLocks noGrp="1"/>
+          </p:cNvSpPr>
+          <p:nvPr>
+            <p:ph type="subTitle" idx="1"/>
+          </p:nvPr>
+        </p:nvSpPr>
+        <p:spPr>
+          <a:xfrm>
+            <a:off x="7400924" y="4619624"/>
+            <a:ext cx="3946779" cy="1038225"/>
+          </a:xfrm>
+        </p:spPr>
+        <p:txBody>
+          <a:bodyPr>
+            <a:normAutofit/>
+          </a:bodyPr>
+          <a:lstStyle/>
+          <a:p>
+            <a:pPr algn="r"/>
+            <a:r>
+              <a:rPr lang="it-IT" sz="2200"/>
+              <a:t>Alessandro Madonna, Francesco Ronchieri, Andrea Klaus Tubak, Stefano Petrocchi</a:t>
+            </a:r>
+            <a:endParaRPr lang="it-IT" sz="2200" dirty="0"/>
+          </a:p>
+        </p:txBody>
+      </p:sp>
+      <p:sp>
+        <p:nvSpPr>
+          <p:cNvPr id="97" name="Rectangle 78">
+            <a:extLst>
+              <a:ext uri="{FF2B5EF4-FFF2-40B4-BE49-F238E27FC236}">
+                <a16:creationId xmlns:a16="http://schemas.microsoft.com/office/drawing/2014/main" id="{391F6B52-91F4-4AEB-B6DB-29FEBCF28C8B}"/>
               </a:ext>
               <a:ext uri="{C183D7F6-B498-43B3-948B-1728B52AA6E4}">
                 <adec:decorative xmlns:adec="http://schemas.microsoft.com/office/drawing/2017/decorative" val="1"/>
               </a:ext>
             </a:extLst>
           </p:cNvPr>
-          <p:cNvPicPr>
-            <a:picLocks noGrp="1" noRot="1" noChangeAspect="1" noMove="1" noResize="1" noEditPoints="1" noAdjustHandles="1" noChangeArrowheads="1" noChangeShapeType="1" noCrop="1"/>
-          </p:cNvPicPr>
+          <p:cNvSpPr>
+            <a:spLocks noGrp="1" noRot="1" noChangeAspect="1" noMove="1" noResize="1" noEditPoints="1" noAdjustHandles="1" noChangeArrowheads="1" noChangeShapeType="1" noTextEdit="1"/>
+          </p:cNvSpPr>
           <p:nvPr>
             <p:extLst>
               <p:ext uri="{386F3935-93C4-4BCD-93E2-E3B085C9AB24}">
@@ -3437,156 +3493,141 @@
               </p:ext>
             </p:extLst>
           </p:nvPr>
-        </p:nvPicPr>
-        <p:blipFill>
-          <a:blip r:embed="rId2">
-            <a:extLst>
-              <a:ext uri="{28A0092B-C50C-407E-A947-70E740481C1C}">
-                <a14:useLocalDpi xmlns:a14="http://schemas.microsoft.com/office/drawing/2010/main" val="0"/>
-              </a:ext>
-            </a:extLst>
-          </a:blip>
-          <a:stretch>
-            <a:fillRect/>
-          </a:stretch>
-        </p:blipFill>
+        </p:nvSpPr>
         <p:spPr>
           <a:xfrm>
-            <a:off x="0" y="0"/>
-            <a:ext cx="12192000" cy="6858000"/>
+            <a:off x="841248" y="4331166"/>
+            <a:ext cx="10506456" cy="18288"/>
           </a:xfrm>
           <a:prstGeom prst="rect">
             <a:avLst/>
           </a:prstGeom>
+          <a:solidFill>
+            <a:srgbClr val="D5D5D5"/>
+          </a:solidFill>
+          <a:ln w="3175">
+            <a:noFill/>
+          </a:ln>
+          <a:effectLst/>
         </p:spPr>
-      </p:pic>
-      <p:sp>
-        <p:nvSpPr>
-          <p:cNvPr id="2" name="Titolo 1">
-            <a:extLst>
-              <a:ext uri="{FF2B5EF4-FFF2-40B4-BE49-F238E27FC236}">
-                <a16:creationId xmlns:a16="http://schemas.microsoft.com/office/drawing/2014/main" id="{003D0494-4B78-A548-B7FD-5C28A8CF744F}"/>
-              </a:ext>
-            </a:extLst>
-          </p:cNvPr>
-          <p:cNvSpPr>
-            <a:spLocks noGrp="1"/>
-          </p:cNvSpPr>
-          <p:nvPr>
-            <p:ph type="ctrTitle"/>
+        <p:style>
+          <a:lnRef idx="2">
+            <a:schemeClr val="accent1">
+              <a:shade val="50000"/>
+            </a:schemeClr>
+          </a:lnRef>
+          <a:fillRef idx="1">
+            <a:schemeClr val="accent1"/>
+          </a:fillRef>
+          <a:effectRef idx="0">
+            <a:schemeClr val="accent1"/>
+          </a:effectRef>
+          <a:fontRef idx="minor">
+            <a:schemeClr val="lt1"/>
+          </a:fontRef>
+        </p:style>
+        <p:txBody>
+          <a:bodyPr rtlCol="0" anchor="ctr"/>
+          <a:lstStyle/>
+          <a:p>
+            <a:pPr algn="ctr"/>
+            <a:endParaRPr lang="en-US">
+              <a:solidFill>
+                <a:prstClr val="white"/>
+              </a:solidFill>
+              <a:latin typeface="Calibri" panose="020F0502020204030204"/>
+            </a:endParaRPr>
+          </a:p>
+        </p:txBody>
+      </p:sp>
+      <p:sp>
+        <p:nvSpPr>
+          <p:cNvPr id="81" name="Rectangle 80">
+            <a:extLst>
+              <a:ext uri="{FF2B5EF4-FFF2-40B4-BE49-F238E27FC236}">
+                <a16:creationId xmlns:a16="http://schemas.microsoft.com/office/drawing/2014/main" id="{2CD6F061-7C53-44F4-9794-953DB70A451B}"/>
+              </a:ext>
+              <a:ext uri="{C183D7F6-B498-43B3-948B-1728B52AA6E4}">
+                <adec:decorative xmlns:adec="http://schemas.microsoft.com/office/drawing/2017/decorative" val="1"/>
+              </a:ext>
+            </a:extLst>
+          </p:cNvPr>
+          <p:cNvSpPr>
+            <a:spLocks noGrp="1" noRot="1" noChangeAspect="1" noMove="1" noResize="1" noEditPoints="1" noAdjustHandles="1" noChangeArrowheads="1" noChangeShapeType="1" noTextEdit="1"/>
+          </p:cNvSpPr>
+          <p:nvPr>
+            <p:extLst>
+              <p:ext uri="{386F3935-93C4-4BCD-93E2-E3B085C9AB24}">
+                <p16:designElem xmlns:p16="http://schemas.microsoft.com/office/powerpoint/2015/main" val="1"/>
+              </p:ext>
+            </p:extLst>
           </p:nvPr>
         </p:nvSpPr>
         <p:spPr>
-          <a:xfrm>
-            <a:off x="3045368" y="2043663"/>
-            <a:ext cx="6105194" cy="2031055"/>
+          <a:xfrm rot="5400000">
+            <a:off x="9346882" y="2348839"/>
+            <a:ext cx="54864" cy="3946779"/>
           </a:xfrm>
+          <a:prstGeom prst="rect">
+            <a:avLst/>
+          </a:prstGeom>
+          <a:solidFill>
+            <a:schemeClr val="accent2"/>
+          </a:solidFill>
+          <a:ln>
+            <a:noFill/>
+          </a:ln>
         </p:spPr>
-        <p:txBody>
-          <a:bodyPr>
-            <a:normAutofit fontScale="90000"/>
-          </a:bodyPr>
-          <a:lstStyle/>
-          <a:p>
-            <a:r>
-              <a:rPr lang="it-IT" dirty="0" err="1">
-                <a:solidFill>
-                  <a:srgbClr val="FFFFFF"/>
-                </a:solidFill>
-              </a:rPr>
-              <a:t>Cloud</a:t>
-            </a:r>
-            <a:r>
-              <a:rPr lang="it-IT" dirty="0">
-                <a:solidFill>
-                  <a:srgbClr val="FFFFFF"/>
-                </a:solidFill>
-              </a:rPr>
-              <a:t> Computing Project Presentation</a:t>
-            </a:r>
-          </a:p>
-        </p:txBody>
-      </p:sp>
-      <p:sp>
-        <p:nvSpPr>
-          <p:cNvPr id="3" name="Sottotitolo 2">
-            <a:extLst>
-              <a:ext uri="{FF2B5EF4-FFF2-40B4-BE49-F238E27FC236}">
-                <a16:creationId xmlns:a16="http://schemas.microsoft.com/office/drawing/2014/main" id="{93CE895F-5A6A-444E-852F-4708C80AFC71}"/>
-              </a:ext>
-            </a:extLst>
-          </p:cNvPr>
-          <p:cNvSpPr>
-            <a:spLocks noGrp="1"/>
-          </p:cNvSpPr>
-          <p:nvPr>
-            <p:ph type="subTitle" idx="1"/>
-          </p:nvPr>
-        </p:nvSpPr>
-        <p:spPr>
-          <a:xfrm>
-            <a:off x="3045368" y="4074718"/>
-            <a:ext cx="6105194" cy="682079"/>
-          </a:xfrm>
-        </p:spPr>
-        <p:txBody>
-          <a:bodyPr>
-            <a:normAutofit fontScale="92500" lnSpcReduction="10000"/>
-          </a:bodyPr>
-          <a:lstStyle/>
-          <a:p>
-            <a:r>
-              <a:rPr lang="it-IT" dirty="0">
-                <a:solidFill>
-                  <a:srgbClr val="FFFFFF"/>
-                </a:solidFill>
-              </a:rPr>
-              <a:t>Alessandro Madonna, Francesco </a:t>
-            </a:r>
-            <a:r>
-              <a:rPr lang="it-IT" dirty="0" err="1">
-                <a:solidFill>
-                  <a:srgbClr val="FFFFFF"/>
-                </a:solidFill>
-              </a:rPr>
-              <a:t>Ronchieri</a:t>
-            </a:r>
-            <a:r>
-              <a:rPr lang="it-IT" dirty="0">
-                <a:solidFill>
-                  <a:srgbClr val="FFFFFF"/>
-                </a:solidFill>
-              </a:rPr>
-              <a:t>, Andrea Klaus </a:t>
-            </a:r>
-            <a:r>
-              <a:rPr lang="it-IT" dirty="0" err="1">
-                <a:solidFill>
-                  <a:srgbClr val="FFFFFF"/>
-                </a:solidFill>
-              </a:rPr>
-              <a:t>Tubak</a:t>
-            </a:r>
-            <a:r>
-              <a:rPr lang="it-IT" dirty="0">
-                <a:solidFill>
-                  <a:srgbClr val="FFFFFF"/>
-                </a:solidFill>
-              </a:rPr>
-              <a:t>, Stefano </a:t>
-            </a:r>
-            <a:r>
-              <a:rPr lang="it-IT" dirty="0" err="1">
-                <a:solidFill>
-                  <a:srgbClr val="FFFFFF"/>
-                </a:solidFill>
-              </a:rPr>
-              <a:t>Petrocchi</a:t>
-            </a:r>
-            <a:endParaRPr lang="it-IT" dirty="0">
+        <p:style>
+          <a:lnRef idx="2">
+            <a:schemeClr val="accent1">
+              <a:shade val="50000"/>
+            </a:schemeClr>
+          </a:lnRef>
+          <a:fillRef idx="1">
+            <a:schemeClr val="accent1"/>
+          </a:fillRef>
+          <a:effectRef idx="0">
+            <a:schemeClr val="accent1"/>
+          </a:effectRef>
+          <a:fontRef idx="minor">
+            <a:schemeClr val="lt1"/>
+          </a:fontRef>
+        </p:style>
+        <p:txBody>
+          <a:bodyPr rtlCol="0" anchor="ctr"/>
+          <a:lstStyle/>
+          <a:p>
+            <a:pPr marL="0" marR="0" lvl="0" indent="0" algn="ctr" defTabSz="914400" rtl="0" eaLnBrk="1" fontAlgn="auto" latinLnBrk="0" hangingPunct="1">
+              <a:lnSpc>
+                <a:spcPct val="100000"/>
+              </a:lnSpc>
+              <a:spcBef>
+                <a:spcPts val="0"/>
+              </a:spcBef>
+              <a:spcAft>
+                <a:spcPts val="0"/>
+              </a:spcAft>
+              <a:buClrTx/>
+              <a:buSzTx/>
+              <a:buFontTx/>
+              <a:buNone/>
+              <a:tabLst/>
+              <a:defRPr/>
+            </a:pPr>
+            <a:endParaRPr kumimoji="0" lang="en-US" sz="1800" b="0" i="0" u="none" strike="noStrike" kern="1200" cap="none" spc="0" normalizeH="0" baseline="0" noProof="0">
+              <a:ln>
+                <a:noFill/>
+              </a:ln>
               <a:solidFill>
-                <a:srgbClr val="FFFFFF"/>
+                <a:prstClr val="white"/>
               </a:solidFill>
+              <a:effectLst/>
+              <a:uLnTx/>
+              <a:uFillTx/>
+              <a:latin typeface="Calibri" panose="020F0502020204030204"/>
+              <a:ea typeface="+mn-ea"/>
+              <a:cs typeface="+mn-cs"/>
             </a:endParaRPr>
           </a:p>
         </p:txBody>
@@ -3607,6 +3648,14 @@
 <file path=ppt/slides/slide2.xml><?xml version="1.0" encoding="utf-8"?>
 <p:sld xmlns:a="http://schemas.openxmlformats.org/drawingml/2006/main" xmlns:r="http://schemas.openxmlformats.org/officeDocument/2006/relationships" xmlns:p="http://schemas.openxmlformats.org/presentationml/2006/main">
   <p:cSld>
+    <p:bg>
+      <p:bgPr>
+        <a:solidFill>
+          <a:schemeClr val="bg1"/>
+        </a:solidFill>
+        <a:effectLst/>
+      </p:bgPr>
+    </p:bg>
     <p:spTree>
       <p:nvGrpSpPr>
         <p:cNvPr id="1" name=""/>
@@ -3637,22 +3686,2320 @@
             <p:ph type="title"/>
           </p:nvPr>
         </p:nvSpPr>
-        <p:spPr/>
-        <p:txBody>
-          <a:bodyPr/>
-          <a:lstStyle/>
-          <a:p>
-            <a:r>
-              <a:rPr lang="it-IT" dirty="0"/>
+        <p:spPr>
+          <a:xfrm>
+            <a:off x="838200" y="365125"/>
+            <a:ext cx="10515600" cy="1325563"/>
+          </a:xfrm>
+        </p:spPr>
+        <p:txBody>
+          <a:bodyPr>
+            <a:normAutofit/>
+          </a:bodyPr>
+          <a:lstStyle/>
+          <a:p>
+            <a:r>
+              <a:rPr lang="it-IT"/>
               <a:t>Schema</a:t>
             </a:r>
-          </a:p>
-        </p:txBody>
-      </p:sp>
+            <a:endParaRPr lang="it-IT" dirty="0"/>
+          </a:p>
+        </p:txBody>
+      </p:sp>
+      <p:pic>
+        <p:nvPicPr>
+          <p:cNvPr id="4" name="Immagine 3" descr="Immagine che contiene martinetto, orologio&#10;&#10;Descrizione generata automaticamente">
+            <a:extLst>
+              <a:ext uri="{FF2B5EF4-FFF2-40B4-BE49-F238E27FC236}">
+                <a16:creationId xmlns:a16="http://schemas.microsoft.com/office/drawing/2014/main" id="{A67C22AC-3DFF-4859-9680-ACEFA29DE57E}"/>
+              </a:ext>
+            </a:extLst>
+          </p:cNvPr>
+          <p:cNvPicPr>
+            <a:picLocks noChangeAspect="1"/>
+          </p:cNvPicPr>
+          <p:nvPr/>
+        </p:nvPicPr>
+        <p:blipFill>
+          <a:blip r:embed="rId2"/>
+          <a:stretch>
+            <a:fillRect/>
+          </a:stretch>
+        </p:blipFill>
+        <p:spPr>
+          <a:xfrm>
+            <a:off x="828675" y="2238337"/>
+            <a:ext cx="10525125" cy="3525916"/>
+          </a:xfrm>
+          <a:prstGeom prst="rect">
+            <a:avLst/>
+          </a:prstGeom>
+        </p:spPr>
+      </p:pic>
     </p:spTree>
     <p:extLst>
       <p:ext uri="{BB962C8B-B14F-4D97-AF65-F5344CB8AC3E}">
         <p14:creationId xmlns:p14="http://schemas.microsoft.com/office/powerpoint/2010/main" val="1845207077"/>
+      </p:ext>
+    </p:extLst>
+  </p:cSld>
+  <p:clrMapOvr>
+    <a:masterClrMapping/>
+  </p:clrMapOvr>
+</p:sld>
+</file>
+
+<file path=ppt/slides/slide3.xml><?xml version="1.0" encoding="utf-8"?>
+<p:sld xmlns:a="http://schemas.openxmlformats.org/drawingml/2006/main" xmlns:r="http://schemas.openxmlformats.org/officeDocument/2006/relationships" xmlns:p="http://schemas.openxmlformats.org/presentationml/2006/main">
+  <p:cSld>
+    <p:bg>
+      <p:bgPr>
+        <a:solidFill>
+          <a:schemeClr val="bg1"/>
+        </a:solidFill>
+        <a:effectLst/>
+      </p:bgPr>
+    </p:bg>
+    <p:spTree>
+      <p:nvGrpSpPr>
+        <p:cNvPr id="1" name=""/>
+        <p:cNvGrpSpPr/>
+        <p:nvPr/>
+      </p:nvGrpSpPr>
+      <p:grpSpPr>
+        <a:xfrm>
+          <a:off x="0" y="0"/>
+          <a:ext cx="0" cy="0"/>
+          <a:chOff x="0" y="0"/>
+          <a:chExt cx="0" cy="0"/>
+        </a:xfrm>
+      </p:grpSpPr>
+      <p:sp useBgFill="1">
+        <p:nvSpPr>
+          <p:cNvPr id="109" name="Rectangle 108">
+            <a:extLst>
+              <a:ext uri="{FF2B5EF4-FFF2-40B4-BE49-F238E27FC236}">
+                <a16:creationId xmlns:a16="http://schemas.microsoft.com/office/drawing/2014/main" id="{1C799903-48D5-4A31-A1A2-541072D9771E}"/>
+              </a:ext>
+              <a:ext uri="{C183D7F6-B498-43B3-948B-1728B52AA6E4}">
+                <adec:decorative xmlns:adec="http://schemas.microsoft.com/office/drawing/2017/decorative" val="1"/>
+              </a:ext>
+            </a:extLst>
+          </p:cNvPr>
+          <p:cNvSpPr>
+            <a:spLocks noGrp="1" noRot="1" noChangeAspect="1" noMove="1" noResize="1" noEditPoints="1" noAdjustHandles="1" noChangeArrowheads="1" noChangeShapeType="1" noTextEdit="1"/>
+          </p:cNvSpPr>
+          <p:nvPr>
+            <p:extLst>
+              <p:ext uri="{386F3935-93C4-4BCD-93E2-E3B085C9AB24}">
+                <p16:designElem xmlns:p16="http://schemas.microsoft.com/office/powerpoint/2015/main" val="1"/>
+              </p:ext>
+            </p:extLst>
+          </p:nvPr>
+        </p:nvSpPr>
+        <p:spPr>
+          <a:xfrm>
+            <a:off x="0" y="0"/>
+            <a:ext cx="12192002" cy="6858000"/>
+          </a:xfrm>
+          <a:prstGeom prst="rect">
+            <a:avLst/>
+          </a:prstGeom>
+          <a:ln>
+            <a:noFill/>
+          </a:ln>
+        </p:spPr>
+        <p:style>
+          <a:lnRef idx="2">
+            <a:schemeClr val="accent1">
+              <a:shade val="50000"/>
+            </a:schemeClr>
+          </a:lnRef>
+          <a:fillRef idx="1">
+            <a:schemeClr val="accent1"/>
+          </a:fillRef>
+          <a:effectRef idx="0">
+            <a:schemeClr val="accent1"/>
+          </a:effectRef>
+          <a:fontRef idx="minor">
+            <a:schemeClr val="lt1"/>
+          </a:fontRef>
+        </p:style>
+        <p:txBody>
+          <a:bodyPr rtlCol="0" anchor="ctr"/>
+          <a:lstStyle/>
+          <a:p>
+            <a:pPr algn="ctr"/>
+            <a:endParaRPr lang="en-US"/>
+          </a:p>
+        </p:txBody>
+      </p:sp>
+      <p:sp useBgFill="1">
+        <p:nvSpPr>
+          <p:cNvPr id="111" name="Freeform: Shape 110">
+            <a:extLst>
+              <a:ext uri="{FF2B5EF4-FFF2-40B4-BE49-F238E27FC236}">
+                <a16:creationId xmlns:a16="http://schemas.microsoft.com/office/drawing/2014/main" id="{8EFFF109-FC58-4FD3-BE05-9775A1310F55}"/>
+              </a:ext>
+              <a:ext uri="{C183D7F6-B498-43B3-948B-1728B52AA6E4}">
+                <adec:decorative xmlns:adec="http://schemas.microsoft.com/office/drawing/2017/decorative" val="1"/>
+              </a:ext>
+            </a:extLst>
+          </p:cNvPr>
+          <p:cNvSpPr>
+            <a:spLocks noGrp="1" noRot="1" noChangeAspect="1" noMove="1" noResize="1" noEditPoints="1" noAdjustHandles="1" noChangeArrowheads="1" noChangeShapeType="1" noTextEdit="1"/>
+          </p:cNvSpPr>
+          <p:nvPr>
+            <p:extLst>
+              <p:ext uri="{386F3935-93C4-4BCD-93E2-E3B085C9AB24}">
+                <p16:designElem xmlns:p16="http://schemas.microsoft.com/office/powerpoint/2015/main" val="1"/>
+              </p:ext>
+            </p:extLst>
+          </p:nvPr>
+        </p:nvSpPr>
+        <p:spPr>
+          <a:xfrm>
+            <a:off x="-1" y="0"/>
+            <a:ext cx="4818889" cy="6858000"/>
+          </a:xfrm>
+          <a:custGeom>
+            <a:avLst/>
+            <a:gdLst>
+              <a:gd name="connsiteX0" fmla="*/ 0 w 4818889"/>
+              <a:gd name="connsiteY0" fmla="*/ 0 h 6858000"/>
+              <a:gd name="connsiteX1" fmla="*/ 3605911 w 4818889"/>
+              <a:gd name="connsiteY1" fmla="*/ 0 h 6858000"/>
+              <a:gd name="connsiteX2" fmla="*/ 3668894 w 4818889"/>
+              <a:gd name="connsiteY2" fmla="*/ 69271 h 6858000"/>
+              <a:gd name="connsiteX3" fmla="*/ 4818889 w 4818889"/>
+              <a:gd name="connsiteY3" fmla="*/ 3429000 h 6858000"/>
+              <a:gd name="connsiteX4" fmla="*/ 3668894 w 4818889"/>
+              <a:gd name="connsiteY4" fmla="*/ 6788730 h 6858000"/>
+              <a:gd name="connsiteX5" fmla="*/ 3605911 w 4818889"/>
+              <a:gd name="connsiteY5" fmla="*/ 6858000 h 6858000"/>
+              <a:gd name="connsiteX6" fmla="*/ 0 w 4818889"/>
+              <a:gd name="connsiteY6" fmla="*/ 6858000 h 6858000"/>
+            </a:gdLst>
+            <a:ahLst/>
+            <a:cxnLst>
+              <a:cxn ang="0">
+                <a:pos x="connsiteX0" y="connsiteY0"/>
+              </a:cxn>
+              <a:cxn ang="0">
+                <a:pos x="connsiteX1" y="connsiteY1"/>
+              </a:cxn>
+              <a:cxn ang="0">
+                <a:pos x="connsiteX2" y="connsiteY2"/>
+              </a:cxn>
+              <a:cxn ang="0">
+                <a:pos x="connsiteX3" y="connsiteY3"/>
+              </a:cxn>
+              <a:cxn ang="0">
+                <a:pos x="connsiteX4" y="connsiteY4"/>
+              </a:cxn>
+              <a:cxn ang="0">
+                <a:pos x="connsiteX5" y="connsiteY5"/>
+              </a:cxn>
+              <a:cxn ang="0">
+                <a:pos x="connsiteX6" y="connsiteY6"/>
+              </a:cxn>
+            </a:cxnLst>
+            <a:rect l="l" t="t" r="r" b="b"/>
+            <a:pathLst>
+              <a:path w="4818889" h="6858000">
+                <a:moveTo>
+                  <a:pt x="0" y="0"/>
+                </a:moveTo>
+                <a:lnTo>
+                  <a:pt x="3605911" y="0"/>
+                </a:lnTo>
+                <a:lnTo>
+                  <a:pt x="3668894" y="69271"/>
+                </a:lnTo>
+                <a:cubicBezTo>
+                  <a:pt x="4379420" y="929100"/>
+                  <a:pt x="4818889" y="2116944"/>
+                  <a:pt x="4818889" y="3429000"/>
+                </a:cubicBezTo>
+                <a:cubicBezTo>
+                  <a:pt x="4818889" y="4741056"/>
+                  <a:pt x="4379420" y="5928900"/>
+                  <a:pt x="3668894" y="6788730"/>
+                </a:cubicBezTo>
+                <a:lnTo>
+                  <a:pt x="3605911" y="6858000"/>
+                </a:lnTo>
+                <a:lnTo>
+                  <a:pt x="0" y="6858000"/>
+                </a:lnTo>
+                <a:close/>
+              </a:path>
+            </a:pathLst>
+          </a:custGeom>
+          <a:ln w="9525">
+            <a:solidFill>
+              <a:srgbClr val="E6E6E6"/>
+            </a:solidFill>
+          </a:ln>
+          <a:effectLst>
+            <a:outerShdw blurRad="50800" dist="38100" algn="l" rotWithShape="0">
+              <a:schemeClr val="bg1">
+                <a:lumMod val="85000"/>
+                <a:alpha val="50000"/>
+              </a:schemeClr>
+            </a:outerShdw>
+          </a:effectLst>
+        </p:spPr>
+        <p:style>
+          <a:lnRef idx="2">
+            <a:schemeClr val="accent1">
+              <a:shade val="50000"/>
+            </a:schemeClr>
+          </a:lnRef>
+          <a:fillRef idx="1">
+            <a:schemeClr val="accent1"/>
+          </a:fillRef>
+          <a:effectRef idx="0">
+            <a:schemeClr val="accent1"/>
+          </a:effectRef>
+          <a:fontRef idx="minor">
+            <a:schemeClr val="lt1"/>
+          </a:fontRef>
+        </p:style>
+        <p:txBody>
+          <a:bodyPr wrap="square" rtlCol="0" anchor="ctr">
+            <a:noAutofit/>
+          </a:bodyPr>
+          <a:lstStyle/>
+          <a:p>
+            <a:pPr marL="0" marR="0" lvl="0" indent="0" algn="ctr" defTabSz="914400" rtl="0" eaLnBrk="1" fontAlgn="auto" latinLnBrk="0" hangingPunct="1">
+              <a:lnSpc>
+                <a:spcPct val="100000"/>
+              </a:lnSpc>
+              <a:spcBef>
+                <a:spcPts val="0"/>
+              </a:spcBef>
+              <a:spcAft>
+                <a:spcPts val="0"/>
+              </a:spcAft>
+              <a:buClrTx/>
+              <a:buSzTx/>
+              <a:buFontTx/>
+              <a:buNone/>
+              <a:tabLst/>
+              <a:defRPr/>
+            </a:pPr>
+            <a:endParaRPr kumimoji="0" lang="en-US" sz="1800" b="0" i="0" u="none" strike="noStrike" kern="1200" cap="none" spc="0" normalizeH="0" baseline="0" noProof="0">
+              <a:ln>
+                <a:noFill/>
+              </a:ln>
+              <a:solidFill>
+                <a:prstClr val="white"/>
+              </a:solidFill>
+              <a:effectLst/>
+              <a:uLnTx/>
+              <a:uFillTx/>
+              <a:latin typeface="Calibri" panose="020F0502020204030204"/>
+              <a:ea typeface="+mn-ea"/>
+              <a:cs typeface="+mn-cs"/>
+            </a:endParaRPr>
+          </a:p>
+        </p:txBody>
+      </p:sp>
+      <p:sp useBgFill="1">
+        <p:nvSpPr>
+          <p:cNvPr id="113" name="Freeform: Shape 112">
+            <a:extLst>
+              <a:ext uri="{FF2B5EF4-FFF2-40B4-BE49-F238E27FC236}">
+                <a16:creationId xmlns:a16="http://schemas.microsoft.com/office/drawing/2014/main" id="{E1B96AD6-92A9-4273-A62B-96A1C3E0BA95}"/>
+              </a:ext>
+              <a:ext uri="{C183D7F6-B498-43B3-948B-1728B52AA6E4}">
+                <adec:decorative xmlns:adec="http://schemas.microsoft.com/office/drawing/2017/decorative" val="1"/>
+              </a:ext>
+            </a:extLst>
+          </p:cNvPr>
+          <p:cNvSpPr>
+            <a:spLocks noGrp="1" noRot="1" noChangeAspect="1" noMove="1" noResize="1" noEditPoints="1" noAdjustHandles="1" noChangeArrowheads="1" noChangeShapeType="1" noTextEdit="1"/>
+          </p:cNvSpPr>
+          <p:nvPr>
+            <p:extLst>
+              <p:ext uri="{386F3935-93C4-4BCD-93E2-E3B085C9AB24}">
+                <p16:designElem xmlns:p16="http://schemas.microsoft.com/office/powerpoint/2015/main" val="1"/>
+              </p:ext>
+            </p:extLst>
+          </p:nvPr>
+        </p:nvSpPr>
+        <p:spPr>
+          <a:xfrm>
+            <a:off x="1" y="0"/>
+            <a:ext cx="4811477" cy="6858000"/>
+          </a:xfrm>
+          <a:custGeom>
+            <a:avLst/>
+            <a:gdLst>
+              <a:gd name="connsiteX0" fmla="*/ 0 w 4811477"/>
+              <a:gd name="connsiteY0" fmla="*/ 0 h 6858000"/>
+              <a:gd name="connsiteX1" fmla="*/ 3598499 w 4811477"/>
+              <a:gd name="connsiteY1" fmla="*/ 0 h 6858000"/>
+              <a:gd name="connsiteX2" fmla="*/ 3661482 w 4811477"/>
+              <a:gd name="connsiteY2" fmla="*/ 69271 h 6858000"/>
+              <a:gd name="connsiteX3" fmla="*/ 4811477 w 4811477"/>
+              <a:gd name="connsiteY3" fmla="*/ 3429000 h 6858000"/>
+              <a:gd name="connsiteX4" fmla="*/ 3661482 w 4811477"/>
+              <a:gd name="connsiteY4" fmla="*/ 6788730 h 6858000"/>
+              <a:gd name="connsiteX5" fmla="*/ 3598499 w 4811477"/>
+              <a:gd name="connsiteY5" fmla="*/ 6858000 h 6858000"/>
+              <a:gd name="connsiteX6" fmla="*/ 0 w 4811477"/>
+              <a:gd name="connsiteY6" fmla="*/ 6858000 h 6858000"/>
+            </a:gdLst>
+            <a:ahLst/>
+            <a:cxnLst>
+              <a:cxn ang="0">
+                <a:pos x="connsiteX0" y="connsiteY0"/>
+              </a:cxn>
+              <a:cxn ang="0">
+                <a:pos x="connsiteX1" y="connsiteY1"/>
+              </a:cxn>
+              <a:cxn ang="0">
+                <a:pos x="connsiteX2" y="connsiteY2"/>
+              </a:cxn>
+              <a:cxn ang="0">
+                <a:pos x="connsiteX3" y="connsiteY3"/>
+              </a:cxn>
+              <a:cxn ang="0">
+                <a:pos x="connsiteX4" y="connsiteY4"/>
+              </a:cxn>
+              <a:cxn ang="0">
+                <a:pos x="connsiteX5" y="connsiteY5"/>
+              </a:cxn>
+              <a:cxn ang="0">
+                <a:pos x="connsiteX6" y="connsiteY6"/>
+              </a:cxn>
+            </a:cxnLst>
+            <a:rect l="l" t="t" r="r" b="b"/>
+            <a:pathLst>
+              <a:path w="4811477" h="6858000">
+                <a:moveTo>
+                  <a:pt x="0" y="0"/>
+                </a:moveTo>
+                <a:lnTo>
+                  <a:pt x="3598499" y="0"/>
+                </a:lnTo>
+                <a:lnTo>
+                  <a:pt x="3661482" y="69271"/>
+                </a:lnTo>
+                <a:cubicBezTo>
+                  <a:pt x="4372008" y="929100"/>
+                  <a:pt x="4811477" y="2116944"/>
+                  <a:pt x="4811477" y="3429000"/>
+                </a:cubicBezTo>
+                <a:cubicBezTo>
+                  <a:pt x="4811477" y="4741056"/>
+                  <a:pt x="4372008" y="5928900"/>
+                  <a:pt x="3661482" y="6788730"/>
+                </a:cubicBezTo>
+                <a:lnTo>
+                  <a:pt x="3598499" y="6858000"/>
+                </a:lnTo>
+                <a:lnTo>
+                  <a:pt x="0" y="6858000"/>
+                </a:lnTo>
+                <a:close/>
+              </a:path>
+            </a:pathLst>
+          </a:custGeom>
+          <a:ln w="9525">
+            <a:noFill/>
+          </a:ln>
+          <a:effectLst/>
+        </p:spPr>
+        <p:style>
+          <a:lnRef idx="2">
+            <a:schemeClr val="accent1">
+              <a:shade val="50000"/>
+            </a:schemeClr>
+          </a:lnRef>
+          <a:fillRef idx="1">
+            <a:schemeClr val="accent1"/>
+          </a:fillRef>
+          <a:effectRef idx="0">
+            <a:schemeClr val="accent1"/>
+          </a:effectRef>
+          <a:fontRef idx="minor">
+            <a:schemeClr val="lt1"/>
+          </a:fontRef>
+        </p:style>
+        <p:txBody>
+          <a:bodyPr wrap="square" rtlCol="0" anchor="ctr">
+            <a:noAutofit/>
+          </a:bodyPr>
+          <a:lstStyle/>
+          <a:p>
+            <a:pPr marL="0" marR="0" lvl="0" indent="0" algn="ctr" defTabSz="914400" rtl="0" eaLnBrk="1" fontAlgn="auto" latinLnBrk="0" hangingPunct="1">
+              <a:lnSpc>
+                <a:spcPct val="100000"/>
+              </a:lnSpc>
+              <a:spcBef>
+                <a:spcPts val="0"/>
+              </a:spcBef>
+              <a:spcAft>
+                <a:spcPts val="0"/>
+              </a:spcAft>
+              <a:buClrTx/>
+              <a:buSzTx/>
+              <a:buFontTx/>
+              <a:buNone/>
+              <a:tabLst/>
+              <a:defRPr/>
+            </a:pPr>
+            <a:endParaRPr kumimoji="0" lang="en-US" sz="1800" b="0" i="0" u="none" strike="noStrike" kern="1200" cap="none" spc="0" normalizeH="0" baseline="0" noProof="0">
+              <a:ln>
+                <a:noFill/>
+              </a:ln>
+              <a:solidFill>
+                <a:prstClr val="white"/>
+              </a:solidFill>
+              <a:effectLst/>
+              <a:uLnTx/>
+              <a:uFillTx/>
+              <a:latin typeface="Calibri" panose="020F0502020204030204"/>
+              <a:ea typeface="+mn-ea"/>
+              <a:cs typeface="+mn-cs"/>
+            </a:endParaRPr>
+          </a:p>
+        </p:txBody>
+      </p:sp>
+      <p:sp>
+        <p:nvSpPr>
+          <p:cNvPr id="2" name="Titolo 1">
+            <a:extLst>
+              <a:ext uri="{FF2B5EF4-FFF2-40B4-BE49-F238E27FC236}">
+                <a16:creationId xmlns:a16="http://schemas.microsoft.com/office/drawing/2014/main" id="{65F4D648-4323-429F-81F4-0DC01BAF0F85}"/>
+              </a:ext>
+            </a:extLst>
+          </p:cNvPr>
+          <p:cNvSpPr>
+            <a:spLocks noGrp="1"/>
+          </p:cNvSpPr>
+          <p:nvPr>
+            <p:ph type="title"/>
+          </p:nvPr>
+        </p:nvSpPr>
+        <p:spPr>
+          <a:xfrm>
+            <a:off x="621792" y="1161288"/>
+            <a:ext cx="3602736" cy="4526280"/>
+          </a:xfrm>
+        </p:spPr>
+        <p:txBody>
+          <a:bodyPr>
+            <a:normAutofit/>
+          </a:bodyPr>
+          <a:lstStyle/>
+          <a:p>
+            <a:r>
+              <a:rPr lang="it-IT" sz="4000" dirty="0"/>
+              <a:t>HAPROXY &amp; FRONT-END</a:t>
+            </a:r>
+          </a:p>
+        </p:txBody>
+      </p:sp>
+      <p:sp>
+        <p:nvSpPr>
+          <p:cNvPr id="115" name="Rectangle 114">
+            <a:extLst>
+              <a:ext uri="{FF2B5EF4-FFF2-40B4-BE49-F238E27FC236}">
+                <a16:creationId xmlns:a16="http://schemas.microsoft.com/office/drawing/2014/main" id="{463EEC44-1BA3-44ED-81FC-A644B04B2A44}"/>
+              </a:ext>
+              <a:ext uri="{C183D7F6-B498-43B3-948B-1728B52AA6E4}">
+                <adec:decorative xmlns:adec="http://schemas.microsoft.com/office/drawing/2017/decorative" val="1"/>
+              </a:ext>
+            </a:extLst>
+          </p:cNvPr>
+          <p:cNvSpPr>
+            <a:spLocks noGrp="1" noRot="1" noChangeAspect="1" noMove="1" noResize="1" noEditPoints="1" noAdjustHandles="1" noChangeArrowheads="1" noChangeShapeType="1" noTextEdit="1"/>
+          </p:cNvSpPr>
+          <p:nvPr>
+            <p:extLst>
+              <p:ext uri="{386F3935-93C4-4BCD-93E2-E3B085C9AB24}">
+                <p16:designElem xmlns:p16="http://schemas.microsoft.com/office/powerpoint/2015/main" val="1"/>
+              </p:ext>
+            </p:extLst>
+          </p:nvPr>
+        </p:nvSpPr>
+        <p:spPr>
+          <a:xfrm>
+            <a:off x="0" y="3102049"/>
+            <a:ext cx="128016" cy="653903"/>
+          </a:xfrm>
+          <a:prstGeom prst="rect">
+            <a:avLst/>
+          </a:prstGeom>
+          <a:solidFill>
+            <a:schemeClr val="accent2"/>
+          </a:solidFill>
+          <a:ln>
+            <a:noFill/>
+          </a:ln>
+        </p:spPr>
+        <p:style>
+          <a:lnRef idx="2">
+            <a:schemeClr val="accent1">
+              <a:shade val="50000"/>
+            </a:schemeClr>
+          </a:lnRef>
+          <a:fillRef idx="1">
+            <a:schemeClr val="accent1"/>
+          </a:fillRef>
+          <a:effectRef idx="0">
+            <a:schemeClr val="accent1"/>
+          </a:effectRef>
+          <a:fontRef idx="minor">
+            <a:schemeClr val="lt1"/>
+          </a:fontRef>
+        </p:style>
+        <p:txBody>
+          <a:bodyPr rtlCol="0" anchor="ctr"/>
+          <a:lstStyle/>
+          <a:p>
+            <a:pPr algn="ctr"/>
+            <a:endParaRPr lang="en-US">
+              <a:solidFill>
+                <a:prstClr val="white"/>
+              </a:solidFill>
+              <a:latin typeface="Calibri" panose="020F0502020204030204"/>
+            </a:endParaRPr>
+          </a:p>
+        </p:txBody>
+      </p:sp>
+      <p:sp>
+        <p:nvSpPr>
+          <p:cNvPr id="3" name="Segnaposto contenuto 2">
+            <a:extLst>
+              <a:ext uri="{FF2B5EF4-FFF2-40B4-BE49-F238E27FC236}">
+                <a16:creationId xmlns:a16="http://schemas.microsoft.com/office/drawing/2014/main" id="{53791F3C-6B65-4EE9-8D35-475CE948462C}"/>
+              </a:ext>
+            </a:extLst>
+          </p:cNvPr>
+          <p:cNvSpPr>
+            <a:spLocks noGrp="1"/>
+          </p:cNvSpPr>
+          <p:nvPr>
+            <p:ph idx="1"/>
+          </p:nvPr>
+        </p:nvSpPr>
+        <p:spPr>
+          <a:xfrm>
+            <a:off x="5434149" y="932688"/>
+            <a:ext cx="5916603" cy="4992624"/>
+          </a:xfrm>
+        </p:spPr>
+        <p:txBody>
+          <a:bodyPr anchor="ctr">
+            <a:normAutofit/>
+          </a:bodyPr>
+          <a:lstStyle/>
+          <a:p>
+            <a:r>
+              <a:rPr lang="it-IT" sz="2000" dirty="0" err="1"/>
+              <a:t>HAProxy</a:t>
+            </a:r>
+            <a:r>
+              <a:rPr lang="it-IT" sz="2000" dirty="0"/>
+              <a:t> </a:t>
+            </a:r>
+            <a:r>
+              <a:rPr lang="it-IT" sz="2000" dirty="0" err="1"/>
+              <a:t>is</a:t>
+            </a:r>
+            <a:r>
+              <a:rPr lang="it-IT" sz="2000" dirty="0"/>
+              <a:t> </a:t>
+            </a:r>
+            <a:r>
+              <a:rPr lang="it-IT" sz="2000" dirty="0" err="1"/>
+              <a:t>deployed</a:t>
+            </a:r>
+            <a:r>
+              <a:rPr lang="it-IT" sz="2000" dirty="0"/>
+              <a:t> </a:t>
+            </a:r>
+            <a:r>
+              <a:rPr lang="it-IT" sz="2000" dirty="0" err="1"/>
+              <a:t>as</a:t>
+            </a:r>
+            <a:r>
+              <a:rPr lang="it-IT" sz="2000" dirty="0"/>
+              <a:t> single </a:t>
+            </a:r>
+            <a:r>
+              <a:rPr lang="it-IT" sz="2000" dirty="0" err="1"/>
+              <a:t>istance</a:t>
+            </a:r>
+            <a:r>
+              <a:rPr lang="it-IT" sz="2000" dirty="0"/>
+              <a:t>, in the VM with </a:t>
+            </a:r>
+            <a:r>
+              <a:rPr lang="it-IT" sz="2000" dirty="0" err="1"/>
+              <a:t>ip</a:t>
+            </a:r>
+            <a:r>
+              <a:rPr lang="it-IT" sz="2000" dirty="0"/>
+              <a:t> 172.16.3.35 in a </a:t>
+            </a:r>
+            <a:r>
+              <a:rPr lang="it-IT" sz="2000" dirty="0" err="1"/>
+              <a:t>docker</a:t>
+            </a:r>
+            <a:r>
+              <a:rPr lang="it-IT" sz="2000" dirty="0"/>
+              <a:t>.</a:t>
+            </a:r>
+          </a:p>
+          <a:p>
+            <a:r>
+              <a:rPr lang="it-IT" sz="2000" dirty="0"/>
+              <a:t>For </a:t>
+            </a:r>
+            <a:r>
+              <a:rPr lang="it-IT" sz="2000" dirty="0" err="1"/>
+              <a:t>this</a:t>
+            </a:r>
+            <a:r>
+              <a:rPr lang="it-IT" sz="2000" dirty="0"/>
+              <a:t> </a:t>
+            </a:r>
+            <a:r>
+              <a:rPr lang="it-IT" sz="2000" dirty="0" err="1"/>
+              <a:t>architecture</a:t>
+            </a:r>
+            <a:r>
+              <a:rPr lang="it-IT" sz="2000" dirty="0"/>
+              <a:t>, </a:t>
+            </a:r>
+            <a:r>
+              <a:rPr lang="it-IT" sz="2000" dirty="0" err="1"/>
+              <a:t>every</a:t>
+            </a:r>
+            <a:r>
+              <a:rPr lang="it-IT" sz="2000" dirty="0"/>
+              <a:t> front-end </a:t>
+            </a:r>
+            <a:r>
+              <a:rPr lang="it-IT" sz="2000" dirty="0" err="1"/>
+              <a:t>instance</a:t>
+            </a:r>
+            <a:r>
+              <a:rPr lang="it-IT" sz="2000" dirty="0"/>
+              <a:t> must be </a:t>
+            </a:r>
+            <a:r>
+              <a:rPr lang="it-IT" sz="2000" dirty="0" err="1"/>
+              <a:t>connected</a:t>
+            </a:r>
+            <a:r>
+              <a:rPr lang="it-IT" sz="2000" dirty="0"/>
+              <a:t> with one back-end </a:t>
+            </a:r>
+            <a:r>
+              <a:rPr lang="it-IT" sz="2000" dirty="0" err="1"/>
+              <a:t>istance</a:t>
+            </a:r>
+            <a:r>
+              <a:rPr lang="it-IT" sz="2000" dirty="0"/>
+              <a:t>.</a:t>
+            </a:r>
+          </a:p>
+          <a:p>
+            <a:r>
+              <a:rPr lang="it-IT" sz="2000" dirty="0"/>
+              <a:t>The front-end </a:t>
+            </a:r>
+            <a:r>
+              <a:rPr lang="it-IT" sz="2000" dirty="0" err="1"/>
+              <a:t>istance</a:t>
+            </a:r>
+            <a:r>
+              <a:rPr lang="it-IT" sz="2000" dirty="0"/>
+              <a:t> </a:t>
+            </a:r>
+            <a:r>
+              <a:rPr lang="it-IT" sz="2000" dirty="0" err="1"/>
+              <a:t>is</a:t>
+            </a:r>
+            <a:r>
+              <a:rPr lang="it-IT" sz="2000" dirty="0"/>
+              <a:t> </a:t>
+            </a:r>
+            <a:r>
+              <a:rPr lang="it-IT" sz="2000" dirty="0" err="1"/>
+              <a:t>obtained</a:t>
+            </a:r>
+            <a:r>
+              <a:rPr lang="it-IT" sz="2000" dirty="0"/>
+              <a:t> </a:t>
+            </a:r>
+            <a:r>
+              <a:rPr lang="it-IT" sz="2000" dirty="0" err="1"/>
+              <a:t>starting</a:t>
+            </a:r>
+            <a:r>
+              <a:rPr lang="it-IT" sz="2000" dirty="0"/>
+              <a:t> from a </a:t>
+            </a:r>
+            <a:r>
+              <a:rPr lang="it-IT" sz="2000" dirty="0" err="1"/>
+              <a:t>yaml</a:t>
+            </a:r>
+            <a:r>
+              <a:rPr lang="it-IT" sz="2000" dirty="0"/>
+              <a:t> </a:t>
+            </a:r>
+            <a:r>
+              <a:rPr lang="it-IT" sz="2000" dirty="0" err="1"/>
+              <a:t>declaration</a:t>
+            </a:r>
+            <a:r>
+              <a:rPr lang="it-IT" sz="2000" dirty="0"/>
+              <a:t>.</a:t>
+            </a:r>
+          </a:p>
+          <a:p>
+            <a:r>
+              <a:rPr lang="it-IT" sz="2000" dirty="0"/>
+              <a:t>The front-end use </a:t>
+            </a:r>
+            <a:r>
+              <a:rPr lang="it-IT" sz="2000" dirty="0" err="1"/>
+              <a:t>rabbitmq</a:t>
+            </a:r>
+            <a:r>
+              <a:rPr lang="it-IT" sz="2000" dirty="0"/>
+              <a:t> to </a:t>
+            </a:r>
+            <a:r>
+              <a:rPr lang="it-IT" sz="2000" dirty="0" err="1"/>
+              <a:t>communicate</a:t>
+            </a:r>
+            <a:r>
+              <a:rPr lang="it-IT" sz="2000" dirty="0"/>
+              <a:t> with the </a:t>
+            </a:r>
+            <a:r>
+              <a:rPr lang="it-IT" sz="2000" dirty="0" err="1"/>
+              <a:t>corrispective</a:t>
+            </a:r>
+            <a:r>
+              <a:rPr lang="it-IT" sz="2000" dirty="0"/>
+              <a:t> back-end </a:t>
+            </a:r>
+            <a:r>
+              <a:rPr lang="it-IT" sz="2000" dirty="0" err="1"/>
+              <a:t>istance</a:t>
+            </a:r>
+            <a:r>
+              <a:rPr lang="it-IT" sz="2000" dirty="0"/>
+              <a:t>.</a:t>
+            </a:r>
+          </a:p>
+          <a:p>
+            <a:r>
+              <a:rPr lang="it-IT" sz="2000" dirty="0" err="1"/>
+              <a:t>Also</a:t>
+            </a:r>
+            <a:r>
+              <a:rPr lang="it-IT" sz="2000" dirty="0"/>
+              <a:t> the front-end </a:t>
+            </a:r>
+            <a:r>
+              <a:rPr lang="it-IT" sz="2000" dirty="0" err="1"/>
+              <a:t>is</a:t>
+            </a:r>
+            <a:r>
+              <a:rPr lang="it-IT" sz="2000" dirty="0"/>
+              <a:t> </a:t>
+            </a:r>
+            <a:r>
+              <a:rPr lang="it-IT" sz="2000" dirty="0" err="1"/>
+              <a:t>deployed</a:t>
+            </a:r>
+            <a:r>
+              <a:rPr lang="it-IT" sz="2000" dirty="0"/>
+              <a:t> on </a:t>
+            </a:r>
+            <a:r>
+              <a:rPr lang="it-IT" sz="2000" dirty="0" err="1"/>
+              <a:t>docker</a:t>
+            </a:r>
+            <a:endParaRPr lang="it-IT" sz="2000" dirty="0"/>
+          </a:p>
+          <a:p>
+            <a:endParaRPr lang="en-US" sz="2000" dirty="0"/>
+          </a:p>
+          <a:p>
+            <a:pPr marL="0" indent="0">
+              <a:buNone/>
+            </a:pPr>
+            <a:r>
+              <a:rPr lang="it-IT" sz="2000" dirty="0"/>
+              <a:t> </a:t>
+            </a:r>
+          </a:p>
+        </p:txBody>
+      </p:sp>
+    </p:spTree>
+    <p:extLst>
+      <p:ext uri="{BB962C8B-B14F-4D97-AF65-F5344CB8AC3E}">
+        <p14:creationId xmlns:p14="http://schemas.microsoft.com/office/powerpoint/2010/main" val="2252410787"/>
+      </p:ext>
+    </p:extLst>
+  </p:cSld>
+  <p:clrMapOvr>
+    <a:masterClrMapping/>
+  </p:clrMapOvr>
+</p:sld>
+</file>
+
+<file path=ppt/slides/slide4.xml><?xml version="1.0" encoding="utf-8"?>
+<p:sld xmlns:a="http://schemas.openxmlformats.org/drawingml/2006/main" xmlns:r="http://schemas.openxmlformats.org/officeDocument/2006/relationships" xmlns:p="http://schemas.openxmlformats.org/presentationml/2006/main">
+  <p:cSld>
+    <p:bg>
+      <p:bgPr>
+        <a:solidFill>
+          <a:schemeClr val="bg1"/>
+        </a:solidFill>
+        <a:effectLst/>
+      </p:bgPr>
+    </p:bg>
+    <p:spTree>
+      <p:nvGrpSpPr>
+        <p:cNvPr id="1" name=""/>
+        <p:cNvGrpSpPr/>
+        <p:nvPr/>
+      </p:nvGrpSpPr>
+      <p:grpSpPr>
+        <a:xfrm>
+          <a:off x="0" y="0"/>
+          <a:ext cx="0" cy="0"/>
+          <a:chOff x="0" y="0"/>
+          <a:chExt cx="0" cy="0"/>
+        </a:xfrm>
+      </p:grpSpPr>
+      <p:sp useBgFill="1">
+        <p:nvSpPr>
+          <p:cNvPr id="8" name="Rectangle 7">
+            <a:extLst>
+              <a:ext uri="{FF2B5EF4-FFF2-40B4-BE49-F238E27FC236}">
+                <a16:creationId xmlns:a16="http://schemas.microsoft.com/office/drawing/2014/main" id="{1C799903-48D5-4A31-A1A2-541072D9771E}"/>
+              </a:ext>
+              <a:ext uri="{C183D7F6-B498-43B3-948B-1728B52AA6E4}">
+                <adec:decorative xmlns:adec="http://schemas.microsoft.com/office/drawing/2017/decorative" val="1"/>
+              </a:ext>
+            </a:extLst>
+          </p:cNvPr>
+          <p:cNvSpPr>
+            <a:spLocks noGrp="1" noRot="1" noChangeAspect="1" noMove="1" noResize="1" noEditPoints="1" noAdjustHandles="1" noChangeArrowheads="1" noChangeShapeType="1" noTextEdit="1"/>
+          </p:cNvSpPr>
+          <p:nvPr>
+            <p:extLst>
+              <p:ext uri="{386F3935-93C4-4BCD-93E2-E3B085C9AB24}">
+                <p16:designElem xmlns:p16="http://schemas.microsoft.com/office/powerpoint/2015/main" val="1"/>
+              </p:ext>
+            </p:extLst>
+          </p:nvPr>
+        </p:nvSpPr>
+        <p:spPr>
+          <a:xfrm>
+            <a:off x="0" y="0"/>
+            <a:ext cx="12192002" cy="6858000"/>
+          </a:xfrm>
+          <a:prstGeom prst="rect">
+            <a:avLst/>
+          </a:prstGeom>
+          <a:ln>
+            <a:noFill/>
+          </a:ln>
+        </p:spPr>
+        <p:style>
+          <a:lnRef idx="2">
+            <a:schemeClr val="accent1">
+              <a:shade val="50000"/>
+            </a:schemeClr>
+          </a:lnRef>
+          <a:fillRef idx="1">
+            <a:schemeClr val="accent1"/>
+          </a:fillRef>
+          <a:effectRef idx="0">
+            <a:schemeClr val="accent1"/>
+          </a:effectRef>
+          <a:fontRef idx="minor">
+            <a:schemeClr val="lt1"/>
+          </a:fontRef>
+        </p:style>
+        <p:txBody>
+          <a:bodyPr rtlCol="0" anchor="ctr"/>
+          <a:lstStyle/>
+          <a:p>
+            <a:pPr algn="ctr"/>
+            <a:endParaRPr lang="en-US"/>
+          </a:p>
+        </p:txBody>
+      </p:sp>
+      <p:sp useBgFill="1">
+        <p:nvSpPr>
+          <p:cNvPr id="10" name="Freeform: Shape 9">
+            <a:extLst>
+              <a:ext uri="{FF2B5EF4-FFF2-40B4-BE49-F238E27FC236}">
+                <a16:creationId xmlns:a16="http://schemas.microsoft.com/office/drawing/2014/main" id="{8EFFF109-FC58-4FD3-BE05-9775A1310F55}"/>
+              </a:ext>
+              <a:ext uri="{C183D7F6-B498-43B3-948B-1728B52AA6E4}">
+                <adec:decorative xmlns:adec="http://schemas.microsoft.com/office/drawing/2017/decorative" val="1"/>
+              </a:ext>
+            </a:extLst>
+          </p:cNvPr>
+          <p:cNvSpPr>
+            <a:spLocks noGrp="1" noRot="1" noChangeAspect="1" noMove="1" noResize="1" noEditPoints="1" noAdjustHandles="1" noChangeArrowheads="1" noChangeShapeType="1" noTextEdit="1"/>
+          </p:cNvSpPr>
+          <p:nvPr>
+            <p:extLst>
+              <p:ext uri="{386F3935-93C4-4BCD-93E2-E3B085C9AB24}">
+                <p16:designElem xmlns:p16="http://schemas.microsoft.com/office/powerpoint/2015/main" val="1"/>
+              </p:ext>
+            </p:extLst>
+          </p:nvPr>
+        </p:nvSpPr>
+        <p:spPr>
+          <a:xfrm>
+            <a:off x="-1" y="0"/>
+            <a:ext cx="4818889" cy="6858000"/>
+          </a:xfrm>
+          <a:custGeom>
+            <a:avLst/>
+            <a:gdLst>
+              <a:gd name="connsiteX0" fmla="*/ 0 w 4818889"/>
+              <a:gd name="connsiteY0" fmla="*/ 0 h 6858000"/>
+              <a:gd name="connsiteX1" fmla="*/ 3605911 w 4818889"/>
+              <a:gd name="connsiteY1" fmla="*/ 0 h 6858000"/>
+              <a:gd name="connsiteX2" fmla="*/ 3668894 w 4818889"/>
+              <a:gd name="connsiteY2" fmla="*/ 69271 h 6858000"/>
+              <a:gd name="connsiteX3" fmla="*/ 4818889 w 4818889"/>
+              <a:gd name="connsiteY3" fmla="*/ 3429000 h 6858000"/>
+              <a:gd name="connsiteX4" fmla="*/ 3668894 w 4818889"/>
+              <a:gd name="connsiteY4" fmla="*/ 6788730 h 6858000"/>
+              <a:gd name="connsiteX5" fmla="*/ 3605911 w 4818889"/>
+              <a:gd name="connsiteY5" fmla="*/ 6858000 h 6858000"/>
+              <a:gd name="connsiteX6" fmla="*/ 0 w 4818889"/>
+              <a:gd name="connsiteY6" fmla="*/ 6858000 h 6858000"/>
+            </a:gdLst>
+            <a:ahLst/>
+            <a:cxnLst>
+              <a:cxn ang="0">
+                <a:pos x="connsiteX0" y="connsiteY0"/>
+              </a:cxn>
+              <a:cxn ang="0">
+                <a:pos x="connsiteX1" y="connsiteY1"/>
+              </a:cxn>
+              <a:cxn ang="0">
+                <a:pos x="connsiteX2" y="connsiteY2"/>
+              </a:cxn>
+              <a:cxn ang="0">
+                <a:pos x="connsiteX3" y="connsiteY3"/>
+              </a:cxn>
+              <a:cxn ang="0">
+                <a:pos x="connsiteX4" y="connsiteY4"/>
+              </a:cxn>
+              <a:cxn ang="0">
+                <a:pos x="connsiteX5" y="connsiteY5"/>
+              </a:cxn>
+              <a:cxn ang="0">
+                <a:pos x="connsiteX6" y="connsiteY6"/>
+              </a:cxn>
+            </a:cxnLst>
+            <a:rect l="l" t="t" r="r" b="b"/>
+            <a:pathLst>
+              <a:path w="4818889" h="6858000">
+                <a:moveTo>
+                  <a:pt x="0" y="0"/>
+                </a:moveTo>
+                <a:lnTo>
+                  <a:pt x="3605911" y="0"/>
+                </a:lnTo>
+                <a:lnTo>
+                  <a:pt x="3668894" y="69271"/>
+                </a:lnTo>
+                <a:cubicBezTo>
+                  <a:pt x="4379420" y="929100"/>
+                  <a:pt x="4818889" y="2116944"/>
+                  <a:pt x="4818889" y="3429000"/>
+                </a:cubicBezTo>
+                <a:cubicBezTo>
+                  <a:pt x="4818889" y="4741056"/>
+                  <a:pt x="4379420" y="5928900"/>
+                  <a:pt x="3668894" y="6788730"/>
+                </a:cubicBezTo>
+                <a:lnTo>
+                  <a:pt x="3605911" y="6858000"/>
+                </a:lnTo>
+                <a:lnTo>
+                  <a:pt x="0" y="6858000"/>
+                </a:lnTo>
+                <a:close/>
+              </a:path>
+            </a:pathLst>
+          </a:custGeom>
+          <a:ln w="9525">
+            <a:solidFill>
+              <a:srgbClr val="E6E6E6"/>
+            </a:solidFill>
+          </a:ln>
+          <a:effectLst>
+            <a:outerShdw blurRad="50800" dist="38100" algn="l" rotWithShape="0">
+              <a:schemeClr val="bg1">
+                <a:lumMod val="85000"/>
+                <a:alpha val="50000"/>
+              </a:schemeClr>
+            </a:outerShdw>
+          </a:effectLst>
+        </p:spPr>
+        <p:style>
+          <a:lnRef idx="2">
+            <a:schemeClr val="accent1">
+              <a:shade val="50000"/>
+            </a:schemeClr>
+          </a:lnRef>
+          <a:fillRef idx="1">
+            <a:schemeClr val="accent1"/>
+          </a:fillRef>
+          <a:effectRef idx="0">
+            <a:schemeClr val="accent1"/>
+          </a:effectRef>
+          <a:fontRef idx="minor">
+            <a:schemeClr val="lt1"/>
+          </a:fontRef>
+        </p:style>
+        <p:txBody>
+          <a:bodyPr wrap="square" rtlCol="0" anchor="ctr">
+            <a:noAutofit/>
+          </a:bodyPr>
+          <a:lstStyle/>
+          <a:p>
+            <a:pPr marL="0" marR="0" lvl="0" indent="0" algn="ctr" defTabSz="914400" rtl="0" eaLnBrk="1" fontAlgn="auto" latinLnBrk="0" hangingPunct="1">
+              <a:lnSpc>
+                <a:spcPct val="100000"/>
+              </a:lnSpc>
+              <a:spcBef>
+                <a:spcPts val="0"/>
+              </a:spcBef>
+              <a:spcAft>
+                <a:spcPts val="0"/>
+              </a:spcAft>
+              <a:buClrTx/>
+              <a:buSzTx/>
+              <a:buFontTx/>
+              <a:buNone/>
+              <a:tabLst/>
+              <a:defRPr/>
+            </a:pPr>
+            <a:endParaRPr kumimoji="0" lang="en-US" sz="1800" b="0" i="0" u="none" strike="noStrike" kern="1200" cap="none" spc="0" normalizeH="0" baseline="0" noProof="0">
+              <a:ln>
+                <a:noFill/>
+              </a:ln>
+              <a:solidFill>
+                <a:prstClr val="white"/>
+              </a:solidFill>
+              <a:effectLst/>
+              <a:uLnTx/>
+              <a:uFillTx/>
+              <a:latin typeface="Calibri" panose="020F0502020204030204"/>
+              <a:ea typeface="+mn-ea"/>
+              <a:cs typeface="+mn-cs"/>
+            </a:endParaRPr>
+          </a:p>
+        </p:txBody>
+      </p:sp>
+      <p:sp useBgFill="1">
+        <p:nvSpPr>
+          <p:cNvPr id="12" name="Freeform: Shape 11">
+            <a:extLst>
+              <a:ext uri="{FF2B5EF4-FFF2-40B4-BE49-F238E27FC236}">
+                <a16:creationId xmlns:a16="http://schemas.microsoft.com/office/drawing/2014/main" id="{E1B96AD6-92A9-4273-A62B-96A1C3E0BA95}"/>
+              </a:ext>
+              <a:ext uri="{C183D7F6-B498-43B3-948B-1728B52AA6E4}">
+                <adec:decorative xmlns:adec="http://schemas.microsoft.com/office/drawing/2017/decorative" val="1"/>
+              </a:ext>
+            </a:extLst>
+          </p:cNvPr>
+          <p:cNvSpPr>
+            <a:spLocks noGrp="1" noRot="1" noChangeAspect="1" noMove="1" noResize="1" noEditPoints="1" noAdjustHandles="1" noChangeArrowheads="1" noChangeShapeType="1" noTextEdit="1"/>
+          </p:cNvSpPr>
+          <p:nvPr>
+            <p:extLst>
+              <p:ext uri="{386F3935-93C4-4BCD-93E2-E3B085C9AB24}">
+                <p16:designElem xmlns:p16="http://schemas.microsoft.com/office/powerpoint/2015/main" val="1"/>
+              </p:ext>
+            </p:extLst>
+          </p:nvPr>
+        </p:nvSpPr>
+        <p:spPr>
+          <a:xfrm>
+            <a:off x="1" y="0"/>
+            <a:ext cx="4811477" cy="6858000"/>
+          </a:xfrm>
+          <a:custGeom>
+            <a:avLst/>
+            <a:gdLst>
+              <a:gd name="connsiteX0" fmla="*/ 0 w 4811477"/>
+              <a:gd name="connsiteY0" fmla="*/ 0 h 6858000"/>
+              <a:gd name="connsiteX1" fmla="*/ 3598499 w 4811477"/>
+              <a:gd name="connsiteY1" fmla="*/ 0 h 6858000"/>
+              <a:gd name="connsiteX2" fmla="*/ 3661482 w 4811477"/>
+              <a:gd name="connsiteY2" fmla="*/ 69271 h 6858000"/>
+              <a:gd name="connsiteX3" fmla="*/ 4811477 w 4811477"/>
+              <a:gd name="connsiteY3" fmla="*/ 3429000 h 6858000"/>
+              <a:gd name="connsiteX4" fmla="*/ 3661482 w 4811477"/>
+              <a:gd name="connsiteY4" fmla="*/ 6788730 h 6858000"/>
+              <a:gd name="connsiteX5" fmla="*/ 3598499 w 4811477"/>
+              <a:gd name="connsiteY5" fmla="*/ 6858000 h 6858000"/>
+              <a:gd name="connsiteX6" fmla="*/ 0 w 4811477"/>
+              <a:gd name="connsiteY6" fmla="*/ 6858000 h 6858000"/>
+            </a:gdLst>
+            <a:ahLst/>
+            <a:cxnLst>
+              <a:cxn ang="0">
+                <a:pos x="connsiteX0" y="connsiteY0"/>
+              </a:cxn>
+              <a:cxn ang="0">
+                <a:pos x="connsiteX1" y="connsiteY1"/>
+              </a:cxn>
+              <a:cxn ang="0">
+                <a:pos x="connsiteX2" y="connsiteY2"/>
+              </a:cxn>
+              <a:cxn ang="0">
+                <a:pos x="connsiteX3" y="connsiteY3"/>
+              </a:cxn>
+              <a:cxn ang="0">
+                <a:pos x="connsiteX4" y="connsiteY4"/>
+              </a:cxn>
+              <a:cxn ang="0">
+                <a:pos x="connsiteX5" y="connsiteY5"/>
+              </a:cxn>
+              <a:cxn ang="0">
+                <a:pos x="connsiteX6" y="connsiteY6"/>
+              </a:cxn>
+            </a:cxnLst>
+            <a:rect l="l" t="t" r="r" b="b"/>
+            <a:pathLst>
+              <a:path w="4811477" h="6858000">
+                <a:moveTo>
+                  <a:pt x="0" y="0"/>
+                </a:moveTo>
+                <a:lnTo>
+                  <a:pt x="3598499" y="0"/>
+                </a:lnTo>
+                <a:lnTo>
+                  <a:pt x="3661482" y="69271"/>
+                </a:lnTo>
+                <a:cubicBezTo>
+                  <a:pt x="4372008" y="929100"/>
+                  <a:pt x="4811477" y="2116944"/>
+                  <a:pt x="4811477" y="3429000"/>
+                </a:cubicBezTo>
+                <a:cubicBezTo>
+                  <a:pt x="4811477" y="4741056"/>
+                  <a:pt x="4372008" y="5928900"/>
+                  <a:pt x="3661482" y="6788730"/>
+                </a:cubicBezTo>
+                <a:lnTo>
+                  <a:pt x="3598499" y="6858000"/>
+                </a:lnTo>
+                <a:lnTo>
+                  <a:pt x="0" y="6858000"/>
+                </a:lnTo>
+                <a:close/>
+              </a:path>
+            </a:pathLst>
+          </a:custGeom>
+          <a:ln w="9525">
+            <a:noFill/>
+          </a:ln>
+          <a:effectLst/>
+        </p:spPr>
+        <p:style>
+          <a:lnRef idx="2">
+            <a:schemeClr val="accent1">
+              <a:shade val="50000"/>
+            </a:schemeClr>
+          </a:lnRef>
+          <a:fillRef idx="1">
+            <a:schemeClr val="accent1"/>
+          </a:fillRef>
+          <a:effectRef idx="0">
+            <a:schemeClr val="accent1"/>
+          </a:effectRef>
+          <a:fontRef idx="minor">
+            <a:schemeClr val="lt1"/>
+          </a:fontRef>
+        </p:style>
+        <p:txBody>
+          <a:bodyPr wrap="square" rtlCol="0" anchor="ctr">
+            <a:noAutofit/>
+          </a:bodyPr>
+          <a:lstStyle/>
+          <a:p>
+            <a:pPr marL="0" marR="0" lvl="0" indent="0" algn="ctr" defTabSz="914400" rtl="0" eaLnBrk="1" fontAlgn="auto" latinLnBrk="0" hangingPunct="1">
+              <a:lnSpc>
+                <a:spcPct val="100000"/>
+              </a:lnSpc>
+              <a:spcBef>
+                <a:spcPts val="0"/>
+              </a:spcBef>
+              <a:spcAft>
+                <a:spcPts val="0"/>
+              </a:spcAft>
+              <a:buClrTx/>
+              <a:buSzTx/>
+              <a:buFontTx/>
+              <a:buNone/>
+              <a:tabLst/>
+              <a:defRPr/>
+            </a:pPr>
+            <a:endParaRPr kumimoji="0" lang="en-US" sz="1800" b="0" i="0" u="none" strike="noStrike" kern="1200" cap="none" spc="0" normalizeH="0" baseline="0" noProof="0">
+              <a:ln>
+                <a:noFill/>
+              </a:ln>
+              <a:solidFill>
+                <a:prstClr val="white"/>
+              </a:solidFill>
+              <a:effectLst/>
+              <a:uLnTx/>
+              <a:uFillTx/>
+              <a:latin typeface="Calibri" panose="020F0502020204030204"/>
+              <a:ea typeface="+mn-ea"/>
+              <a:cs typeface="+mn-cs"/>
+            </a:endParaRPr>
+          </a:p>
+        </p:txBody>
+      </p:sp>
+      <p:sp>
+        <p:nvSpPr>
+          <p:cNvPr id="2" name="Titolo 1">
+            <a:extLst>
+              <a:ext uri="{FF2B5EF4-FFF2-40B4-BE49-F238E27FC236}">
+                <a16:creationId xmlns:a16="http://schemas.microsoft.com/office/drawing/2014/main" id="{65F4D648-4323-429F-81F4-0DC01BAF0F85}"/>
+              </a:ext>
+            </a:extLst>
+          </p:cNvPr>
+          <p:cNvSpPr>
+            <a:spLocks noGrp="1"/>
+          </p:cNvSpPr>
+          <p:nvPr>
+            <p:ph type="title"/>
+          </p:nvPr>
+        </p:nvSpPr>
+        <p:spPr>
+          <a:xfrm>
+            <a:off x="621792" y="1161288"/>
+            <a:ext cx="3602736" cy="4526280"/>
+          </a:xfrm>
+        </p:spPr>
+        <p:txBody>
+          <a:bodyPr>
+            <a:normAutofit/>
+          </a:bodyPr>
+          <a:lstStyle/>
+          <a:p>
+            <a:r>
+              <a:rPr lang="it-IT" sz="4000"/>
+              <a:t>RABBITMQ</a:t>
+            </a:r>
+          </a:p>
+        </p:txBody>
+      </p:sp>
+      <p:sp>
+        <p:nvSpPr>
+          <p:cNvPr id="14" name="Rectangle 13">
+            <a:extLst>
+              <a:ext uri="{FF2B5EF4-FFF2-40B4-BE49-F238E27FC236}">
+                <a16:creationId xmlns:a16="http://schemas.microsoft.com/office/drawing/2014/main" id="{463EEC44-1BA3-44ED-81FC-A644B04B2A44}"/>
+              </a:ext>
+              <a:ext uri="{C183D7F6-B498-43B3-948B-1728B52AA6E4}">
+                <adec:decorative xmlns:adec="http://schemas.microsoft.com/office/drawing/2017/decorative" val="1"/>
+              </a:ext>
+            </a:extLst>
+          </p:cNvPr>
+          <p:cNvSpPr>
+            <a:spLocks noGrp="1" noRot="1" noChangeAspect="1" noMove="1" noResize="1" noEditPoints="1" noAdjustHandles="1" noChangeArrowheads="1" noChangeShapeType="1" noTextEdit="1"/>
+          </p:cNvSpPr>
+          <p:nvPr>
+            <p:extLst>
+              <p:ext uri="{386F3935-93C4-4BCD-93E2-E3B085C9AB24}">
+                <p16:designElem xmlns:p16="http://schemas.microsoft.com/office/powerpoint/2015/main" val="1"/>
+              </p:ext>
+            </p:extLst>
+          </p:nvPr>
+        </p:nvSpPr>
+        <p:spPr>
+          <a:xfrm>
+            <a:off x="0" y="3102049"/>
+            <a:ext cx="128016" cy="653903"/>
+          </a:xfrm>
+          <a:prstGeom prst="rect">
+            <a:avLst/>
+          </a:prstGeom>
+          <a:solidFill>
+            <a:schemeClr val="accent2"/>
+          </a:solidFill>
+          <a:ln>
+            <a:noFill/>
+          </a:ln>
+        </p:spPr>
+        <p:style>
+          <a:lnRef idx="2">
+            <a:schemeClr val="accent1">
+              <a:shade val="50000"/>
+            </a:schemeClr>
+          </a:lnRef>
+          <a:fillRef idx="1">
+            <a:schemeClr val="accent1"/>
+          </a:fillRef>
+          <a:effectRef idx="0">
+            <a:schemeClr val="accent1"/>
+          </a:effectRef>
+          <a:fontRef idx="minor">
+            <a:schemeClr val="lt1"/>
+          </a:fontRef>
+        </p:style>
+        <p:txBody>
+          <a:bodyPr rtlCol="0" anchor="ctr"/>
+          <a:lstStyle/>
+          <a:p>
+            <a:pPr algn="ctr"/>
+            <a:endParaRPr lang="en-US">
+              <a:solidFill>
+                <a:prstClr val="white"/>
+              </a:solidFill>
+              <a:latin typeface="Calibri" panose="020F0502020204030204"/>
+            </a:endParaRPr>
+          </a:p>
+        </p:txBody>
+      </p:sp>
+      <p:sp>
+        <p:nvSpPr>
+          <p:cNvPr id="3" name="Segnaposto contenuto 2">
+            <a:extLst>
+              <a:ext uri="{FF2B5EF4-FFF2-40B4-BE49-F238E27FC236}">
+                <a16:creationId xmlns:a16="http://schemas.microsoft.com/office/drawing/2014/main" id="{53791F3C-6B65-4EE9-8D35-475CE948462C}"/>
+              </a:ext>
+            </a:extLst>
+          </p:cNvPr>
+          <p:cNvSpPr>
+            <a:spLocks noGrp="1"/>
+          </p:cNvSpPr>
+          <p:nvPr>
+            <p:ph idx="1"/>
+          </p:nvPr>
+        </p:nvSpPr>
+        <p:spPr>
+          <a:xfrm>
+            <a:off x="5434149" y="932688"/>
+            <a:ext cx="5916603" cy="4992624"/>
+          </a:xfrm>
+        </p:spPr>
+        <p:txBody>
+          <a:bodyPr anchor="ctr">
+            <a:normAutofit/>
+          </a:bodyPr>
+          <a:lstStyle/>
+          <a:p>
+            <a:r>
+              <a:rPr lang="it-IT" sz="2000" dirty="0" err="1"/>
+              <a:t>RabbitMQ</a:t>
+            </a:r>
+            <a:r>
+              <a:rPr lang="it-IT" sz="2000" dirty="0"/>
+              <a:t> </a:t>
+            </a:r>
+            <a:r>
+              <a:rPr lang="it-IT" sz="2000" dirty="0" err="1"/>
+              <a:t>is</a:t>
+            </a:r>
+            <a:r>
+              <a:rPr lang="it-IT" sz="2000" dirty="0"/>
+              <a:t> </a:t>
+            </a:r>
+            <a:r>
+              <a:rPr lang="it-IT" sz="2000" dirty="0" err="1"/>
+              <a:t>deployed</a:t>
+            </a:r>
+            <a:r>
+              <a:rPr lang="it-IT" sz="2000" dirty="0"/>
+              <a:t> </a:t>
+            </a:r>
+            <a:r>
+              <a:rPr lang="it-IT" sz="2000" dirty="0" err="1"/>
+              <a:t>as</a:t>
+            </a:r>
+            <a:r>
+              <a:rPr lang="it-IT" sz="2000" dirty="0"/>
+              <a:t> single </a:t>
+            </a:r>
+            <a:r>
+              <a:rPr lang="it-IT" sz="2000" dirty="0" err="1"/>
+              <a:t>istance</a:t>
+            </a:r>
+            <a:r>
+              <a:rPr lang="it-IT" sz="2000" dirty="0"/>
+              <a:t> in the VM with IP 172.16.3.35 in a </a:t>
+            </a:r>
+            <a:r>
+              <a:rPr lang="it-IT" sz="2000" dirty="0" err="1"/>
+              <a:t>docker</a:t>
+            </a:r>
+            <a:r>
+              <a:rPr lang="it-IT" sz="2000" dirty="0"/>
+              <a:t>.</a:t>
+            </a:r>
+          </a:p>
+          <a:p>
+            <a:r>
+              <a:rPr lang="it-IT" sz="2000" dirty="0"/>
+              <a:t>For </a:t>
+            </a:r>
+            <a:r>
+              <a:rPr lang="it-IT" sz="2000" dirty="0" err="1"/>
+              <a:t>each</a:t>
+            </a:r>
+            <a:r>
+              <a:rPr lang="it-IT" sz="2000" dirty="0"/>
+              <a:t> </a:t>
+            </a:r>
+            <a:r>
+              <a:rPr lang="it-IT" sz="2000" dirty="0" err="1"/>
+              <a:t>pair</a:t>
+            </a:r>
+            <a:r>
+              <a:rPr lang="it-IT" sz="2000" dirty="0"/>
+              <a:t> front-end back-end </a:t>
+            </a:r>
+            <a:r>
+              <a:rPr lang="it-IT" sz="2000" dirty="0" err="1"/>
+              <a:t>two</a:t>
+            </a:r>
+            <a:r>
+              <a:rPr lang="it-IT" sz="2000" dirty="0"/>
+              <a:t> </a:t>
+            </a:r>
+            <a:r>
+              <a:rPr lang="it-IT" sz="2000" dirty="0" err="1"/>
+              <a:t>exhange</a:t>
+            </a:r>
+            <a:r>
+              <a:rPr lang="it-IT" sz="2000" dirty="0"/>
+              <a:t> are </a:t>
+            </a:r>
+            <a:r>
+              <a:rPr lang="it-IT" sz="2000" dirty="0" err="1"/>
+              <a:t>declared</a:t>
+            </a:r>
+            <a:r>
+              <a:rPr lang="it-IT" sz="2000" dirty="0"/>
+              <a:t>, one from the front-end to the back-end and </a:t>
+            </a:r>
+            <a:r>
+              <a:rPr lang="it-IT" sz="2000" dirty="0" err="1"/>
+              <a:t>another</a:t>
+            </a:r>
+            <a:r>
+              <a:rPr lang="it-IT" sz="2000" dirty="0"/>
+              <a:t> from the back-end to the front-end.</a:t>
+            </a:r>
+          </a:p>
+          <a:p>
+            <a:r>
+              <a:rPr lang="it-IT" sz="2000" dirty="0"/>
+              <a:t>The </a:t>
+            </a:r>
+            <a:r>
+              <a:rPr lang="it-IT" sz="2000" dirty="0" err="1"/>
+              <a:t>message</a:t>
+            </a:r>
+            <a:r>
+              <a:rPr lang="it-IT" sz="2000" dirty="0"/>
+              <a:t> from the front-end to the back-end are </a:t>
+            </a:r>
+            <a:r>
+              <a:rPr lang="it-IT" sz="2000" dirty="0" err="1"/>
+              <a:t>sent</a:t>
+            </a:r>
+            <a:r>
+              <a:rPr lang="it-IT" sz="2000" dirty="0"/>
+              <a:t> with </a:t>
+            </a:r>
+            <a:r>
+              <a:rPr lang="it-IT" sz="2000" dirty="0" err="1"/>
+              <a:t>different</a:t>
+            </a:r>
+            <a:r>
+              <a:rPr lang="it-IT" sz="2000" dirty="0"/>
+              <a:t> </a:t>
+            </a:r>
+            <a:r>
+              <a:rPr lang="it-IT" sz="2000" dirty="0" err="1"/>
+              <a:t>routing</a:t>
+            </a:r>
+            <a:r>
+              <a:rPr lang="it-IT" sz="2000" dirty="0"/>
+              <a:t> key, </a:t>
+            </a:r>
+            <a:r>
+              <a:rPr lang="it-IT" sz="2000" dirty="0" err="1"/>
+              <a:t>based</a:t>
+            </a:r>
+            <a:r>
+              <a:rPr lang="it-IT" sz="2000" dirty="0"/>
+              <a:t> on the </a:t>
+            </a:r>
+            <a:r>
+              <a:rPr lang="it-IT" sz="2000" dirty="0" err="1"/>
+              <a:t>function</a:t>
+            </a:r>
+            <a:r>
+              <a:rPr lang="it-IT" sz="2000" dirty="0"/>
+              <a:t> to </a:t>
+            </a:r>
+            <a:r>
+              <a:rPr lang="it-IT" sz="2000" dirty="0" err="1"/>
+              <a:t>perform</a:t>
+            </a:r>
+            <a:r>
+              <a:rPr lang="it-IT" sz="2000" dirty="0"/>
+              <a:t>.</a:t>
+            </a:r>
+          </a:p>
+          <a:p>
+            <a:pPr marL="0" indent="0">
+              <a:buNone/>
+            </a:pPr>
+            <a:r>
+              <a:rPr lang="it-IT" sz="2000" dirty="0"/>
+              <a:t> </a:t>
+            </a:r>
+          </a:p>
+        </p:txBody>
+      </p:sp>
+    </p:spTree>
+    <p:extLst>
+      <p:ext uri="{BB962C8B-B14F-4D97-AF65-F5344CB8AC3E}">
+        <p14:creationId xmlns:p14="http://schemas.microsoft.com/office/powerpoint/2010/main" val="179246388"/>
+      </p:ext>
+    </p:extLst>
+  </p:cSld>
+  <p:clrMapOvr>
+    <a:masterClrMapping/>
+  </p:clrMapOvr>
+</p:sld>
+</file>
+
+<file path=ppt/slides/slide5.xml><?xml version="1.0" encoding="utf-8"?>
+<p:sld xmlns:a="http://schemas.openxmlformats.org/drawingml/2006/main" xmlns:r="http://schemas.openxmlformats.org/officeDocument/2006/relationships" xmlns:p="http://schemas.openxmlformats.org/presentationml/2006/main">
+  <p:cSld>
+    <p:bg>
+      <p:bgPr>
+        <a:solidFill>
+          <a:schemeClr val="bg1"/>
+        </a:solidFill>
+        <a:effectLst/>
+      </p:bgPr>
+    </p:bg>
+    <p:spTree>
+      <p:nvGrpSpPr>
+        <p:cNvPr id="1" name=""/>
+        <p:cNvGrpSpPr/>
+        <p:nvPr/>
+      </p:nvGrpSpPr>
+      <p:grpSpPr>
+        <a:xfrm>
+          <a:off x="0" y="0"/>
+          <a:ext cx="0" cy="0"/>
+          <a:chOff x="0" y="0"/>
+          <a:chExt cx="0" cy="0"/>
+        </a:xfrm>
+      </p:grpSpPr>
+      <p:sp useBgFill="1">
+        <p:nvSpPr>
+          <p:cNvPr id="8" name="Rectangle 7">
+            <a:extLst>
+              <a:ext uri="{FF2B5EF4-FFF2-40B4-BE49-F238E27FC236}">
+                <a16:creationId xmlns:a16="http://schemas.microsoft.com/office/drawing/2014/main" id="{1C799903-48D5-4A31-A1A2-541072D9771E}"/>
+              </a:ext>
+              <a:ext uri="{C183D7F6-B498-43B3-948B-1728B52AA6E4}">
+                <adec:decorative xmlns:adec="http://schemas.microsoft.com/office/drawing/2017/decorative" val="1"/>
+              </a:ext>
+            </a:extLst>
+          </p:cNvPr>
+          <p:cNvSpPr>
+            <a:spLocks noGrp="1" noRot="1" noChangeAspect="1" noMove="1" noResize="1" noEditPoints="1" noAdjustHandles="1" noChangeArrowheads="1" noChangeShapeType="1" noTextEdit="1"/>
+          </p:cNvSpPr>
+          <p:nvPr>
+            <p:extLst>
+              <p:ext uri="{386F3935-93C4-4BCD-93E2-E3B085C9AB24}">
+                <p16:designElem xmlns:p16="http://schemas.microsoft.com/office/powerpoint/2015/main" val="1"/>
+              </p:ext>
+            </p:extLst>
+          </p:nvPr>
+        </p:nvSpPr>
+        <p:spPr>
+          <a:xfrm>
+            <a:off x="0" y="0"/>
+            <a:ext cx="12192002" cy="6858000"/>
+          </a:xfrm>
+          <a:prstGeom prst="rect">
+            <a:avLst/>
+          </a:prstGeom>
+          <a:ln>
+            <a:noFill/>
+          </a:ln>
+        </p:spPr>
+        <p:style>
+          <a:lnRef idx="2">
+            <a:schemeClr val="accent1">
+              <a:shade val="50000"/>
+            </a:schemeClr>
+          </a:lnRef>
+          <a:fillRef idx="1">
+            <a:schemeClr val="accent1"/>
+          </a:fillRef>
+          <a:effectRef idx="0">
+            <a:schemeClr val="accent1"/>
+          </a:effectRef>
+          <a:fontRef idx="minor">
+            <a:schemeClr val="lt1"/>
+          </a:fontRef>
+        </p:style>
+        <p:txBody>
+          <a:bodyPr rtlCol="0" anchor="ctr"/>
+          <a:lstStyle/>
+          <a:p>
+            <a:pPr algn="ctr"/>
+            <a:endParaRPr lang="en-US"/>
+          </a:p>
+        </p:txBody>
+      </p:sp>
+      <p:sp useBgFill="1">
+        <p:nvSpPr>
+          <p:cNvPr id="10" name="Freeform: Shape 9">
+            <a:extLst>
+              <a:ext uri="{FF2B5EF4-FFF2-40B4-BE49-F238E27FC236}">
+                <a16:creationId xmlns:a16="http://schemas.microsoft.com/office/drawing/2014/main" id="{8EFFF109-FC58-4FD3-BE05-9775A1310F55}"/>
+              </a:ext>
+              <a:ext uri="{C183D7F6-B498-43B3-948B-1728B52AA6E4}">
+                <adec:decorative xmlns:adec="http://schemas.microsoft.com/office/drawing/2017/decorative" val="1"/>
+              </a:ext>
+            </a:extLst>
+          </p:cNvPr>
+          <p:cNvSpPr>
+            <a:spLocks noGrp="1" noRot="1" noChangeAspect="1" noMove="1" noResize="1" noEditPoints="1" noAdjustHandles="1" noChangeArrowheads="1" noChangeShapeType="1" noTextEdit="1"/>
+          </p:cNvSpPr>
+          <p:nvPr>
+            <p:extLst>
+              <p:ext uri="{386F3935-93C4-4BCD-93E2-E3B085C9AB24}">
+                <p16:designElem xmlns:p16="http://schemas.microsoft.com/office/powerpoint/2015/main" val="1"/>
+              </p:ext>
+            </p:extLst>
+          </p:nvPr>
+        </p:nvSpPr>
+        <p:spPr>
+          <a:xfrm>
+            <a:off x="-1" y="0"/>
+            <a:ext cx="4818889" cy="6858000"/>
+          </a:xfrm>
+          <a:custGeom>
+            <a:avLst/>
+            <a:gdLst>
+              <a:gd name="connsiteX0" fmla="*/ 0 w 4818889"/>
+              <a:gd name="connsiteY0" fmla="*/ 0 h 6858000"/>
+              <a:gd name="connsiteX1" fmla="*/ 3605911 w 4818889"/>
+              <a:gd name="connsiteY1" fmla="*/ 0 h 6858000"/>
+              <a:gd name="connsiteX2" fmla="*/ 3668894 w 4818889"/>
+              <a:gd name="connsiteY2" fmla="*/ 69271 h 6858000"/>
+              <a:gd name="connsiteX3" fmla="*/ 4818889 w 4818889"/>
+              <a:gd name="connsiteY3" fmla="*/ 3429000 h 6858000"/>
+              <a:gd name="connsiteX4" fmla="*/ 3668894 w 4818889"/>
+              <a:gd name="connsiteY4" fmla="*/ 6788730 h 6858000"/>
+              <a:gd name="connsiteX5" fmla="*/ 3605911 w 4818889"/>
+              <a:gd name="connsiteY5" fmla="*/ 6858000 h 6858000"/>
+              <a:gd name="connsiteX6" fmla="*/ 0 w 4818889"/>
+              <a:gd name="connsiteY6" fmla="*/ 6858000 h 6858000"/>
+            </a:gdLst>
+            <a:ahLst/>
+            <a:cxnLst>
+              <a:cxn ang="0">
+                <a:pos x="connsiteX0" y="connsiteY0"/>
+              </a:cxn>
+              <a:cxn ang="0">
+                <a:pos x="connsiteX1" y="connsiteY1"/>
+              </a:cxn>
+              <a:cxn ang="0">
+                <a:pos x="connsiteX2" y="connsiteY2"/>
+              </a:cxn>
+              <a:cxn ang="0">
+                <a:pos x="connsiteX3" y="connsiteY3"/>
+              </a:cxn>
+              <a:cxn ang="0">
+                <a:pos x="connsiteX4" y="connsiteY4"/>
+              </a:cxn>
+              <a:cxn ang="0">
+                <a:pos x="connsiteX5" y="connsiteY5"/>
+              </a:cxn>
+              <a:cxn ang="0">
+                <a:pos x="connsiteX6" y="connsiteY6"/>
+              </a:cxn>
+            </a:cxnLst>
+            <a:rect l="l" t="t" r="r" b="b"/>
+            <a:pathLst>
+              <a:path w="4818889" h="6858000">
+                <a:moveTo>
+                  <a:pt x="0" y="0"/>
+                </a:moveTo>
+                <a:lnTo>
+                  <a:pt x="3605911" y="0"/>
+                </a:lnTo>
+                <a:lnTo>
+                  <a:pt x="3668894" y="69271"/>
+                </a:lnTo>
+                <a:cubicBezTo>
+                  <a:pt x="4379420" y="929100"/>
+                  <a:pt x="4818889" y="2116944"/>
+                  <a:pt x="4818889" y="3429000"/>
+                </a:cubicBezTo>
+                <a:cubicBezTo>
+                  <a:pt x="4818889" y="4741056"/>
+                  <a:pt x="4379420" y="5928900"/>
+                  <a:pt x="3668894" y="6788730"/>
+                </a:cubicBezTo>
+                <a:lnTo>
+                  <a:pt x="3605911" y="6858000"/>
+                </a:lnTo>
+                <a:lnTo>
+                  <a:pt x="0" y="6858000"/>
+                </a:lnTo>
+                <a:close/>
+              </a:path>
+            </a:pathLst>
+          </a:custGeom>
+          <a:ln w="9525">
+            <a:solidFill>
+              <a:srgbClr val="E6E6E6"/>
+            </a:solidFill>
+          </a:ln>
+          <a:effectLst>
+            <a:outerShdw blurRad="50800" dist="38100" algn="l" rotWithShape="0">
+              <a:schemeClr val="bg1">
+                <a:lumMod val="85000"/>
+                <a:alpha val="50000"/>
+              </a:schemeClr>
+            </a:outerShdw>
+          </a:effectLst>
+        </p:spPr>
+        <p:style>
+          <a:lnRef idx="2">
+            <a:schemeClr val="accent1">
+              <a:shade val="50000"/>
+            </a:schemeClr>
+          </a:lnRef>
+          <a:fillRef idx="1">
+            <a:schemeClr val="accent1"/>
+          </a:fillRef>
+          <a:effectRef idx="0">
+            <a:schemeClr val="accent1"/>
+          </a:effectRef>
+          <a:fontRef idx="minor">
+            <a:schemeClr val="lt1"/>
+          </a:fontRef>
+        </p:style>
+        <p:txBody>
+          <a:bodyPr wrap="square" rtlCol="0" anchor="ctr">
+            <a:noAutofit/>
+          </a:bodyPr>
+          <a:lstStyle/>
+          <a:p>
+            <a:pPr marL="0" marR="0" lvl="0" indent="0" algn="ctr" defTabSz="914400" rtl="0" eaLnBrk="1" fontAlgn="auto" latinLnBrk="0" hangingPunct="1">
+              <a:lnSpc>
+                <a:spcPct val="100000"/>
+              </a:lnSpc>
+              <a:spcBef>
+                <a:spcPts val="0"/>
+              </a:spcBef>
+              <a:spcAft>
+                <a:spcPts val="0"/>
+              </a:spcAft>
+              <a:buClrTx/>
+              <a:buSzTx/>
+              <a:buFontTx/>
+              <a:buNone/>
+              <a:tabLst/>
+              <a:defRPr/>
+            </a:pPr>
+            <a:endParaRPr kumimoji="0" lang="en-US" sz="1800" b="0" i="0" u="none" strike="noStrike" kern="1200" cap="none" spc="0" normalizeH="0" baseline="0" noProof="0">
+              <a:ln>
+                <a:noFill/>
+              </a:ln>
+              <a:solidFill>
+                <a:prstClr val="white"/>
+              </a:solidFill>
+              <a:effectLst/>
+              <a:uLnTx/>
+              <a:uFillTx/>
+              <a:latin typeface="Calibri" panose="020F0502020204030204"/>
+              <a:ea typeface="+mn-ea"/>
+              <a:cs typeface="+mn-cs"/>
+            </a:endParaRPr>
+          </a:p>
+        </p:txBody>
+      </p:sp>
+      <p:sp useBgFill="1">
+        <p:nvSpPr>
+          <p:cNvPr id="12" name="Freeform: Shape 11">
+            <a:extLst>
+              <a:ext uri="{FF2B5EF4-FFF2-40B4-BE49-F238E27FC236}">
+                <a16:creationId xmlns:a16="http://schemas.microsoft.com/office/drawing/2014/main" id="{E1B96AD6-92A9-4273-A62B-96A1C3E0BA95}"/>
+              </a:ext>
+              <a:ext uri="{C183D7F6-B498-43B3-948B-1728B52AA6E4}">
+                <adec:decorative xmlns:adec="http://schemas.microsoft.com/office/drawing/2017/decorative" val="1"/>
+              </a:ext>
+            </a:extLst>
+          </p:cNvPr>
+          <p:cNvSpPr>
+            <a:spLocks noGrp="1" noRot="1" noChangeAspect="1" noMove="1" noResize="1" noEditPoints="1" noAdjustHandles="1" noChangeArrowheads="1" noChangeShapeType="1" noTextEdit="1"/>
+          </p:cNvSpPr>
+          <p:nvPr>
+            <p:extLst>
+              <p:ext uri="{386F3935-93C4-4BCD-93E2-E3B085C9AB24}">
+                <p16:designElem xmlns:p16="http://schemas.microsoft.com/office/powerpoint/2015/main" val="1"/>
+              </p:ext>
+            </p:extLst>
+          </p:nvPr>
+        </p:nvSpPr>
+        <p:spPr>
+          <a:xfrm>
+            <a:off x="1" y="0"/>
+            <a:ext cx="4811477" cy="6858000"/>
+          </a:xfrm>
+          <a:custGeom>
+            <a:avLst/>
+            <a:gdLst>
+              <a:gd name="connsiteX0" fmla="*/ 0 w 4811477"/>
+              <a:gd name="connsiteY0" fmla="*/ 0 h 6858000"/>
+              <a:gd name="connsiteX1" fmla="*/ 3598499 w 4811477"/>
+              <a:gd name="connsiteY1" fmla="*/ 0 h 6858000"/>
+              <a:gd name="connsiteX2" fmla="*/ 3661482 w 4811477"/>
+              <a:gd name="connsiteY2" fmla="*/ 69271 h 6858000"/>
+              <a:gd name="connsiteX3" fmla="*/ 4811477 w 4811477"/>
+              <a:gd name="connsiteY3" fmla="*/ 3429000 h 6858000"/>
+              <a:gd name="connsiteX4" fmla="*/ 3661482 w 4811477"/>
+              <a:gd name="connsiteY4" fmla="*/ 6788730 h 6858000"/>
+              <a:gd name="connsiteX5" fmla="*/ 3598499 w 4811477"/>
+              <a:gd name="connsiteY5" fmla="*/ 6858000 h 6858000"/>
+              <a:gd name="connsiteX6" fmla="*/ 0 w 4811477"/>
+              <a:gd name="connsiteY6" fmla="*/ 6858000 h 6858000"/>
+            </a:gdLst>
+            <a:ahLst/>
+            <a:cxnLst>
+              <a:cxn ang="0">
+                <a:pos x="connsiteX0" y="connsiteY0"/>
+              </a:cxn>
+              <a:cxn ang="0">
+                <a:pos x="connsiteX1" y="connsiteY1"/>
+              </a:cxn>
+              <a:cxn ang="0">
+                <a:pos x="connsiteX2" y="connsiteY2"/>
+              </a:cxn>
+              <a:cxn ang="0">
+                <a:pos x="connsiteX3" y="connsiteY3"/>
+              </a:cxn>
+              <a:cxn ang="0">
+                <a:pos x="connsiteX4" y="connsiteY4"/>
+              </a:cxn>
+              <a:cxn ang="0">
+                <a:pos x="connsiteX5" y="connsiteY5"/>
+              </a:cxn>
+              <a:cxn ang="0">
+                <a:pos x="connsiteX6" y="connsiteY6"/>
+              </a:cxn>
+            </a:cxnLst>
+            <a:rect l="l" t="t" r="r" b="b"/>
+            <a:pathLst>
+              <a:path w="4811477" h="6858000">
+                <a:moveTo>
+                  <a:pt x="0" y="0"/>
+                </a:moveTo>
+                <a:lnTo>
+                  <a:pt x="3598499" y="0"/>
+                </a:lnTo>
+                <a:lnTo>
+                  <a:pt x="3661482" y="69271"/>
+                </a:lnTo>
+                <a:cubicBezTo>
+                  <a:pt x="4372008" y="929100"/>
+                  <a:pt x="4811477" y="2116944"/>
+                  <a:pt x="4811477" y="3429000"/>
+                </a:cubicBezTo>
+                <a:cubicBezTo>
+                  <a:pt x="4811477" y="4741056"/>
+                  <a:pt x="4372008" y="5928900"/>
+                  <a:pt x="3661482" y="6788730"/>
+                </a:cubicBezTo>
+                <a:lnTo>
+                  <a:pt x="3598499" y="6858000"/>
+                </a:lnTo>
+                <a:lnTo>
+                  <a:pt x="0" y="6858000"/>
+                </a:lnTo>
+                <a:close/>
+              </a:path>
+            </a:pathLst>
+          </a:custGeom>
+          <a:ln w="9525">
+            <a:noFill/>
+          </a:ln>
+          <a:effectLst/>
+        </p:spPr>
+        <p:style>
+          <a:lnRef idx="2">
+            <a:schemeClr val="accent1">
+              <a:shade val="50000"/>
+            </a:schemeClr>
+          </a:lnRef>
+          <a:fillRef idx="1">
+            <a:schemeClr val="accent1"/>
+          </a:fillRef>
+          <a:effectRef idx="0">
+            <a:schemeClr val="accent1"/>
+          </a:effectRef>
+          <a:fontRef idx="minor">
+            <a:schemeClr val="lt1"/>
+          </a:fontRef>
+        </p:style>
+        <p:txBody>
+          <a:bodyPr wrap="square" rtlCol="0" anchor="ctr">
+            <a:noAutofit/>
+          </a:bodyPr>
+          <a:lstStyle/>
+          <a:p>
+            <a:pPr marL="0" marR="0" lvl="0" indent="0" algn="ctr" defTabSz="914400" rtl="0" eaLnBrk="1" fontAlgn="auto" latinLnBrk="0" hangingPunct="1">
+              <a:lnSpc>
+                <a:spcPct val="100000"/>
+              </a:lnSpc>
+              <a:spcBef>
+                <a:spcPts val="0"/>
+              </a:spcBef>
+              <a:spcAft>
+                <a:spcPts val="0"/>
+              </a:spcAft>
+              <a:buClrTx/>
+              <a:buSzTx/>
+              <a:buFontTx/>
+              <a:buNone/>
+              <a:tabLst/>
+              <a:defRPr/>
+            </a:pPr>
+            <a:endParaRPr kumimoji="0" lang="en-US" sz="1800" b="0" i="0" u="none" strike="noStrike" kern="1200" cap="none" spc="0" normalizeH="0" baseline="0" noProof="0">
+              <a:ln>
+                <a:noFill/>
+              </a:ln>
+              <a:solidFill>
+                <a:prstClr val="white"/>
+              </a:solidFill>
+              <a:effectLst/>
+              <a:uLnTx/>
+              <a:uFillTx/>
+              <a:latin typeface="Calibri" panose="020F0502020204030204"/>
+              <a:ea typeface="+mn-ea"/>
+              <a:cs typeface="+mn-cs"/>
+            </a:endParaRPr>
+          </a:p>
+        </p:txBody>
+      </p:sp>
+      <p:sp>
+        <p:nvSpPr>
+          <p:cNvPr id="2" name="Titolo 1">
+            <a:extLst>
+              <a:ext uri="{FF2B5EF4-FFF2-40B4-BE49-F238E27FC236}">
+                <a16:creationId xmlns:a16="http://schemas.microsoft.com/office/drawing/2014/main" id="{65F4D648-4323-429F-81F4-0DC01BAF0F85}"/>
+              </a:ext>
+            </a:extLst>
+          </p:cNvPr>
+          <p:cNvSpPr>
+            <a:spLocks noGrp="1"/>
+          </p:cNvSpPr>
+          <p:nvPr>
+            <p:ph type="title"/>
+          </p:nvPr>
+        </p:nvSpPr>
+        <p:spPr>
+          <a:xfrm>
+            <a:off x="621792" y="1161288"/>
+            <a:ext cx="3602736" cy="4526280"/>
+          </a:xfrm>
+        </p:spPr>
+        <p:txBody>
+          <a:bodyPr>
+            <a:normAutofit/>
+          </a:bodyPr>
+          <a:lstStyle/>
+          <a:p>
+            <a:r>
+              <a:rPr lang="it-IT" sz="4000" dirty="0"/>
+              <a:t>BACK-END &amp; MYSQL</a:t>
+            </a:r>
+          </a:p>
+        </p:txBody>
+      </p:sp>
+      <p:sp>
+        <p:nvSpPr>
+          <p:cNvPr id="14" name="Rectangle 13">
+            <a:extLst>
+              <a:ext uri="{FF2B5EF4-FFF2-40B4-BE49-F238E27FC236}">
+                <a16:creationId xmlns:a16="http://schemas.microsoft.com/office/drawing/2014/main" id="{463EEC44-1BA3-44ED-81FC-A644B04B2A44}"/>
+              </a:ext>
+              <a:ext uri="{C183D7F6-B498-43B3-948B-1728B52AA6E4}">
+                <adec:decorative xmlns:adec="http://schemas.microsoft.com/office/drawing/2017/decorative" val="1"/>
+              </a:ext>
+            </a:extLst>
+          </p:cNvPr>
+          <p:cNvSpPr>
+            <a:spLocks noGrp="1" noRot="1" noChangeAspect="1" noMove="1" noResize="1" noEditPoints="1" noAdjustHandles="1" noChangeArrowheads="1" noChangeShapeType="1" noTextEdit="1"/>
+          </p:cNvSpPr>
+          <p:nvPr>
+            <p:extLst>
+              <p:ext uri="{386F3935-93C4-4BCD-93E2-E3B085C9AB24}">
+                <p16:designElem xmlns:p16="http://schemas.microsoft.com/office/powerpoint/2015/main" val="1"/>
+              </p:ext>
+            </p:extLst>
+          </p:nvPr>
+        </p:nvSpPr>
+        <p:spPr>
+          <a:xfrm>
+            <a:off x="0" y="3102049"/>
+            <a:ext cx="128016" cy="653903"/>
+          </a:xfrm>
+          <a:prstGeom prst="rect">
+            <a:avLst/>
+          </a:prstGeom>
+          <a:solidFill>
+            <a:schemeClr val="accent2"/>
+          </a:solidFill>
+          <a:ln>
+            <a:noFill/>
+          </a:ln>
+        </p:spPr>
+        <p:style>
+          <a:lnRef idx="2">
+            <a:schemeClr val="accent1">
+              <a:shade val="50000"/>
+            </a:schemeClr>
+          </a:lnRef>
+          <a:fillRef idx="1">
+            <a:schemeClr val="accent1"/>
+          </a:fillRef>
+          <a:effectRef idx="0">
+            <a:schemeClr val="accent1"/>
+          </a:effectRef>
+          <a:fontRef idx="minor">
+            <a:schemeClr val="lt1"/>
+          </a:fontRef>
+        </p:style>
+        <p:txBody>
+          <a:bodyPr rtlCol="0" anchor="ctr"/>
+          <a:lstStyle/>
+          <a:p>
+            <a:pPr algn="ctr"/>
+            <a:endParaRPr lang="en-US">
+              <a:solidFill>
+                <a:prstClr val="white"/>
+              </a:solidFill>
+              <a:latin typeface="Calibri" panose="020F0502020204030204"/>
+            </a:endParaRPr>
+          </a:p>
+        </p:txBody>
+      </p:sp>
+      <p:sp>
+        <p:nvSpPr>
+          <p:cNvPr id="3" name="Segnaposto contenuto 2">
+            <a:extLst>
+              <a:ext uri="{FF2B5EF4-FFF2-40B4-BE49-F238E27FC236}">
+                <a16:creationId xmlns:a16="http://schemas.microsoft.com/office/drawing/2014/main" id="{53791F3C-6B65-4EE9-8D35-475CE948462C}"/>
+              </a:ext>
+            </a:extLst>
+          </p:cNvPr>
+          <p:cNvSpPr>
+            <a:spLocks noGrp="1"/>
+          </p:cNvSpPr>
+          <p:nvPr>
+            <p:ph idx="1"/>
+          </p:nvPr>
+        </p:nvSpPr>
+        <p:spPr>
+          <a:xfrm>
+            <a:off x="5434149" y="932688"/>
+            <a:ext cx="5916603" cy="4992624"/>
+          </a:xfrm>
+        </p:spPr>
+        <p:txBody>
+          <a:bodyPr anchor="ctr">
+            <a:normAutofit/>
+          </a:bodyPr>
+          <a:lstStyle/>
+          <a:p>
+            <a:r>
+              <a:rPr lang="it-IT" sz="2000" dirty="0" err="1"/>
+              <a:t>Also</a:t>
+            </a:r>
+            <a:r>
+              <a:rPr lang="it-IT" sz="2000" dirty="0"/>
+              <a:t> Back-end and </a:t>
+            </a:r>
+            <a:r>
+              <a:rPr lang="it-IT" sz="2000" dirty="0" err="1"/>
+              <a:t>mysql</a:t>
+            </a:r>
+            <a:r>
+              <a:rPr lang="it-IT" sz="2000" dirty="0"/>
+              <a:t> </a:t>
+            </a:r>
+            <a:r>
+              <a:rPr lang="it-IT" sz="2000" dirty="0" err="1"/>
+              <a:t>istances</a:t>
+            </a:r>
+            <a:r>
+              <a:rPr lang="it-IT" sz="2000" dirty="0"/>
+              <a:t> are in a </a:t>
+            </a:r>
+            <a:r>
+              <a:rPr lang="it-IT" sz="2000" dirty="0" err="1"/>
+              <a:t>docker</a:t>
+            </a:r>
+            <a:r>
+              <a:rPr lang="it-IT" sz="2000" dirty="0"/>
+              <a:t>.</a:t>
+            </a:r>
+          </a:p>
+          <a:p>
+            <a:r>
+              <a:rPr lang="it-IT" sz="2000" dirty="0" err="1"/>
+              <a:t>There</a:t>
+            </a:r>
+            <a:r>
+              <a:rPr lang="it-IT" sz="2000" dirty="0"/>
+              <a:t> are 2 </a:t>
+            </a:r>
+            <a:r>
+              <a:rPr lang="it-IT" sz="2000" dirty="0" err="1"/>
+              <a:t>istances</a:t>
+            </a:r>
+            <a:r>
+              <a:rPr lang="it-IT" sz="2000" dirty="0"/>
+              <a:t> of the back-end.</a:t>
+            </a:r>
+          </a:p>
+          <a:p>
+            <a:r>
+              <a:rPr lang="it-IT" sz="2000" dirty="0"/>
+              <a:t>Back-end </a:t>
+            </a:r>
+            <a:r>
+              <a:rPr lang="it-IT" sz="2000" dirty="0" err="1"/>
+              <a:t>instances</a:t>
+            </a:r>
+            <a:r>
+              <a:rPr lang="it-IT" sz="2000" dirty="0"/>
+              <a:t> </a:t>
+            </a:r>
+            <a:r>
+              <a:rPr lang="it-IT" sz="2000" dirty="0" err="1"/>
+              <a:t>is</a:t>
+            </a:r>
+            <a:r>
+              <a:rPr lang="it-IT" sz="2000" dirty="0"/>
+              <a:t> </a:t>
+            </a:r>
+            <a:r>
+              <a:rPr lang="it-IT" sz="2000" dirty="0" err="1"/>
+              <a:t>connected</a:t>
+            </a:r>
+            <a:r>
+              <a:rPr lang="it-IT" sz="2000" dirty="0"/>
+              <a:t> to </a:t>
+            </a:r>
+            <a:r>
+              <a:rPr lang="it-IT" sz="2000" dirty="0" err="1"/>
+              <a:t>mysql</a:t>
+            </a:r>
+            <a:r>
+              <a:rPr lang="it-IT" sz="2000" dirty="0"/>
+              <a:t> server.</a:t>
+            </a:r>
+          </a:p>
+          <a:p>
+            <a:r>
+              <a:rPr lang="it-IT" sz="2000" dirty="0" err="1"/>
+              <a:t>Mysql</a:t>
+            </a:r>
+            <a:r>
+              <a:rPr lang="it-IT" sz="2000" dirty="0"/>
+              <a:t> </a:t>
+            </a:r>
+            <a:r>
+              <a:rPr lang="it-IT" sz="2000" dirty="0" err="1"/>
+              <a:t>is</a:t>
+            </a:r>
+            <a:r>
+              <a:rPr lang="it-IT" sz="2000" dirty="0"/>
+              <a:t> </a:t>
+            </a:r>
+            <a:r>
+              <a:rPr lang="it-IT" sz="2000" dirty="0" err="1"/>
+              <a:t>deployed</a:t>
+            </a:r>
+            <a:r>
+              <a:rPr lang="it-IT" sz="2000" dirty="0"/>
+              <a:t> </a:t>
+            </a:r>
+            <a:r>
+              <a:rPr lang="it-IT" sz="2000" dirty="0" err="1"/>
+              <a:t>as</a:t>
+            </a:r>
+            <a:r>
+              <a:rPr lang="it-IT" sz="2000" dirty="0"/>
+              <a:t> single </a:t>
+            </a:r>
+            <a:r>
+              <a:rPr lang="it-IT" sz="2000" dirty="0" err="1"/>
+              <a:t>istance</a:t>
+            </a:r>
+            <a:r>
+              <a:rPr lang="it-IT" sz="2000" dirty="0"/>
+              <a:t>, in the VM with </a:t>
+            </a:r>
+            <a:r>
+              <a:rPr lang="it-IT" sz="2000" dirty="0" err="1"/>
+              <a:t>ip</a:t>
+            </a:r>
+            <a:r>
+              <a:rPr lang="it-IT" sz="2000" dirty="0"/>
+              <a:t> 172.16.3.35.</a:t>
+            </a:r>
+          </a:p>
+          <a:p>
+            <a:endParaRPr lang="it-IT" sz="2000" dirty="0"/>
+          </a:p>
+        </p:txBody>
+      </p:sp>
+    </p:spTree>
+    <p:extLst>
+      <p:ext uri="{BB962C8B-B14F-4D97-AF65-F5344CB8AC3E}">
+        <p14:creationId xmlns:p14="http://schemas.microsoft.com/office/powerpoint/2010/main" val="927841979"/>
       </p:ext>
     </p:extLst>
   </p:cSld>

--- a/Presentazione/CCPresentation.pptx
+++ b/Presentazione/CCPresentation.pptx
@@ -4,12 +4,16 @@
   <p:sldMasterIdLst>
     <p:sldMasterId id="2147483648" r:id="rId1"/>
   </p:sldMasterIdLst>
+  <p:notesMasterIdLst>
+    <p:notesMasterId r:id="rId8"/>
+  </p:notesMasterIdLst>
   <p:sldIdLst>
     <p:sldId id="256" r:id="rId2"/>
     <p:sldId id="257" r:id="rId3"/>
     <p:sldId id="260" r:id="rId4"/>
     <p:sldId id="262" r:id="rId5"/>
-    <p:sldId id="263" r:id="rId6"/>
+    <p:sldId id="264" r:id="rId6"/>
+    <p:sldId id="263" r:id="rId7"/>
   </p:sldIdLst>
   <p:sldSz cx="12192000" cy="6858000"/>
   <p:notesSz cx="6858000" cy="9144000"/>
@@ -114,6 +118,439 @@
     </p:ext>
   </p:extLst>
 </p:presentation>
+</file>
+
+<file path=ppt/notesMasters/notesMaster1.xml><?xml version="1.0" encoding="utf-8"?>
+<p:notesMaster xmlns:a="http://schemas.openxmlformats.org/drawingml/2006/main" xmlns:r="http://schemas.openxmlformats.org/officeDocument/2006/relationships" xmlns:p="http://schemas.openxmlformats.org/presentationml/2006/main">
+  <p:cSld>
+    <p:bg>
+      <p:bgRef idx="1001">
+        <a:schemeClr val="bg1"/>
+      </p:bgRef>
+    </p:bg>
+    <p:spTree>
+      <p:nvGrpSpPr>
+        <p:cNvPr id="1" name=""/>
+        <p:cNvGrpSpPr/>
+        <p:nvPr/>
+      </p:nvGrpSpPr>
+      <p:grpSpPr>
+        <a:xfrm>
+          <a:off x="0" y="0"/>
+          <a:ext cx="0" cy="0"/>
+          <a:chOff x="0" y="0"/>
+          <a:chExt cx="0" cy="0"/>
+        </a:xfrm>
+      </p:grpSpPr>
+      <p:sp>
+        <p:nvSpPr>
+          <p:cNvPr id="2" name="Segnaposto intestazione 1"/>
+          <p:cNvSpPr>
+            <a:spLocks noGrp="1"/>
+          </p:cNvSpPr>
+          <p:nvPr>
+            <p:ph type="hdr" sz="quarter"/>
+          </p:nvPr>
+        </p:nvSpPr>
+        <p:spPr>
+          <a:xfrm>
+            <a:off x="0" y="0"/>
+            <a:ext cx="2971800" cy="458788"/>
+          </a:xfrm>
+          <a:prstGeom prst="rect">
+            <a:avLst/>
+          </a:prstGeom>
+        </p:spPr>
+        <p:txBody>
+          <a:bodyPr vert="horz" lIns="91440" tIns="45720" rIns="91440" bIns="45720" rtlCol="0"/>
+          <a:lstStyle>
+            <a:lvl1pPr algn="l">
+              <a:defRPr sz="1200"/>
+            </a:lvl1pPr>
+          </a:lstStyle>
+          <a:p>
+            <a:endParaRPr lang="it-IT"/>
+          </a:p>
+        </p:txBody>
+      </p:sp>
+      <p:sp>
+        <p:nvSpPr>
+          <p:cNvPr id="3" name="Segnaposto data 2"/>
+          <p:cNvSpPr>
+            <a:spLocks noGrp="1"/>
+          </p:cNvSpPr>
+          <p:nvPr>
+            <p:ph type="dt" idx="1"/>
+          </p:nvPr>
+        </p:nvSpPr>
+        <p:spPr>
+          <a:xfrm>
+            <a:off x="3884613" y="0"/>
+            <a:ext cx="2971800" cy="458788"/>
+          </a:xfrm>
+          <a:prstGeom prst="rect">
+            <a:avLst/>
+          </a:prstGeom>
+        </p:spPr>
+        <p:txBody>
+          <a:bodyPr vert="horz" lIns="91440" tIns="45720" rIns="91440" bIns="45720" rtlCol="0"/>
+          <a:lstStyle>
+            <a:lvl1pPr algn="r">
+              <a:defRPr sz="1200"/>
+            </a:lvl1pPr>
+          </a:lstStyle>
+          <a:p>
+            <a:fld id="{B31A39B7-C7B7-41FC-95CE-8CA9EFD0748D}" type="datetimeFigureOut">
+              <a:rPr lang="it-IT" smtClean="0"/>
+              <a:t>27/06/2020</a:t>
+            </a:fld>
+            <a:endParaRPr lang="it-IT"/>
+          </a:p>
+        </p:txBody>
+      </p:sp>
+      <p:sp>
+        <p:nvSpPr>
+          <p:cNvPr id="4" name="Segnaposto immagine diapositiva 3"/>
+          <p:cNvSpPr>
+            <a:spLocks noGrp="1" noRot="1" noChangeAspect="1"/>
+          </p:cNvSpPr>
+          <p:nvPr>
+            <p:ph type="sldImg" idx="2"/>
+          </p:nvPr>
+        </p:nvSpPr>
+        <p:spPr>
+          <a:xfrm>
+            <a:off x="685800" y="1143000"/>
+            <a:ext cx="5486400" cy="3086100"/>
+          </a:xfrm>
+          <a:prstGeom prst="rect">
+            <a:avLst/>
+          </a:prstGeom>
+          <a:noFill/>
+          <a:ln w="12700">
+            <a:solidFill>
+              <a:prstClr val="black"/>
+            </a:solidFill>
+          </a:ln>
+        </p:spPr>
+        <p:txBody>
+          <a:bodyPr vert="horz" lIns="91440" tIns="45720" rIns="91440" bIns="45720" rtlCol="0" anchor="ctr"/>
+          <a:lstStyle/>
+          <a:p>
+            <a:endParaRPr lang="it-IT"/>
+          </a:p>
+        </p:txBody>
+      </p:sp>
+      <p:sp>
+        <p:nvSpPr>
+          <p:cNvPr id="5" name="Segnaposto note 4"/>
+          <p:cNvSpPr>
+            <a:spLocks noGrp="1"/>
+          </p:cNvSpPr>
+          <p:nvPr>
+            <p:ph type="body" sz="quarter" idx="3"/>
+          </p:nvPr>
+        </p:nvSpPr>
+        <p:spPr>
+          <a:xfrm>
+            <a:off x="685800" y="4400550"/>
+            <a:ext cx="5486400" cy="3600450"/>
+          </a:xfrm>
+          <a:prstGeom prst="rect">
+            <a:avLst/>
+          </a:prstGeom>
+        </p:spPr>
+        <p:txBody>
+          <a:bodyPr vert="horz" lIns="91440" tIns="45720" rIns="91440" bIns="45720" rtlCol="0"/>
+          <a:lstStyle/>
+          <a:p>
+            <a:pPr lvl="0"/>
+            <a:r>
+              <a:rPr lang="it-IT"/>
+              <a:t>Fare clic per modificare gli stili del testo dello schema</a:t>
+            </a:r>
+          </a:p>
+          <a:p>
+            <a:pPr lvl="1"/>
+            <a:r>
+              <a:rPr lang="it-IT"/>
+              <a:t>Secondo livello</a:t>
+            </a:r>
+          </a:p>
+          <a:p>
+            <a:pPr lvl="2"/>
+            <a:r>
+              <a:rPr lang="it-IT"/>
+              <a:t>Terzo livello</a:t>
+            </a:r>
+          </a:p>
+          <a:p>
+            <a:pPr lvl="3"/>
+            <a:r>
+              <a:rPr lang="it-IT"/>
+              <a:t>Quarto livello</a:t>
+            </a:r>
+          </a:p>
+          <a:p>
+            <a:pPr lvl="4"/>
+            <a:r>
+              <a:rPr lang="it-IT"/>
+              <a:t>Quinto livello</a:t>
+            </a:r>
+          </a:p>
+        </p:txBody>
+      </p:sp>
+      <p:sp>
+        <p:nvSpPr>
+          <p:cNvPr id="6" name="Segnaposto piè di pagina 5"/>
+          <p:cNvSpPr>
+            <a:spLocks noGrp="1"/>
+          </p:cNvSpPr>
+          <p:nvPr>
+            <p:ph type="ftr" sz="quarter" idx="4"/>
+          </p:nvPr>
+        </p:nvSpPr>
+        <p:spPr>
+          <a:xfrm>
+            <a:off x="0" y="8685213"/>
+            <a:ext cx="2971800" cy="458787"/>
+          </a:xfrm>
+          <a:prstGeom prst="rect">
+            <a:avLst/>
+          </a:prstGeom>
+        </p:spPr>
+        <p:txBody>
+          <a:bodyPr vert="horz" lIns="91440" tIns="45720" rIns="91440" bIns="45720" rtlCol="0" anchor="b"/>
+          <a:lstStyle>
+            <a:lvl1pPr algn="l">
+              <a:defRPr sz="1200"/>
+            </a:lvl1pPr>
+          </a:lstStyle>
+          <a:p>
+            <a:endParaRPr lang="it-IT"/>
+          </a:p>
+        </p:txBody>
+      </p:sp>
+      <p:sp>
+        <p:nvSpPr>
+          <p:cNvPr id="7" name="Segnaposto numero diapositiva 6"/>
+          <p:cNvSpPr>
+            <a:spLocks noGrp="1"/>
+          </p:cNvSpPr>
+          <p:nvPr>
+            <p:ph type="sldNum" sz="quarter" idx="5"/>
+          </p:nvPr>
+        </p:nvSpPr>
+        <p:spPr>
+          <a:xfrm>
+            <a:off x="3884613" y="8685213"/>
+            <a:ext cx="2971800" cy="458787"/>
+          </a:xfrm>
+          <a:prstGeom prst="rect">
+            <a:avLst/>
+          </a:prstGeom>
+        </p:spPr>
+        <p:txBody>
+          <a:bodyPr vert="horz" lIns="91440" tIns="45720" rIns="91440" bIns="45720" rtlCol="0" anchor="b"/>
+          <a:lstStyle>
+            <a:lvl1pPr algn="r">
+              <a:defRPr sz="1200"/>
+            </a:lvl1pPr>
+          </a:lstStyle>
+          <a:p>
+            <a:fld id="{FAA0905F-184C-48BF-A747-6A877D1912E6}" type="slidenum">
+              <a:rPr lang="it-IT" smtClean="0"/>
+              <a:t>‹N›</a:t>
+            </a:fld>
+            <a:endParaRPr lang="it-IT"/>
+          </a:p>
+        </p:txBody>
+      </p:sp>
+    </p:spTree>
+    <p:extLst>
+      <p:ext uri="{BB962C8B-B14F-4D97-AF65-F5344CB8AC3E}">
+        <p14:creationId xmlns:p14="http://schemas.microsoft.com/office/powerpoint/2010/main" val="281699797"/>
+      </p:ext>
+    </p:extLst>
+  </p:cSld>
+  <p:clrMap bg1="lt1" tx1="dk1" bg2="lt2" tx2="dk2" accent1="accent1" accent2="accent2" accent3="accent3" accent4="accent4" accent5="accent5" accent6="accent6" hlink="hlink" folHlink="folHlink"/>
+  <p:notesStyle>
+    <a:lvl1pPr marL="0" algn="l" defTabSz="914400" rtl="0" eaLnBrk="1" latinLnBrk="0" hangingPunct="1">
+      <a:defRPr sz="1200" kern="1200">
+        <a:solidFill>
+          <a:schemeClr val="tx1"/>
+        </a:solidFill>
+        <a:latin typeface="+mn-lt"/>
+        <a:ea typeface="+mn-ea"/>
+        <a:cs typeface="+mn-cs"/>
+      </a:defRPr>
+    </a:lvl1pPr>
+    <a:lvl2pPr marL="457200" algn="l" defTabSz="914400" rtl="0" eaLnBrk="1" latinLnBrk="0" hangingPunct="1">
+      <a:defRPr sz="1200" kern="1200">
+        <a:solidFill>
+          <a:schemeClr val="tx1"/>
+        </a:solidFill>
+        <a:latin typeface="+mn-lt"/>
+        <a:ea typeface="+mn-ea"/>
+        <a:cs typeface="+mn-cs"/>
+      </a:defRPr>
+    </a:lvl2pPr>
+    <a:lvl3pPr marL="914400" algn="l" defTabSz="914400" rtl="0" eaLnBrk="1" latinLnBrk="0" hangingPunct="1">
+      <a:defRPr sz="1200" kern="1200">
+        <a:solidFill>
+          <a:schemeClr val="tx1"/>
+        </a:solidFill>
+        <a:latin typeface="+mn-lt"/>
+        <a:ea typeface="+mn-ea"/>
+        <a:cs typeface="+mn-cs"/>
+      </a:defRPr>
+    </a:lvl3pPr>
+    <a:lvl4pPr marL="1371600" algn="l" defTabSz="914400" rtl="0" eaLnBrk="1" latinLnBrk="0" hangingPunct="1">
+      <a:defRPr sz="1200" kern="1200">
+        <a:solidFill>
+          <a:schemeClr val="tx1"/>
+        </a:solidFill>
+        <a:latin typeface="+mn-lt"/>
+        <a:ea typeface="+mn-ea"/>
+        <a:cs typeface="+mn-cs"/>
+      </a:defRPr>
+    </a:lvl4pPr>
+    <a:lvl5pPr marL="1828800" algn="l" defTabSz="914400" rtl="0" eaLnBrk="1" latinLnBrk="0" hangingPunct="1">
+      <a:defRPr sz="1200" kern="1200">
+        <a:solidFill>
+          <a:schemeClr val="tx1"/>
+        </a:solidFill>
+        <a:latin typeface="+mn-lt"/>
+        <a:ea typeface="+mn-ea"/>
+        <a:cs typeface="+mn-cs"/>
+      </a:defRPr>
+    </a:lvl5pPr>
+    <a:lvl6pPr marL="2286000" algn="l" defTabSz="914400" rtl="0" eaLnBrk="1" latinLnBrk="0" hangingPunct="1">
+      <a:defRPr sz="1200" kern="1200">
+        <a:solidFill>
+          <a:schemeClr val="tx1"/>
+        </a:solidFill>
+        <a:latin typeface="+mn-lt"/>
+        <a:ea typeface="+mn-ea"/>
+        <a:cs typeface="+mn-cs"/>
+      </a:defRPr>
+    </a:lvl6pPr>
+    <a:lvl7pPr marL="2743200" algn="l" defTabSz="914400" rtl="0" eaLnBrk="1" latinLnBrk="0" hangingPunct="1">
+      <a:defRPr sz="1200" kern="1200">
+        <a:solidFill>
+          <a:schemeClr val="tx1"/>
+        </a:solidFill>
+        <a:latin typeface="+mn-lt"/>
+        <a:ea typeface="+mn-ea"/>
+        <a:cs typeface="+mn-cs"/>
+      </a:defRPr>
+    </a:lvl7pPr>
+    <a:lvl8pPr marL="3200400" algn="l" defTabSz="914400" rtl="0" eaLnBrk="1" latinLnBrk="0" hangingPunct="1">
+      <a:defRPr sz="1200" kern="1200">
+        <a:solidFill>
+          <a:schemeClr val="tx1"/>
+        </a:solidFill>
+        <a:latin typeface="+mn-lt"/>
+        <a:ea typeface="+mn-ea"/>
+        <a:cs typeface="+mn-cs"/>
+      </a:defRPr>
+    </a:lvl8pPr>
+    <a:lvl9pPr marL="3657600" algn="l" defTabSz="914400" rtl="0" eaLnBrk="1" latinLnBrk="0" hangingPunct="1">
+      <a:defRPr sz="1200" kern="1200">
+        <a:solidFill>
+          <a:schemeClr val="tx1"/>
+        </a:solidFill>
+        <a:latin typeface="+mn-lt"/>
+        <a:ea typeface="+mn-ea"/>
+        <a:cs typeface="+mn-cs"/>
+      </a:defRPr>
+    </a:lvl9pPr>
+  </p:notesStyle>
+</p:notesMaster>
+</file>
+
+<file path=ppt/notesSlides/notesSlide1.xml><?xml version="1.0" encoding="utf-8"?>
+<p:notes xmlns:a="http://schemas.openxmlformats.org/drawingml/2006/main" xmlns:r="http://schemas.openxmlformats.org/officeDocument/2006/relationships" xmlns:p="http://schemas.openxmlformats.org/presentationml/2006/main">
+  <p:cSld>
+    <p:spTree>
+      <p:nvGrpSpPr>
+        <p:cNvPr id="1" name=""/>
+        <p:cNvGrpSpPr/>
+        <p:nvPr/>
+      </p:nvGrpSpPr>
+      <p:grpSpPr>
+        <a:xfrm>
+          <a:off x="0" y="0"/>
+          <a:ext cx="0" cy="0"/>
+          <a:chOff x="0" y="0"/>
+          <a:chExt cx="0" cy="0"/>
+        </a:xfrm>
+      </p:grpSpPr>
+      <p:sp>
+        <p:nvSpPr>
+          <p:cNvPr id="2" name="Segnaposto immagine diapositiva 1"/>
+          <p:cNvSpPr>
+            <a:spLocks noGrp="1" noRot="1" noChangeAspect="1"/>
+          </p:cNvSpPr>
+          <p:nvPr>
+            <p:ph type="sldImg"/>
+          </p:nvPr>
+        </p:nvSpPr>
+        <p:spPr/>
+      </p:sp>
+      <p:sp>
+        <p:nvSpPr>
+          <p:cNvPr id="3" name="Segnaposto note 2"/>
+          <p:cNvSpPr>
+            <a:spLocks noGrp="1"/>
+          </p:cNvSpPr>
+          <p:nvPr>
+            <p:ph type="body" idx="1"/>
+          </p:nvPr>
+        </p:nvSpPr>
+        <p:spPr/>
+        <p:txBody>
+          <a:bodyPr/>
+          <a:lstStyle/>
+          <a:p>
+            <a:endParaRPr lang="it-IT" dirty="0"/>
+          </a:p>
+        </p:txBody>
+      </p:sp>
+      <p:sp>
+        <p:nvSpPr>
+          <p:cNvPr id="4" name="Segnaposto numero diapositiva 3"/>
+          <p:cNvSpPr>
+            <a:spLocks noGrp="1"/>
+          </p:cNvSpPr>
+          <p:nvPr>
+            <p:ph type="sldNum" sz="quarter" idx="5"/>
+          </p:nvPr>
+        </p:nvSpPr>
+        <p:spPr/>
+        <p:txBody>
+          <a:bodyPr/>
+          <a:lstStyle/>
+          <a:p>
+            <a:fld id="{FAA0905F-184C-48BF-A747-6A877D1912E6}" type="slidenum">
+              <a:rPr lang="it-IT" smtClean="0"/>
+              <a:t>1</a:t>
+            </a:fld>
+            <a:endParaRPr lang="it-IT"/>
+          </a:p>
+        </p:txBody>
+      </p:sp>
+    </p:spTree>
+    <p:extLst>
+      <p:ext uri="{BB962C8B-B14F-4D97-AF65-F5344CB8AC3E}">
+        <p14:creationId xmlns:p14="http://schemas.microsoft.com/office/powerpoint/2010/main" val="2764435317"/>
+      </p:ext>
+    </p:extLst>
+  </p:cSld>
+  <p:clrMapOvr>
+    <a:masterClrMapping/>
+  </p:clrMapOvr>
+</p:notes>
 </file>
 
 <file path=ppt/slideLayouts/slideLayout1.xml><?xml version="1.0" encoding="utf-8"?>
@@ -3670,48 +4107,12 @@
           <a:chExt cx="0" cy="0"/>
         </a:xfrm>
       </p:grpSpPr>
-      <p:sp>
-        <p:nvSpPr>
-          <p:cNvPr id="2" name="Titolo 1">
-            <a:extLst>
-              <a:ext uri="{FF2B5EF4-FFF2-40B4-BE49-F238E27FC236}">
-                <a16:creationId xmlns:a16="http://schemas.microsoft.com/office/drawing/2014/main" id="{FFB9B9F2-07E4-644B-9F4F-BE3FE0CF445B}"/>
-              </a:ext>
-            </a:extLst>
-          </p:cNvPr>
-          <p:cNvSpPr>
-            <a:spLocks noGrp="1"/>
-          </p:cNvSpPr>
-          <p:nvPr>
-            <p:ph type="title"/>
-          </p:nvPr>
-        </p:nvSpPr>
-        <p:spPr>
-          <a:xfrm>
-            <a:off x="838200" y="365125"/>
-            <a:ext cx="10515600" cy="1325563"/>
-          </a:xfrm>
-        </p:spPr>
-        <p:txBody>
-          <a:bodyPr>
-            <a:normAutofit/>
-          </a:bodyPr>
-          <a:lstStyle/>
-          <a:p>
-            <a:r>
-              <a:rPr lang="it-IT"/>
-              <a:t>Schema</a:t>
-            </a:r>
-            <a:endParaRPr lang="it-IT" dirty="0"/>
-          </a:p>
-        </p:txBody>
-      </p:sp>
       <p:pic>
         <p:nvPicPr>
-          <p:cNvPr id="4" name="Immagine 3" descr="Immagine che contiene martinetto, orologio&#10;&#10;Descrizione generata automaticamente">
-            <a:extLst>
-              <a:ext uri="{FF2B5EF4-FFF2-40B4-BE49-F238E27FC236}">
-                <a16:creationId xmlns:a16="http://schemas.microsoft.com/office/drawing/2014/main" id="{A67C22AC-3DFF-4859-9680-ACEFA29DE57E}"/>
+          <p:cNvPr id="5" name="Immagine 4" descr="Immagine che contiene testo&#10;&#10;Descrizione generata automaticamente">
+            <a:extLst>
+              <a:ext uri="{FF2B5EF4-FFF2-40B4-BE49-F238E27FC236}">
+                <a16:creationId xmlns:a16="http://schemas.microsoft.com/office/drawing/2014/main" id="{A24F0B55-89D7-4314-A002-443B27990DB9}"/>
               </a:ext>
             </a:extLst>
           </p:cNvPr>
@@ -3728,14 +4129,49 @@
         </p:blipFill>
         <p:spPr>
           <a:xfrm>
-            <a:off x="828675" y="2238337"/>
-            <a:ext cx="10525125" cy="3525916"/>
+            <a:off x="1777967" y="276225"/>
+            <a:ext cx="10315575" cy="6581775"/>
           </a:xfrm>
           <a:prstGeom prst="rect">
             <a:avLst/>
           </a:prstGeom>
         </p:spPr>
       </p:pic>
+      <p:sp>
+        <p:nvSpPr>
+          <p:cNvPr id="2" name="Titolo 1">
+            <a:extLst>
+              <a:ext uri="{FF2B5EF4-FFF2-40B4-BE49-F238E27FC236}">
+                <a16:creationId xmlns:a16="http://schemas.microsoft.com/office/drawing/2014/main" id="{FFB9B9F2-07E4-644B-9F4F-BE3FE0CF445B}"/>
+              </a:ext>
+            </a:extLst>
+          </p:cNvPr>
+          <p:cNvSpPr>
+            <a:spLocks noGrp="1"/>
+          </p:cNvSpPr>
+          <p:nvPr>
+            <p:ph type="title"/>
+          </p:nvPr>
+        </p:nvSpPr>
+        <p:spPr>
+          <a:xfrm>
+            <a:off x="838200" y="365125"/>
+            <a:ext cx="10515600" cy="1325563"/>
+          </a:xfrm>
+        </p:spPr>
+        <p:txBody>
+          <a:bodyPr>
+            <a:normAutofit/>
+          </a:bodyPr>
+          <a:lstStyle/>
+          <a:p>
+            <a:r>
+              <a:rPr lang="it-IT" dirty="0"/>
+              <a:t>Schema</a:t>
+            </a:r>
+          </a:p>
+        </p:txBody>
+      </p:sp>
     </p:spTree>
     <p:extLst>
       <p:ext uri="{BB962C8B-B14F-4D97-AF65-F5344CB8AC3E}">
@@ -5302,6 +5738,695 @@
 </file>
 
 <file path=ppt/slides/slide5.xml><?xml version="1.0" encoding="utf-8"?>
+<p:sld xmlns:a="http://schemas.openxmlformats.org/drawingml/2006/main" xmlns:r="http://schemas.openxmlformats.org/officeDocument/2006/relationships" xmlns:p="http://schemas.openxmlformats.org/presentationml/2006/main">
+  <p:cSld>
+    <p:bg>
+      <p:bgPr>
+        <a:solidFill>
+          <a:schemeClr val="bg1"/>
+        </a:solidFill>
+        <a:effectLst/>
+      </p:bgPr>
+    </p:bg>
+    <p:spTree>
+      <p:nvGrpSpPr>
+        <p:cNvPr id="1" name=""/>
+        <p:cNvGrpSpPr/>
+        <p:nvPr/>
+      </p:nvGrpSpPr>
+      <p:grpSpPr>
+        <a:xfrm>
+          <a:off x="0" y="0"/>
+          <a:ext cx="0" cy="0"/>
+          <a:chOff x="0" y="0"/>
+          <a:chExt cx="0" cy="0"/>
+        </a:xfrm>
+      </p:grpSpPr>
+      <p:sp useBgFill="1">
+        <p:nvSpPr>
+          <p:cNvPr id="8" name="Rectangle 7">
+            <a:extLst>
+              <a:ext uri="{FF2B5EF4-FFF2-40B4-BE49-F238E27FC236}">
+                <a16:creationId xmlns:a16="http://schemas.microsoft.com/office/drawing/2014/main" id="{1C799903-48D5-4A31-A1A2-541072D9771E}"/>
+              </a:ext>
+              <a:ext uri="{C183D7F6-B498-43B3-948B-1728B52AA6E4}">
+                <adec:decorative xmlns:adec="http://schemas.microsoft.com/office/drawing/2017/decorative" val="1"/>
+              </a:ext>
+            </a:extLst>
+          </p:cNvPr>
+          <p:cNvSpPr>
+            <a:spLocks noGrp="1" noRot="1" noChangeAspect="1" noMove="1" noResize="1" noEditPoints="1" noAdjustHandles="1" noChangeArrowheads="1" noChangeShapeType="1" noTextEdit="1"/>
+          </p:cNvSpPr>
+          <p:nvPr>
+            <p:extLst>
+              <p:ext uri="{386F3935-93C4-4BCD-93E2-E3B085C9AB24}">
+                <p16:designElem xmlns:p16="http://schemas.microsoft.com/office/powerpoint/2015/main" val="1"/>
+              </p:ext>
+            </p:extLst>
+          </p:nvPr>
+        </p:nvSpPr>
+        <p:spPr>
+          <a:xfrm>
+            <a:off x="0" y="0"/>
+            <a:ext cx="12192002" cy="6858000"/>
+          </a:xfrm>
+          <a:prstGeom prst="rect">
+            <a:avLst/>
+          </a:prstGeom>
+          <a:ln>
+            <a:noFill/>
+          </a:ln>
+        </p:spPr>
+        <p:style>
+          <a:lnRef idx="2">
+            <a:schemeClr val="accent1">
+              <a:shade val="50000"/>
+            </a:schemeClr>
+          </a:lnRef>
+          <a:fillRef idx="1">
+            <a:schemeClr val="accent1"/>
+          </a:fillRef>
+          <a:effectRef idx="0">
+            <a:schemeClr val="accent1"/>
+          </a:effectRef>
+          <a:fontRef idx="minor">
+            <a:schemeClr val="lt1"/>
+          </a:fontRef>
+        </p:style>
+        <p:txBody>
+          <a:bodyPr rtlCol="0" anchor="ctr"/>
+          <a:lstStyle/>
+          <a:p>
+            <a:pPr algn="ctr"/>
+            <a:endParaRPr lang="en-US"/>
+          </a:p>
+        </p:txBody>
+      </p:sp>
+      <p:sp useBgFill="1">
+        <p:nvSpPr>
+          <p:cNvPr id="10" name="Freeform: Shape 9">
+            <a:extLst>
+              <a:ext uri="{FF2B5EF4-FFF2-40B4-BE49-F238E27FC236}">
+                <a16:creationId xmlns:a16="http://schemas.microsoft.com/office/drawing/2014/main" id="{8EFFF109-FC58-4FD3-BE05-9775A1310F55}"/>
+              </a:ext>
+              <a:ext uri="{C183D7F6-B498-43B3-948B-1728B52AA6E4}">
+                <adec:decorative xmlns:adec="http://schemas.microsoft.com/office/drawing/2017/decorative" val="1"/>
+              </a:ext>
+            </a:extLst>
+          </p:cNvPr>
+          <p:cNvSpPr>
+            <a:spLocks noGrp="1" noRot="1" noChangeAspect="1" noMove="1" noResize="1" noEditPoints="1" noAdjustHandles="1" noChangeArrowheads="1" noChangeShapeType="1" noTextEdit="1"/>
+          </p:cNvSpPr>
+          <p:nvPr>
+            <p:extLst>
+              <p:ext uri="{386F3935-93C4-4BCD-93E2-E3B085C9AB24}">
+                <p16:designElem xmlns:p16="http://schemas.microsoft.com/office/powerpoint/2015/main" val="1"/>
+              </p:ext>
+            </p:extLst>
+          </p:nvPr>
+        </p:nvSpPr>
+        <p:spPr>
+          <a:xfrm>
+            <a:off x="-1" y="0"/>
+            <a:ext cx="4818889" cy="6858000"/>
+          </a:xfrm>
+          <a:custGeom>
+            <a:avLst/>
+            <a:gdLst>
+              <a:gd name="connsiteX0" fmla="*/ 0 w 4818889"/>
+              <a:gd name="connsiteY0" fmla="*/ 0 h 6858000"/>
+              <a:gd name="connsiteX1" fmla="*/ 3605911 w 4818889"/>
+              <a:gd name="connsiteY1" fmla="*/ 0 h 6858000"/>
+              <a:gd name="connsiteX2" fmla="*/ 3668894 w 4818889"/>
+              <a:gd name="connsiteY2" fmla="*/ 69271 h 6858000"/>
+              <a:gd name="connsiteX3" fmla="*/ 4818889 w 4818889"/>
+              <a:gd name="connsiteY3" fmla="*/ 3429000 h 6858000"/>
+              <a:gd name="connsiteX4" fmla="*/ 3668894 w 4818889"/>
+              <a:gd name="connsiteY4" fmla="*/ 6788730 h 6858000"/>
+              <a:gd name="connsiteX5" fmla="*/ 3605911 w 4818889"/>
+              <a:gd name="connsiteY5" fmla="*/ 6858000 h 6858000"/>
+              <a:gd name="connsiteX6" fmla="*/ 0 w 4818889"/>
+              <a:gd name="connsiteY6" fmla="*/ 6858000 h 6858000"/>
+            </a:gdLst>
+            <a:ahLst/>
+            <a:cxnLst>
+              <a:cxn ang="0">
+                <a:pos x="connsiteX0" y="connsiteY0"/>
+              </a:cxn>
+              <a:cxn ang="0">
+                <a:pos x="connsiteX1" y="connsiteY1"/>
+              </a:cxn>
+              <a:cxn ang="0">
+                <a:pos x="connsiteX2" y="connsiteY2"/>
+              </a:cxn>
+              <a:cxn ang="0">
+                <a:pos x="connsiteX3" y="connsiteY3"/>
+              </a:cxn>
+              <a:cxn ang="0">
+                <a:pos x="connsiteX4" y="connsiteY4"/>
+              </a:cxn>
+              <a:cxn ang="0">
+                <a:pos x="connsiteX5" y="connsiteY5"/>
+              </a:cxn>
+              <a:cxn ang="0">
+                <a:pos x="connsiteX6" y="connsiteY6"/>
+              </a:cxn>
+            </a:cxnLst>
+            <a:rect l="l" t="t" r="r" b="b"/>
+            <a:pathLst>
+              <a:path w="4818889" h="6858000">
+                <a:moveTo>
+                  <a:pt x="0" y="0"/>
+                </a:moveTo>
+                <a:lnTo>
+                  <a:pt x="3605911" y="0"/>
+                </a:lnTo>
+                <a:lnTo>
+                  <a:pt x="3668894" y="69271"/>
+                </a:lnTo>
+                <a:cubicBezTo>
+                  <a:pt x="4379420" y="929100"/>
+                  <a:pt x="4818889" y="2116944"/>
+                  <a:pt x="4818889" y="3429000"/>
+                </a:cubicBezTo>
+                <a:cubicBezTo>
+                  <a:pt x="4818889" y="4741056"/>
+                  <a:pt x="4379420" y="5928900"/>
+                  <a:pt x="3668894" y="6788730"/>
+                </a:cubicBezTo>
+                <a:lnTo>
+                  <a:pt x="3605911" y="6858000"/>
+                </a:lnTo>
+                <a:lnTo>
+                  <a:pt x="0" y="6858000"/>
+                </a:lnTo>
+                <a:close/>
+              </a:path>
+            </a:pathLst>
+          </a:custGeom>
+          <a:ln w="9525">
+            <a:solidFill>
+              <a:srgbClr val="E6E6E6"/>
+            </a:solidFill>
+          </a:ln>
+          <a:effectLst>
+            <a:outerShdw blurRad="50800" dist="38100" algn="l" rotWithShape="0">
+              <a:schemeClr val="bg1">
+                <a:lumMod val="85000"/>
+                <a:alpha val="50000"/>
+              </a:schemeClr>
+            </a:outerShdw>
+          </a:effectLst>
+        </p:spPr>
+        <p:style>
+          <a:lnRef idx="2">
+            <a:schemeClr val="accent1">
+              <a:shade val="50000"/>
+            </a:schemeClr>
+          </a:lnRef>
+          <a:fillRef idx="1">
+            <a:schemeClr val="accent1"/>
+          </a:fillRef>
+          <a:effectRef idx="0">
+            <a:schemeClr val="accent1"/>
+          </a:effectRef>
+          <a:fontRef idx="minor">
+            <a:schemeClr val="lt1"/>
+          </a:fontRef>
+        </p:style>
+        <p:txBody>
+          <a:bodyPr wrap="square" rtlCol="0" anchor="ctr">
+            <a:noAutofit/>
+          </a:bodyPr>
+          <a:lstStyle/>
+          <a:p>
+            <a:pPr marL="0" marR="0" lvl="0" indent="0" algn="ctr" defTabSz="914400" rtl="0" eaLnBrk="1" fontAlgn="auto" latinLnBrk="0" hangingPunct="1">
+              <a:lnSpc>
+                <a:spcPct val="100000"/>
+              </a:lnSpc>
+              <a:spcBef>
+                <a:spcPts val="0"/>
+              </a:spcBef>
+              <a:spcAft>
+                <a:spcPts val="0"/>
+              </a:spcAft>
+              <a:buClrTx/>
+              <a:buSzTx/>
+              <a:buFontTx/>
+              <a:buNone/>
+              <a:tabLst/>
+              <a:defRPr/>
+            </a:pPr>
+            <a:endParaRPr kumimoji="0" lang="en-US" sz="1800" b="0" i="0" u="none" strike="noStrike" kern="1200" cap="none" spc="0" normalizeH="0" baseline="0" noProof="0">
+              <a:ln>
+                <a:noFill/>
+              </a:ln>
+              <a:solidFill>
+                <a:prstClr val="white"/>
+              </a:solidFill>
+              <a:effectLst/>
+              <a:uLnTx/>
+              <a:uFillTx/>
+              <a:latin typeface="Calibri" panose="020F0502020204030204"/>
+              <a:ea typeface="+mn-ea"/>
+              <a:cs typeface="+mn-cs"/>
+            </a:endParaRPr>
+          </a:p>
+        </p:txBody>
+      </p:sp>
+      <p:sp useBgFill="1">
+        <p:nvSpPr>
+          <p:cNvPr id="12" name="Freeform: Shape 11">
+            <a:extLst>
+              <a:ext uri="{FF2B5EF4-FFF2-40B4-BE49-F238E27FC236}">
+                <a16:creationId xmlns:a16="http://schemas.microsoft.com/office/drawing/2014/main" id="{E1B96AD6-92A9-4273-A62B-96A1C3E0BA95}"/>
+              </a:ext>
+              <a:ext uri="{C183D7F6-B498-43B3-948B-1728B52AA6E4}">
+                <adec:decorative xmlns:adec="http://schemas.microsoft.com/office/drawing/2017/decorative" val="1"/>
+              </a:ext>
+            </a:extLst>
+          </p:cNvPr>
+          <p:cNvSpPr>
+            <a:spLocks noGrp="1" noRot="1" noChangeAspect="1" noMove="1" noResize="1" noEditPoints="1" noAdjustHandles="1" noChangeArrowheads="1" noChangeShapeType="1" noTextEdit="1"/>
+          </p:cNvSpPr>
+          <p:nvPr>
+            <p:extLst>
+              <p:ext uri="{386F3935-93C4-4BCD-93E2-E3B085C9AB24}">
+                <p16:designElem xmlns:p16="http://schemas.microsoft.com/office/powerpoint/2015/main" val="1"/>
+              </p:ext>
+            </p:extLst>
+          </p:nvPr>
+        </p:nvSpPr>
+        <p:spPr>
+          <a:xfrm>
+            <a:off x="1" y="0"/>
+            <a:ext cx="4811477" cy="6858000"/>
+          </a:xfrm>
+          <a:custGeom>
+            <a:avLst/>
+            <a:gdLst>
+              <a:gd name="connsiteX0" fmla="*/ 0 w 4811477"/>
+              <a:gd name="connsiteY0" fmla="*/ 0 h 6858000"/>
+              <a:gd name="connsiteX1" fmla="*/ 3598499 w 4811477"/>
+              <a:gd name="connsiteY1" fmla="*/ 0 h 6858000"/>
+              <a:gd name="connsiteX2" fmla="*/ 3661482 w 4811477"/>
+              <a:gd name="connsiteY2" fmla="*/ 69271 h 6858000"/>
+              <a:gd name="connsiteX3" fmla="*/ 4811477 w 4811477"/>
+              <a:gd name="connsiteY3" fmla="*/ 3429000 h 6858000"/>
+              <a:gd name="connsiteX4" fmla="*/ 3661482 w 4811477"/>
+              <a:gd name="connsiteY4" fmla="*/ 6788730 h 6858000"/>
+              <a:gd name="connsiteX5" fmla="*/ 3598499 w 4811477"/>
+              <a:gd name="connsiteY5" fmla="*/ 6858000 h 6858000"/>
+              <a:gd name="connsiteX6" fmla="*/ 0 w 4811477"/>
+              <a:gd name="connsiteY6" fmla="*/ 6858000 h 6858000"/>
+            </a:gdLst>
+            <a:ahLst/>
+            <a:cxnLst>
+              <a:cxn ang="0">
+                <a:pos x="connsiteX0" y="connsiteY0"/>
+              </a:cxn>
+              <a:cxn ang="0">
+                <a:pos x="connsiteX1" y="connsiteY1"/>
+              </a:cxn>
+              <a:cxn ang="0">
+                <a:pos x="connsiteX2" y="connsiteY2"/>
+              </a:cxn>
+              <a:cxn ang="0">
+                <a:pos x="connsiteX3" y="connsiteY3"/>
+              </a:cxn>
+              <a:cxn ang="0">
+                <a:pos x="connsiteX4" y="connsiteY4"/>
+              </a:cxn>
+              <a:cxn ang="0">
+                <a:pos x="connsiteX5" y="connsiteY5"/>
+              </a:cxn>
+              <a:cxn ang="0">
+                <a:pos x="connsiteX6" y="connsiteY6"/>
+              </a:cxn>
+            </a:cxnLst>
+            <a:rect l="l" t="t" r="r" b="b"/>
+            <a:pathLst>
+              <a:path w="4811477" h="6858000">
+                <a:moveTo>
+                  <a:pt x="0" y="0"/>
+                </a:moveTo>
+                <a:lnTo>
+                  <a:pt x="3598499" y="0"/>
+                </a:lnTo>
+                <a:lnTo>
+                  <a:pt x="3661482" y="69271"/>
+                </a:lnTo>
+                <a:cubicBezTo>
+                  <a:pt x="4372008" y="929100"/>
+                  <a:pt x="4811477" y="2116944"/>
+                  <a:pt x="4811477" y="3429000"/>
+                </a:cubicBezTo>
+                <a:cubicBezTo>
+                  <a:pt x="4811477" y="4741056"/>
+                  <a:pt x="4372008" y="5928900"/>
+                  <a:pt x="3661482" y="6788730"/>
+                </a:cubicBezTo>
+                <a:lnTo>
+                  <a:pt x="3598499" y="6858000"/>
+                </a:lnTo>
+                <a:lnTo>
+                  <a:pt x="0" y="6858000"/>
+                </a:lnTo>
+                <a:close/>
+              </a:path>
+            </a:pathLst>
+          </a:custGeom>
+          <a:ln w="9525">
+            <a:noFill/>
+          </a:ln>
+          <a:effectLst/>
+        </p:spPr>
+        <p:style>
+          <a:lnRef idx="2">
+            <a:schemeClr val="accent1">
+              <a:shade val="50000"/>
+            </a:schemeClr>
+          </a:lnRef>
+          <a:fillRef idx="1">
+            <a:schemeClr val="accent1"/>
+          </a:fillRef>
+          <a:effectRef idx="0">
+            <a:schemeClr val="accent1"/>
+          </a:effectRef>
+          <a:fontRef idx="minor">
+            <a:schemeClr val="lt1"/>
+          </a:fontRef>
+        </p:style>
+        <p:txBody>
+          <a:bodyPr wrap="square" rtlCol="0" anchor="ctr">
+            <a:noAutofit/>
+          </a:bodyPr>
+          <a:lstStyle/>
+          <a:p>
+            <a:pPr marL="0" marR="0" lvl="0" indent="0" algn="ctr" defTabSz="914400" rtl="0" eaLnBrk="1" fontAlgn="auto" latinLnBrk="0" hangingPunct="1">
+              <a:lnSpc>
+                <a:spcPct val="100000"/>
+              </a:lnSpc>
+              <a:spcBef>
+                <a:spcPts val="0"/>
+              </a:spcBef>
+              <a:spcAft>
+                <a:spcPts val="0"/>
+              </a:spcAft>
+              <a:buClrTx/>
+              <a:buSzTx/>
+              <a:buFontTx/>
+              <a:buNone/>
+              <a:tabLst/>
+              <a:defRPr/>
+            </a:pPr>
+            <a:endParaRPr kumimoji="0" lang="en-US" sz="1800" b="0" i="0" u="none" strike="noStrike" kern="1200" cap="none" spc="0" normalizeH="0" baseline="0" noProof="0">
+              <a:ln>
+                <a:noFill/>
+              </a:ln>
+              <a:solidFill>
+                <a:prstClr val="white"/>
+              </a:solidFill>
+              <a:effectLst/>
+              <a:uLnTx/>
+              <a:uFillTx/>
+              <a:latin typeface="Calibri" panose="020F0502020204030204"/>
+              <a:ea typeface="+mn-ea"/>
+              <a:cs typeface="+mn-cs"/>
+            </a:endParaRPr>
+          </a:p>
+        </p:txBody>
+      </p:sp>
+      <p:sp>
+        <p:nvSpPr>
+          <p:cNvPr id="2" name="Titolo 1">
+            <a:extLst>
+              <a:ext uri="{FF2B5EF4-FFF2-40B4-BE49-F238E27FC236}">
+                <a16:creationId xmlns:a16="http://schemas.microsoft.com/office/drawing/2014/main" id="{65F4D648-4323-429F-81F4-0DC01BAF0F85}"/>
+              </a:ext>
+            </a:extLst>
+          </p:cNvPr>
+          <p:cNvSpPr>
+            <a:spLocks noGrp="1"/>
+          </p:cNvSpPr>
+          <p:nvPr>
+            <p:ph type="title"/>
+          </p:nvPr>
+        </p:nvSpPr>
+        <p:spPr>
+          <a:xfrm>
+            <a:off x="621792" y="1161288"/>
+            <a:ext cx="3602736" cy="4526280"/>
+          </a:xfrm>
+        </p:spPr>
+        <p:txBody>
+          <a:bodyPr>
+            <a:normAutofit/>
+          </a:bodyPr>
+          <a:lstStyle/>
+          <a:p>
+            <a:r>
+              <a:rPr lang="it-IT" sz="4000" dirty="0"/>
+              <a:t>ZOOKEEPER</a:t>
+            </a:r>
+          </a:p>
+        </p:txBody>
+      </p:sp>
+      <p:sp>
+        <p:nvSpPr>
+          <p:cNvPr id="14" name="Rectangle 13">
+            <a:extLst>
+              <a:ext uri="{FF2B5EF4-FFF2-40B4-BE49-F238E27FC236}">
+                <a16:creationId xmlns:a16="http://schemas.microsoft.com/office/drawing/2014/main" id="{463EEC44-1BA3-44ED-81FC-A644B04B2A44}"/>
+              </a:ext>
+              <a:ext uri="{C183D7F6-B498-43B3-948B-1728B52AA6E4}">
+                <adec:decorative xmlns:adec="http://schemas.microsoft.com/office/drawing/2017/decorative" val="1"/>
+              </a:ext>
+            </a:extLst>
+          </p:cNvPr>
+          <p:cNvSpPr>
+            <a:spLocks noGrp="1" noRot="1" noChangeAspect="1" noMove="1" noResize="1" noEditPoints="1" noAdjustHandles="1" noChangeArrowheads="1" noChangeShapeType="1" noTextEdit="1"/>
+          </p:cNvSpPr>
+          <p:nvPr>
+            <p:extLst>
+              <p:ext uri="{386F3935-93C4-4BCD-93E2-E3B085C9AB24}">
+                <p16:designElem xmlns:p16="http://schemas.microsoft.com/office/powerpoint/2015/main" val="1"/>
+              </p:ext>
+            </p:extLst>
+          </p:nvPr>
+        </p:nvSpPr>
+        <p:spPr>
+          <a:xfrm>
+            <a:off x="0" y="3102049"/>
+            <a:ext cx="128016" cy="653903"/>
+          </a:xfrm>
+          <a:prstGeom prst="rect">
+            <a:avLst/>
+          </a:prstGeom>
+          <a:solidFill>
+            <a:schemeClr val="accent2"/>
+          </a:solidFill>
+          <a:ln>
+            <a:noFill/>
+          </a:ln>
+        </p:spPr>
+        <p:style>
+          <a:lnRef idx="2">
+            <a:schemeClr val="accent1">
+              <a:shade val="50000"/>
+            </a:schemeClr>
+          </a:lnRef>
+          <a:fillRef idx="1">
+            <a:schemeClr val="accent1"/>
+          </a:fillRef>
+          <a:effectRef idx="0">
+            <a:schemeClr val="accent1"/>
+          </a:effectRef>
+          <a:fontRef idx="minor">
+            <a:schemeClr val="lt1"/>
+          </a:fontRef>
+        </p:style>
+        <p:txBody>
+          <a:bodyPr rtlCol="0" anchor="ctr"/>
+          <a:lstStyle/>
+          <a:p>
+            <a:pPr algn="ctr"/>
+            <a:endParaRPr lang="en-US">
+              <a:solidFill>
+                <a:prstClr val="white"/>
+              </a:solidFill>
+              <a:latin typeface="Calibri" panose="020F0502020204030204"/>
+            </a:endParaRPr>
+          </a:p>
+        </p:txBody>
+      </p:sp>
+      <p:sp>
+        <p:nvSpPr>
+          <p:cNvPr id="3" name="Segnaposto contenuto 2">
+            <a:extLst>
+              <a:ext uri="{FF2B5EF4-FFF2-40B4-BE49-F238E27FC236}">
+                <a16:creationId xmlns:a16="http://schemas.microsoft.com/office/drawing/2014/main" id="{53791F3C-6B65-4EE9-8D35-475CE948462C}"/>
+              </a:ext>
+            </a:extLst>
+          </p:cNvPr>
+          <p:cNvSpPr>
+            <a:spLocks noGrp="1"/>
+          </p:cNvSpPr>
+          <p:nvPr>
+            <p:ph idx="1"/>
+          </p:nvPr>
+        </p:nvSpPr>
+        <p:spPr>
+          <a:xfrm>
+            <a:off x="5434149" y="932688"/>
+            <a:ext cx="5916603" cy="4992624"/>
+          </a:xfrm>
+        </p:spPr>
+        <p:txBody>
+          <a:bodyPr anchor="ctr">
+            <a:normAutofit/>
+          </a:bodyPr>
+          <a:lstStyle/>
+          <a:p>
+            <a:r>
+              <a:rPr lang="it-IT" sz="2000" dirty="0" err="1"/>
+              <a:t>ZooKeeper</a:t>
+            </a:r>
+            <a:r>
+              <a:rPr lang="it-IT" sz="2000" dirty="0"/>
+              <a:t> </a:t>
+            </a:r>
+            <a:r>
+              <a:rPr lang="it-IT" sz="2000" dirty="0" err="1"/>
+              <a:t>is</a:t>
+            </a:r>
+            <a:r>
+              <a:rPr lang="it-IT" sz="2000" dirty="0"/>
+              <a:t> </a:t>
+            </a:r>
+            <a:r>
+              <a:rPr lang="it-IT" sz="2000" dirty="0" err="1"/>
+              <a:t>deployed</a:t>
+            </a:r>
+            <a:r>
+              <a:rPr lang="it-IT" sz="2000" dirty="0"/>
+              <a:t> </a:t>
+            </a:r>
+            <a:r>
+              <a:rPr lang="it-IT" sz="2000" dirty="0" err="1"/>
+              <a:t>as</a:t>
+            </a:r>
+            <a:r>
+              <a:rPr lang="it-IT" sz="2000" dirty="0"/>
+              <a:t> single </a:t>
+            </a:r>
+            <a:r>
+              <a:rPr lang="it-IT" sz="2000" dirty="0" err="1"/>
+              <a:t>istance</a:t>
+            </a:r>
+            <a:r>
+              <a:rPr lang="it-IT" sz="2000" dirty="0"/>
+              <a:t> in the VM with IP 172.16.3.35 in a </a:t>
+            </a:r>
+            <a:r>
+              <a:rPr lang="it-IT" sz="2000" dirty="0" err="1"/>
+              <a:t>docker</a:t>
+            </a:r>
+            <a:r>
+              <a:rPr lang="it-IT" sz="2000" dirty="0"/>
+              <a:t>, </a:t>
+            </a:r>
+            <a:r>
+              <a:rPr lang="it-IT" sz="2000" dirty="0" err="1"/>
+              <a:t>although</a:t>
+            </a:r>
+            <a:r>
+              <a:rPr lang="it-IT" sz="2000" dirty="0"/>
+              <a:t> more </a:t>
+            </a:r>
+            <a:r>
+              <a:rPr lang="it-IT" sz="2000" dirty="0" err="1"/>
+              <a:t>istances</a:t>
+            </a:r>
+            <a:r>
+              <a:rPr lang="it-IT" sz="2000" dirty="0"/>
+              <a:t> are </a:t>
+            </a:r>
+            <a:r>
+              <a:rPr lang="it-IT" sz="2000" dirty="0" err="1"/>
+              <a:t>usually</a:t>
+            </a:r>
+            <a:r>
+              <a:rPr lang="it-IT" sz="2000" dirty="0"/>
+              <a:t> </a:t>
+            </a:r>
+            <a:r>
+              <a:rPr lang="it-IT" sz="2000" dirty="0" err="1"/>
+              <a:t>preferred</a:t>
+            </a:r>
+            <a:r>
+              <a:rPr lang="it-IT" sz="2000" dirty="0"/>
+              <a:t>.</a:t>
+            </a:r>
+          </a:p>
+          <a:p>
+            <a:r>
+              <a:rPr lang="it-IT" sz="2000" dirty="0" err="1"/>
+              <a:t>Zookeeper</a:t>
+            </a:r>
+            <a:r>
+              <a:rPr lang="it-IT" sz="2000" dirty="0"/>
+              <a:t> </a:t>
+            </a:r>
+            <a:r>
+              <a:rPr lang="it-IT" sz="2000" dirty="0" err="1"/>
+              <a:t>is</a:t>
+            </a:r>
+            <a:r>
+              <a:rPr lang="it-IT" sz="2000" dirty="0"/>
+              <a:t> </a:t>
+            </a:r>
+            <a:r>
+              <a:rPr lang="it-IT" sz="2000" dirty="0" err="1"/>
+              <a:t>used</a:t>
+            </a:r>
+            <a:r>
+              <a:rPr lang="it-IT" sz="2000" dirty="0"/>
+              <a:t> to </a:t>
+            </a:r>
+            <a:r>
+              <a:rPr lang="it-IT" sz="2000" dirty="0" err="1"/>
+              <a:t>save</a:t>
+            </a:r>
+            <a:r>
+              <a:rPr lang="it-IT" sz="2000" dirty="0"/>
+              <a:t> the </a:t>
+            </a:r>
+            <a:r>
+              <a:rPr lang="it-IT" sz="2000" dirty="0" err="1"/>
+              <a:t>configuration</a:t>
+            </a:r>
+            <a:r>
+              <a:rPr lang="it-IT" sz="2000" dirty="0"/>
+              <a:t> setting of the front-end and back-end.</a:t>
+            </a:r>
+          </a:p>
+        </p:txBody>
+      </p:sp>
+    </p:spTree>
+    <p:extLst>
+      <p:ext uri="{BB962C8B-B14F-4D97-AF65-F5344CB8AC3E}">
+        <p14:creationId xmlns:p14="http://schemas.microsoft.com/office/powerpoint/2010/main" val="4093763883"/>
+      </p:ext>
+    </p:extLst>
+  </p:cSld>
+  <p:clrMapOvr>
+    <a:masterClrMapping/>
+  </p:clrMapOvr>
+</p:sld>
+</file>
+
+<file path=ppt/slides/slide6.xml><?xml version="1.0" encoding="utf-8"?>
 <p:sld xmlns:a="http://schemas.openxmlformats.org/drawingml/2006/main" xmlns:r="http://schemas.openxmlformats.org/officeDocument/2006/relationships" xmlns:p="http://schemas.openxmlformats.org/presentationml/2006/main">
   <p:cSld>
     <p:bg>
@@ -6302,4 +7427,299 @@
     </a:ext>
   </a:extLst>
 </a:theme>
+</file>
+
+<file path=ppt/theme/theme2.xml><?xml version="1.0" encoding="utf-8"?>
+<a:theme xmlns:a="http://schemas.openxmlformats.org/drawingml/2006/main" name="Tema di Office">
+  <a:themeElements>
+    <a:clrScheme name="Office">
+      <a:dk1>
+        <a:sysClr val="windowText" lastClr="000000"/>
+      </a:dk1>
+      <a:lt1>
+        <a:sysClr val="window" lastClr="FFFFFF"/>
+      </a:lt1>
+      <a:dk2>
+        <a:srgbClr val="44546A"/>
+      </a:dk2>
+      <a:lt2>
+        <a:srgbClr val="E7E6E6"/>
+      </a:lt2>
+      <a:accent1>
+        <a:srgbClr val="4472C4"/>
+      </a:accent1>
+      <a:accent2>
+        <a:srgbClr val="ED7D31"/>
+      </a:accent2>
+      <a:accent3>
+        <a:srgbClr val="A5A5A5"/>
+      </a:accent3>
+      <a:accent4>
+        <a:srgbClr val="FFC000"/>
+      </a:accent4>
+      <a:accent5>
+        <a:srgbClr val="5B9BD5"/>
+      </a:accent5>
+      <a:accent6>
+        <a:srgbClr val="70AD47"/>
+      </a:accent6>
+      <a:hlink>
+        <a:srgbClr val="0563C1"/>
+      </a:hlink>
+      <a:folHlink>
+        <a:srgbClr val="954F72"/>
+      </a:folHlink>
+    </a:clrScheme>
+    <a:fontScheme name="Office">
+      <a:majorFont>
+        <a:latin typeface="Calibri Light" panose="020F0302020204030204"/>
+        <a:ea typeface=""/>
+        <a:cs typeface=""/>
+        <a:font script="Jpan" typeface="游ゴシック Light"/>
+        <a:font script="Hang" typeface="맑은 고딕"/>
+        <a:font script="Hans" typeface="等线 Light"/>
+        <a:font script="Hant" typeface="新細明體"/>
+        <a:font script="Arab" typeface="Times New Roman"/>
+        <a:font script="Hebr" typeface="Times New Roman"/>
+        <a:font script="Thai" typeface="Angsana New"/>
+        <a:font script="Ethi" typeface="Nyala"/>
+        <a:font script="Beng" typeface="Vrinda"/>
+        <a:font script="Gujr" typeface="Shruti"/>
+        <a:font script="Khmr" typeface="MoolBoran"/>
+        <a:font script="Knda" typeface="Tunga"/>
+        <a:font script="Guru" typeface="Raavi"/>
+        <a:font script="Cans" typeface="Euphemia"/>
+        <a:font script="Cher" typeface="Plantagenet Cherokee"/>
+        <a:font script="Yiii" typeface="Microsoft Yi Baiti"/>
+        <a:font script="Tibt" typeface="Microsoft Himalaya"/>
+        <a:font script="Thaa" typeface="MV Boli"/>
+        <a:font script="Deva" typeface="Mangal"/>
+        <a:font script="Telu" typeface="Gautami"/>
+        <a:font script="Taml" typeface="Latha"/>
+        <a:font script="Syrc" typeface="Estrangelo Edessa"/>
+        <a:font script="Orya" typeface="Kalinga"/>
+        <a:font script="Mlym" typeface="Kartika"/>
+        <a:font script="Laoo" typeface="DokChampa"/>
+        <a:font script="Sinh" typeface="Iskoola Pota"/>
+        <a:font script="Mong" typeface="Mongolian Baiti"/>
+        <a:font script="Viet" typeface="Times New Roman"/>
+        <a:font script="Uigh" typeface="Microsoft Uighur"/>
+        <a:font script="Geor" typeface="Sylfaen"/>
+        <a:font script="Armn" typeface="Arial"/>
+        <a:font script="Bugi" typeface="Leelawadee UI"/>
+        <a:font script="Bopo" typeface="Microsoft JhengHei"/>
+        <a:font script="Java" typeface="Javanese Text"/>
+        <a:font script="Lisu" typeface="Segoe UI"/>
+        <a:font script="Mymr" typeface="Myanmar Text"/>
+        <a:font script="Nkoo" typeface="Ebrima"/>
+        <a:font script="Olck" typeface="Nirmala UI"/>
+        <a:font script="Osma" typeface="Ebrima"/>
+        <a:font script="Phag" typeface="Phagspa"/>
+        <a:font script="Syrn" typeface="Estrangelo Edessa"/>
+        <a:font script="Syrj" typeface="Estrangelo Edessa"/>
+        <a:font script="Syre" typeface="Estrangelo Edessa"/>
+        <a:font script="Sora" typeface="Nirmala UI"/>
+        <a:font script="Tale" typeface="Microsoft Tai Le"/>
+        <a:font script="Talu" typeface="Microsoft New Tai Lue"/>
+        <a:font script="Tfng" typeface="Ebrima"/>
+      </a:majorFont>
+      <a:minorFont>
+        <a:latin typeface="Calibri" panose="020F0502020204030204"/>
+        <a:ea typeface=""/>
+        <a:cs typeface=""/>
+        <a:font script="Jpan" typeface="游ゴシック"/>
+        <a:font script="Hang" typeface="맑은 고딕"/>
+        <a:font script="Hans" typeface="等线"/>
+        <a:font script="Hant" typeface="新細明體"/>
+        <a:font script="Arab" typeface="Arial"/>
+        <a:font script="Hebr" typeface="Arial"/>
+        <a:font script="Thai" typeface="Cordia New"/>
+        <a:font script="Ethi" typeface="Nyala"/>
+        <a:font script="Beng" typeface="Vrinda"/>
+        <a:font script="Gujr" typeface="Shruti"/>
+        <a:font script="Khmr" typeface="DaunPenh"/>
+        <a:font script="Knda" typeface="Tunga"/>
+        <a:font script="Guru" typeface="Raavi"/>
+        <a:font script="Cans" typeface="Euphemia"/>
+        <a:font script="Cher" typeface="Plantagenet Cherokee"/>
+        <a:font script="Yiii" typeface="Microsoft Yi Baiti"/>
+        <a:font script="Tibt" typeface="Microsoft Himalaya"/>
+        <a:font script="Thaa" typeface="MV Boli"/>
+        <a:font script="Deva" typeface="Mangal"/>
+        <a:font script="Telu" typeface="Gautami"/>
+        <a:font script="Taml" typeface="Latha"/>
+        <a:font script="Syrc" typeface="Estrangelo Edessa"/>
+        <a:font script="Orya" typeface="Kalinga"/>
+        <a:font script="Mlym" typeface="Kartika"/>
+        <a:font script="Laoo" typeface="DokChampa"/>
+        <a:font script="Sinh" typeface="Iskoola Pota"/>
+        <a:font script="Mong" typeface="Mongolian Baiti"/>
+        <a:font script="Viet" typeface="Arial"/>
+        <a:font script="Uigh" typeface="Microsoft Uighur"/>
+        <a:font script="Geor" typeface="Sylfaen"/>
+        <a:font script="Armn" typeface="Arial"/>
+        <a:font script="Bugi" typeface="Leelawadee UI"/>
+        <a:font script="Bopo" typeface="Microsoft JhengHei"/>
+        <a:font script="Java" typeface="Javanese Text"/>
+        <a:font script="Lisu" typeface="Segoe UI"/>
+        <a:font script="Mymr" typeface="Myanmar Text"/>
+        <a:font script="Nkoo" typeface="Ebrima"/>
+        <a:font script="Olck" typeface="Nirmala UI"/>
+        <a:font script="Osma" typeface="Ebrima"/>
+        <a:font script="Phag" typeface="Phagspa"/>
+        <a:font script="Syrn" typeface="Estrangelo Edessa"/>
+        <a:font script="Syrj" typeface="Estrangelo Edessa"/>
+        <a:font script="Syre" typeface="Estrangelo Edessa"/>
+        <a:font script="Sora" typeface="Nirmala UI"/>
+        <a:font script="Tale" typeface="Microsoft Tai Le"/>
+        <a:font script="Talu" typeface="Microsoft New Tai Lue"/>
+        <a:font script="Tfng" typeface="Ebrima"/>
+      </a:minorFont>
+    </a:fontScheme>
+    <a:fmtScheme name="Office">
+      <a:fillStyleLst>
+        <a:solidFill>
+          <a:schemeClr val="phClr"/>
+        </a:solidFill>
+        <a:gradFill rotWithShape="1">
+          <a:gsLst>
+            <a:gs pos="0">
+              <a:schemeClr val="phClr">
+                <a:lumMod val="110000"/>
+                <a:satMod val="105000"/>
+                <a:tint val="67000"/>
+              </a:schemeClr>
+            </a:gs>
+            <a:gs pos="50000">
+              <a:schemeClr val="phClr">
+                <a:lumMod val="105000"/>
+                <a:satMod val="103000"/>
+                <a:tint val="73000"/>
+              </a:schemeClr>
+            </a:gs>
+            <a:gs pos="100000">
+              <a:schemeClr val="phClr">
+                <a:lumMod val="105000"/>
+                <a:satMod val="109000"/>
+                <a:tint val="81000"/>
+              </a:schemeClr>
+            </a:gs>
+          </a:gsLst>
+          <a:lin ang="5400000" scaled="0"/>
+        </a:gradFill>
+        <a:gradFill rotWithShape="1">
+          <a:gsLst>
+            <a:gs pos="0">
+              <a:schemeClr val="phClr">
+                <a:satMod val="103000"/>
+                <a:lumMod val="102000"/>
+                <a:tint val="94000"/>
+              </a:schemeClr>
+            </a:gs>
+            <a:gs pos="50000">
+              <a:schemeClr val="phClr">
+                <a:satMod val="110000"/>
+                <a:lumMod val="100000"/>
+                <a:shade val="100000"/>
+              </a:schemeClr>
+            </a:gs>
+            <a:gs pos="100000">
+              <a:schemeClr val="phClr">
+                <a:lumMod val="99000"/>
+                <a:satMod val="120000"/>
+                <a:shade val="78000"/>
+              </a:schemeClr>
+            </a:gs>
+          </a:gsLst>
+          <a:lin ang="5400000" scaled="0"/>
+        </a:gradFill>
+      </a:fillStyleLst>
+      <a:lnStyleLst>
+        <a:ln w="6350" cap="flat" cmpd="sng" algn="ctr">
+          <a:solidFill>
+            <a:schemeClr val="phClr"/>
+          </a:solidFill>
+          <a:prstDash val="solid"/>
+          <a:miter lim="800000"/>
+        </a:ln>
+        <a:ln w="12700" cap="flat" cmpd="sng" algn="ctr">
+          <a:solidFill>
+            <a:schemeClr val="phClr"/>
+          </a:solidFill>
+          <a:prstDash val="solid"/>
+          <a:miter lim="800000"/>
+        </a:ln>
+        <a:ln w="19050" cap="flat" cmpd="sng" algn="ctr">
+          <a:solidFill>
+            <a:schemeClr val="phClr"/>
+          </a:solidFill>
+          <a:prstDash val="solid"/>
+          <a:miter lim="800000"/>
+        </a:ln>
+      </a:lnStyleLst>
+      <a:effectStyleLst>
+        <a:effectStyle>
+          <a:effectLst/>
+        </a:effectStyle>
+        <a:effectStyle>
+          <a:effectLst/>
+        </a:effectStyle>
+        <a:effectStyle>
+          <a:effectLst>
+            <a:outerShdw blurRad="57150" dist="19050" dir="5400000" algn="ctr" rotWithShape="0">
+              <a:srgbClr val="000000">
+                <a:alpha val="63000"/>
+              </a:srgbClr>
+            </a:outerShdw>
+          </a:effectLst>
+        </a:effectStyle>
+      </a:effectStyleLst>
+      <a:bgFillStyleLst>
+        <a:solidFill>
+          <a:schemeClr val="phClr"/>
+        </a:solidFill>
+        <a:solidFill>
+          <a:schemeClr val="phClr">
+            <a:tint val="95000"/>
+            <a:satMod val="170000"/>
+          </a:schemeClr>
+        </a:solidFill>
+        <a:gradFill rotWithShape="1">
+          <a:gsLst>
+            <a:gs pos="0">
+              <a:schemeClr val="phClr">
+                <a:tint val="93000"/>
+                <a:satMod val="150000"/>
+                <a:shade val="98000"/>
+                <a:lumMod val="102000"/>
+              </a:schemeClr>
+            </a:gs>
+            <a:gs pos="50000">
+              <a:schemeClr val="phClr">
+                <a:tint val="98000"/>
+                <a:satMod val="130000"/>
+                <a:shade val="90000"/>
+                <a:lumMod val="103000"/>
+              </a:schemeClr>
+            </a:gs>
+            <a:gs pos="100000">
+              <a:schemeClr val="phClr">
+                <a:shade val="63000"/>
+                <a:satMod val="120000"/>
+              </a:schemeClr>
+            </a:gs>
+          </a:gsLst>
+          <a:lin ang="5400000" scaled="0"/>
+        </a:gradFill>
+      </a:bgFillStyleLst>
+    </a:fmtScheme>
+  </a:themeElements>
+  <a:objectDefaults/>
+  <a:extraClrSchemeLst/>
+  <a:extLst>
+    <a:ext uri="{05A4C25C-085E-4340-85A3-A5531E510DB2}">
+      <thm15:themeFamily xmlns:thm15="http://schemas.microsoft.com/office/thememl/2012/main" name="Office Theme" id="{62F939B6-93AF-4DB8-9C6B-D6C7DFDC589F}" vid="{4A3C46E8-61CC-4603-A589-7422A47A8E4A}"/>
+    </a:ext>
+  </a:extLst>
+</a:theme>
 </file>
--- a/Presentazione/CCPresentation.pptx
+++ b/Presentazione/CCPresentation.pptx
@@ -5,15 +5,16 @@
     <p:sldMasterId id="2147483648" r:id="rId1"/>
   </p:sldMasterIdLst>
   <p:notesMasterIdLst>
-    <p:notesMasterId r:id="rId8"/>
+    <p:notesMasterId r:id="rId9"/>
   </p:notesMasterIdLst>
   <p:sldIdLst>
     <p:sldId id="256" r:id="rId2"/>
     <p:sldId id="257" r:id="rId3"/>
-    <p:sldId id="260" r:id="rId4"/>
-    <p:sldId id="262" r:id="rId5"/>
-    <p:sldId id="264" r:id="rId6"/>
-    <p:sldId id="263" r:id="rId7"/>
+    <p:sldId id="266" r:id="rId4"/>
+    <p:sldId id="260" r:id="rId5"/>
+    <p:sldId id="262" r:id="rId6"/>
+    <p:sldId id="264" r:id="rId7"/>
+    <p:sldId id="263" r:id="rId8"/>
   </p:sldIdLst>
   <p:sldSz cx="12192000" cy="6858000"/>
   <p:notesSz cx="6858000" cy="9144000"/>
@@ -202,7 +203,7 @@
           <a:p>
             <a:fld id="{B31A39B7-C7B7-41FC-95CE-8CA9EFD0748D}" type="datetimeFigureOut">
               <a:rPr lang="it-IT" smtClean="0"/>
-              <a:t>27/06/2020</a:t>
+              <a:t>28/06/2020</a:t>
             </a:fld>
             <a:endParaRPr lang="it-IT"/>
           </a:p>
@@ -700,7 +701,7 @@
           <a:p>
             <a:fld id="{30C41E12-1A14-8344-9316-66086320E489}" type="datetimeFigureOut">
               <a:rPr lang="it-IT" smtClean="0"/>
-              <a:t>27/06/2020</a:t>
+              <a:t>28/06/2020</a:t>
             </a:fld>
             <a:endParaRPr lang="it-IT"/>
           </a:p>
@@ -898,7 +899,7 @@
           <a:p>
             <a:fld id="{30C41E12-1A14-8344-9316-66086320E489}" type="datetimeFigureOut">
               <a:rPr lang="it-IT" smtClean="0"/>
-              <a:t>27/06/2020</a:t>
+              <a:t>28/06/2020</a:t>
             </a:fld>
             <a:endParaRPr lang="it-IT"/>
           </a:p>
@@ -1106,7 +1107,7 @@
           <a:p>
             <a:fld id="{30C41E12-1A14-8344-9316-66086320E489}" type="datetimeFigureOut">
               <a:rPr lang="it-IT" smtClean="0"/>
-              <a:t>27/06/2020</a:t>
+              <a:t>28/06/2020</a:t>
             </a:fld>
             <a:endParaRPr lang="it-IT"/>
           </a:p>
@@ -1304,7 +1305,7 @@
           <a:p>
             <a:fld id="{30C41E12-1A14-8344-9316-66086320E489}" type="datetimeFigureOut">
               <a:rPr lang="it-IT" smtClean="0"/>
-              <a:t>27/06/2020</a:t>
+              <a:t>28/06/2020</a:t>
             </a:fld>
             <a:endParaRPr lang="it-IT"/>
           </a:p>
@@ -1579,7 +1580,7 @@
           <a:p>
             <a:fld id="{30C41E12-1A14-8344-9316-66086320E489}" type="datetimeFigureOut">
               <a:rPr lang="it-IT" smtClean="0"/>
-              <a:t>27/06/2020</a:t>
+              <a:t>28/06/2020</a:t>
             </a:fld>
             <a:endParaRPr lang="it-IT"/>
           </a:p>
@@ -1844,7 +1845,7 @@
           <a:p>
             <a:fld id="{30C41E12-1A14-8344-9316-66086320E489}" type="datetimeFigureOut">
               <a:rPr lang="it-IT" smtClean="0"/>
-              <a:t>27/06/2020</a:t>
+              <a:t>28/06/2020</a:t>
             </a:fld>
             <a:endParaRPr lang="it-IT"/>
           </a:p>
@@ -2256,7 +2257,7 @@
           <a:p>
             <a:fld id="{30C41E12-1A14-8344-9316-66086320E489}" type="datetimeFigureOut">
               <a:rPr lang="it-IT" smtClean="0"/>
-              <a:t>27/06/2020</a:t>
+              <a:t>28/06/2020</a:t>
             </a:fld>
             <a:endParaRPr lang="it-IT"/>
           </a:p>
@@ -2397,7 +2398,7 @@
           <a:p>
             <a:fld id="{30C41E12-1A14-8344-9316-66086320E489}" type="datetimeFigureOut">
               <a:rPr lang="it-IT" smtClean="0"/>
-              <a:t>27/06/2020</a:t>
+              <a:t>28/06/2020</a:t>
             </a:fld>
             <a:endParaRPr lang="it-IT"/>
           </a:p>
@@ -2510,7 +2511,7 @@
           <a:p>
             <a:fld id="{30C41E12-1A14-8344-9316-66086320E489}" type="datetimeFigureOut">
               <a:rPr lang="it-IT" smtClean="0"/>
-              <a:t>27/06/2020</a:t>
+              <a:t>28/06/2020</a:t>
             </a:fld>
             <a:endParaRPr lang="it-IT"/>
           </a:p>
@@ -2821,7 +2822,7 @@
           <a:p>
             <a:fld id="{30C41E12-1A14-8344-9316-66086320E489}" type="datetimeFigureOut">
               <a:rPr lang="it-IT" smtClean="0"/>
-              <a:t>27/06/2020</a:t>
+              <a:t>28/06/2020</a:t>
             </a:fld>
             <a:endParaRPr lang="it-IT"/>
           </a:p>
@@ -3109,7 +3110,7 @@
           <a:p>
             <a:fld id="{30C41E12-1A14-8344-9316-66086320E489}" type="datetimeFigureOut">
               <a:rPr lang="it-IT" smtClean="0"/>
-              <a:t>27/06/2020</a:t>
+              <a:t>28/06/2020</a:t>
             </a:fld>
             <a:endParaRPr lang="it-IT"/>
           </a:p>
@@ -3350,7 +3351,7 @@
           <a:p>
             <a:fld id="{30C41E12-1A14-8344-9316-66086320E489}" type="datetimeFigureOut">
               <a:rPr lang="it-IT" smtClean="0"/>
-              <a:t>27/06/2020</a:t>
+              <a:t>28/06/2020</a:t>
             </a:fld>
             <a:endParaRPr lang="it-IT"/>
           </a:p>
@@ -4107,12 +4108,47 @@
           <a:chExt cx="0" cy="0"/>
         </a:xfrm>
       </p:grpSpPr>
+      <p:sp>
+        <p:nvSpPr>
+          <p:cNvPr id="2" name="Titolo 1">
+            <a:extLst>
+              <a:ext uri="{FF2B5EF4-FFF2-40B4-BE49-F238E27FC236}">
+                <a16:creationId xmlns:a16="http://schemas.microsoft.com/office/drawing/2014/main" id="{FFB9B9F2-07E4-644B-9F4F-BE3FE0CF445B}"/>
+              </a:ext>
+            </a:extLst>
+          </p:cNvPr>
+          <p:cNvSpPr>
+            <a:spLocks noGrp="1"/>
+          </p:cNvSpPr>
+          <p:nvPr>
+            <p:ph type="title"/>
+          </p:nvPr>
+        </p:nvSpPr>
+        <p:spPr>
+          <a:xfrm>
+            <a:off x="838200" y="365125"/>
+            <a:ext cx="10515600" cy="1325563"/>
+          </a:xfrm>
+        </p:spPr>
+        <p:txBody>
+          <a:bodyPr>
+            <a:normAutofit/>
+          </a:bodyPr>
+          <a:lstStyle/>
+          <a:p>
+            <a:r>
+              <a:rPr lang="it-IT" dirty="0"/>
+              <a:t>Schema</a:t>
+            </a:r>
+          </a:p>
+        </p:txBody>
+      </p:sp>
       <p:pic>
         <p:nvPicPr>
-          <p:cNvPr id="5" name="Immagine 4" descr="Immagine che contiene testo&#10;&#10;Descrizione generata automaticamente">
-            <a:extLst>
-              <a:ext uri="{FF2B5EF4-FFF2-40B4-BE49-F238E27FC236}">
-                <a16:creationId xmlns:a16="http://schemas.microsoft.com/office/drawing/2014/main" id="{A24F0B55-89D7-4314-A002-443B27990DB9}"/>
+          <p:cNvPr id="4" name="Immagine 3" descr="Immagine che contiene testo&#10;&#10;Descrizione generata automaticamente">
+            <a:extLst>
+              <a:ext uri="{FF2B5EF4-FFF2-40B4-BE49-F238E27FC236}">
+                <a16:creationId xmlns:a16="http://schemas.microsoft.com/office/drawing/2014/main" id="{35307024-FC78-4FDF-B242-FAFAB3ECB7CA}"/>
               </a:ext>
             </a:extLst>
           </p:cNvPr>
@@ -4129,49 +4165,14 @@
         </p:blipFill>
         <p:spPr>
           <a:xfrm>
-            <a:off x="1777967" y="276225"/>
-            <a:ext cx="10315575" cy="6581775"/>
+            <a:off x="1038225" y="1567932"/>
+            <a:ext cx="10315575" cy="4991100"/>
           </a:xfrm>
           <a:prstGeom prst="rect">
             <a:avLst/>
           </a:prstGeom>
         </p:spPr>
       </p:pic>
-      <p:sp>
-        <p:nvSpPr>
-          <p:cNvPr id="2" name="Titolo 1">
-            <a:extLst>
-              <a:ext uri="{FF2B5EF4-FFF2-40B4-BE49-F238E27FC236}">
-                <a16:creationId xmlns:a16="http://schemas.microsoft.com/office/drawing/2014/main" id="{FFB9B9F2-07E4-644B-9F4F-BE3FE0CF445B}"/>
-              </a:ext>
-            </a:extLst>
-          </p:cNvPr>
-          <p:cNvSpPr>
-            <a:spLocks noGrp="1"/>
-          </p:cNvSpPr>
-          <p:nvPr>
-            <p:ph type="title"/>
-          </p:nvPr>
-        </p:nvSpPr>
-        <p:spPr>
-          <a:xfrm>
-            <a:off x="838200" y="365125"/>
-            <a:ext cx="10515600" cy="1325563"/>
-          </a:xfrm>
-        </p:spPr>
-        <p:txBody>
-          <a:bodyPr>
-            <a:normAutofit/>
-          </a:bodyPr>
-          <a:lstStyle/>
-          <a:p>
-            <a:r>
-              <a:rPr lang="it-IT" dirty="0"/>
-              <a:t>Schema</a:t>
-            </a:r>
-          </a:p>
-        </p:txBody>
-      </p:sp>
     </p:spTree>
     <p:extLst>
       <p:ext uri="{BB962C8B-B14F-4D97-AF65-F5344CB8AC3E}">
@@ -4212,7 +4213,7 @@
       </p:grpSpPr>
       <p:sp useBgFill="1">
         <p:nvSpPr>
-          <p:cNvPr id="109" name="Rectangle 108">
+          <p:cNvPr id="8" name="Rectangle 7">
             <a:extLst>
               <a:ext uri="{FF2B5EF4-FFF2-40B4-BE49-F238E27FC236}">
                 <a16:creationId xmlns:a16="http://schemas.microsoft.com/office/drawing/2014/main" id="{1C799903-48D5-4A31-A1A2-541072D9771E}"/>
@@ -4272,7 +4273,7 @@
       </p:sp>
       <p:sp useBgFill="1">
         <p:nvSpPr>
-          <p:cNvPr id="111" name="Freeform: Shape 110">
+          <p:cNvPr id="10" name="Freeform: Shape 9">
             <a:extLst>
               <a:ext uri="{FF2B5EF4-FFF2-40B4-BE49-F238E27FC236}">
                 <a16:creationId xmlns:a16="http://schemas.microsoft.com/office/drawing/2014/main" id="{8EFFF109-FC58-4FD3-BE05-9775A1310F55}"/>
@@ -4444,7 +4445,7 @@
       </p:sp>
       <p:sp useBgFill="1">
         <p:nvSpPr>
-          <p:cNvPr id="113" name="Freeform: Shape 112">
+          <p:cNvPr id="12" name="Freeform: Shape 11">
             <a:extLst>
               <a:ext uri="{FF2B5EF4-FFF2-40B4-BE49-F238E27FC236}">
                 <a16:creationId xmlns:a16="http://schemas.microsoft.com/office/drawing/2014/main" id="{E1B96AD6-92A9-4273-A62B-96A1C3E0BA95}"/>
@@ -4635,14 +4636,14 @@
           <a:p>
             <a:r>
               <a:rPr lang="it-IT" sz="4000" dirty="0"/>
-              <a:t>HAPROXY &amp; FRONT-END</a:t>
-            </a:r>
-          </a:p>
-        </p:txBody>
-      </p:sp>
-      <p:sp>
-        <p:nvSpPr>
-          <p:cNvPr id="115" name="Rectangle 114">
+              <a:t>OVERVIEW</a:t>
+            </a:r>
+          </a:p>
+        </p:txBody>
+      </p:sp>
+      <p:sp>
+        <p:nvSpPr>
+          <p:cNvPr id="14" name="Rectangle 13">
             <a:extLst>
               <a:ext uri="{FF2B5EF4-FFF2-40B4-BE49-F238E27FC236}">
                 <a16:creationId xmlns:a16="http://schemas.microsoft.com/office/drawing/2014/main" id="{463EEC44-1BA3-44ED-81FC-A644B04B2A44}"/>
@@ -4738,19 +4739,11 @@
           <a:p>
             <a:r>
               <a:rPr lang="it-IT" sz="2000" dirty="0" err="1"/>
-              <a:t>HAProxy</a:t>
-            </a:r>
-            <a:r>
-              <a:rPr lang="it-IT" sz="2000" dirty="0"/>
-              <a:t> </a:t>
-            </a:r>
-            <a:r>
-              <a:rPr lang="it-IT" sz="2000" dirty="0" err="1"/>
-              <a:t>is</a:t>
-            </a:r>
-            <a:r>
-              <a:rPr lang="it-IT" sz="2000" dirty="0"/>
-              <a:t> </a:t>
+              <a:t>All</a:t>
+            </a:r>
+            <a:r>
+              <a:rPr lang="it-IT" sz="2000" dirty="0"/>
+              <a:t> component are </a:t>
             </a:r>
             <a:r>
               <a:rPr lang="it-IT" sz="2000" dirty="0" err="1"/>
@@ -4758,31 +4751,7 @@
             </a:r>
             <a:r>
               <a:rPr lang="it-IT" sz="2000" dirty="0"/>
-              <a:t> </a:t>
-            </a:r>
-            <a:r>
-              <a:rPr lang="it-IT" sz="2000" dirty="0" err="1"/>
-              <a:t>as</a:t>
-            </a:r>
-            <a:r>
-              <a:rPr lang="it-IT" sz="2000" dirty="0"/>
-              <a:t> single </a:t>
-            </a:r>
-            <a:r>
-              <a:rPr lang="it-IT" sz="2000" dirty="0" err="1"/>
-              <a:t>istance</a:t>
-            </a:r>
-            <a:r>
-              <a:rPr lang="it-IT" sz="2000" dirty="0"/>
-              <a:t>, in the VM with </a:t>
-            </a:r>
-            <a:r>
-              <a:rPr lang="it-IT" sz="2000" dirty="0" err="1"/>
-              <a:t>ip</a:t>
-            </a:r>
-            <a:r>
-              <a:rPr lang="it-IT" sz="2000" dirty="0"/>
-              <a:t> 172.16.3.35 in a </a:t>
+              <a:t> in a </a:t>
             </a:r>
             <a:r>
               <a:rPr lang="it-IT" sz="2000" dirty="0" err="1"/>
@@ -4795,183 +4764,17 @@
           </a:p>
           <a:p>
             <a:r>
-              <a:rPr lang="it-IT" sz="2000" dirty="0"/>
-              <a:t>For </a:t>
-            </a:r>
-            <a:r>
-              <a:rPr lang="it-IT" sz="2000" dirty="0" err="1"/>
-              <a:t>this</a:t>
-            </a:r>
-            <a:r>
-              <a:rPr lang="it-IT" sz="2000" dirty="0"/>
-              <a:t> </a:t>
-            </a:r>
-            <a:r>
-              <a:rPr lang="it-IT" sz="2000" dirty="0" err="1"/>
-              <a:t>architecture</a:t>
-            </a:r>
-            <a:r>
-              <a:rPr lang="it-IT" sz="2000" dirty="0"/>
-              <a:t>, </a:t>
-            </a:r>
-            <a:r>
-              <a:rPr lang="it-IT" sz="2000" dirty="0" err="1"/>
-              <a:t>every</a:t>
-            </a:r>
-            <a:r>
-              <a:rPr lang="it-IT" sz="2000" dirty="0"/>
-              <a:t> front-end </a:t>
-            </a:r>
-            <a:r>
-              <a:rPr lang="it-IT" sz="2000" dirty="0" err="1"/>
-              <a:t>instance</a:t>
-            </a:r>
-            <a:r>
-              <a:rPr lang="it-IT" sz="2000" dirty="0"/>
-              <a:t> must be </a:t>
-            </a:r>
-            <a:r>
-              <a:rPr lang="it-IT" sz="2000" dirty="0" err="1"/>
-              <a:t>connected</a:t>
-            </a:r>
-            <a:r>
-              <a:rPr lang="it-IT" sz="2000" dirty="0"/>
-              <a:t> with one back-end </a:t>
-            </a:r>
-            <a:r>
-              <a:rPr lang="it-IT" sz="2000" dirty="0" err="1"/>
-              <a:t>istance</a:t>
-            </a:r>
-            <a:r>
-              <a:rPr lang="it-IT" sz="2000" dirty="0"/>
-              <a:t>.</a:t>
-            </a:r>
-          </a:p>
-          <a:p>
-            <a:r>
-              <a:rPr lang="it-IT" sz="2000" dirty="0"/>
-              <a:t>The front-end </a:t>
-            </a:r>
-            <a:r>
-              <a:rPr lang="it-IT" sz="2000" dirty="0" err="1"/>
-              <a:t>istance</a:t>
-            </a:r>
-            <a:r>
-              <a:rPr lang="it-IT" sz="2000" dirty="0"/>
-              <a:t> </a:t>
-            </a:r>
-            <a:r>
-              <a:rPr lang="it-IT" sz="2000" dirty="0" err="1"/>
-              <a:t>is</a:t>
-            </a:r>
-            <a:r>
-              <a:rPr lang="it-IT" sz="2000" dirty="0"/>
-              <a:t> </a:t>
-            </a:r>
-            <a:r>
-              <a:rPr lang="it-IT" sz="2000" dirty="0" err="1"/>
-              <a:t>obtained</a:t>
-            </a:r>
-            <a:r>
-              <a:rPr lang="it-IT" sz="2000" dirty="0"/>
-              <a:t> </a:t>
-            </a:r>
-            <a:r>
-              <a:rPr lang="it-IT" sz="2000" dirty="0" err="1"/>
-              <a:t>starting</a:t>
-            </a:r>
-            <a:r>
-              <a:rPr lang="it-IT" sz="2000" dirty="0"/>
-              <a:t> from a </a:t>
-            </a:r>
-            <a:r>
-              <a:rPr lang="it-IT" sz="2000" dirty="0" err="1"/>
-              <a:t>yaml</a:t>
-            </a:r>
-            <a:r>
-              <a:rPr lang="it-IT" sz="2000" dirty="0"/>
-              <a:t> </a:t>
-            </a:r>
-            <a:r>
-              <a:rPr lang="it-IT" sz="2000" dirty="0" err="1"/>
-              <a:t>declaration</a:t>
-            </a:r>
-            <a:r>
-              <a:rPr lang="it-IT" sz="2000" dirty="0"/>
-              <a:t>.</a:t>
-            </a:r>
-          </a:p>
-          <a:p>
-            <a:r>
-              <a:rPr lang="it-IT" sz="2000" dirty="0"/>
-              <a:t>The front-end use </a:t>
-            </a:r>
-            <a:r>
-              <a:rPr lang="it-IT" sz="2000" dirty="0" err="1"/>
-              <a:t>rabbitmq</a:t>
-            </a:r>
-            <a:r>
-              <a:rPr lang="it-IT" sz="2000" dirty="0"/>
-              <a:t> to </a:t>
-            </a:r>
-            <a:r>
-              <a:rPr lang="it-IT" sz="2000" dirty="0" err="1"/>
-              <a:t>communicate</a:t>
-            </a:r>
-            <a:r>
-              <a:rPr lang="it-IT" sz="2000" dirty="0"/>
-              <a:t> with the </a:t>
-            </a:r>
-            <a:r>
-              <a:rPr lang="it-IT" sz="2000" dirty="0" err="1"/>
-              <a:t>corrispective</a:t>
-            </a:r>
-            <a:r>
-              <a:rPr lang="it-IT" sz="2000" dirty="0"/>
-              <a:t> back-end </a:t>
-            </a:r>
-            <a:r>
-              <a:rPr lang="it-IT" sz="2000" dirty="0" err="1"/>
-              <a:t>istance</a:t>
-            </a:r>
-            <a:r>
-              <a:rPr lang="it-IT" sz="2000" dirty="0"/>
-              <a:t>.</a:t>
-            </a:r>
-          </a:p>
-          <a:p>
-            <a:r>
-              <a:rPr lang="it-IT" sz="2000" dirty="0" err="1"/>
-              <a:t>Also</a:t>
-            </a:r>
-            <a:r>
-              <a:rPr lang="it-IT" sz="2000" dirty="0"/>
-              <a:t> the front-end </a:t>
-            </a:r>
-            <a:r>
-              <a:rPr lang="it-IT" sz="2000" dirty="0" err="1"/>
-              <a:t>is</a:t>
-            </a:r>
-            <a:r>
-              <a:rPr lang="it-IT" sz="2000" dirty="0"/>
-              <a:t> </a:t>
-            </a:r>
-            <a:r>
-              <a:rPr lang="it-IT" sz="2000" dirty="0" err="1"/>
-              <a:t>deployed</a:t>
-            </a:r>
-            <a:r>
-              <a:rPr lang="it-IT" sz="2000" dirty="0"/>
-              <a:t> on </a:t>
-            </a:r>
-            <a:r>
-              <a:rPr lang="it-IT" sz="2000" dirty="0" err="1"/>
-              <a:t>docker</a:t>
-            </a:r>
-            <a:endParaRPr lang="it-IT" sz="2000" dirty="0"/>
-          </a:p>
-          <a:p>
-            <a:endParaRPr lang="en-US" sz="2000" dirty="0"/>
+              <a:rPr lang="en-US" sz="2000" dirty="0"/>
+              <a:t>There is a controller node, that is the machine 172.16.3.35, in which all components except the front-end and back-end are deployed. These component could be replicated for </a:t>
+            </a:r>
+            <a:r>
+              <a:rPr lang="en-US" sz="2000" dirty="0" err="1"/>
+              <a:t>availabity</a:t>
+            </a:r>
+            <a:r>
+              <a:rPr lang="en-US" sz="2000" dirty="0"/>
+              <a:t> on other node.</a:t>
+            </a:r>
           </a:p>
           <a:p>
             <a:pPr marL="0" indent="0">
@@ -4987,7 +4790,7 @@
     </p:spTree>
     <p:extLst>
       <p:ext uri="{BB962C8B-B14F-4D97-AF65-F5344CB8AC3E}">
-        <p14:creationId xmlns:p14="http://schemas.microsoft.com/office/powerpoint/2010/main" val="2252410787"/>
+        <p14:creationId xmlns:p14="http://schemas.microsoft.com/office/powerpoint/2010/main" val="1361849252"/>
       </p:ext>
     </p:extLst>
   </p:cSld>
@@ -5024,7 +4827,7 @@
       </p:grpSpPr>
       <p:sp useBgFill="1">
         <p:nvSpPr>
-          <p:cNvPr id="8" name="Rectangle 7">
+          <p:cNvPr id="109" name="Rectangle 108">
             <a:extLst>
               <a:ext uri="{FF2B5EF4-FFF2-40B4-BE49-F238E27FC236}">
                 <a16:creationId xmlns:a16="http://schemas.microsoft.com/office/drawing/2014/main" id="{1C799903-48D5-4A31-A1A2-541072D9771E}"/>
@@ -5084,7 +4887,7 @@
       </p:sp>
       <p:sp useBgFill="1">
         <p:nvSpPr>
-          <p:cNvPr id="10" name="Freeform: Shape 9">
+          <p:cNvPr id="111" name="Freeform: Shape 110">
             <a:extLst>
               <a:ext uri="{FF2B5EF4-FFF2-40B4-BE49-F238E27FC236}">
                 <a16:creationId xmlns:a16="http://schemas.microsoft.com/office/drawing/2014/main" id="{8EFFF109-FC58-4FD3-BE05-9775A1310F55}"/>
@@ -5256,7 +5059,7 @@
       </p:sp>
       <p:sp useBgFill="1">
         <p:nvSpPr>
-          <p:cNvPr id="12" name="Freeform: Shape 11">
+          <p:cNvPr id="113" name="Freeform: Shape 112">
             <a:extLst>
               <a:ext uri="{FF2B5EF4-FFF2-40B4-BE49-F238E27FC236}">
                 <a16:creationId xmlns:a16="http://schemas.microsoft.com/office/drawing/2014/main" id="{E1B96AD6-92A9-4273-A62B-96A1C3E0BA95}"/>
@@ -5446,15 +5249,15 @@
           <a:lstStyle/>
           <a:p>
             <a:r>
-              <a:rPr lang="it-IT" sz="4000"/>
-              <a:t>RABBITMQ</a:t>
-            </a:r>
-          </a:p>
-        </p:txBody>
-      </p:sp>
-      <p:sp>
-        <p:nvSpPr>
-          <p:cNvPr id="14" name="Rectangle 13">
+              <a:rPr lang="it-IT" sz="4000" dirty="0"/>
+              <a:t>HAPROXY &amp; FRONT-END</a:t>
+            </a:r>
+          </a:p>
+        </p:txBody>
+      </p:sp>
+      <p:sp>
+        <p:nvSpPr>
+          <p:cNvPr id="115" name="Rectangle 114">
             <a:extLst>
               <a:ext uri="{FF2B5EF4-FFF2-40B4-BE49-F238E27FC236}">
                 <a16:creationId xmlns:a16="http://schemas.microsoft.com/office/drawing/2014/main" id="{463EEC44-1BA3-44ED-81FC-A644B04B2A44}"/>
@@ -5550,7 +5353,7 @@
           <a:p>
             <a:r>
               <a:rPr lang="it-IT" sz="2000" dirty="0" err="1"/>
-              <a:t>RabbitMQ</a:t>
+              <a:t>HAProxy</a:t>
             </a:r>
             <a:r>
               <a:rPr lang="it-IT" sz="2000" dirty="0"/>
@@ -5586,11 +5389,65 @@
             </a:r>
             <a:r>
               <a:rPr lang="it-IT" sz="2000" dirty="0"/>
-              <a:t> in the VM with IP 172.16.3.35 in a </a:t>
+              <a:t>, in the VM with </a:t>
             </a:r>
             <a:r>
               <a:rPr lang="it-IT" sz="2000" dirty="0" err="1"/>
-              <a:t>docker</a:t>
+              <a:t>ip</a:t>
+            </a:r>
+            <a:r>
+              <a:rPr lang="it-IT" sz="2000" dirty="0"/>
+              <a:t> 172.16.3.35.</a:t>
+            </a:r>
+          </a:p>
+          <a:p>
+            <a:r>
+              <a:rPr lang="it-IT" sz="2000" dirty="0"/>
+              <a:t>For </a:t>
+            </a:r>
+            <a:r>
+              <a:rPr lang="it-IT" sz="2000" dirty="0" err="1"/>
+              <a:t>this</a:t>
+            </a:r>
+            <a:r>
+              <a:rPr lang="it-IT" sz="2000" dirty="0"/>
+              <a:t> </a:t>
+            </a:r>
+            <a:r>
+              <a:rPr lang="it-IT" sz="2000" dirty="0" err="1"/>
+              <a:t>architecture</a:t>
+            </a:r>
+            <a:r>
+              <a:rPr lang="it-IT" sz="2000" dirty="0"/>
+              <a:t>, </a:t>
+            </a:r>
+            <a:r>
+              <a:rPr lang="it-IT" sz="2000" dirty="0" err="1"/>
+              <a:t>every</a:t>
+            </a:r>
+            <a:r>
+              <a:rPr lang="it-IT" sz="2000" dirty="0"/>
+              <a:t> front-end </a:t>
+            </a:r>
+            <a:r>
+              <a:rPr lang="it-IT" sz="2000" dirty="0" err="1"/>
+              <a:t>instance</a:t>
+            </a:r>
+            <a:r>
+              <a:rPr lang="it-IT" sz="2000" dirty="0"/>
+              <a:t> must be </a:t>
+            </a:r>
+            <a:r>
+              <a:rPr lang="it-IT" sz="2000" dirty="0" err="1"/>
+              <a:t>connected</a:t>
+            </a:r>
+            <a:r>
+              <a:rPr lang="it-IT" sz="2000" dirty="0"/>
+              <a:t> with one back-end </a:t>
+            </a:r>
+            <a:r>
+              <a:rPr lang="it-IT" sz="2000" dirty="0" err="1"/>
+              <a:t>istance</a:t>
             </a:r>
             <a:r>
               <a:rPr lang="it-IT" sz="2000" dirty="0"/>
@@ -5599,12 +5456,38 @@
           </a:p>
           <a:p>
             <a:r>
-              <a:rPr lang="it-IT" sz="2000" dirty="0"/>
-              <a:t>For </a:t>
-            </a:r>
-            <a:r>
               <a:rPr lang="it-IT" sz="2000" dirty="0" err="1"/>
-              <a:t>each</a:t>
+              <a:t>There</a:t>
+            </a:r>
+            <a:r>
+              <a:rPr lang="it-IT" sz="2000" dirty="0"/>
+              <a:t> are 2 front-end </a:t>
+            </a:r>
+            <a:r>
+              <a:rPr lang="it-IT" sz="2000" dirty="0" err="1"/>
+              <a:t>istances</a:t>
+            </a:r>
+            <a:r>
+              <a:rPr lang="it-IT" sz="2000" dirty="0"/>
+              <a:t>, and are on the VM with </a:t>
+            </a:r>
+            <a:r>
+              <a:rPr lang="it-IT" sz="2000" dirty="0" err="1"/>
+              <a:t>ip</a:t>
+            </a:r>
+            <a:r>
+              <a:rPr lang="it-IT" sz="2000" dirty="0"/>
+              <a:t> 172.16.1.120 and 172.16.1.121</a:t>
+            </a:r>
+          </a:p>
+          <a:p>
+            <a:r>
+              <a:rPr lang="it-IT" sz="2000" dirty="0"/>
+              <a:t>The front-end </a:t>
+            </a:r>
+            <a:r>
+              <a:rPr lang="it-IT" sz="2000" dirty="0" err="1"/>
+              <a:t>is</a:t>
             </a:r>
             <a:r>
               <a:rPr lang="it-IT" sz="2000" dirty="0"/>
@@ -5612,15 +5495,23 @@
             </a:r>
             <a:r>
               <a:rPr lang="it-IT" sz="2000" dirty="0" err="1"/>
-              <a:t>pair</a:t>
-            </a:r>
-            <a:r>
-              <a:rPr lang="it-IT" sz="2000" dirty="0"/>
-              <a:t> front-end back-end </a:t>
+              <a:t>obtained</a:t>
+            </a:r>
+            <a:r>
+              <a:rPr lang="it-IT" sz="2000" dirty="0"/>
+              <a:t> </a:t>
             </a:r>
             <a:r>
               <a:rPr lang="it-IT" sz="2000" dirty="0" err="1"/>
-              <a:t>two</a:t>
+              <a:t>starting</a:t>
+            </a:r>
+            <a:r>
+              <a:rPr lang="it-IT" sz="2000" dirty="0"/>
+              <a:t> from a </a:t>
+            </a:r>
+            <a:r>
+              <a:rPr lang="it-IT" sz="2000" dirty="0" err="1"/>
+              <a:t>yaml</a:t>
             </a:r>
             <a:r>
               <a:rPr lang="it-IT" sz="2000" dirty="0"/>
@@ -5628,90 +5519,43 @@
             </a:r>
             <a:r>
               <a:rPr lang="it-IT" sz="2000" dirty="0" err="1"/>
-              <a:t>exhange</a:t>
-            </a:r>
-            <a:r>
-              <a:rPr lang="it-IT" sz="2000" dirty="0"/>
-              <a:t> are </a:t>
+              <a:t>declaration</a:t>
+            </a:r>
+            <a:r>
+              <a:rPr lang="it-IT" sz="2000" dirty="0"/>
+              <a:t>.</a:t>
+            </a:r>
+          </a:p>
+          <a:p>
+            <a:r>
+              <a:rPr lang="it-IT" sz="2000" dirty="0"/>
+              <a:t>The front-end use </a:t>
             </a:r>
             <a:r>
               <a:rPr lang="it-IT" sz="2000" dirty="0" err="1"/>
-              <a:t>declared</a:t>
-            </a:r>
-            <a:r>
-              <a:rPr lang="it-IT" sz="2000" dirty="0"/>
-              <a:t>, one from the front-end to the back-end and </a:t>
+              <a:t>rabbitmq</a:t>
+            </a:r>
+            <a:r>
+              <a:rPr lang="it-IT" sz="2000" dirty="0"/>
+              <a:t> to </a:t>
             </a:r>
             <a:r>
               <a:rPr lang="it-IT" sz="2000" dirty="0" err="1"/>
-              <a:t>another</a:t>
-            </a:r>
-            <a:r>
-              <a:rPr lang="it-IT" sz="2000" dirty="0"/>
-              <a:t> from the back-end to the front-end.</a:t>
-            </a:r>
-          </a:p>
-          <a:p>
-            <a:r>
-              <a:rPr lang="it-IT" sz="2000" dirty="0"/>
-              <a:t>The </a:t>
+              <a:t>communicate</a:t>
+            </a:r>
+            <a:r>
+              <a:rPr lang="it-IT" sz="2000" dirty="0"/>
+              <a:t> with the </a:t>
             </a:r>
             <a:r>
               <a:rPr lang="it-IT" sz="2000" dirty="0" err="1"/>
-              <a:t>message</a:t>
-            </a:r>
-            <a:r>
-              <a:rPr lang="it-IT" sz="2000" dirty="0"/>
-              <a:t> from the front-end to the back-end are </a:t>
-            </a:r>
-            <a:r>
-              <a:rPr lang="it-IT" sz="2000" dirty="0" err="1"/>
-              <a:t>sent</a:t>
-            </a:r>
-            <a:r>
-              <a:rPr lang="it-IT" sz="2000" dirty="0"/>
-              <a:t> with </a:t>
-            </a:r>
-            <a:r>
-              <a:rPr lang="it-IT" sz="2000" dirty="0" err="1"/>
-              <a:t>different</a:t>
-            </a:r>
-            <a:r>
-              <a:rPr lang="it-IT" sz="2000" dirty="0"/>
-              <a:t> </a:t>
-            </a:r>
-            <a:r>
-              <a:rPr lang="it-IT" sz="2000" dirty="0" err="1"/>
-              <a:t>routing</a:t>
-            </a:r>
-            <a:r>
-              <a:rPr lang="it-IT" sz="2000" dirty="0"/>
-              <a:t> key, </a:t>
-            </a:r>
-            <a:r>
-              <a:rPr lang="it-IT" sz="2000" dirty="0" err="1"/>
-              <a:t>based</a:t>
-            </a:r>
-            <a:r>
-              <a:rPr lang="it-IT" sz="2000" dirty="0"/>
-              <a:t> on the </a:t>
-            </a:r>
-            <a:r>
-              <a:rPr lang="it-IT" sz="2000" dirty="0" err="1"/>
-              <a:t>function</a:t>
-            </a:r>
-            <a:r>
-              <a:rPr lang="it-IT" sz="2000" dirty="0"/>
-              <a:t> to </a:t>
-            </a:r>
-            <a:r>
-              <a:rPr lang="it-IT" sz="2000" dirty="0" err="1"/>
-              <a:t>perform</a:t>
-            </a:r>
-            <a:r>
-              <a:rPr lang="it-IT" sz="2000" dirty="0"/>
-              <a:t>.</a:t>
-            </a:r>
+              <a:t>corrispective</a:t>
+            </a:r>
+            <a:r>
+              <a:rPr lang="it-IT" sz="2000" dirty="0"/>
+              <a:t> back-end.</a:t>
+            </a:r>
+            <a:endParaRPr lang="en-US" sz="2000" dirty="0"/>
           </a:p>
           <a:p>
             <a:pPr marL="0" indent="0">
@@ -5727,7 +5571,7 @@
     </p:spTree>
     <p:extLst>
       <p:ext uri="{BB962C8B-B14F-4D97-AF65-F5344CB8AC3E}">
-        <p14:creationId xmlns:p14="http://schemas.microsoft.com/office/powerpoint/2010/main" val="179246388"/>
+        <p14:creationId xmlns:p14="http://schemas.microsoft.com/office/powerpoint/2010/main" val="2252410787"/>
       </p:ext>
     </p:extLst>
   </p:cSld>
@@ -6186,8 +6030,8 @@
           <a:lstStyle/>
           <a:p>
             <a:r>
-              <a:rPr lang="it-IT" sz="4000" dirty="0"/>
-              <a:t>ZOOKEEPER</a:t>
+              <a:rPr lang="it-IT" sz="4000"/>
+              <a:t>RABBITMQ</a:t>
             </a:r>
           </a:p>
         </p:txBody>
@@ -6290,7 +6134,7 @@
           <a:p>
             <a:r>
               <a:rPr lang="it-IT" sz="2000" dirty="0" err="1"/>
-              <a:t>ZooKeeper</a:t>
+              <a:t>RabbitMQ</a:t>
             </a:r>
             <a:r>
               <a:rPr lang="it-IT" sz="2000" dirty="0"/>
@@ -6326,27 +6170,41 @@
             </a:r>
             <a:r>
               <a:rPr lang="it-IT" sz="2000" dirty="0"/>
-              <a:t> in the VM with IP 172.16.3.35 in a </a:t>
+              <a:t> in the VM with IP 172.16.3.35.</a:t>
+            </a:r>
+          </a:p>
+          <a:p>
+            <a:r>
+              <a:rPr lang="it-IT" sz="2000" dirty="0"/>
+              <a:t>For </a:t>
             </a:r>
             <a:r>
               <a:rPr lang="it-IT" sz="2000" dirty="0" err="1"/>
-              <a:t>docker</a:t>
-            </a:r>
-            <a:r>
-              <a:rPr lang="it-IT" sz="2000" dirty="0"/>
-              <a:t>, </a:t>
+              <a:t>each</a:t>
+            </a:r>
+            <a:r>
+              <a:rPr lang="it-IT" sz="2000" dirty="0"/>
+              <a:t> </a:t>
             </a:r>
             <a:r>
               <a:rPr lang="it-IT" sz="2000" dirty="0" err="1"/>
-              <a:t>although</a:t>
-            </a:r>
-            <a:r>
-              <a:rPr lang="it-IT" sz="2000" dirty="0"/>
-              <a:t> more </a:t>
+              <a:t>pair</a:t>
+            </a:r>
+            <a:r>
+              <a:rPr lang="it-IT" sz="2000" dirty="0"/>
+              <a:t> front-end back-end </a:t>
             </a:r>
             <a:r>
               <a:rPr lang="it-IT" sz="2000" dirty="0" err="1"/>
-              <a:t>istances</a:t>
+              <a:t>two</a:t>
+            </a:r>
+            <a:r>
+              <a:rPr lang="it-IT" sz="2000" dirty="0"/>
+              <a:t> </a:t>
+            </a:r>
+            <a:r>
+              <a:rPr lang="it-IT" sz="2000" dirty="0" err="1"/>
+              <a:t>exhange</a:t>
             </a:r>
             <a:r>
               <a:rPr lang="it-IT" sz="2000" dirty="0"/>
@@ -6354,7 +6212,45 @@
             </a:r>
             <a:r>
               <a:rPr lang="it-IT" sz="2000" dirty="0" err="1"/>
-              <a:t>usually</a:t>
+              <a:t>declared</a:t>
+            </a:r>
+            <a:r>
+              <a:rPr lang="it-IT" sz="2000" dirty="0"/>
+              <a:t>, one from the front-end to the back-end and </a:t>
+            </a:r>
+            <a:r>
+              <a:rPr lang="it-IT" sz="2000" dirty="0" err="1"/>
+              <a:t>another</a:t>
+            </a:r>
+            <a:r>
+              <a:rPr lang="it-IT" sz="2000" dirty="0"/>
+              <a:t> from the back-end to the front-end.</a:t>
+            </a:r>
+          </a:p>
+          <a:p>
+            <a:r>
+              <a:rPr lang="it-IT" sz="2000" dirty="0"/>
+              <a:t>The </a:t>
+            </a:r>
+            <a:r>
+              <a:rPr lang="it-IT" sz="2000" dirty="0" err="1"/>
+              <a:t>message</a:t>
+            </a:r>
+            <a:r>
+              <a:rPr lang="it-IT" sz="2000" dirty="0"/>
+              <a:t> from the front-end to the back-end are </a:t>
+            </a:r>
+            <a:r>
+              <a:rPr lang="it-IT" sz="2000" dirty="0" err="1"/>
+              <a:t>sent</a:t>
+            </a:r>
+            <a:r>
+              <a:rPr lang="it-IT" sz="2000" dirty="0"/>
+              <a:t> with </a:t>
+            </a:r>
+            <a:r>
+              <a:rPr lang="it-IT" sz="2000" dirty="0" err="1"/>
+              <a:t>different</a:t>
             </a:r>
             <a:r>
               <a:rPr lang="it-IT" sz="2000" dirty="0"/>
@@ -6362,7 +6258,31 @@
             </a:r>
             <a:r>
               <a:rPr lang="it-IT" sz="2000" dirty="0" err="1"/>
-              <a:t>preferred</a:t>
+              <a:t>routing</a:t>
+            </a:r>
+            <a:r>
+              <a:rPr lang="it-IT" sz="2000" dirty="0"/>
+              <a:t> key, </a:t>
+            </a:r>
+            <a:r>
+              <a:rPr lang="it-IT" sz="2000" dirty="0" err="1"/>
+              <a:t>based</a:t>
+            </a:r>
+            <a:r>
+              <a:rPr lang="it-IT" sz="2000" dirty="0"/>
+              <a:t> on the </a:t>
+            </a:r>
+            <a:r>
+              <a:rPr lang="it-IT" sz="2000" dirty="0" err="1"/>
+              <a:t>function</a:t>
+            </a:r>
+            <a:r>
+              <a:rPr lang="it-IT" sz="2000" dirty="0"/>
+              <a:t> to </a:t>
+            </a:r>
+            <a:r>
+              <a:rPr lang="it-IT" sz="2000" dirty="0" err="1"/>
+              <a:t>perform</a:t>
             </a:r>
             <a:r>
               <a:rPr lang="it-IT" sz="2000" dirty="0"/>
@@ -6370,45 +6290,12 @@
             </a:r>
           </a:p>
           <a:p>
-            <a:r>
-              <a:rPr lang="it-IT" sz="2000" dirty="0" err="1"/>
-              <a:t>Zookeeper</a:t>
-            </a:r>
+            <a:pPr marL="0" indent="0">
+              <a:buNone/>
+            </a:pPr>
             <a:r>
               <a:rPr lang="it-IT" sz="2000" dirty="0"/>
               <a:t> </a:t>
-            </a:r>
-            <a:r>
-              <a:rPr lang="it-IT" sz="2000" dirty="0" err="1"/>
-              <a:t>is</a:t>
-            </a:r>
-            <a:r>
-              <a:rPr lang="it-IT" sz="2000" dirty="0"/>
-              <a:t> </a:t>
-            </a:r>
-            <a:r>
-              <a:rPr lang="it-IT" sz="2000" dirty="0" err="1"/>
-              <a:t>used</a:t>
-            </a:r>
-            <a:r>
-              <a:rPr lang="it-IT" sz="2000" dirty="0"/>
-              <a:t> to </a:t>
-            </a:r>
-            <a:r>
-              <a:rPr lang="it-IT" sz="2000" dirty="0" err="1"/>
-              <a:t>save</a:t>
-            </a:r>
-            <a:r>
-              <a:rPr lang="it-IT" sz="2000" dirty="0"/>
-              <a:t> the </a:t>
-            </a:r>
-            <a:r>
-              <a:rPr lang="it-IT" sz="2000" dirty="0" err="1"/>
-              <a:t>configuration</a:t>
-            </a:r>
-            <a:r>
-              <a:rPr lang="it-IT" sz="2000" dirty="0"/>
-              <a:t> setting of the front-end and back-end.</a:t>
             </a:r>
           </a:p>
         </p:txBody>
@@ -6416,7 +6303,7 @@
     </p:spTree>
     <p:extLst>
       <p:ext uri="{BB962C8B-B14F-4D97-AF65-F5344CB8AC3E}">
-        <p14:creationId xmlns:p14="http://schemas.microsoft.com/office/powerpoint/2010/main" val="4093763883"/>
+        <p14:creationId xmlns:p14="http://schemas.microsoft.com/office/powerpoint/2010/main" val="179246388"/>
       </p:ext>
     </p:extLst>
   </p:cSld>
@@ -6876,7 +6763,7 @@
           <a:p>
             <a:r>
               <a:rPr lang="it-IT" sz="4000" dirty="0"/>
-              <a:t>BACK-END &amp; MYSQL</a:t>
+              <a:t>ZOOKEEPER</a:t>
             </a:r>
           </a:p>
         </p:txBody>
@@ -6979,19 +6866,51 @@
           <a:p>
             <a:r>
               <a:rPr lang="it-IT" sz="2000" dirty="0" err="1"/>
-              <a:t>Also</a:t>
-            </a:r>
-            <a:r>
-              <a:rPr lang="it-IT" sz="2000" dirty="0"/>
-              <a:t> Back-end and </a:t>
+              <a:t>ZooKeeper</a:t>
+            </a:r>
+            <a:r>
+              <a:rPr lang="it-IT" sz="2000" dirty="0"/>
+              <a:t> </a:t>
             </a:r>
             <a:r>
               <a:rPr lang="it-IT" sz="2000" dirty="0" err="1"/>
-              <a:t>mysql</a:t>
+              <a:t>is</a:t>
             </a:r>
             <a:r>
               <a:rPr lang="it-IT" sz="2000" dirty="0"/>
               <a:t> </a:t>
+            </a:r>
+            <a:r>
+              <a:rPr lang="it-IT" sz="2000" dirty="0" err="1"/>
+              <a:t>deployed</a:t>
+            </a:r>
+            <a:r>
+              <a:rPr lang="it-IT" sz="2000" dirty="0"/>
+              <a:t> </a:t>
+            </a:r>
+            <a:r>
+              <a:rPr lang="it-IT" sz="2000" dirty="0" err="1"/>
+              <a:t>as</a:t>
+            </a:r>
+            <a:r>
+              <a:rPr lang="it-IT" sz="2000" dirty="0"/>
+              <a:t> single </a:t>
+            </a:r>
+            <a:r>
+              <a:rPr lang="it-IT" sz="2000" dirty="0" err="1"/>
+              <a:t>istance</a:t>
+            </a:r>
+            <a:r>
+              <a:rPr lang="it-IT" sz="2000" dirty="0"/>
+              <a:t> in the VM with IP 172.16.3.35, </a:t>
+            </a:r>
+            <a:r>
+              <a:rPr lang="it-IT" sz="2000" dirty="0" err="1"/>
+              <a:t>although</a:t>
+            </a:r>
+            <a:r>
+              <a:rPr lang="it-IT" sz="2000" dirty="0"/>
+              <a:t> more </a:t>
             </a:r>
             <a:r>
               <a:rPr lang="it-IT" sz="2000" dirty="0" err="1"/>
@@ -6999,16 +6918,718 @@
             </a:r>
             <a:r>
               <a:rPr lang="it-IT" sz="2000" dirty="0"/>
-              <a:t> are in a </a:t>
+              <a:t> are </a:t>
             </a:r>
             <a:r>
               <a:rPr lang="it-IT" sz="2000" dirty="0" err="1"/>
-              <a:t>docker</a:t>
+              <a:t>usually</a:t>
+            </a:r>
+            <a:r>
+              <a:rPr lang="it-IT" sz="2000" dirty="0"/>
+              <a:t> </a:t>
+            </a:r>
+            <a:r>
+              <a:rPr lang="it-IT" sz="2000" dirty="0" err="1"/>
+              <a:t>preferred</a:t>
             </a:r>
             <a:r>
               <a:rPr lang="it-IT" sz="2000" dirty="0"/>
               <a:t>.</a:t>
             </a:r>
+          </a:p>
+          <a:p>
+            <a:r>
+              <a:rPr lang="it-IT" sz="2000" dirty="0" err="1"/>
+              <a:t>Zookeeper</a:t>
+            </a:r>
+            <a:r>
+              <a:rPr lang="it-IT" sz="2000" dirty="0"/>
+              <a:t> </a:t>
+            </a:r>
+            <a:r>
+              <a:rPr lang="it-IT" sz="2000" dirty="0" err="1"/>
+              <a:t>is</a:t>
+            </a:r>
+            <a:r>
+              <a:rPr lang="it-IT" sz="2000" dirty="0"/>
+              <a:t> </a:t>
+            </a:r>
+            <a:r>
+              <a:rPr lang="it-IT" sz="2000" dirty="0" err="1"/>
+              <a:t>used</a:t>
+            </a:r>
+            <a:r>
+              <a:rPr lang="it-IT" sz="2000" dirty="0"/>
+              <a:t> to </a:t>
+            </a:r>
+            <a:r>
+              <a:rPr lang="it-IT" sz="2000" dirty="0" err="1"/>
+              <a:t>save</a:t>
+            </a:r>
+            <a:r>
+              <a:rPr lang="it-IT" sz="2000" dirty="0"/>
+              <a:t> the </a:t>
+            </a:r>
+            <a:r>
+              <a:rPr lang="it-IT" sz="2000" dirty="0" err="1"/>
+              <a:t>configuration</a:t>
+            </a:r>
+            <a:r>
+              <a:rPr lang="it-IT" sz="2000" dirty="0"/>
+              <a:t> setting of the front-end and back-end.</a:t>
+            </a:r>
+          </a:p>
+        </p:txBody>
+      </p:sp>
+    </p:spTree>
+    <p:extLst>
+      <p:ext uri="{BB962C8B-B14F-4D97-AF65-F5344CB8AC3E}">
+        <p14:creationId xmlns:p14="http://schemas.microsoft.com/office/powerpoint/2010/main" val="4093763883"/>
+      </p:ext>
+    </p:extLst>
+  </p:cSld>
+  <p:clrMapOvr>
+    <a:masterClrMapping/>
+  </p:clrMapOvr>
+</p:sld>
+</file>
+
+<file path=ppt/slides/slide7.xml><?xml version="1.0" encoding="utf-8"?>
+<p:sld xmlns:a="http://schemas.openxmlformats.org/drawingml/2006/main" xmlns:r="http://schemas.openxmlformats.org/officeDocument/2006/relationships" xmlns:p="http://schemas.openxmlformats.org/presentationml/2006/main">
+  <p:cSld>
+    <p:bg>
+      <p:bgPr>
+        <a:solidFill>
+          <a:schemeClr val="bg1"/>
+        </a:solidFill>
+        <a:effectLst/>
+      </p:bgPr>
+    </p:bg>
+    <p:spTree>
+      <p:nvGrpSpPr>
+        <p:cNvPr id="1" name=""/>
+        <p:cNvGrpSpPr/>
+        <p:nvPr/>
+      </p:nvGrpSpPr>
+      <p:grpSpPr>
+        <a:xfrm>
+          <a:off x="0" y="0"/>
+          <a:ext cx="0" cy="0"/>
+          <a:chOff x="0" y="0"/>
+          <a:chExt cx="0" cy="0"/>
+        </a:xfrm>
+      </p:grpSpPr>
+      <p:sp useBgFill="1">
+        <p:nvSpPr>
+          <p:cNvPr id="8" name="Rectangle 7">
+            <a:extLst>
+              <a:ext uri="{FF2B5EF4-FFF2-40B4-BE49-F238E27FC236}">
+                <a16:creationId xmlns:a16="http://schemas.microsoft.com/office/drawing/2014/main" id="{1C799903-48D5-4A31-A1A2-541072D9771E}"/>
+              </a:ext>
+              <a:ext uri="{C183D7F6-B498-43B3-948B-1728B52AA6E4}">
+                <adec:decorative xmlns:adec="http://schemas.microsoft.com/office/drawing/2017/decorative" val="1"/>
+              </a:ext>
+            </a:extLst>
+          </p:cNvPr>
+          <p:cNvSpPr>
+            <a:spLocks noGrp="1" noRot="1" noChangeAspect="1" noMove="1" noResize="1" noEditPoints="1" noAdjustHandles="1" noChangeArrowheads="1" noChangeShapeType="1" noTextEdit="1"/>
+          </p:cNvSpPr>
+          <p:nvPr>
+            <p:extLst>
+              <p:ext uri="{386F3935-93C4-4BCD-93E2-E3B085C9AB24}">
+                <p16:designElem xmlns:p16="http://schemas.microsoft.com/office/powerpoint/2015/main" val="1"/>
+              </p:ext>
+            </p:extLst>
+          </p:nvPr>
+        </p:nvSpPr>
+        <p:spPr>
+          <a:xfrm>
+            <a:off x="0" y="0"/>
+            <a:ext cx="12192002" cy="6858000"/>
+          </a:xfrm>
+          <a:prstGeom prst="rect">
+            <a:avLst/>
+          </a:prstGeom>
+          <a:ln>
+            <a:noFill/>
+          </a:ln>
+        </p:spPr>
+        <p:style>
+          <a:lnRef idx="2">
+            <a:schemeClr val="accent1">
+              <a:shade val="50000"/>
+            </a:schemeClr>
+          </a:lnRef>
+          <a:fillRef idx="1">
+            <a:schemeClr val="accent1"/>
+          </a:fillRef>
+          <a:effectRef idx="0">
+            <a:schemeClr val="accent1"/>
+          </a:effectRef>
+          <a:fontRef idx="minor">
+            <a:schemeClr val="lt1"/>
+          </a:fontRef>
+        </p:style>
+        <p:txBody>
+          <a:bodyPr rtlCol="0" anchor="ctr"/>
+          <a:lstStyle/>
+          <a:p>
+            <a:pPr algn="ctr"/>
+            <a:endParaRPr lang="en-US"/>
+          </a:p>
+        </p:txBody>
+      </p:sp>
+      <p:sp useBgFill="1">
+        <p:nvSpPr>
+          <p:cNvPr id="10" name="Freeform: Shape 9">
+            <a:extLst>
+              <a:ext uri="{FF2B5EF4-FFF2-40B4-BE49-F238E27FC236}">
+                <a16:creationId xmlns:a16="http://schemas.microsoft.com/office/drawing/2014/main" id="{8EFFF109-FC58-4FD3-BE05-9775A1310F55}"/>
+              </a:ext>
+              <a:ext uri="{C183D7F6-B498-43B3-948B-1728B52AA6E4}">
+                <adec:decorative xmlns:adec="http://schemas.microsoft.com/office/drawing/2017/decorative" val="1"/>
+              </a:ext>
+            </a:extLst>
+          </p:cNvPr>
+          <p:cNvSpPr>
+            <a:spLocks noGrp="1" noRot="1" noChangeAspect="1" noMove="1" noResize="1" noEditPoints="1" noAdjustHandles="1" noChangeArrowheads="1" noChangeShapeType="1" noTextEdit="1"/>
+          </p:cNvSpPr>
+          <p:nvPr>
+            <p:extLst>
+              <p:ext uri="{386F3935-93C4-4BCD-93E2-E3B085C9AB24}">
+                <p16:designElem xmlns:p16="http://schemas.microsoft.com/office/powerpoint/2015/main" val="1"/>
+              </p:ext>
+            </p:extLst>
+          </p:nvPr>
+        </p:nvSpPr>
+        <p:spPr>
+          <a:xfrm>
+            <a:off x="-1" y="0"/>
+            <a:ext cx="4818889" cy="6858000"/>
+          </a:xfrm>
+          <a:custGeom>
+            <a:avLst/>
+            <a:gdLst>
+              <a:gd name="connsiteX0" fmla="*/ 0 w 4818889"/>
+              <a:gd name="connsiteY0" fmla="*/ 0 h 6858000"/>
+              <a:gd name="connsiteX1" fmla="*/ 3605911 w 4818889"/>
+              <a:gd name="connsiteY1" fmla="*/ 0 h 6858000"/>
+              <a:gd name="connsiteX2" fmla="*/ 3668894 w 4818889"/>
+              <a:gd name="connsiteY2" fmla="*/ 69271 h 6858000"/>
+              <a:gd name="connsiteX3" fmla="*/ 4818889 w 4818889"/>
+              <a:gd name="connsiteY3" fmla="*/ 3429000 h 6858000"/>
+              <a:gd name="connsiteX4" fmla="*/ 3668894 w 4818889"/>
+              <a:gd name="connsiteY4" fmla="*/ 6788730 h 6858000"/>
+              <a:gd name="connsiteX5" fmla="*/ 3605911 w 4818889"/>
+              <a:gd name="connsiteY5" fmla="*/ 6858000 h 6858000"/>
+              <a:gd name="connsiteX6" fmla="*/ 0 w 4818889"/>
+              <a:gd name="connsiteY6" fmla="*/ 6858000 h 6858000"/>
+            </a:gdLst>
+            <a:ahLst/>
+            <a:cxnLst>
+              <a:cxn ang="0">
+                <a:pos x="connsiteX0" y="connsiteY0"/>
+              </a:cxn>
+              <a:cxn ang="0">
+                <a:pos x="connsiteX1" y="connsiteY1"/>
+              </a:cxn>
+              <a:cxn ang="0">
+                <a:pos x="connsiteX2" y="connsiteY2"/>
+              </a:cxn>
+              <a:cxn ang="0">
+                <a:pos x="connsiteX3" y="connsiteY3"/>
+              </a:cxn>
+              <a:cxn ang="0">
+                <a:pos x="connsiteX4" y="connsiteY4"/>
+              </a:cxn>
+              <a:cxn ang="0">
+                <a:pos x="connsiteX5" y="connsiteY5"/>
+              </a:cxn>
+              <a:cxn ang="0">
+                <a:pos x="connsiteX6" y="connsiteY6"/>
+              </a:cxn>
+            </a:cxnLst>
+            <a:rect l="l" t="t" r="r" b="b"/>
+            <a:pathLst>
+              <a:path w="4818889" h="6858000">
+                <a:moveTo>
+                  <a:pt x="0" y="0"/>
+                </a:moveTo>
+                <a:lnTo>
+                  <a:pt x="3605911" y="0"/>
+                </a:lnTo>
+                <a:lnTo>
+                  <a:pt x="3668894" y="69271"/>
+                </a:lnTo>
+                <a:cubicBezTo>
+                  <a:pt x="4379420" y="929100"/>
+                  <a:pt x="4818889" y="2116944"/>
+                  <a:pt x="4818889" y="3429000"/>
+                </a:cubicBezTo>
+                <a:cubicBezTo>
+                  <a:pt x="4818889" y="4741056"/>
+                  <a:pt x="4379420" y="5928900"/>
+                  <a:pt x="3668894" y="6788730"/>
+                </a:cubicBezTo>
+                <a:lnTo>
+                  <a:pt x="3605911" y="6858000"/>
+                </a:lnTo>
+                <a:lnTo>
+                  <a:pt x="0" y="6858000"/>
+                </a:lnTo>
+                <a:close/>
+              </a:path>
+            </a:pathLst>
+          </a:custGeom>
+          <a:ln w="9525">
+            <a:solidFill>
+              <a:srgbClr val="E6E6E6"/>
+            </a:solidFill>
+          </a:ln>
+          <a:effectLst>
+            <a:outerShdw blurRad="50800" dist="38100" algn="l" rotWithShape="0">
+              <a:schemeClr val="bg1">
+                <a:lumMod val="85000"/>
+                <a:alpha val="50000"/>
+              </a:schemeClr>
+            </a:outerShdw>
+          </a:effectLst>
+        </p:spPr>
+        <p:style>
+          <a:lnRef idx="2">
+            <a:schemeClr val="accent1">
+              <a:shade val="50000"/>
+            </a:schemeClr>
+          </a:lnRef>
+          <a:fillRef idx="1">
+            <a:schemeClr val="accent1"/>
+          </a:fillRef>
+          <a:effectRef idx="0">
+            <a:schemeClr val="accent1"/>
+          </a:effectRef>
+          <a:fontRef idx="minor">
+            <a:schemeClr val="lt1"/>
+          </a:fontRef>
+        </p:style>
+        <p:txBody>
+          <a:bodyPr wrap="square" rtlCol="0" anchor="ctr">
+            <a:noAutofit/>
+          </a:bodyPr>
+          <a:lstStyle/>
+          <a:p>
+            <a:pPr marL="0" marR="0" lvl="0" indent="0" algn="ctr" defTabSz="914400" rtl="0" eaLnBrk="1" fontAlgn="auto" latinLnBrk="0" hangingPunct="1">
+              <a:lnSpc>
+                <a:spcPct val="100000"/>
+              </a:lnSpc>
+              <a:spcBef>
+                <a:spcPts val="0"/>
+              </a:spcBef>
+              <a:spcAft>
+                <a:spcPts val="0"/>
+              </a:spcAft>
+              <a:buClrTx/>
+              <a:buSzTx/>
+              <a:buFontTx/>
+              <a:buNone/>
+              <a:tabLst/>
+              <a:defRPr/>
+            </a:pPr>
+            <a:endParaRPr kumimoji="0" lang="en-US" sz="1800" b="0" i="0" u="none" strike="noStrike" kern="1200" cap="none" spc="0" normalizeH="0" baseline="0" noProof="0">
+              <a:ln>
+                <a:noFill/>
+              </a:ln>
+              <a:solidFill>
+                <a:prstClr val="white"/>
+              </a:solidFill>
+              <a:effectLst/>
+              <a:uLnTx/>
+              <a:uFillTx/>
+              <a:latin typeface="Calibri" panose="020F0502020204030204"/>
+              <a:ea typeface="+mn-ea"/>
+              <a:cs typeface="+mn-cs"/>
+            </a:endParaRPr>
+          </a:p>
+        </p:txBody>
+      </p:sp>
+      <p:sp useBgFill="1">
+        <p:nvSpPr>
+          <p:cNvPr id="12" name="Freeform: Shape 11">
+            <a:extLst>
+              <a:ext uri="{FF2B5EF4-FFF2-40B4-BE49-F238E27FC236}">
+                <a16:creationId xmlns:a16="http://schemas.microsoft.com/office/drawing/2014/main" id="{E1B96AD6-92A9-4273-A62B-96A1C3E0BA95}"/>
+              </a:ext>
+              <a:ext uri="{C183D7F6-B498-43B3-948B-1728B52AA6E4}">
+                <adec:decorative xmlns:adec="http://schemas.microsoft.com/office/drawing/2017/decorative" val="1"/>
+              </a:ext>
+            </a:extLst>
+          </p:cNvPr>
+          <p:cNvSpPr>
+            <a:spLocks noGrp="1" noRot="1" noChangeAspect="1" noMove="1" noResize="1" noEditPoints="1" noAdjustHandles="1" noChangeArrowheads="1" noChangeShapeType="1" noTextEdit="1"/>
+          </p:cNvSpPr>
+          <p:nvPr>
+            <p:extLst>
+              <p:ext uri="{386F3935-93C4-4BCD-93E2-E3B085C9AB24}">
+                <p16:designElem xmlns:p16="http://schemas.microsoft.com/office/powerpoint/2015/main" val="1"/>
+              </p:ext>
+            </p:extLst>
+          </p:nvPr>
+        </p:nvSpPr>
+        <p:spPr>
+          <a:xfrm>
+            <a:off x="1" y="0"/>
+            <a:ext cx="4811477" cy="6858000"/>
+          </a:xfrm>
+          <a:custGeom>
+            <a:avLst/>
+            <a:gdLst>
+              <a:gd name="connsiteX0" fmla="*/ 0 w 4811477"/>
+              <a:gd name="connsiteY0" fmla="*/ 0 h 6858000"/>
+              <a:gd name="connsiteX1" fmla="*/ 3598499 w 4811477"/>
+              <a:gd name="connsiteY1" fmla="*/ 0 h 6858000"/>
+              <a:gd name="connsiteX2" fmla="*/ 3661482 w 4811477"/>
+              <a:gd name="connsiteY2" fmla="*/ 69271 h 6858000"/>
+              <a:gd name="connsiteX3" fmla="*/ 4811477 w 4811477"/>
+              <a:gd name="connsiteY3" fmla="*/ 3429000 h 6858000"/>
+              <a:gd name="connsiteX4" fmla="*/ 3661482 w 4811477"/>
+              <a:gd name="connsiteY4" fmla="*/ 6788730 h 6858000"/>
+              <a:gd name="connsiteX5" fmla="*/ 3598499 w 4811477"/>
+              <a:gd name="connsiteY5" fmla="*/ 6858000 h 6858000"/>
+              <a:gd name="connsiteX6" fmla="*/ 0 w 4811477"/>
+              <a:gd name="connsiteY6" fmla="*/ 6858000 h 6858000"/>
+            </a:gdLst>
+            <a:ahLst/>
+            <a:cxnLst>
+              <a:cxn ang="0">
+                <a:pos x="connsiteX0" y="connsiteY0"/>
+              </a:cxn>
+              <a:cxn ang="0">
+                <a:pos x="connsiteX1" y="connsiteY1"/>
+              </a:cxn>
+              <a:cxn ang="0">
+                <a:pos x="connsiteX2" y="connsiteY2"/>
+              </a:cxn>
+              <a:cxn ang="0">
+                <a:pos x="connsiteX3" y="connsiteY3"/>
+              </a:cxn>
+              <a:cxn ang="0">
+                <a:pos x="connsiteX4" y="connsiteY4"/>
+              </a:cxn>
+              <a:cxn ang="0">
+                <a:pos x="connsiteX5" y="connsiteY5"/>
+              </a:cxn>
+              <a:cxn ang="0">
+                <a:pos x="connsiteX6" y="connsiteY6"/>
+              </a:cxn>
+            </a:cxnLst>
+            <a:rect l="l" t="t" r="r" b="b"/>
+            <a:pathLst>
+              <a:path w="4811477" h="6858000">
+                <a:moveTo>
+                  <a:pt x="0" y="0"/>
+                </a:moveTo>
+                <a:lnTo>
+                  <a:pt x="3598499" y="0"/>
+                </a:lnTo>
+                <a:lnTo>
+                  <a:pt x="3661482" y="69271"/>
+                </a:lnTo>
+                <a:cubicBezTo>
+                  <a:pt x="4372008" y="929100"/>
+                  <a:pt x="4811477" y="2116944"/>
+                  <a:pt x="4811477" y="3429000"/>
+                </a:cubicBezTo>
+                <a:cubicBezTo>
+                  <a:pt x="4811477" y="4741056"/>
+                  <a:pt x="4372008" y="5928900"/>
+                  <a:pt x="3661482" y="6788730"/>
+                </a:cubicBezTo>
+                <a:lnTo>
+                  <a:pt x="3598499" y="6858000"/>
+                </a:lnTo>
+                <a:lnTo>
+                  <a:pt x="0" y="6858000"/>
+                </a:lnTo>
+                <a:close/>
+              </a:path>
+            </a:pathLst>
+          </a:custGeom>
+          <a:ln w="9525">
+            <a:noFill/>
+          </a:ln>
+          <a:effectLst/>
+        </p:spPr>
+        <p:style>
+          <a:lnRef idx="2">
+            <a:schemeClr val="accent1">
+              <a:shade val="50000"/>
+            </a:schemeClr>
+          </a:lnRef>
+          <a:fillRef idx="1">
+            <a:schemeClr val="accent1"/>
+          </a:fillRef>
+          <a:effectRef idx="0">
+            <a:schemeClr val="accent1"/>
+          </a:effectRef>
+          <a:fontRef idx="minor">
+            <a:schemeClr val="lt1"/>
+          </a:fontRef>
+        </p:style>
+        <p:txBody>
+          <a:bodyPr wrap="square" rtlCol="0" anchor="ctr">
+            <a:noAutofit/>
+          </a:bodyPr>
+          <a:lstStyle/>
+          <a:p>
+            <a:pPr marL="0" marR="0" lvl="0" indent="0" algn="ctr" defTabSz="914400" rtl="0" eaLnBrk="1" fontAlgn="auto" latinLnBrk="0" hangingPunct="1">
+              <a:lnSpc>
+                <a:spcPct val="100000"/>
+              </a:lnSpc>
+              <a:spcBef>
+                <a:spcPts val="0"/>
+              </a:spcBef>
+              <a:spcAft>
+                <a:spcPts val="0"/>
+              </a:spcAft>
+              <a:buClrTx/>
+              <a:buSzTx/>
+              <a:buFontTx/>
+              <a:buNone/>
+              <a:tabLst/>
+              <a:defRPr/>
+            </a:pPr>
+            <a:endParaRPr kumimoji="0" lang="en-US" sz="1800" b="0" i="0" u="none" strike="noStrike" kern="1200" cap="none" spc="0" normalizeH="0" baseline="0" noProof="0">
+              <a:ln>
+                <a:noFill/>
+              </a:ln>
+              <a:solidFill>
+                <a:prstClr val="white"/>
+              </a:solidFill>
+              <a:effectLst/>
+              <a:uLnTx/>
+              <a:uFillTx/>
+              <a:latin typeface="Calibri" panose="020F0502020204030204"/>
+              <a:ea typeface="+mn-ea"/>
+              <a:cs typeface="+mn-cs"/>
+            </a:endParaRPr>
+          </a:p>
+        </p:txBody>
+      </p:sp>
+      <p:sp>
+        <p:nvSpPr>
+          <p:cNvPr id="2" name="Titolo 1">
+            <a:extLst>
+              <a:ext uri="{FF2B5EF4-FFF2-40B4-BE49-F238E27FC236}">
+                <a16:creationId xmlns:a16="http://schemas.microsoft.com/office/drawing/2014/main" id="{65F4D648-4323-429F-81F4-0DC01BAF0F85}"/>
+              </a:ext>
+            </a:extLst>
+          </p:cNvPr>
+          <p:cNvSpPr>
+            <a:spLocks noGrp="1"/>
+          </p:cNvSpPr>
+          <p:nvPr>
+            <p:ph type="title"/>
+          </p:nvPr>
+        </p:nvSpPr>
+        <p:spPr>
+          <a:xfrm>
+            <a:off x="621792" y="1161288"/>
+            <a:ext cx="3602736" cy="4526280"/>
+          </a:xfrm>
+        </p:spPr>
+        <p:txBody>
+          <a:bodyPr>
+            <a:normAutofit/>
+          </a:bodyPr>
+          <a:lstStyle/>
+          <a:p>
+            <a:r>
+              <a:rPr lang="it-IT" sz="4000" dirty="0"/>
+              <a:t>BACK-END &amp; MYSQL</a:t>
+            </a:r>
+          </a:p>
+        </p:txBody>
+      </p:sp>
+      <p:sp>
+        <p:nvSpPr>
+          <p:cNvPr id="14" name="Rectangle 13">
+            <a:extLst>
+              <a:ext uri="{FF2B5EF4-FFF2-40B4-BE49-F238E27FC236}">
+                <a16:creationId xmlns:a16="http://schemas.microsoft.com/office/drawing/2014/main" id="{463EEC44-1BA3-44ED-81FC-A644B04B2A44}"/>
+              </a:ext>
+              <a:ext uri="{C183D7F6-B498-43B3-948B-1728B52AA6E4}">
+                <adec:decorative xmlns:adec="http://schemas.microsoft.com/office/drawing/2017/decorative" val="1"/>
+              </a:ext>
+            </a:extLst>
+          </p:cNvPr>
+          <p:cNvSpPr>
+            <a:spLocks noGrp="1" noRot="1" noChangeAspect="1" noMove="1" noResize="1" noEditPoints="1" noAdjustHandles="1" noChangeArrowheads="1" noChangeShapeType="1" noTextEdit="1"/>
+          </p:cNvSpPr>
+          <p:nvPr>
+            <p:extLst>
+              <p:ext uri="{386F3935-93C4-4BCD-93E2-E3B085C9AB24}">
+                <p16:designElem xmlns:p16="http://schemas.microsoft.com/office/powerpoint/2015/main" val="1"/>
+              </p:ext>
+            </p:extLst>
+          </p:nvPr>
+        </p:nvSpPr>
+        <p:spPr>
+          <a:xfrm>
+            <a:off x="0" y="3102049"/>
+            <a:ext cx="128016" cy="653903"/>
+          </a:xfrm>
+          <a:prstGeom prst="rect">
+            <a:avLst/>
+          </a:prstGeom>
+          <a:solidFill>
+            <a:schemeClr val="accent2"/>
+          </a:solidFill>
+          <a:ln>
+            <a:noFill/>
+          </a:ln>
+        </p:spPr>
+        <p:style>
+          <a:lnRef idx="2">
+            <a:schemeClr val="accent1">
+              <a:shade val="50000"/>
+            </a:schemeClr>
+          </a:lnRef>
+          <a:fillRef idx="1">
+            <a:schemeClr val="accent1"/>
+          </a:fillRef>
+          <a:effectRef idx="0">
+            <a:schemeClr val="accent1"/>
+          </a:effectRef>
+          <a:fontRef idx="minor">
+            <a:schemeClr val="lt1"/>
+          </a:fontRef>
+        </p:style>
+        <p:txBody>
+          <a:bodyPr rtlCol="0" anchor="ctr"/>
+          <a:lstStyle/>
+          <a:p>
+            <a:pPr algn="ctr"/>
+            <a:endParaRPr lang="en-US">
+              <a:solidFill>
+                <a:prstClr val="white"/>
+              </a:solidFill>
+              <a:latin typeface="Calibri" panose="020F0502020204030204"/>
+            </a:endParaRPr>
+          </a:p>
+        </p:txBody>
+      </p:sp>
+      <p:sp>
+        <p:nvSpPr>
+          <p:cNvPr id="3" name="Segnaposto contenuto 2">
+            <a:extLst>
+              <a:ext uri="{FF2B5EF4-FFF2-40B4-BE49-F238E27FC236}">
+                <a16:creationId xmlns:a16="http://schemas.microsoft.com/office/drawing/2014/main" id="{53791F3C-6B65-4EE9-8D35-475CE948462C}"/>
+              </a:ext>
+            </a:extLst>
+          </p:cNvPr>
+          <p:cNvSpPr>
+            <a:spLocks noGrp="1"/>
+          </p:cNvSpPr>
+          <p:nvPr>
+            <p:ph idx="1"/>
+          </p:nvPr>
+        </p:nvSpPr>
+        <p:spPr>
+          <a:xfrm>
+            <a:off x="5434149" y="932688"/>
+            <a:ext cx="5916603" cy="4992624"/>
+          </a:xfrm>
+        </p:spPr>
+        <p:txBody>
+          <a:bodyPr anchor="ctr">
+            <a:normAutofit/>
+          </a:bodyPr>
+          <a:lstStyle/>
+          <a:p>
+            <a:r>
+              <a:rPr lang="it-IT" sz="2000" dirty="0" err="1"/>
+              <a:t>As</a:t>
+            </a:r>
+            <a:r>
+              <a:rPr lang="it-IT" sz="2000" dirty="0"/>
+              <a:t> </a:t>
+            </a:r>
+            <a:r>
+              <a:rPr lang="it-IT" sz="2000" dirty="0" err="1"/>
+              <a:t>said</a:t>
+            </a:r>
+            <a:r>
+              <a:rPr lang="it-IT" sz="2000" dirty="0"/>
+              <a:t> </a:t>
+            </a:r>
+            <a:r>
+              <a:rPr lang="it-IT" sz="2000" dirty="0" err="1"/>
+              <a:t>before</a:t>
+            </a:r>
+            <a:r>
+              <a:rPr lang="it-IT" sz="2000" dirty="0"/>
+              <a:t>, </a:t>
+            </a:r>
+            <a:r>
+              <a:rPr lang="it-IT" sz="2000" dirty="0" err="1"/>
+              <a:t>every</a:t>
+            </a:r>
+            <a:r>
+              <a:rPr lang="it-IT" sz="2000" dirty="0"/>
+              <a:t> </a:t>
+            </a:r>
+            <a:r>
+              <a:rPr lang="it-IT" sz="2000" dirty="0" err="1"/>
+              <a:t>istance</a:t>
+            </a:r>
+            <a:r>
+              <a:rPr lang="it-IT" sz="2000" dirty="0"/>
+              <a:t> of the back-end </a:t>
+            </a:r>
+            <a:r>
+              <a:rPr lang="it-IT" sz="2000" dirty="0" err="1"/>
+              <a:t>is</a:t>
+            </a:r>
+            <a:r>
+              <a:rPr lang="it-IT" sz="2000" dirty="0"/>
+              <a:t> </a:t>
+            </a:r>
+            <a:r>
+              <a:rPr lang="it-IT" sz="2000" dirty="0" err="1"/>
+              <a:t>connected</a:t>
+            </a:r>
+            <a:r>
+              <a:rPr lang="it-IT" sz="2000" dirty="0"/>
+              <a:t> with an </a:t>
+            </a:r>
+            <a:r>
+              <a:rPr lang="it-IT" sz="2000" dirty="0" err="1"/>
+              <a:t>istance</a:t>
+            </a:r>
+            <a:r>
+              <a:rPr lang="it-IT" sz="2000" dirty="0"/>
+              <a:t> of the front-end, and use </a:t>
+            </a:r>
+            <a:r>
+              <a:rPr lang="it-IT" sz="2000" dirty="0" err="1"/>
+              <a:t>RabbitMQ</a:t>
+            </a:r>
+            <a:r>
+              <a:rPr lang="it-IT" sz="2000" dirty="0"/>
+              <a:t> to </a:t>
+            </a:r>
+            <a:r>
+              <a:rPr lang="it-IT" sz="2000" dirty="0" err="1"/>
+              <a:t>excange</a:t>
+            </a:r>
+            <a:r>
+              <a:rPr lang="it-IT" sz="2000" dirty="0"/>
+              <a:t> </a:t>
+            </a:r>
+            <a:r>
+              <a:rPr lang="it-IT" sz="2000" dirty="0" err="1"/>
+              <a:t>message</a:t>
+            </a:r>
+            <a:endParaRPr lang="it-IT" sz="2000" dirty="0"/>
           </a:p>
           <a:p>
             <a:r>
@@ -7025,7 +7646,23 @@
             </a:r>
             <a:r>
               <a:rPr lang="it-IT" sz="2000" dirty="0"/>
-              <a:t> of the back-end.</a:t>
+              <a:t> of the back-end and are on the </a:t>
+            </a:r>
+            <a:r>
+              <a:rPr lang="it-IT" sz="2000" dirty="0" err="1"/>
+              <a:t>node</a:t>
+            </a:r>
+            <a:r>
+              <a:rPr lang="it-IT" sz="2000" dirty="0"/>
+              <a:t> with </a:t>
+            </a:r>
+            <a:r>
+              <a:rPr lang="it-IT" sz="2000" dirty="0" err="1"/>
+              <a:t>ip</a:t>
+            </a:r>
+            <a:r>
+              <a:rPr lang="it-IT" sz="2000" dirty="0"/>
+              <a:t> 172.16.1.213 and 172.16.1.242.</a:t>
             </a:r>
           </a:p>
           <a:p>

--- a/Presentazione/CCPresentation.pptx
+++ b/Presentazione/CCPresentation.pptx
@@ -5,16 +5,15 @@
     <p:sldMasterId id="2147483648" r:id="rId1"/>
   </p:sldMasterIdLst>
   <p:notesMasterIdLst>
-    <p:notesMasterId r:id="rId9"/>
+    <p:notesMasterId r:id="rId8"/>
   </p:notesMasterIdLst>
   <p:sldIdLst>
     <p:sldId id="256" r:id="rId2"/>
     <p:sldId id="257" r:id="rId3"/>
     <p:sldId id="266" r:id="rId4"/>
     <p:sldId id="260" r:id="rId5"/>
-    <p:sldId id="262" r:id="rId6"/>
-    <p:sldId id="264" r:id="rId7"/>
-    <p:sldId id="263" r:id="rId8"/>
+    <p:sldId id="268" r:id="rId6"/>
+    <p:sldId id="269" r:id="rId7"/>
   </p:sldIdLst>
   <p:sldSz cx="12192000" cy="6858000"/>
   <p:notesSz cx="6858000" cy="9144000"/>
@@ -170,7 +169,7 @@
             </a:lvl1pPr>
           </a:lstStyle>
           <a:p>
-            <a:endParaRPr lang="it-IT"/>
+            <a:endParaRPr lang="it-IT" dirty="0"/>
           </a:p>
         </p:txBody>
       </p:sp>
@@ -205,7 +204,7 @@
               <a:rPr lang="it-IT" smtClean="0"/>
               <a:t>28/06/2020</a:t>
             </a:fld>
-            <a:endParaRPr lang="it-IT"/>
+            <a:endParaRPr lang="it-IT" dirty="0"/>
           </a:p>
         </p:txBody>
       </p:sp>
@@ -238,7 +237,7 @@
           <a:bodyPr vert="horz" lIns="91440" tIns="45720" rIns="91440" bIns="45720" rtlCol="0" anchor="ctr"/>
           <a:lstStyle/>
           <a:p>
-            <a:endParaRPr lang="it-IT"/>
+            <a:endParaRPr lang="it-IT" dirty="0"/>
           </a:p>
         </p:txBody>
       </p:sp>
@@ -328,7 +327,7 @@
             </a:lvl1pPr>
           </a:lstStyle>
           <a:p>
-            <a:endParaRPr lang="it-IT"/>
+            <a:endParaRPr lang="it-IT" dirty="0"/>
           </a:p>
         </p:txBody>
       </p:sp>
@@ -363,7 +362,7 @@
               <a:rPr lang="it-IT" smtClean="0"/>
               <a:t>‹N›</a:t>
             </a:fld>
-            <a:endParaRPr lang="it-IT"/>
+            <a:endParaRPr lang="it-IT" dirty="0"/>
           </a:p>
         </p:txBody>
       </p:sp>
@@ -554,6 +553,258 @@
 </p:notes>
 </file>
 
+<file path=ppt/notesSlides/notesSlide2.xml><?xml version="1.0" encoding="utf-8"?>
+<p:notes xmlns:a="http://schemas.openxmlformats.org/drawingml/2006/main" xmlns:r="http://schemas.openxmlformats.org/officeDocument/2006/relationships" xmlns:p="http://schemas.openxmlformats.org/presentationml/2006/main">
+  <p:cSld>
+    <p:spTree>
+      <p:nvGrpSpPr>
+        <p:cNvPr id="1" name=""/>
+        <p:cNvGrpSpPr/>
+        <p:nvPr/>
+      </p:nvGrpSpPr>
+      <p:grpSpPr>
+        <a:xfrm>
+          <a:off x="0" y="0"/>
+          <a:ext cx="0" cy="0"/>
+          <a:chOff x="0" y="0"/>
+          <a:chExt cx="0" cy="0"/>
+        </a:xfrm>
+      </p:grpSpPr>
+      <p:sp>
+        <p:nvSpPr>
+          <p:cNvPr id="2" name="Segnaposto immagine diapositiva 1"/>
+          <p:cNvSpPr>
+            <a:spLocks noGrp="1" noRot="1" noChangeAspect="1"/>
+          </p:cNvSpPr>
+          <p:nvPr>
+            <p:ph type="sldImg"/>
+          </p:nvPr>
+        </p:nvSpPr>
+        <p:spPr/>
+      </p:sp>
+      <p:sp>
+        <p:nvSpPr>
+          <p:cNvPr id="3" name="Segnaposto note 2"/>
+          <p:cNvSpPr>
+            <a:spLocks noGrp="1"/>
+          </p:cNvSpPr>
+          <p:nvPr>
+            <p:ph type="body" idx="1"/>
+          </p:nvPr>
+        </p:nvSpPr>
+        <p:spPr/>
+        <p:txBody>
+          <a:bodyPr/>
+          <a:lstStyle/>
+          <a:p>
+            <a:endParaRPr lang="it-IT" dirty="0"/>
+          </a:p>
+        </p:txBody>
+      </p:sp>
+      <p:sp>
+        <p:nvSpPr>
+          <p:cNvPr id="4" name="Segnaposto numero diapositiva 3"/>
+          <p:cNvSpPr>
+            <a:spLocks noGrp="1"/>
+          </p:cNvSpPr>
+          <p:nvPr>
+            <p:ph type="sldNum" sz="quarter" idx="5"/>
+          </p:nvPr>
+        </p:nvSpPr>
+        <p:spPr/>
+        <p:txBody>
+          <a:bodyPr/>
+          <a:lstStyle/>
+          <a:p>
+            <a:fld id="{FAA0905F-184C-48BF-A747-6A877D1912E6}" type="slidenum">
+              <a:rPr lang="it-IT" smtClean="0"/>
+              <a:t>3</a:t>
+            </a:fld>
+            <a:endParaRPr lang="it-IT"/>
+          </a:p>
+        </p:txBody>
+      </p:sp>
+    </p:spTree>
+    <p:extLst>
+      <p:ext uri="{BB962C8B-B14F-4D97-AF65-F5344CB8AC3E}">
+        <p14:creationId xmlns:p14="http://schemas.microsoft.com/office/powerpoint/2010/main" val="825519759"/>
+      </p:ext>
+    </p:extLst>
+  </p:cSld>
+  <p:clrMapOvr>
+    <a:masterClrMapping/>
+  </p:clrMapOvr>
+</p:notes>
+</file>
+
+<file path=ppt/notesSlides/notesSlide3.xml><?xml version="1.0" encoding="utf-8"?>
+<p:notes xmlns:a="http://schemas.openxmlformats.org/drawingml/2006/main" xmlns:r="http://schemas.openxmlformats.org/officeDocument/2006/relationships" xmlns:p="http://schemas.openxmlformats.org/presentationml/2006/main">
+  <p:cSld>
+    <p:spTree>
+      <p:nvGrpSpPr>
+        <p:cNvPr id="1" name=""/>
+        <p:cNvGrpSpPr/>
+        <p:nvPr/>
+      </p:nvGrpSpPr>
+      <p:grpSpPr>
+        <a:xfrm>
+          <a:off x="0" y="0"/>
+          <a:ext cx="0" cy="0"/>
+          <a:chOff x="0" y="0"/>
+          <a:chExt cx="0" cy="0"/>
+        </a:xfrm>
+      </p:grpSpPr>
+      <p:sp>
+        <p:nvSpPr>
+          <p:cNvPr id="2" name="Segnaposto immagine diapositiva 1"/>
+          <p:cNvSpPr>
+            <a:spLocks noGrp="1" noRot="1" noChangeAspect="1"/>
+          </p:cNvSpPr>
+          <p:nvPr>
+            <p:ph type="sldImg"/>
+          </p:nvPr>
+        </p:nvSpPr>
+        <p:spPr/>
+      </p:sp>
+      <p:sp>
+        <p:nvSpPr>
+          <p:cNvPr id="3" name="Segnaposto note 2"/>
+          <p:cNvSpPr>
+            <a:spLocks noGrp="1"/>
+          </p:cNvSpPr>
+          <p:nvPr>
+            <p:ph type="body" idx="1"/>
+          </p:nvPr>
+        </p:nvSpPr>
+        <p:spPr/>
+        <p:txBody>
+          <a:bodyPr/>
+          <a:lstStyle/>
+          <a:p>
+            <a:endParaRPr lang="it-IT" dirty="0"/>
+          </a:p>
+        </p:txBody>
+      </p:sp>
+      <p:sp>
+        <p:nvSpPr>
+          <p:cNvPr id="4" name="Segnaposto numero diapositiva 3"/>
+          <p:cNvSpPr>
+            <a:spLocks noGrp="1"/>
+          </p:cNvSpPr>
+          <p:nvPr>
+            <p:ph type="sldNum" sz="quarter" idx="5"/>
+          </p:nvPr>
+        </p:nvSpPr>
+        <p:spPr/>
+        <p:txBody>
+          <a:bodyPr/>
+          <a:lstStyle/>
+          <a:p>
+            <a:fld id="{FAA0905F-184C-48BF-A747-6A877D1912E6}" type="slidenum">
+              <a:rPr lang="it-IT" smtClean="0"/>
+              <a:t>5</a:t>
+            </a:fld>
+            <a:endParaRPr lang="it-IT"/>
+          </a:p>
+        </p:txBody>
+      </p:sp>
+    </p:spTree>
+    <p:extLst>
+      <p:ext uri="{BB962C8B-B14F-4D97-AF65-F5344CB8AC3E}">
+        <p14:creationId xmlns:p14="http://schemas.microsoft.com/office/powerpoint/2010/main" val="2935296313"/>
+      </p:ext>
+    </p:extLst>
+  </p:cSld>
+  <p:clrMapOvr>
+    <a:masterClrMapping/>
+  </p:clrMapOvr>
+</p:notes>
+</file>
+
+<file path=ppt/notesSlides/notesSlide4.xml><?xml version="1.0" encoding="utf-8"?>
+<p:notes xmlns:a="http://schemas.openxmlformats.org/drawingml/2006/main" xmlns:r="http://schemas.openxmlformats.org/officeDocument/2006/relationships" xmlns:p="http://schemas.openxmlformats.org/presentationml/2006/main">
+  <p:cSld>
+    <p:spTree>
+      <p:nvGrpSpPr>
+        <p:cNvPr id="1" name=""/>
+        <p:cNvGrpSpPr/>
+        <p:nvPr/>
+      </p:nvGrpSpPr>
+      <p:grpSpPr>
+        <a:xfrm>
+          <a:off x="0" y="0"/>
+          <a:ext cx="0" cy="0"/>
+          <a:chOff x="0" y="0"/>
+          <a:chExt cx="0" cy="0"/>
+        </a:xfrm>
+      </p:grpSpPr>
+      <p:sp>
+        <p:nvSpPr>
+          <p:cNvPr id="2" name="Segnaposto immagine diapositiva 1"/>
+          <p:cNvSpPr>
+            <a:spLocks noGrp="1" noRot="1" noChangeAspect="1"/>
+          </p:cNvSpPr>
+          <p:nvPr>
+            <p:ph type="sldImg"/>
+          </p:nvPr>
+        </p:nvSpPr>
+        <p:spPr/>
+      </p:sp>
+      <p:sp>
+        <p:nvSpPr>
+          <p:cNvPr id="3" name="Segnaposto note 2"/>
+          <p:cNvSpPr>
+            <a:spLocks noGrp="1"/>
+          </p:cNvSpPr>
+          <p:nvPr>
+            <p:ph type="body" idx="1"/>
+          </p:nvPr>
+        </p:nvSpPr>
+        <p:spPr/>
+        <p:txBody>
+          <a:bodyPr/>
+          <a:lstStyle/>
+          <a:p>
+            <a:endParaRPr lang="it-IT" dirty="0"/>
+          </a:p>
+        </p:txBody>
+      </p:sp>
+      <p:sp>
+        <p:nvSpPr>
+          <p:cNvPr id="4" name="Segnaposto numero diapositiva 3"/>
+          <p:cNvSpPr>
+            <a:spLocks noGrp="1"/>
+          </p:cNvSpPr>
+          <p:nvPr>
+            <p:ph type="sldNum" sz="quarter" idx="5"/>
+          </p:nvPr>
+        </p:nvSpPr>
+        <p:spPr/>
+        <p:txBody>
+          <a:bodyPr/>
+          <a:lstStyle/>
+          <a:p>
+            <a:fld id="{FAA0905F-184C-48BF-A747-6A877D1912E6}" type="slidenum">
+              <a:rPr lang="it-IT" smtClean="0"/>
+              <a:t>6</a:t>
+            </a:fld>
+            <a:endParaRPr lang="it-IT" dirty="0"/>
+          </a:p>
+        </p:txBody>
+      </p:sp>
+    </p:spTree>
+    <p:extLst>
+      <p:ext uri="{BB962C8B-B14F-4D97-AF65-F5344CB8AC3E}">
+        <p14:creationId xmlns:p14="http://schemas.microsoft.com/office/powerpoint/2010/main" val="1119636678"/>
+      </p:ext>
+    </p:extLst>
+  </p:cSld>
+  <p:clrMapOvr>
+    <a:masterClrMapping/>
+  </p:clrMapOvr>
+</p:notes>
+</file>
+
 <file path=ppt/slideLayouts/slideLayout1.xml><?xml version="1.0" encoding="utf-8"?>
 <p:sldLayout xmlns:a="http://schemas.openxmlformats.org/drawingml/2006/main" xmlns:r="http://schemas.openxmlformats.org/officeDocument/2006/relationships" xmlns:p="http://schemas.openxmlformats.org/presentationml/2006/main" type="title" preserve="1">
   <p:cSld name="Diapositiva titolo">
@@ -703,7 +954,7 @@
               <a:rPr lang="it-IT" smtClean="0"/>
               <a:t>28/06/2020</a:t>
             </a:fld>
-            <a:endParaRPr lang="it-IT"/>
+            <a:endParaRPr lang="it-IT" dirty="0"/>
           </a:p>
         </p:txBody>
       </p:sp>
@@ -728,7 +979,7 @@
           <a:bodyPr/>
           <a:lstStyle/>
           <a:p>
-            <a:endParaRPr lang="it-IT"/>
+            <a:endParaRPr lang="it-IT" dirty="0"/>
           </a:p>
         </p:txBody>
       </p:sp>
@@ -757,7 +1008,7 @@
               <a:rPr lang="it-IT" smtClean="0"/>
               <a:t>‹N›</a:t>
             </a:fld>
-            <a:endParaRPr lang="it-IT"/>
+            <a:endParaRPr lang="it-IT" dirty="0"/>
           </a:p>
         </p:txBody>
       </p:sp>
@@ -901,7 +1152,7 @@
               <a:rPr lang="it-IT" smtClean="0"/>
               <a:t>28/06/2020</a:t>
             </a:fld>
-            <a:endParaRPr lang="it-IT"/>
+            <a:endParaRPr lang="it-IT" dirty="0"/>
           </a:p>
         </p:txBody>
       </p:sp>
@@ -926,7 +1177,7 @@
           <a:bodyPr/>
           <a:lstStyle/>
           <a:p>
-            <a:endParaRPr lang="it-IT"/>
+            <a:endParaRPr lang="it-IT" dirty="0"/>
           </a:p>
         </p:txBody>
       </p:sp>
@@ -955,7 +1206,7 @@
               <a:rPr lang="it-IT" smtClean="0"/>
               <a:t>‹N›</a:t>
             </a:fld>
-            <a:endParaRPr lang="it-IT"/>
+            <a:endParaRPr lang="it-IT" dirty="0"/>
           </a:p>
         </p:txBody>
       </p:sp>
@@ -1109,7 +1360,7 @@
               <a:rPr lang="it-IT" smtClean="0"/>
               <a:t>28/06/2020</a:t>
             </a:fld>
-            <a:endParaRPr lang="it-IT"/>
+            <a:endParaRPr lang="it-IT" dirty="0"/>
           </a:p>
         </p:txBody>
       </p:sp>
@@ -1134,7 +1385,7 @@
           <a:bodyPr/>
           <a:lstStyle/>
           <a:p>
-            <a:endParaRPr lang="it-IT"/>
+            <a:endParaRPr lang="it-IT" dirty="0"/>
           </a:p>
         </p:txBody>
       </p:sp>
@@ -1163,7 +1414,7 @@
               <a:rPr lang="it-IT" smtClean="0"/>
               <a:t>‹N›</a:t>
             </a:fld>
-            <a:endParaRPr lang="it-IT"/>
+            <a:endParaRPr lang="it-IT" dirty="0"/>
           </a:p>
         </p:txBody>
       </p:sp>
@@ -1307,7 +1558,7 @@
               <a:rPr lang="it-IT" smtClean="0"/>
               <a:t>28/06/2020</a:t>
             </a:fld>
-            <a:endParaRPr lang="it-IT"/>
+            <a:endParaRPr lang="it-IT" dirty="0"/>
           </a:p>
         </p:txBody>
       </p:sp>
@@ -1332,7 +1583,7 @@
           <a:bodyPr/>
           <a:lstStyle/>
           <a:p>
-            <a:endParaRPr lang="it-IT"/>
+            <a:endParaRPr lang="it-IT" dirty="0"/>
           </a:p>
         </p:txBody>
       </p:sp>
@@ -1361,7 +1612,7 @@
               <a:rPr lang="it-IT" smtClean="0"/>
               <a:t>‹N›</a:t>
             </a:fld>
-            <a:endParaRPr lang="it-IT"/>
+            <a:endParaRPr lang="it-IT" dirty="0"/>
           </a:p>
         </p:txBody>
       </p:sp>
@@ -1582,7 +1833,7 @@
               <a:rPr lang="it-IT" smtClean="0"/>
               <a:t>28/06/2020</a:t>
             </a:fld>
-            <a:endParaRPr lang="it-IT"/>
+            <a:endParaRPr lang="it-IT" dirty="0"/>
           </a:p>
         </p:txBody>
       </p:sp>
@@ -1607,7 +1858,7 @@
           <a:bodyPr/>
           <a:lstStyle/>
           <a:p>
-            <a:endParaRPr lang="it-IT"/>
+            <a:endParaRPr lang="it-IT" dirty="0"/>
           </a:p>
         </p:txBody>
       </p:sp>
@@ -1636,7 +1887,7 @@
               <a:rPr lang="it-IT" smtClean="0"/>
               <a:t>‹N›</a:t>
             </a:fld>
-            <a:endParaRPr lang="it-IT"/>
+            <a:endParaRPr lang="it-IT" dirty="0"/>
           </a:p>
         </p:txBody>
       </p:sp>
@@ -1847,7 +2098,7 @@
               <a:rPr lang="it-IT" smtClean="0"/>
               <a:t>28/06/2020</a:t>
             </a:fld>
-            <a:endParaRPr lang="it-IT"/>
+            <a:endParaRPr lang="it-IT" dirty="0"/>
           </a:p>
         </p:txBody>
       </p:sp>
@@ -1872,7 +2123,7 @@
           <a:bodyPr/>
           <a:lstStyle/>
           <a:p>
-            <a:endParaRPr lang="it-IT"/>
+            <a:endParaRPr lang="it-IT" dirty="0"/>
           </a:p>
         </p:txBody>
       </p:sp>
@@ -1901,7 +2152,7 @@
               <a:rPr lang="it-IT" smtClean="0"/>
               <a:t>‹N›</a:t>
             </a:fld>
-            <a:endParaRPr lang="it-IT"/>
+            <a:endParaRPr lang="it-IT" dirty="0"/>
           </a:p>
         </p:txBody>
       </p:sp>
@@ -2259,7 +2510,7 @@
               <a:rPr lang="it-IT" smtClean="0"/>
               <a:t>28/06/2020</a:t>
             </a:fld>
-            <a:endParaRPr lang="it-IT"/>
+            <a:endParaRPr lang="it-IT" dirty="0"/>
           </a:p>
         </p:txBody>
       </p:sp>
@@ -2284,7 +2535,7 @@
           <a:bodyPr/>
           <a:lstStyle/>
           <a:p>
-            <a:endParaRPr lang="it-IT"/>
+            <a:endParaRPr lang="it-IT" dirty="0"/>
           </a:p>
         </p:txBody>
       </p:sp>
@@ -2313,7 +2564,7 @@
               <a:rPr lang="it-IT" smtClean="0"/>
               <a:t>‹N›</a:t>
             </a:fld>
-            <a:endParaRPr lang="it-IT"/>
+            <a:endParaRPr lang="it-IT" dirty="0"/>
           </a:p>
         </p:txBody>
       </p:sp>
@@ -2400,7 +2651,7 @@
               <a:rPr lang="it-IT" smtClean="0"/>
               <a:t>28/06/2020</a:t>
             </a:fld>
-            <a:endParaRPr lang="it-IT"/>
+            <a:endParaRPr lang="it-IT" dirty="0"/>
           </a:p>
         </p:txBody>
       </p:sp>
@@ -2425,7 +2676,7 @@
           <a:bodyPr/>
           <a:lstStyle/>
           <a:p>
-            <a:endParaRPr lang="it-IT"/>
+            <a:endParaRPr lang="it-IT" dirty="0"/>
           </a:p>
         </p:txBody>
       </p:sp>
@@ -2454,7 +2705,7 @@
               <a:rPr lang="it-IT" smtClean="0"/>
               <a:t>‹N›</a:t>
             </a:fld>
-            <a:endParaRPr lang="it-IT"/>
+            <a:endParaRPr lang="it-IT" dirty="0"/>
           </a:p>
         </p:txBody>
       </p:sp>
@@ -2513,7 +2764,7 @@
               <a:rPr lang="it-IT" smtClean="0"/>
               <a:t>28/06/2020</a:t>
             </a:fld>
-            <a:endParaRPr lang="it-IT"/>
+            <a:endParaRPr lang="it-IT" dirty="0"/>
           </a:p>
         </p:txBody>
       </p:sp>
@@ -2538,7 +2789,7 @@
           <a:bodyPr/>
           <a:lstStyle/>
           <a:p>
-            <a:endParaRPr lang="it-IT"/>
+            <a:endParaRPr lang="it-IT" dirty="0"/>
           </a:p>
         </p:txBody>
       </p:sp>
@@ -2567,7 +2818,7 @@
               <a:rPr lang="it-IT" smtClean="0"/>
               <a:t>‹N›</a:t>
             </a:fld>
-            <a:endParaRPr lang="it-IT"/>
+            <a:endParaRPr lang="it-IT" dirty="0"/>
           </a:p>
         </p:txBody>
       </p:sp>
@@ -2824,7 +3075,7 @@
               <a:rPr lang="it-IT" smtClean="0"/>
               <a:t>28/06/2020</a:t>
             </a:fld>
-            <a:endParaRPr lang="it-IT"/>
+            <a:endParaRPr lang="it-IT" dirty="0"/>
           </a:p>
         </p:txBody>
       </p:sp>
@@ -2849,7 +3100,7 @@
           <a:bodyPr/>
           <a:lstStyle/>
           <a:p>
-            <a:endParaRPr lang="it-IT"/>
+            <a:endParaRPr lang="it-IT" dirty="0"/>
           </a:p>
         </p:txBody>
       </p:sp>
@@ -2878,7 +3129,7 @@
               <a:rPr lang="it-IT" smtClean="0"/>
               <a:t>‹N›</a:t>
             </a:fld>
-            <a:endParaRPr lang="it-IT"/>
+            <a:endParaRPr lang="it-IT" dirty="0"/>
           </a:p>
         </p:txBody>
       </p:sp>
@@ -3012,7 +3263,7 @@
             </a:lvl9pPr>
           </a:lstStyle>
           <a:p>
-            <a:endParaRPr lang="it-IT"/>
+            <a:endParaRPr lang="it-IT" dirty="0"/>
           </a:p>
         </p:txBody>
       </p:sp>
@@ -3112,7 +3363,7 @@
               <a:rPr lang="it-IT" smtClean="0"/>
               <a:t>28/06/2020</a:t>
             </a:fld>
-            <a:endParaRPr lang="it-IT"/>
+            <a:endParaRPr lang="it-IT" dirty="0"/>
           </a:p>
         </p:txBody>
       </p:sp>
@@ -3137,7 +3388,7 @@
           <a:bodyPr/>
           <a:lstStyle/>
           <a:p>
-            <a:endParaRPr lang="it-IT"/>
+            <a:endParaRPr lang="it-IT" dirty="0"/>
           </a:p>
         </p:txBody>
       </p:sp>
@@ -3166,7 +3417,7 @@
               <a:rPr lang="it-IT" smtClean="0"/>
               <a:t>‹N›</a:t>
             </a:fld>
-            <a:endParaRPr lang="it-IT"/>
+            <a:endParaRPr lang="it-IT" dirty="0"/>
           </a:p>
         </p:txBody>
       </p:sp>
@@ -3353,7 +3604,7 @@
               <a:rPr lang="it-IT" smtClean="0"/>
               <a:t>28/06/2020</a:t>
             </a:fld>
-            <a:endParaRPr lang="it-IT"/>
+            <a:endParaRPr lang="it-IT" dirty="0"/>
           </a:p>
         </p:txBody>
       </p:sp>
@@ -3396,7 +3647,7 @@
             </a:lvl1pPr>
           </a:lstStyle>
           <a:p>
-            <a:endParaRPr lang="it-IT"/>
+            <a:endParaRPr lang="it-IT" dirty="0"/>
           </a:p>
         </p:txBody>
       </p:sp>
@@ -3443,7 +3694,7 @@
               <a:rPr lang="it-IT" smtClean="0"/>
               <a:t>‹N›</a:t>
             </a:fld>
-            <a:endParaRPr lang="it-IT"/>
+            <a:endParaRPr lang="it-IT" dirty="0"/>
           </a:p>
         </p:txBody>
       </p:sp>
@@ -3776,12 +4027,12 @@
           <a:chExt cx="0" cy="0"/>
         </a:xfrm>
       </p:grpSpPr>
-      <p:sp useBgFill="1">
-        <p:nvSpPr>
-          <p:cNvPr id="77" name="Rectangle 76">
-            <a:extLst>
-              <a:ext uri="{FF2B5EF4-FFF2-40B4-BE49-F238E27FC236}">
-                <a16:creationId xmlns:a16="http://schemas.microsoft.com/office/drawing/2014/main" id="{BAD76F3E-3A97-486B-B402-44400A8B9173}"/>
+      <p:sp>
+        <p:nvSpPr>
+          <p:cNvPr id="102" name="Rectangle 101">
+            <a:extLst>
+              <a:ext uri="{FF2B5EF4-FFF2-40B4-BE49-F238E27FC236}">
+                <a16:creationId xmlns:a16="http://schemas.microsoft.com/office/drawing/2014/main" id="{EE39DFCF-9247-4DE5-BB93-074BFAF07A3F}"/>
               </a:ext>
               <a:ext uri="{C183D7F6-B498-43B3-948B-1728B52AA6E4}">
                 <adec:decorative xmlns:adec="http://schemas.microsoft.com/office/drawing/2017/decorative" val="1"/>
@@ -3807,210 +4058,8 @@
           <a:prstGeom prst="rect">
             <a:avLst/>
           </a:prstGeom>
-          <a:ln>
-            <a:noFill/>
-          </a:ln>
-        </p:spPr>
-        <p:style>
-          <a:lnRef idx="2">
-            <a:schemeClr val="accent1">
-              <a:shade val="50000"/>
-            </a:schemeClr>
-          </a:lnRef>
-          <a:fillRef idx="1">
-            <a:schemeClr val="accent1"/>
-          </a:fillRef>
-          <a:effectRef idx="0">
-            <a:schemeClr val="accent1"/>
-          </a:effectRef>
-          <a:fontRef idx="minor">
-            <a:schemeClr val="lt1"/>
-          </a:fontRef>
-        </p:style>
-        <p:txBody>
-          <a:bodyPr rtlCol="0" anchor="ctr"/>
-          <a:lstStyle/>
-          <a:p>
-            <a:pPr algn="ctr"/>
-            <a:endParaRPr lang="en-US"/>
-          </a:p>
-        </p:txBody>
-      </p:sp>
-      <p:sp>
-        <p:nvSpPr>
-          <p:cNvPr id="2" name="Titolo 1">
-            <a:extLst>
-              <a:ext uri="{FF2B5EF4-FFF2-40B4-BE49-F238E27FC236}">
-                <a16:creationId xmlns:a16="http://schemas.microsoft.com/office/drawing/2014/main" id="{003D0494-4B78-A548-B7FD-5C28A8CF744F}"/>
-              </a:ext>
-            </a:extLst>
-          </p:cNvPr>
-          <p:cNvSpPr>
-            <a:spLocks noGrp="1"/>
-          </p:cNvSpPr>
-          <p:nvPr>
-            <p:ph type="ctrTitle"/>
-          </p:nvPr>
-        </p:nvSpPr>
-        <p:spPr>
-          <a:xfrm>
-            <a:off x="838199" y="1093788"/>
-            <a:ext cx="10506455" cy="2967208"/>
-          </a:xfrm>
-        </p:spPr>
-        <p:txBody>
-          <a:bodyPr>
-            <a:normAutofit/>
-          </a:bodyPr>
-          <a:lstStyle/>
-          <a:p>
-            <a:pPr algn="l"/>
-            <a:r>
-              <a:rPr lang="it-IT" sz="8000"/>
-              <a:t>Cloud Computing Project Presentation</a:t>
-            </a:r>
-          </a:p>
-        </p:txBody>
-      </p:sp>
-      <p:sp>
-        <p:nvSpPr>
-          <p:cNvPr id="3" name="Sottotitolo 2">
-            <a:extLst>
-              <a:ext uri="{FF2B5EF4-FFF2-40B4-BE49-F238E27FC236}">
-                <a16:creationId xmlns:a16="http://schemas.microsoft.com/office/drawing/2014/main" id="{93CE895F-5A6A-444E-852F-4708C80AFC71}"/>
-              </a:ext>
-            </a:extLst>
-          </p:cNvPr>
-          <p:cNvSpPr>
-            <a:spLocks noGrp="1"/>
-          </p:cNvSpPr>
-          <p:nvPr>
-            <p:ph type="subTitle" idx="1"/>
-          </p:nvPr>
-        </p:nvSpPr>
-        <p:spPr>
-          <a:xfrm>
-            <a:off x="7400924" y="4619624"/>
-            <a:ext cx="3946779" cy="1038225"/>
-          </a:xfrm>
-        </p:spPr>
-        <p:txBody>
-          <a:bodyPr>
-            <a:normAutofit/>
-          </a:bodyPr>
-          <a:lstStyle/>
-          <a:p>
-            <a:pPr algn="r"/>
-            <a:r>
-              <a:rPr lang="it-IT" sz="2200"/>
-              <a:t>Alessandro Madonna, Francesco Ronchieri, Andrea Klaus Tubak, Stefano Petrocchi</a:t>
-            </a:r>
-            <a:endParaRPr lang="it-IT" sz="2200" dirty="0"/>
-          </a:p>
-        </p:txBody>
-      </p:sp>
-      <p:sp>
-        <p:nvSpPr>
-          <p:cNvPr id="97" name="Rectangle 78">
-            <a:extLst>
-              <a:ext uri="{FF2B5EF4-FFF2-40B4-BE49-F238E27FC236}">
-                <a16:creationId xmlns:a16="http://schemas.microsoft.com/office/drawing/2014/main" id="{391F6B52-91F4-4AEB-B6DB-29FEBCF28C8B}"/>
-              </a:ext>
-              <a:ext uri="{C183D7F6-B498-43B3-948B-1728B52AA6E4}">
-                <adec:decorative xmlns:adec="http://schemas.microsoft.com/office/drawing/2017/decorative" val="1"/>
-              </a:ext>
-            </a:extLst>
-          </p:cNvPr>
-          <p:cNvSpPr>
-            <a:spLocks noGrp="1" noRot="1" noChangeAspect="1" noMove="1" noResize="1" noEditPoints="1" noAdjustHandles="1" noChangeArrowheads="1" noChangeShapeType="1" noTextEdit="1"/>
-          </p:cNvSpPr>
-          <p:nvPr>
-            <p:extLst>
-              <p:ext uri="{386F3935-93C4-4BCD-93E2-E3B085C9AB24}">
-                <p16:designElem xmlns:p16="http://schemas.microsoft.com/office/powerpoint/2015/main" val="1"/>
-              </p:ext>
-            </p:extLst>
-          </p:nvPr>
-        </p:nvSpPr>
-        <p:spPr>
-          <a:xfrm>
-            <a:off x="841248" y="4331166"/>
-            <a:ext cx="10506456" cy="18288"/>
-          </a:xfrm>
-          <a:prstGeom prst="rect">
-            <a:avLst/>
-          </a:prstGeom>
           <a:solidFill>
-            <a:srgbClr val="D5D5D5"/>
-          </a:solidFill>
-          <a:ln w="3175">
-            <a:noFill/>
-          </a:ln>
-          <a:effectLst/>
-        </p:spPr>
-        <p:style>
-          <a:lnRef idx="2">
-            <a:schemeClr val="accent1">
-              <a:shade val="50000"/>
-            </a:schemeClr>
-          </a:lnRef>
-          <a:fillRef idx="1">
-            <a:schemeClr val="accent1"/>
-          </a:fillRef>
-          <a:effectRef idx="0">
-            <a:schemeClr val="accent1"/>
-          </a:effectRef>
-          <a:fontRef idx="minor">
-            <a:schemeClr val="lt1"/>
-          </a:fontRef>
-        </p:style>
-        <p:txBody>
-          <a:bodyPr rtlCol="0" anchor="ctr"/>
-          <a:lstStyle/>
-          <a:p>
-            <a:pPr algn="ctr"/>
-            <a:endParaRPr lang="en-US">
-              <a:solidFill>
-                <a:prstClr val="white"/>
-              </a:solidFill>
-              <a:latin typeface="Calibri" panose="020F0502020204030204"/>
-            </a:endParaRPr>
-          </a:p>
-        </p:txBody>
-      </p:sp>
-      <p:sp>
-        <p:nvSpPr>
-          <p:cNvPr id="81" name="Rectangle 80">
-            <a:extLst>
-              <a:ext uri="{FF2B5EF4-FFF2-40B4-BE49-F238E27FC236}">
-                <a16:creationId xmlns:a16="http://schemas.microsoft.com/office/drawing/2014/main" id="{2CD6F061-7C53-44F4-9794-953DB70A451B}"/>
-              </a:ext>
-              <a:ext uri="{C183D7F6-B498-43B3-948B-1728B52AA6E4}">
-                <adec:decorative xmlns:adec="http://schemas.microsoft.com/office/drawing/2017/decorative" val="1"/>
-              </a:ext>
-            </a:extLst>
-          </p:cNvPr>
-          <p:cNvSpPr>
-            <a:spLocks noGrp="1" noRot="1" noChangeAspect="1" noMove="1" noResize="1" noEditPoints="1" noAdjustHandles="1" noChangeArrowheads="1" noChangeShapeType="1" noTextEdit="1"/>
-          </p:cNvSpPr>
-          <p:nvPr>
-            <p:extLst>
-              <p:ext uri="{386F3935-93C4-4BCD-93E2-E3B085C9AB24}">
-                <p16:designElem xmlns:p16="http://schemas.microsoft.com/office/powerpoint/2015/main" val="1"/>
-              </p:ext>
-            </p:extLst>
-          </p:nvPr>
-        </p:nvSpPr>
-        <p:spPr>
-          <a:xfrm rot="5400000">
-            <a:off x="9346882" y="2348839"/>
-            <a:ext cx="54864" cy="3946779"/>
-          </a:xfrm>
-          <a:prstGeom prst="rect">
-            <a:avLst/>
-          </a:prstGeom>
-          <a:solidFill>
-            <a:schemeClr val="accent2"/>
+            <a:schemeClr val="bg2"/>
           </a:solidFill>
           <a:ln>
             <a:noFill/>
@@ -4036,37 +4085,988 @@
           <a:bodyPr rtlCol="0" anchor="ctr"/>
           <a:lstStyle/>
           <a:p>
-            <a:pPr marL="0" marR="0" lvl="0" indent="0" algn="ctr" defTabSz="914400" rtl="0" eaLnBrk="1" fontAlgn="auto" latinLnBrk="0" hangingPunct="1">
-              <a:lnSpc>
-                <a:spcPct val="100000"/>
-              </a:lnSpc>
-              <a:spcBef>
-                <a:spcPts val="0"/>
-              </a:spcBef>
-              <a:spcAft>
-                <a:spcPts val="0"/>
-              </a:spcAft>
-              <a:buClrTx/>
-              <a:buSzTx/>
-              <a:buFontTx/>
-              <a:buNone/>
-              <a:tabLst/>
-              <a:defRPr/>
-            </a:pPr>
-            <a:endParaRPr kumimoji="0" lang="en-US" sz="1800" b="0" i="0" u="none" strike="noStrike" kern="1200" cap="none" spc="0" normalizeH="0" baseline="0" noProof="0">
-              <a:ln>
-                <a:noFill/>
-              </a:ln>
+            <a:pPr algn="ctr"/>
+            <a:endParaRPr lang="en-US" dirty="0"/>
+          </a:p>
+        </p:txBody>
+      </p:sp>
+      <p:sp>
+        <p:nvSpPr>
+          <p:cNvPr id="104" name="Freeform: Shape 103">
+            <a:extLst>
+              <a:ext uri="{FF2B5EF4-FFF2-40B4-BE49-F238E27FC236}">
+                <a16:creationId xmlns:a16="http://schemas.microsoft.com/office/drawing/2014/main" id="{442B652E-D499-4CDA-8F7A-60469EDBCBE3}"/>
+              </a:ext>
+              <a:ext uri="{C183D7F6-B498-43B3-948B-1728B52AA6E4}">
+                <adec:decorative xmlns:adec="http://schemas.microsoft.com/office/drawing/2017/decorative" val="1"/>
+              </a:ext>
+            </a:extLst>
+          </p:cNvPr>
+          <p:cNvSpPr>
+            <a:spLocks noGrp="1" noRot="1" noChangeAspect="1" noMove="1" noResize="1" noEditPoints="1" noAdjustHandles="1" noChangeArrowheads="1" noChangeShapeType="1" noTextEdit="1"/>
+          </p:cNvSpPr>
+          <p:nvPr>
+            <p:extLst>
+              <p:ext uri="{386F3935-93C4-4BCD-93E2-E3B085C9AB24}">
+                <p16:designElem xmlns:p16="http://schemas.microsoft.com/office/powerpoint/2015/main" val="1"/>
+              </p:ext>
+            </p:extLst>
+          </p:nvPr>
+        </p:nvSpPr>
+        <p:spPr>
+          <a:xfrm rot="2700000">
+            <a:off x="101632" y="996662"/>
+            <a:ext cx="4864676" cy="4864676"/>
+          </a:xfrm>
+          <a:custGeom>
+            <a:avLst/>
+            <a:gdLst>
+              <a:gd name="connsiteX0" fmla="*/ 0 w 4864676"/>
+              <a:gd name="connsiteY0" fmla="*/ 0 h 4864676"/>
+              <a:gd name="connsiteX1" fmla="*/ 4864676 w 4864676"/>
+              <a:gd name="connsiteY1" fmla="*/ 0 h 4864676"/>
+              <a:gd name="connsiteX2" fmla="*/ 4864676 w 4864676"/>
+              <a:gd name="connsiteY2" fmla="*/ 4864676 h 4864676"/>
+              <a:gd name="connsiteX3" fmla="*/ 1281101 w 4864676"/>
+              <a:gd name="connsiteY3" fmla="*/ 4864676 h 4864676"/>
+              <a:gd name="connsiteX4" fmla="*/ 0 w 4864676"/>
+              <a:gd name="connsiteY4" fmla="*/ 3583575 h 4864676"/>
+            </a:gdLst>
+            <a:ahLst/>
+            <a:cxnLst>
+              <a:cxn ang="0">
+                <a:pos x="connsiteX0" y="connsiteY0"/>
+              </a:cxn>
+              <a:cxn ang="0">
+                <a:pos x="connsiteX1" y="connsiteY1"/>
+              </a:cxn>
+              <a:cxn ang="0">
+                <a:pos x="connsiteX2" y="connsiteY2"/>
+              </a:cxn>
+              <a:cxn ang="0">
+                <a:pos x="connsiteX3" y="connsiteY3"/>
+              </a:cxn>
+              <a:cxn ang="0">
+                <a:pos x="connsiteX4" y="connsiteY4"/>
+              </a:cxn>
+            </a:cxnLst>
+            <a:rect l="l" t="t" r="r" b="b"/>
+            <a:pathLst>
+              <a:path w="4864676" h="4864676">
+                <a:moveTo>
+                  <a:pt x="0" y="0"/>
+                </a:moveTo>
+                <a:lnTo>
+                  <a:pt x="4864676" y="0"/>
+                </a:lnTo>
+                <a:lnTo>
+                  <a:pt x="4864676" y="4864676"/>
+                </a:lnTo>
+                <a:lnTo>
+                  <a:pt x="1281101" y="4864676"/>
+                </a:lnTo>
+                <a:lnTo>
+                  <a:pt x="0" y="3583575"/>
+                </a:lnTo>
+                <a:close/>
+              </a:path>
+            </a:pathLst>
+          </a:custGeom>
+          <a:solidFill>
+            <a:schemeClr val="accent1">
+              <a:alpha val="30000"/>
+            </a:schemeClr>
+          </a:solidFill>
+          <a:ln>
+            <a:noFill/>
+          </a:ln>
+        </p:spPr>
+        <p:style>
+          <a:lnRef idx="2">
+            <a:schemeClr val="accent1">
+              <a:shade val="50000"/>
+            </a:schemeClr>
+          </a:lnRef>
+          <a:fillRef idx="1">
+            <a:schemeClr val="accent1"/>
+          </a:fillRef>
+          <a:effectRef idx="0">
+            <a:schemeClr val="accent1"/>
+          </a:effectRef>
+          <a:fontRef idx="minor">
+            <a:schemeClr val="lt1"/>
+          </a:fontRef>
+        </p:style>
+        <p:txBody>
+          <a:bodyPr wrap="square" rtlCol="0" anchor="ctr">
+            <a:noAutofit/>
+          </a:bodyPr>
+          <a:lstStyle/>
+          <a:p>
+            <a:pPr algn="ctr"/>
+            <a:endParaRPr lang="en-US" dirty="0"/>
+          </a:p>
+        </p:txBody>
+      </p:sp>
+      <p:sp>
+        <p:nvSpPr>
+          <p:cNvPr id="106" name="Freeform: Shape 105">
+            <a:extLst>
+              <a:ext uri="{FF2B5EF4-FFF2-40B4-BE49-F238E27FC236}">
+                <a16:creationId xmlns:a16="http://schemas.microsoft.com/office/drawing/2014/main" id="{484A22B8-F5B6-47C2-B88E-DADAF379130D}"/>
+              </a:ext>
+              <a:ext uri="{C183D7F6-B498-43B3-948B-1728B52AA6E4}">
+                <adec:decorative xmlns:adec="http://schemas.microsoft.com/office/drawing/2017/decorative" val="1"/>
+              </a:ext>
+            </a:extLst>
+          </p:cNvPr>
+          <p:cNvSpPr>
+            <a:spLocks noGrp="1" noRot="1" noChangeAspect="1" noMove="1" noResize="1" noEditPoints="1" noAdjustHandles="1" noChangeArrowheads="1" noChangeShapeType="1" noTextEdit="1"/>
+          </p:cNvSpPr>
+          <p:nvPr>
+            <p:extLst>
+              <p:ext uri="{386F3935-93C4-4BCD-93E2-E3B085C9AB24}">
+                <p16:designElem xmlns:p16="http://schemas.microsoft.com/office/powerpoint/2015/main" val="1"/>
+              </p:ext>
+            </p:extLst>
+          </p:nvPr>
+        </p:nvSpPr>
+        <p:spPr>
+          <a:xfrm rot="2700000">
+            <a:off x="7225693" y="996662"/>
+            <a:ext cx="4864676" cy="4864676"/>
+          </a:xfrm>
+          <a:custGeom>
+            <a:avLst/>
+            <a:gdLst>
+              <a:gd name="connsiteX0" fmla="*/ 0 w 4864676"/>
+              <a:gd name="connsiteY0" fmla="*/ 0 h 4864676"/>
+              <a:gd name="connsiteX1" fmla="*/ 3583574 w 4864676"/>
+              <a:gd name="connsiteY1" fmla="*/ 0 h 4864676"/>
+              <a:gd name="connsiteX2" fmla="*/ 4864676 w 4864676"/>
+              <a:gd name="connsiteY2" fmla="*/ 1281103 h 4864676"/>
+              <a:gd name="connsiteX3" fmla="*/ 4864676 w 4864676"/>
+              <a:gd name="connsiteY3" fmla="*/ 4864676 h 4864676"/>
+              <a:gd name="connsiteX4" fmla="*/ 0 w 4864676"/>
+              <a:gd name="connsiteY4" fmla="*/ 4864676 h 4864676"/>
+            </a:gdLst>
+            <a:ahLst/>
+            <a:cxnLst>
+              <a:cxn ang="0">
+                <a:pos x="connsiteX0" y="connsiteY0"/>
+              </a:cxn>
+              <a:cxn ang="0">
+                <a:pos x="connsiteX1" y="connsiteY1"/>
+              </a:cxn>
+              <a:cxn ang="0">
+                <a:pos x="connsiteX2" y="connsiteY2"/>
+              </a:cxn>
+              <a:cxn ang="0">
+                <a:pos x="connsiteX3" y="connsiteY3"/>
+              </a:cxn>
+              <a:cxn ang="0">
+                <a:pos x="connsiteX4" y="connsiteY4"/>
+              </a:cxn>
+            </a:cxnLst>
+            <a:rect l="l" t="t" r="r" b="b"/>
+            <a:pathLst>
+              <a:path w="4864676" h="4864676">
+                <a:moveTo>
+                  <a:pt x="0" y="0"/>
+                </a:moveTo>
+                <a:lnTo>
+                  <a:pt x="3583574" y="0"/>
+                </a:lnTo>
+                <a:lnTo>
+                  <a:pt x="4864676" y="1281103"/>
+                </a:lnTo>
+                <a:lnTo>
+                  <a:pt x="4864676" y="4864676"/>
+                </a:lnTo>
+                <a:lnTo>
+                  <a:pt x="0" y="4864676"/>
+                </a:lnTo>
+                <a:close/>
+              </a:path>
+            </a:pathLst>
+          </a:custGeom>
+          <a:solidFill>
+            <a:schemeClr val="accent1">
+              <a:alpha val="30000"/>
+            </a:schemeClr>
+          </a:solidFill>
+          <a:ln>
+            <a:noFill/>
+          </a:ln>
+        </p:spPr>
+        <p:style>
+          <a:lnRef idx="2">
+            <a:schemeClr val="accent1">
+              <a:shade val="50000"/>
+            </a:schemeClr>
+          </a:lnRef>
+          <a:fillRef idx="1">
+            <a:schemeClr val="accent1"/>
+          </a:fillRef>
+          <a:effectRef idx="0">
+            <a:schemeClr val="accent1"/>
+          </a:effectRef>
+          <a:fontRef idx="minor">
+            <a:schemeClr val="lt1"/>
+          </a:fontRef>
+        </p:style>
+        <p:txBody>
+          <a:bodyPr wrap="square" rtlCol="0" anchor="ctr">
+            <a:noAutofit/>
+          </a:bodyPr>
+          <a:lstStyle/>
+          <a:p>
+            <a:pPr algn="ctr"/>
+            <a:endParaRPr lang="en-US" dirty="0"/>
+          </a:p>
+        </p:txBody>
+      </p:sp>
+      <p:sp>
+        <p:nvSpPr>
+          <p:cNvPr id="108" name="Isosceles Triangle 107">
+            <a:extLst>
+              <a:ext uri="{FF2B5EF4-FFF2-40B4-BE49-F238E27FC236}">
+                <a16:creationId xmlns:a16="http://schemas.microsoft.com/office/drawing/2014/main" id="{A987C18C-164D-4263-B486-4647A98E888E}"/>
+              </a:ext>
+              <a:ext uri="{C183D7F6-B498-43B3-948B-1728B52AA6E4}">
+                <adec:decorative xmlns:adec="http://schemas.microsoft.com/office/drawing/2017/decorative" val="1"/>
+              </a:ext>
+            </a:extLst>
+          </p:cNvPr>
+          <p:cNvSpPr>
+            <a:spLocks noGrp="1" noRot="1" noChangeAspect="1" noMove="1" noResize="1" noEditPoints="1" noAdjustHandles="1" noChangeArrowheads="1" noChangeShapeType="1" noTextEdit="1"/>
+          </p:cNvSpPr>
+          <p:nvPr>
+            <p:extLst>
+              <p:ext uri="{386F3935-93C4-4BCD-93E2-E3B085C9AB24}">
+                <p16:designElem xmlns:p16="http://schemas.microsoft.com/office/powerpoint/2015/main" val="1"/>
+              </p:ext>
+            </p:extLst>
+          </p:nvPr>
+        </p:nvSpPr>
+        <p:spPr>
+          <a:xfrm rot="10800000">
+            <a:off x="2789020" y="1"/>
+            <a:ext cx="6613961" cy="3286380"/>
+          </a:xfrm>
+          <a:prstGeom prst="triangle">
+            <a:avLst/>
+          </a:prstGeom>
+          <a:solidFill>
+            <a:schemeClr val="accent4">
+              <a:alpha val="30000"/>
+            </a:schemeClr>
+          </a:solidFill>
+          <a:ln>
+            <a:noFill/>
+          </a:ln>
+        </p:spPr>
+        <p:style>
+          <a:lnRef idx="2">
+            <a:schemeClr val="accent1">
+              <a:shade val="50000"/>
+            </a:schemeClr>
+          </a:lnRef>
+          <a:fillRef idx="1">
+            <a:schemeClr val="accent1"/>
+          </a:fillRef>
+          <a:effectRef idx="0">
+            <a:schemeClr val="accent1"/>
+          </a:effectRef>
+          <a:fontRef idx="minor">
+            <a:schemeClr val="lt1"/>
+          </a:fontRef>
+        </p:style>
+        <p:txBody>
+          <a:bodyPr rtlCol="0" anchor="ctr"/>
+          <a:lstStyle/>
+          <a:p>
+            <a:pPr algn="ctr"/>
+            <a:endParaRPr lang="en-US" dirty="0"/>
+          </a:p>
+        </p:txBody>
+      </p:sp>
+      <p:sp>
+        <p:nvSpPr>
+          <p:cNvPr id="110" name="Isosceles Triangle 109">
+            <a:extLst>
+              <a:ext uri="{FF2B5EF4-FFF2-40B4-BE49-F238E27FC236}">
+                <a16:creationId xmlns:a16="http://schemas.microsoft.com/office/drawing/2014/main" id="{E7E98B39-04C6-408B-92FD-76862874063D}"/>
+              </a:ext>
+              <a:ext uri="{C183D7F6-B498-43B3-948B-1728B52AA6E4}">
+                <adec:decorative xmlns:adec="http://schemas.microsoft.com/office/drawing/2017/decorative" val="1"/>
+              </a:ext>
+            </a:extLst>
+          </p:cNvPr>
+          <p:cNvSpPr>
+            <a:spLocks noGrp="1" noRot="1" noChangeAspect="1" noMove="1" noResize="1" noEditPoints="1" noAdjustHandles="1" noChangeArrowheads="1" noChangeShapeType="1" noTextEdit="1"/>
+          </p:cNvSpPr>
+          <p:nvPr>
+            <p:extLst>
+              <p:ext uri="{386F3935-93C4-4BCD-93E2-E3B085C9AB24}">
+                <p16:designElem xmlns:p16="http://schemas.microsoft.com/office/powerpoint/2015/main" val="1"/>
+              </p:ext>
+            </p:extLst>
+          </p:nvPr>
+        </p:nvSpPr>
+        <p:spPr>
+          <a:xfrm>
+            <a:off x="2809286" y="3571620"/>
+            <a:ext cx="6613961" cy="3286380"/>
+          </a:xfrm>
+          <a:prstGeom prst="triangle">
+            <a:avLst/>
+          </a:prstGeom>
+          <a:solidFill>
+            <a:schemeClr val="accent4">
+              <a:alpha val="30000"/>
+            </a:schemeClr>
+          </a:solidFill>
+          <a:ln>
+            <a:noFill/>
+          </a:ln>
+        </p:spPr>
+        <p:style>
+          <a:lnRef idx="2">
+            <a:schemeClr val="accent1">
+              <a:shade val="50000"/>
+            </a:schemeClr>
+          </a:lnRef>
+          <a:fillRef idx="1">
+            <a:schemeClr val="accent1"/>
+          </a:fillRef>
+          <a:effectRef idx="0">
+            <a:schemeClr val="accent1"/>
+          </a:effectRef>
+          <a:fontRef idx="minor">
+            <a:schemeClr val="lt1"/>
+          </a:fontRef>
+        </p:style>
+        <p:txBody>
+          <a:bodyPr rtlCol="0" anchor="ctr"/>
+          <a:lstStyle/>
+          <a:p>
+            <a:pPr algn="ctr"/>
+            <a:endParaRPr lang="en-US" dirty="0"/>
+          </a:p>
+        </p:txBody>
+      </p:sp>
+      <p:sp>
+        <p:nvSpPr>
+          <p:cNvPr id="112" name="Freeform: Shape 111">
+            <a:extLst>
+              <a:ext uri="{FF2B5EF4-FFF2-40B4-BE49-F238E27FC236}">
+                <a16:creationId xmlns:a16="http://schemas.microsoft.com/office/drawing/2014/main" id="{981C8C27-2457-421F-BDC4-7B4EA3C78286}"/>
+              </a:ext>
+              <a:ext uri="{C183D7F6-B498-43B3-948B-1728B52AA6E4}">
+                <adec:decorative xmlns:adec="http://schemas.microsoft.com/office/drawing/2017/decorative" val="1"/>
+              </a:ext>
+            </a:extLst>
+          </p:cNvPr>
+          <p:cNvSpPr>
+            <a:spLocks noGrp="1" noRot="1" noChangeAspect="1" noMove="1" noResize="1" noEditPoints="1" noAdjustHandles="1" noChangeArrowheads="1" noChangeShapeType="1" noTextEdit="1"/>
+          </p:cNvSpPr>
+          <p:nvPr>
+            <p:extLst>
+              <p:ext uri="{386F3935-93C4-4BCD-93E2-E3B085C9AB24}">
+                <p16:designElem xmlns:p16="http://schemas.microsoft.com/office/powerpoint/2015/main" val="1"/>
+              </p:ext>
+            </p:extLst>
+          </p:nvPr>
+        </p:nvSpPr>
+        <p:spPr>
+          <a:xfrm rot="2700000">
+            <a:off x="3401311" y="734311"/>
+            <a:ext cx="5389379" cy="5389379"/>
+          </a:xfrm>
+          <a:custGeom>
+            <a:avLst/>
+            <a:gdLst>
+              <a:gd name="connsiteX0" fmla="*/ 0 w 5389379"/>
+              <a:gd name="connsiteY0" fmla="*/ 540040 h 5389379"/>
+              <a:gd name="connsiteX1" fmla="*/ 540040 w 5389379"/>
+              <a:gd name="connsiteY1" fmla="*/ 0 h 5389379"/>
+              <a:gd name="connsiteX2" fmla="*/ 5389379 w 5389379"/>
+              <a:gd name="connsiteY2" fmla="*/ 0 h 5389379"/>
+              <a:gd name="connsiteX3" fmla="*/ 5389379 w 5389379"/>
+              <a:gd name="connsiteY3" fmla="*/ 4838655 h 5389379"/>
+              <a:gd name="connsiteX4" fmla="*/ 4838655 w 5389379"/>
+              <a:gd name="connsiteY4" fmla="*/ 5389379 h 5389379"/>
+              <a:gd name="connsiteX5" fmla="*/ 0 w 5389379"/>
+              <a:gd name="connsiteY5" fmla="*/ 5389379 h 5389379"/>
+            </a:gdLst>
+            <a:ahLst/>
+            <a:cxnLst>
+              <a:cxn ang="0">
+                <a:pos x="connsiteX0" y="connsiteY0"/>
+              </a:cxn>
+              <a:cxn ang="0">
+                <a:pos x="connsiteX1" y="connsiteY1"/>
+              </a:cxn>
+              <a:cxn ang="0">
+                <a:pos x="connsiteX2" y="connsiteY2"/>
+              </a:cxn>
+              <a:cxn ang="0">
+                <a:pos x="connsiteX3" y="connsiteY3"/>
+              </a:cxn>
+              <a:cxn ang="0">
+                <a:pos x="connsiteX4" y="connsiteY4"/>
+              </a:cxn>
+              <a:cxn ang="0">
+                <a:pos x="connsiteX5" y="connsiteY5"/>
+              </a:cxn>
+            </a:cxnLst>
+            <a:rect l="l" t="t" r="r" b="b"/>
+            <a:pathLst>
+              <a:path w="5389379" h="5389379">
+                <a:moveTo>
+                  <a:pt x="0" y="540040"/>
+                </a:moveTo>
+                <a:lnTo>
+                  <a:pt x="540040" y="0"/>
+                </a:lnTo>
+                <a:lnTo>
+                  <a:pt x="5389379" y="0"/>
+                </a:lnTo>
+                <a:lnTo>
+                  <a:pt x="5389379" y="4838655"/>
+                </a:lnTo>
+                <a:lnTo>
+                  <a:pt x="4838655" y="5389379"/>
+                </a:lnTo>
+                <a:lnTo>
+                  <a:pt x="0" y="5389379"/>
+                </a:lnTo>
+                <a:close/>
+              </a:path>
+            </a:pathLst>
+          </a:custGeom>
+          <a:solidFill>
+            <a:srgbClr val="FFFFFF"/>
+          </a:solidFill>
+          <a:ln>
+            <a:noFill/>
+          </a:ln>
+        </p:spPr>
+        <p:style>
+          <a:lnRef idx="2">
+            <a:schemeClr val="accent1">
+              <a:shade val="50000"/>
+            </a:schemeClr>
+          </a:lnRef>
+          <a:fillRef idx="1">
+            <a:schemeClr val="accent1"/>
+          </a:fillRef>
+          <a:effectRef idx="0">
+            <a:schemeClr val="accent1"/>
+          </a:effectRef>
+          <a:fontRef idx="minor">
+            <a:schemeClr val="lt1"/>
+          </a:fontRef>
+        </p:style>
+        <p:txBody>
+          <a:bodyPr wrap="square" rtlCol="0" anchor="ctr">
+            <a:noAutofit/>
+          </a:bodyPr>
+          <a:lstStyle/>
+          <a:p>
+            <a:pPr algn="ctr"/>
+            <a:endParaRPr lang="en-US" dirty="0"/>
+          </a:p>
+        </p:txBody>
+      </p:sp>
+      <p:sp>
+        <p:nvSpPr>
+          <p:cNvPr id="114" name="Rectangle 113">
+            <a:extLst>
+              <a:ext uri="{FF2B5EF4-FFF2-40B4-BE49-F238E27FC236}">
+                <a16:creationId xmlns:a16="http://schemas.microsoft.com/office/drawing/2014/main" id="{CEA13C66-82C1-44AF-972B-8F5CCA41B6D9}"/>
+              </a:ext>
+              <a:ext uri="{C183D7F6-B498-43B3-948B-1728B52AA6E4}">
+                <adec:decorative xmlns:adec="http://schemas.microsoft.com/office/drawing/2017/decorative" val="1"/>
+              </a:ext>
+            </a:extLst>
+          </p:cNvPr>
+          <p:cNvSpPr>
+            <a:spLocks noGrp="1" noRot="1" noChangeAspect="1" noMove="1" noResize="1" noEditPoints="1" noAdjustHandles="1" noChangeArrowheads="1" noChangeShapeType="1" noTextEdit="1"/>
+          </p:cNvSpPr>
+          <p:nvPr>
+            <p:extLst>
+              <p:ext uri="{386F3935-93C4-4BCD-93E2-E3B085C9AB24}">
+                <p16:designElem xmlns:p16="http://schemas.microsoft.com/office/powerpoint/2015/main" val="1"/>
+              </p:ext>
+            </p:extLst>
+          </p:nvPr>
+        </p:nvSpPr>
+        <p:spPr>
+          <a:xfrm rot="2700000">
+            <a:off x="10271208" y="5287803"/>
+            <a:ext cx="955808" cy="955808"/>
+          </a:xfrm>
+          <a:prstGeom prst="rect">
+            <a:avLst/>
+          </a:prstGeom>
+          <a:solidFill>
+            <a:schemeClr val="accent1">
+              <a:alpha val="30000"/>
+            </a:schemeClr>
+          </a:solidFill>
+          <a:ln>
+            <a:noFill/>
+          </a:ln>
+        </p:spPr>
+        <p:style>
+          <a:lnRef idx="2">
+            <a:schemeClr val="accent1">
+              <a:shade val="50000"/>
+            </a:schemeClr>
+          </a:lnRef>
+          <a:fillRef idx="1">
+            <a:schemeClr val="accent1"/>
+          </a:fillRef>
+          <a:effectRef idx="0">
+            <a:schemeClr val="accent1"/>
+          </a:effectRef>
+          <a:fontRef idx="minor">
+            <a:schemeClr val="lt1"/>
+          </a:fontRef>
+        </p:style>
+        <p:txBody>
+          <a:bodyPr wrap="square" rtlCol="0" anchor="ctr">
+            <a:noAutofit/>
+          </a:bodyPr>
+          <a:lstStyle/>
+          <a:p>
+            <a:pPr algn="ctr"/>
+            <a:endParaRPr lang="en-US" dirty="0"/>
+          </a:p>
+        </p:txBody>
+      </p:sp>
+      <p:sp>
+        <p:nvSpPr>
+          <p:cNvPr id="116" name="Freeform: Shape 115">
+            <a:extLst>
+              <a:ext uri="{FF2B5EF4-FFF2-40B4-BE49-F238E27FC236}">
+                <a16:creationId xmlns:a16="http://schemas.microsoft.com/office/drawing/2014/main" id="{9DB36437-FE59-457E-91A7-396BBD3C9C6A}"/>
+              </a:ext>
+              <a:ext uri="{C183D7F6-B498-43B3-948B-1728B52AA6E4}">
+                <adec:decorative xmlns:adec="http://schemas.microsoft.com/office/drawing/2017/decorative" val="1"/>
+              </a:ext>
+            </a:extLst>
+          </p:cNvPr>
+          <p:cNvSpPr>
+            <a:spLocks noGrp="1" noRot="1" noChangeAspect="1" noMove="1" noResize="1" noEditPoints="1" noAdjustHandles="1" noChangeArrowheads="1" noChangeShapeType="1" noTextEdit="1"/>
+          </p:cNvSpPr>
+          <p:nvPr>
+            <p:extLst>
+              <p:ext uri="{386F3935-93C4-4BCD-93E2-E3B085C9AB24}">
+                <p16:designElem xmlns:p16="http://schemas.microsoft.com/office/powerpoint/2015/main" val="1"/>
+              </p:ext>
+            </p:extLst>
+          </p:nvPr>
+        </p:nvSpPr>
+        <p:spPr>
+          <a:xfrm rot="2700000">
+            <a:off x="2700283" y="33283"/>
+            <a:ext cx="6791435" cy="6791435"/>
+          </a:xfrm>
+          <a:custGeom>
+            <a:avLst/>
+            <a:gdLst>
+              <a:gd name="connsiteX0" fmla="*/ 1860938 w 6791435"/>
+              <a:gd name="connsiteY0" fmla="*/ 81158 h 6791435"/>
+              <a:gd name="connsiteX1" fmla="*/ 1942096 w 6791435"/>
+              <a:gd name="connsiteY1" fmla="*/ 0 h 6791435"/>
+              <a:gd name="connsiteX2" fmla="*/ 6791435 w 6791435"/>
+              <a:gd name="connsiteY2" fmla="*/ 0 h 6791435"/>
+              <a:gd name="connsiteX3" fmla="*/ 6791435 w 6791435"/>
+              <a:gd name="connsiteY3" fmla="*/ 4838655 h 6791435"/>
+              <a:gd name="connsiteX4" fmla="*/ 6710277 w 6791435"/>
+              <a:gd name="connsiteY4" fmla="*/ 4919813 h 6791435"/>
+              <a:gd name="connsiteX5" fmla="*/ 6710277 w 6791435"/>
+              <a:gd name="connsiteY5" fmla="*/ 81158 h 6791435"/>
+              <a:gd name="connsiteX6" fmla="*/ 0 w 6791435"/>
+              <a:gd name="connsiteY6" fmla="*/ 1942096 h 6791435"/>
+              <a:gd name="connsiteX7" fmla="*/ 81158 w 6791435"/>
+              <a:gd name="connsiteY7" fmla="*/ 1860938 h 6791435"/>
+              <a:gd name="connsiteX8" fmla="*/ 81158 w 6791435"/>
+              <a:gd name="connsiteY8" fmla="*/ 6710277 h 6791435"/>
+              <a:gd name="connsiteX9" fmla="*/ 4919813 w 6791435"/>
+              <a:gd name="connsiteY9" fmla="*/ 6710277 h 6791435"/>
+              <a:gd name="connsiteX10" fmla="*/ 4838655 w 6791435"/>
+              <a:gd name="connsiteY10" fmla="*/ 6791435 h 6791435"/>
+              <a:gd name="connsiteX11" fmla="*/ 0 w 6791435"/>
+              <a:gd name="connsiteY11" fmla="*/ 6791435 h 6791435"/>
+            </a:gdLst>
+            <a:ahLst/>
+            <a:cxnLst>
+              <a:cxn ang="0">
+                <a:pos x="connsiteX0" y="connsiteY0"/>
+              </a:cxn>
+              <a:cxn ang="0">
+                <a:pos x="connsiteX1" y="connsiteY1"/>
+              </a:cxn>
+              <a:cxn ang="0">
+                <a:pos x="connsiteX2" y="connsiteY2"/>
+              </a:cxn>
+              <a:cxn ang="0">
+                <a:pos x="connsiteX3" y="connsiteY3"/>
+              </a:cxn>
+              <a:cxn ang="0">
+                <a:pos x="connsiteX4" y="connsiteY4"/>
+              </a:cxn>
+              <a:cxn ang="0">
+                <a:pos x="connsiteX5" y="connsiteY5"/>
+              </a:cxn>
+              <a:cxn ang="0">
+                <a:pos x="connsiteX6" y="connsiteY6"/>
+              </a:cxn>
+              <a:cxn ang="0">
+                <a:pos x="connsiteX7" y="connsiteY7"/>
+              </a:cxn>
+              <a:cxn ang="0">
+                <a:pos x="connsiteX8" y="connsiteY8"/>
+              </a:cxn>
+              <a:cxn ang="0">
+                <a:pos x="connsiteX9" y="connsiteY9"/>
+              </a:cxn>
+              <a:cxn ang="0">
+                <a:pos x="connsiteX10" y="connsiteY10"/>
+              </a:cxn>
+              <a:cxn ang="0">
+                <a:pos x="connsiteX11" y="connsiteY11"/>
+              </a:cxn>
+            </a:cxnLst>
+            <a:rect l="l" t="t" r="r" b="b"/>
+            <a:pathLst>
+              <a:path w="6791435" h="6791435">
+                <a:moveTo>
+                  <a:pt x="1860938" y="81158"/>
+                </a:moveTo>
+                <a:lnTo>
+                  <a:pt x="1942096" y="0"/>
+                </a:lnTo>
+                <a:lnTo>
+                  <a:pt x="6791435" y="0"/>
+                </a:lnTo>
+                <a:lnTo>
+                  <a:pt x="6791435" y="4838655"/>
+                </a:lnTo>
+                <a:lnTo>
+                  <a:pt x="6710277" y="4919813"/>
+                </a:lnTo>
+                <a:lnTo>
+                  <a:pt x="6710277" y="81158"/>
+                </a:lnTo>
+                <a:close/>
+                <a:moveTo>
+                  <a:pt x="0" y="1942096"/>
+                </a:moveTo>
+                <a:lnTo>
+                  <a:pt x="81158" y="1860938"/>
+                </a:lnTo>
+                <a:lnTo>
+                  <a:pt x="81158" y="6710277"/>
+                </a:lnTo>
+                <a:lnTo>
+                  <a:pt x="4919813" y="6710277"/>
+                </a:lnTo>
+                <a:lnTo>
+                  <a:pt x="4838655" y="6791435"/>
+                </a:lnTo>
+                <a:lnTo>
+                  <a:pt x="0" y="6791435"/>
+                </a:lnTo>
+                <a:close/>
+              </a:path>
+            </a:pathLst>
+          </a:custGeom>
+          <a:solidFill>
+            <a:srgbClr val="FFFFFF">
+              <a:alpha val="60000"/>
+            </a:srgbClr>
+          </a:solidFill>
+          <a:ln>
+            <a:noFill/>
+          </a:ln>
+        </p:spPr>
+        <p:style>
+          <a:lnRef idx="2">
+            <a:schemeClr val="accent1">
+              <a:shade val="50000"/>
+            </a:schemeClr>
+          </a:lnRef>
+          <a:fillRef idx="1">
+            <a:schemeClr val="accent1"/>
+          </a:fillRef>
+          <a:effectRef idx="0">
+            <a:schemeClr val="accent1"/>
+          </a:effectRef>
+          <a:fontRef idx="minor">
+            <a:schemeClr val="lt1"/>
+          </a:fontRef>
+        </p:style>
+        <p:txBody>
+          <a:bodyPr wrap="square" rtlCol="0" anchor="ctr">
+            <a:noAutofit/>
+          </a:bodyPr>
+          <a:lstStyle/>
+          <a:p>
+            <a:pPr algn="ctr"/>
+            <a:endParaRPr lang="en-US" dirty="0">
               <a:solidFill>
-                <a:prstClr val="white"/>
+                <a:schemeClr val="tx1"/>
               </a:solidFill>
-              <a:effectLst/>
-              <a:uLnTx/>
-              <a:uFillTx/>
-              <a:latin typeface="Calibri" panose="020F0502020204030204"/>
-              <a:ea typeface="+mn-ea"/>
-              <a:cs typeface="+mn-cs"/>
             </a:endParaRPr>
+          </a:p>
+        </p:txBody>
+      </p:sp>
+      <p:sp>
+        <p:nvSpPr>
+          <p:cNvPr id="2" name="Titolo 1">
+            <a:extLst>
+              <a:ext uri="{FF2B5EF4-FFF2-40B4-BE49-F238E27FC236}">
+                <a16:creationId xmlns:a16="http://schemas.microsoft.com/office/drawing/2014/main" id="{003D0494-4B78-A548-B7FD-5C28A8CF744F}"/>
+              </a:ext>
+            </a:extLst>
+          </p:cNvPr>
+          <p:cNvSpPr>
+            <a:spLocks noGrp="1"/>
+          </p:cNvSpPr>
+          <p:nvPr>
+            <p:ph type="ctrTitle"/>
+          </p:nvPr>
+        </p:nvSpPr>
+        <p:spPr>
+          <a:xfrm>
+            <a:off x="3204642" y="2353641"/>
+            <a:ext cx="5782716" cy="2150719"/>
+          </a:xfrm>
+          <a:noFill/>
+        </p:spPr>
+        <p:txBody>
+          <a:bodyPr anchor="ctr">
+            <a:normAutofit/>
+          </a:bodyPr>
+          <a:lstStyle/>
+          <a:p>
+            <a:r>
+              <a:rPr lang="it-IT" sz="3600" b="1" dirty="0">
+                <a:solidFill>
+                  <a:srgbClr val="080808"/>
+                </a:solidFill>
+              </a:rPr>
+              <a:t>Cloud Computing Project Presentation</a:t>
+            </a:r>
+          </a:p>
+        </p:txBody>
+      </p:sp>
+      <p:sp>
+        <p:nvSpPr>
+          <p:cNvPr id="3" name="Sottotitolo 2">
+            <a:extLst>
+              <a:ext uri="{FF2B5EF4-FFF2-40B4-BE49-F238E27FC236}">
+                <a16:creationId xmlns:a16="http://schemas.microsoft.com/office/drawing/2014/main" id="{93CE895F-5A6A-444E-852F-4708C80AFC71}"/>
+              </a:ext>
+            </a:extLst>
+          </p:cNvPr>
+          <p:cNvSpPr>
+            <a:spLocks noGrp="1"/>
+          </p:cNvSpPr>
+          <p:nvPr>
+            <p:ph type="subTitle" idx="1"/>
+          </p:nvPr>
+        </p:nvSpPr>
+        <p:spPr>
+          <a:xfrm>
+            <a:off x="4439633" y="4518923"/>
+            <a:ext cx="3312734" cy="1141851"/>
+          </a:xfrm>
+          <a:noFill/>
+        </p:spPr>
+        <p:txBody>
+          <a:bodyPr>
+            <a:normAutofit/>
+          </a:bodyPr>
+          <a:lstStyle/>
+          <a:p>
+            <a:r>
+              <a:rPr lang="it-IT" sz="1900" dirty="0">
+                <a:solidFill>
+                  <a:srgbClr val="080808"/>
+                </a:solidFill>
+              </a:rPr>
+              <a:t>Alessandro Madonna, Francesco </a:t>
+            </a:r>
+            <a:r>
+              <a:rPr lang="it-IT" sz="1900" dirty="0" err="1">
+                <a:solidFill>
+                  <a:srgbClr val="080808"/>
+                </a:solidFill>
+              </a:rPr>
+              <a:t>Ronchieri</a:t>
+            </a:r>
+            <a:r>
+              <a:rPr lang="it-IT" sz="1900" dirty="0">
+                <a:solidFill>
+                  <a:srgbClr val="080808"/>
+                </a:solidFill>
+              </a:rPr>
+              <a:t>, Andrea Klaus </a:t>
+            </a:r>
+            <a:r>
+              <a:rPr lang="it-IT" sz="1900" dirty="0" err="1">
+                <a:solidFill>
+                  <a:srgbClr val="080808"/>
+                </a:solidFill>
+              </a:rPr>
+              <a:t>Tubak</a:t>
+            </a:r>
+            <a:r>
+              <a:rPr lang="it-IT" sz="1900" dirty="0">
+                <a:solidFill>
+                  <a:srgbClr val="080808"/>
+                </a:solidFill>
+              </a:rPr>
+              <a:t>, Stefano Petrocchi</a:t>
+            </a:r>
+          </a:p>
+        </p:txBody>
+      </p:sp>
+      <p:sp>
+        <p:nvSpPr>
+          <p:cNvPr id="118" name="Rectangle 117">
+            <a:extLst>
+              <a:ext uri="{FF2B5EF4-FFF2-40B4-BE49-F238E27FC236}">
+                <a16:creationId xmlns:a16="http://schemas.microsoft.com/office/drawing/2014/main" id="{844D3693-2EFE-4667-89D5-47E2D5920912}"/>
+              </a:ext>
+              <a:ext uri="{C183D7F6-B498-43B3-948B-1728B52AA6E4}">
+                <adec:decorative xmlns:adec="http://schemas.microsoft.com/office/drawing/2017/decorative" val="1"/>
+              </a:ext>
+            </a:extLst>
+          </p:cNvPr>
+          <p:cNvSpPr>
+            <a:spLocks noGrp="1" noRot="1" noChangeAspect="1" noMove="1" noResize="1" noEditPoints="1" noAdjustHandles="1" noChangeArrowheads="1" noChangeShapeType="1" noTextEdit="1"/>
+          </p:cNvSpPr>
+          <p:nvPr>
+            <p:extLst>
+              <p:ext uri="{386F3935-93C4-4BCD-93E2-E3B085C9AB24}">
+                <p16:designElem xmlns:p16="http://schemas.microsoft.com/office/powerpoint/2015/main" val="1"/>
+              </p:ext>
+            </p:extLst>
+          </p:nvPr>
+        </p:nvSpPr>
+        <p:spPr>
+          <a:xfrm rot="2700000">
+            <a:off x="1042846" y="410171"/>
+            <a:ext cx="1321281" cy="1321281"/>
+          </a:xfrm>
+          <a:prstGeom prst="rect">
+            <a:avLst/>
+          </a:prstGeom>
+          <a:solidFill>
+            <a:schemeClr val="accent4">
+              <a:alpha val="40000"/>
+            </a:schemeClr>
+          </a:solidFill>
+          <a:ln>
+            <a:noFill/>
+          </a:ln>
+        </p:spPr>
+        <p:style>
+          <a:lnRef idx="2">
+            <a:schemeClr val="accent1">
+              <a:shade val="50000"/>
+            </a:schemeClr>
+          </a:lnRef>
+          <a:fillRef idx="1">
+            <a:schemeClr val="accent1"/>
+          </a:fillRef>
+          <a:effectRef idx="0">
+            <a:schemeClr val="accent1"/>
+          </a:effectRef>
+          <a:fontRef idx="minor">
+            <a:schemeClr val="lt1"/>
+          </a:fontRef>
+        </p:style>
+        <p:txBody>
+          <a:bodyPr rtlCol="0" anchor="ctr"/>
+          <a:lstStyle/>
+          <a:p>
+            <a:pPr algn="ctr"/>
+            <a:endParaRPr lang="en-US"/>
+          </a:p>
+        </p:txBody>
+      </p:sp>
+      <p:sp>
+        <p:nvSpPr>
+          <p:cNvPr id="120" name="Rectangle 119">
+            <a:extLst>
+              <a:ext uri="{FF2B5EF4-FFF2-40B4-BE49-F238E27FC236}">
+                <a16:creationId xmlns:a16="http://schemas.microsoft.com/office/drawing/2014/main" id="{C21FD796-9CD0-404D-8DF5-5274C0BCC754}"/>
+              </a:ext>
+              <a:ext uri="{C183D7F6-B498-43B3-948B-1728B52AA6E4}">
+                <adec:decorative xmlns:adec="http://schemas.microsoft.com/office/drawing/2017/decorative" val="1"/>
+              </a:ext>
+            </a:extLst>
+          </p:cNvPr>
+          <p:cNvSpPr>
+            <a:spLocks noGrp="1" noRot="1" noChangeAspect="1" noMove="1" noResize="1" noEditPoints="1" noAdjustHandles="1" noChangeArrowheads="1" noChangeShapeType="1" noTextEdit="1"/>
+          </p:cNvSpPr>
+          <p:nvPr>
+            <p:extLst>
+              <p:ext uri="{386F3935-93C4-4BCD-93E2-E3B085C9AB24}">
+                <p16:designElem xmlns:p16="http://schemas.microsoft.com/office/powerpoint/2015/main" val="1"/>
+              </p:ext>
+            </p:extLst>
+          </p:nvPr>
+        </p:nvSpPr>
+        <p:spPr>
+          <a:xfrm rot="2700000">
+            <a:off x="430319" y="1508609"/>
+            <a:ext cx="700047" cy="700047"/>
+          </a:xfrm>
+          <a:prstGeom prst="rect">
+            <a:avLst/>
+          </a:prstGeom>
+          <a:solidFill>
+            <a:schemeClr val="accent1">
+              <a:alpha val="30000"/>
+            </a:schemeClr>
+          </a:solidFill>
+          <a:ln>
+            <a:noFill/>
+          </a:ln>
+        </p:spPr>
+        <p:style>
+          <a:lnRef idx="2">
+            <a:schemeClr val="accent1">
+              <a:shade val="50000"/>
+            </a:schemeClr>
+          </a:lnRef>
+          <a:fillRef idx="1">
+            <a:schemeClr val="accent1"/>
+          </a:fillRef>
+          <a:effectRef idx="0">
+            <a:schemeClr val="accent1"/>
+          </a:effectRef>
+          <a:fontRef idx="minor">
+            <a:schemeClr val="lt1"/>
+          </a:fontRef>
+        </p:style>
+        <p:txBody>
+          <a:bodyPr wrap="square" rtlCol="0" anchor="ctr">
+            <a:noAutofit/>
+          </a:bodyPr>
+          <a:lstStyle/>
+          <a:p>
+            <a:pPr algn="ctr"/>
+            <a:endParaRPr lang="en-US"/>
           </a:p>
         </p:txBody>
       </p:sp>
@@ -4110,42 +5110,491 @@
       </p:grpSpPr>
       <p:sp>
         <p:nvSpPr>
-          <p:cNvPr id="2" name="Titolo 1">
-            <a:extLst>
-              <a:ext uri="{FF2B5EF4-FFF2-40B4-BE49-F238E27FC236}">
-                <a16:creationId xmlns:a16="http://schemas.microsoft.com/office/drawing/2014/main" id="{FFB9B9F2-07E4-644B-9F4F-BE3FE0CF445B}"/>
-              </a:ext>
-            </a:extLst>
-          </p:cNvPr>
-          <p:cNvSpPr>
-            <a:spLocks noGrp="1"/>
-          </p:cNvSpPr>
-          <p:nvPr>
-            <p:ph type="title"/>
+          <p:cNvPr id="9" name="Rectangle 8">
+            <a:extLst>
+              <a:ext uri="{FF2B5EF4-FFF2-40B4-BE49-F238E27FC236}">
+                <a16:creationId xmlns:a16="http://schemas.microsoft.com/office/drawing/2014/main" id="{F3060C83-F051-4F0E-ABAD-AA0DFC48B218}"/>
+              </a:ext>
+              <a:ext uri="{C183D7F6-B498-43B3-948B-1728B52AA6E4}">
+                <adec:decorative xmlns:adec="http://schemas.microsoft.com/office/drawing/2017/decorative" val="1"/>
+              </a:ext>
+            </a:extLst>
+          </p:cNvPr>
+          <p:cNvSpPr>
+            <a:spLocks noGrp="1" noRot="1" noChangeAspect="1" noMove="1" noResize="1" noEditPoints="1" noAdjustHandles="1" noChangeArrowheads="1" noChangeShapeType="1" noTextEdit="1"/>
+          </p:cNvSpPr>
+          <p:nvPr>
+            <p:extLst>
+              <p:ext uri="{386F3935-93C4-4BCD-93E2-E3B085C9AB24}">
+                <p16:designElem xmlns:p16="http://schemas.microsoft.com/office/powerpoint/2015/main" val="1"/>
+              </p:ext>
+            </p:extLst>
           </p:nvPr>
         </p:nvSpPr>
         <p:spPr>
           <a:xfrm>
-            <a:off x="838200" y="365125"/>
-            <a:ext cx="10515600" cy="1325563"/>
+            <a:off x="0" y="0"/>
+            <a:ext cx="12192000" cy="6858000"/>
           </a:xfrm>
+          <a:prstGeom prst="rect">
+            <a:avLst/>
+          </a:prstGeom>
+          <a:solidFill>
+            <a:schemeClr val="bg1"/>
+          </a:solidFill>
+          <a:ln>
+            <a:noFill/>
+          </a:ln>
         </p:spPr>
-        <p:txBody>
-          <a:bodyPr>
-            <a:normAutofit/>
+        <p:style>
+          <a:lnRef idx="2">
+            <a:schemeClr val="accent1">
+              <a:shade val="50000"/>
+            </a:schemeClr>
+          </a:lnRef>
+          <a:fillRef idx="1">
+            <a:schemeClr val="accent1"/>
+          </a:fillRef>
+          <a:effectRef idx="0">
+            <a:schemeClr val="accent1"/>
+          </a:effectRef>
+          <a:fontRef idx="minor">
+            <a:schemeClr val="lt1"/>
+          </a:fontRef>
+        </p:style>
+        <p:txBody>
+          <a:bodyPr rtlCol="0" anchor="ctr"/>
+          <a:lstStyle/>
+          <a:p>
+            <a:pPr algn="ctr"/>
+            <a:endParaRPr lang="en-US" dirty="0"/>
+          </a:p>
+        </p:txBody>
+      </p:sp>
+      <p:sp>
+        <p:nvSpPr>
+          <p:cNvPr id="11" name="Freeform: Shape 10">
+            <a:extLst>
+              <a:ext uri="{FF2B5EF4-FFF2-40B4-BE49-F238E27FC236}">
+                <a16:creationId xmlns:a16="http://schemas.microsoft.com/office/drawing/2014/main" id="{83C98ABE-055B-441F-B07E-44F97F083C39}"/>
+              </a:ext>
+              <a:ext uri="{C183D7F6-B498-43B3-948B-1728B52AA6E4}">
+                <adec:decorative xmlns:adec="http://schemas.microsoft.com/office/drawing/2017/decorative" val="1"/>
+              </a:ext>
+            </a:extLst>
+          </p:cNvPr>
+          <p:cNvSpPr>
+            <a:spLocks noGrp="1" noRot="1" noChangeAspect="1" noMove="1" noResize="1" noEditPoints="1" noAdjustHandles="1" noChangeArrowheads="1" noChangeShapeType="1" noTextEdit="1"/>
+          </p:cNvSpPr>
+          <p:nvPr>
+            <p:extLst>
+              <p:ext uri="{386F3935-93C4-4BCD-93E2-E3B085C9AB24}">
+                <p16:designElem xmlns:p16="http://schemas.microsoft.com/office/powerpoint/2015/main" val="1"/>
+              </p:ext>
+            </p:extLst>
+          </p:nvPr>
+        </p:nvSpPr>
+        <p:spPr>
+          <a:xfrm rot="18900000" flipH="1">
+            <a:off x="-376156" y="-253670"/>
+            <a:ext cx="1827638" cy="1376989"/>
+          </a:xfrm>
+          <a:custGeom>
+            <a:avLst/>
+            <a:gdLst>
+              <a:gd name="connsiteX0" fmla="*/ 0 w 1827638"/>
+              <a:gd name="connsiteY0" fmla="*/ 987379 h 1376989"/>
+              <a:gd name="connsiteX1" fmla="*/ 987379 w 1827638"/>
+              <a:gd name="connsiteY1" fmla="*/ 0 h 1376989"/>
+              <a:gd name="connsiteX2" fmla="*/ 1827638 w 1827638"/>
+              <a:gd name="connsiteY2" fmla="*/ 840260 h 1376989"/>
+              <a:gd name="connsiteX3" fmla="*/ 1827638 w 1827638"/>
+              <a:gd name="connsiteY3" fmla="*/ 1376989 h 1376989"/>
+              <a:gd name="connsiteX4" fmla="*/ 0 w 1827638"/>
+              <a:gd name="connsiteY4" fmla="*/ 1376989 h 1376989"/>
+            </a:gdLst>
+            <a:ahLst/>
+            <a:cxnLst>
+              <a:cxn ang="0">
+                <a:pos x="connsiteX0" y="connsiteY0"/>
+              </a:cxn>
+              <a:cxn ang="0">
+                <a:pos x="connsiteX1" y="connsiteY1"/>
+              </a:cxn>
+              <a:cxn ang="0">
+                <a:pos x="connsiteX2" y="connsiteY2"/>
+              </a:cxn>
+              <a:cxn ang="0">
+                <a:pos x="connsiteX3" y="connsiteY3"/>
+              </a:cxn>
+              <a:cxn ang="0">
+                <a:pos x="connsiteX4" y="connsiteY4"/>
+              </a:cxn>
+            </a:cxnLst>
+            <a:rect l="l" t="t" r="r" b="b"/>
+            <a:pathLst>
+              <a:path w="1827638" h="1376989">
+                <a:moveTo>
+                  <a:pt x="0" y="987379"/>
+                </a:moveTo>
+                <a:lnTo>
+                  <a:pt x="987379" y="0"/>
+                </a:lnTo>
+                <a:lnTo>
+                  <a:pt x="1827638" y="840260"/>
+                </a:lnTo>
+                <a:lnTo>
+                  <a:pt x="1827638" y="1376989"/>
+                </a:lnTo>
+                <a:lnTo>
+                  <a:pt x="0" y="1376989"/>
+                </a:lnTo>
+                <a:close/>
+              </a:path>
+            </a:pathLst>
+          </a:custGeom>
+          <a:solidFill>
+            <a:schemeClr val="accent1">
+              <a:alpha val="30000"/>
+            </a:schemeClr>
+          </a:solidFill>
+          <a:ln>
+            <a:noFill/>
+          </a:ln>
+        </p:spPr>
+        <p:style>
+          <a:lnRef idx="2">
+            <a:schemeClr val="accent1">
+              <a:shade val="50000"/>
+            </a:schemeClr>
+          </a:lnRef>
+          <a:fillRef idx="1">
+            <a:schemeClr val="accent1"/>
+          </a:fillRef>
+          <a:effectRef idx="0">
+            <a:schemeClr val="accent1"/>
+          </a:effectRef>
+          <a:fontRef idx="minor">
+            <a:schemeClr val="lt1"/>
+          </a:fontRef>
+        </p:style>
+        <p:txBody>
+          <a:bodyPr rtlCol="0" anchor="ctr"/>
+          <a:lstStyle/>
+          <a:p>
+            <a:pPr algn="ctr"/>
+            <a:endParaRPr lang="en-US" dirty="0"/>
+          </a:p>
+        </p:txBody>
+      </p:sp>
+      <p:sp>
+        <p:nvSpPr>
+          <p:cNvPr id="13" name="Rectangle 12">
+            <a:extLst>
+              <a:ext uri="{FF2B5EF4-FFF2-40B4-BE49-F238E27FC236}">
+                <a16:creationId xmlns:a16="http://schemas.microsoft.com/office/drawing/2014/main" id="{29FDB030-9B49-4CED-8CCD-4D99382388AC}"/>
+              </a:ext>
+              <a:ext uri="{C183D7F6-B498-43B3-948B-1728B52AA6E4}">
+                <adec:decorative xmlns:adec="http://schemas.microsoft.com/office/drawing/2017/decorative" val="1"/>
+              </a:ext>
+            </a:extLst>
+          </p:cNvPr>
+          <p:cNvSpPr>
+            <a:spLocks noGrp="1" noRot="1" noChangeAspect="1" noMove="1" noResize="1" noEditPoints="1" noAdjustHandles="1" noChangeArrowheads="1" noChangeShapeType="1" noTextEdit="1"/>
+          </p:cNvSpPr>
+          <p:nvPr>
+            <p:extLst>
+              <p:ext uri="{386F3935-93C4-4BCD-93E2-E3B085C9AB24}">
+                <p16:designElem xmlns:p16="http://schemas.microsoft.com/office/powerpoint/2015/main" val="1"/>
+              </p:ext>
+            </p:extLst>
+          </p:nvPr>
+        </p:nvSpPr>
+        <p:spPr>
+          <a:xfrm rot="18900000" flipH="1">
+            <a:off x="891641" y="422146"/>
+            <a:ext cx="645368" cy="645368"/>
+          </a:xfrm>
+          <a:prstGeom prst="rect">
+            <a:avLst/>
+          </a:prstGeom>
+          <a:solidFill>
+            <a:schemeClr val="accent1">
+              <a:alpha val="30000"/>
+            </a:schemeClr>
+          </a:solidFill>
+          <a:ln>
+            <a:noFill/>
+          </a:ln>
+        </p:spPr>
+        <p:style>
+          <a:lnRef idx="2">
+            <a:schemeClr val="accent1">
+              <a:shade val="50000"/>
+            </a:schemeClr>
+          </a:lnRef>
+          <a:fillRef idx="1">
+            <a:schemeClr val="accent1"/>
+          </a:fillRef>
+          <a:effectRef idx="0">
+            <a:schemeClr val="accent1"/>
+          </a:effectRef>
+          <a:fontRef idx="minor">
+            <a:schemeClr val="lt1"/>
+          </a:fontRef>
+        </p:style>
+        <p:txBody>
+          <a:bodyPr rtlCol="0" anchor="ctr"/>
+          <a:lstStyle/>
+          <a:p>
+            <a:pPr algn="ctr"/>
+            <a:endParaRPr lang="en-US"/>
+          </a:p>
+        </p:txBody>
+      </p:sp>
+      <p:sp>
+        <p:nvSpPr>
+          <p:cNvPr id="15" name="Rectangle 14">
+            <a:extLst>
+              <a:ext uri="{FF2B5EF4-FFF2-40B4-BE49-F238E27FC236}">
+                <a16:creationId xmlns:a16="http://schemas.microsoft.com/office/drawing/2014/main" id="{3783CA14-24A1-485C-8B30-D6A5D87987AD}"/>
+              </a:ext>
+              <a:ext uri="{C183D7F6-B498-43B3-948B-1728B52AA6E4}">
+                <adec:decorative xmlns:adec="http://schemas.microsoft.com/office/drawing/2017/decorative" val="1"/>
+              </a:ext>
+            </a:extLst>
+          </p:cNvPr>
+          <p:cNvSpPr>
+            <a:spLocks noGrp="1" noRot="1" noChangeAspect="1" noMove="1" noResize="1" noEditPoints="1" noAdjustHandles="1" noChangeArrowheads="1" noChangeShapeType="1" noTextEdit="1"/>
+          </p:cNvSpPr>
+          <p:nvPr>
+            <p:extLst>
+              <p:ext uri="{386F3935-93C4-4BCD-93E2-E3B085C9AB24}">
+                <p16:designElem xmlns:p16="http://schemas.microsoft.com/office/powerpoint/2015/main" val="1"/>
+              </p:ext>
+            </p:extLst>
+          </p:nvPr>
+        </p:nvSpPr>
+        <p:spPr>
+          <a:xfrm rot="18900000" flipH="1">
+            <a:off x="10043482" y="655140"/>
+            <a:ext cx="687472" cy="687472"/>
+          </a:xfrm>
+          <a:prstGeom prst="rect">
+            <a:avLst/>
+          </a:prstGeom>
+          <a:solidFill>
+            <a:schemeClr val="accent4">
+              <a:alpha val="30000"/>
+            </a:schemeClr>
+          </a:solidFill>
+          <a:ln>
+            <a:noFill/>
+          </a:ln>
+        </p:spPr>
+        <p:style>
+          <a:lnRef idx="2">
+            <a:schemeClr val="accent1">
+              <a:shade val="50000"/>
+            </a:schemeClr>
+          </a:lnRef>
+          <a:fillRef idx="1">
+            <a:schemeClr val="accent1"/>
+          </a:fillRef>
+          <a:effectRef idx="0">
+            <a:schemeClr val="accent1"/>
+          </a:effectRef>
+          <a:fontRef idx="minor">
+            <a:schemeClr val="lt1"/>
+          </a:fontRef>
+        </p:style>
+        <p:txBody>
+          <a:bodyPr rtlCol="0" anchor="ctr"/>
+          <a:lstStyle/>
+          <a:p>
+            <a:pPr algn="ctr"/>
+            <a:endParaRPr lang="en-US"/>
+          </a:p>
+        </p:txBody>
+      </p:sp>
+      <p:sp>
+        <p:nvSpPr>
+          <p:cNvPr id="17" name="Freeform: Shape 16">
+            <a:extLst>
+              <a:ext uri="{FF2B5EF4-FFF2-40B4-BE49-F238E27FC236}">
+                <a16:creationId xmlns:a16="http://schemas.microsoft.com/office/drawing/2014/main" id="{9A97C86A-04D6-40F7-AE84-31AB43E6A846}"/>
+              </a:ext>
+              <a:ext uri="{C183D7F6-B498-43B3-948B-1728B52AA6E4}">
+                <adec:decorative xmlns:adec="http://schemas.microsoft.com/office/drawing/2017/decorative" val="1"/>
+              </a:ext>
+            </a:extLst>
+          </p:cNvPr>
+          <p:cNvSpPr>
+            <a:spLocks noGrp="1" noRot="1" noChangeAspect="1" noMove="1" noResize="1" noEditPoints="1" noAdjustHandles="1" noChangeArrowheads="1" noChangeShapeType="1" noTextEdit="1"/>
+          </p:cNvSpPr>
+          <p:nvPr>
+            <p:extLst>
+              <p:ext uri="{386F3935-93C4-4BCD-93E2-E3B085C9AB24}">
+                <p16:designElem xmlns:p16="http://schemas.microsoft.com/office/powerpoint/2015/main" val="1"/>
+              </p:ext>
+            </p:extLst>
+          </p:nvPr>
+        </p:nvSpPr>
+        <p:spPr>
+          <a:xfrm rot="10800000" flipH="1">
+            <a:off x="9356643" y="0"/>
+            <a:ext cx="2835357" cy="1480837"/>
+          </a:xfrm>
+          <a:custGeom>
+            <a:avLst/>
+            <a:gdLst>
+              <a:gd name="connsiteX0" fmla="*/ 2835357 w 2835357"/>
+              <a:gd name="connsiteY0" fmla="*/ 1480837 h 1480837"/>
+              <a:gd name="connsiteX1" fmla="*/ 0 w 2835357"/>
+              <a:gd name="connsiteY1" fmla="*/ 1480837 h 1480837"/>
+              <a:gd name="connsiteX2" fmla="*/ 1552727 w 2835357"/>
+              <a:gd name="connsiteY2" fmla="*/ 0 h 1480837"/>
+              <a:gd name="connsiteX3" fmla="*/ 2835357 w 2835357"/>
+              <a:gd name="connsiteY3" fmla="*/ 1223245 h 1480837"/>
+            </a:gdLst>
+            <a:ahLst/>
+            <a:cxnLst>
+              <a:cxn ang="0">
+                <a:pos x="connsiteX0" y="connsiteY0"/>
+              </a:cxn>
+              <a:cxn ang="0">
+                <a:pos x="connsiteX1" y="connsiteY1"/>
+              </a:cxn>
+              <a:cxn ang="0">
+                <a:pos x="connsiteX2" y="connsiteY2"/>
+              </a:cxn>
+              <a:cxn ang="0">
+                <a:pos x="connsiteX3" y="connsiteY3"/>
+              </a:cxn>
+            </a:cxnLst>
+            <a:rect l="l" t="t" r="r" b="b"/>
+            <a:pathLst>
+              <a:path w="2835357" h="1480837">
+                <a:moveTo>
+                  <a:pt x="2835357" y="1480837"/>
+                </a:moveTo>
+                <a:lnTo>
+                  <a:pt x="0" y="1480837"/>
+                </a:lnTo>
+                <a:lnTo>
+                  <a:pt x="1552727" y="0"/>
+                </a:lnTo>
+                <a:lnTo>
+                  <a:pt x="2835357" y="1223245"/>
+                </a:lnTo>
+                <a:close/>
+              </a:path>
+            </a:pathLst>
+          </a:custGeom>
+          <a:solidFill>
+            <a:schemeClr val="accent4">
+              <a:alpha val="30000"/>
+            </a:schemeClr>
+          </a:solidFill>
+          <a:ln>
+            <a:noFill/>
+          </a:ln>
+        </p:spPr>
+        <p:style>
+          <a:lnRef idx="2">
+            <a:schemeClr val="accent1">
+              <a:shade val="50000"/>
+            </a:schemeClr>
+          </a:lnRef>
+          <a:fillRef idx="1">
+            <a:schemeClr val="accent1"/>
+          </a:fillRef>
+          <a:effectRef idx="0">
+            <a:schemeClr val="accent1"/>
+          </a:effectRef>
+          <a:fontRef idx="minor">
+            <a:schemeClr val="lt1"/>
+          </a:fontRef>
+        </p:style>
+        <p:txBody>
+          <a:bodyPr wrap="square" rtlCol="0" anchor="ctr">
+            <a:noAutofit/>
           </a:bodyPr>
           <a:lstStyle/>
           <a:p>
-            <a:r>
-              <a:rPr lang="it-IT" dirty="0"/>
-              <a:t>Schema</a:t>
-            </a:r>
+            <a:pPr algn="ctr"/>
+            <a:endParaRPr lang="en-US" dirty="0"/>
+          </a:p>
+        </p:txBody>
+      </p:sp>
+      <p:sp>
+        <p:nvSpPr>
+          <p:cNvPr id="19" name="Isosceles Triangle 18">
+            <a:extLst>
+              <a:ext uri="{FF2B5EF4-FFF2-40B4-BE49-F238E27FC236}">
+                <a16:creationId xmlns:a16="http://schemas.microsoft.com/office/drawing/2014/main" id="{FF9F2414-84E8-453E-B1F3-389FDE8192D9}"/>
+              </a:ext>
+              <a:ext uri="{C183D7F6-B498-43B3-948B-1728B52AA6E4}">
+                <adec:decorative xmlns:adec="http://schemas.microsoft.com/office/drawing/2017/decorative" val="1"/>
+              </a:ext>
+            </a:extLst>
+          </p:cNvPr>
+          <p:cNvSpPr>
+            <a:spLocks noGrp="1" noRot="1" noChangeAspect="1" noMove="1" noResize="1" noEditPoints="1" noAdjustHandles="1" noChangeArrowheads="1" noChangeShapeType="1" noTextEdit="1"/>
+          </p:cNvSpPr>
+          <p:nvPr>
+            <p:extLst>
+              <p:ext uri="{386F3935-93C4-4BCD-93E2-E3B085C9AB24}">
+                <p16:designElem xmlns:p16="http://schemas.microsoft.com/office/powerpoint/2015/main" val="1"/>
+              </p:ext>
+            </p:extLst>
+          </p:nvPr>
+        </p:nvSpPr>
+        <p:spPr>
+          <a:xfrm flipH="1">
+            <a:off x="7976344" y="6115501"/>
+            <a:ext cx="1494513" cy="742499"/>
+          </a:xfrm>
+          <a:prstGeom prst="triangle">
+            <a:avLst/>
+          </a:prstGeom>
+          <a:solidFill>
+            <a:schemeClr val="accent1">
+              <a:alpha val="30000"/>
+            </a:schemeClr>
+          </a:solidFill>
+          <a:ln>
+            <a:noFill/>
+          </a:ln>
+        </p:spPr>
+        <p:style>
+          <a:lnRef idx="2">
+            <a:schemeClr val="accent1">
+              <a:shade val="50000"/>
+            </a:schemeClr>
+          </a:lnRef>
+          <a:fillRef idx="1">
+            <a:schemeClr val="accent1"/>
+          </a:fillRef>
+          <a:effectRef idx="0">
+            <a:schemeClr val="accent1"/>
+          </a:effectRef>
+          <a:fontRef idx="minor">
+            <a:schemeClr val="lt1"/>
+          </a:fontRef>
+        </p:style>
+        <p:txBody>
+          <a:bodyPr rtlCol="0" anchor="ctr"/>
+          <a:lstStyle/>
+          <a:p>
+            <a:pPr algn="ctr"/>
+            <a:endParaRPr lang="en-US"/>
           </a:p>
         </p:txBody>
       </p:sp>
       <p:pic>
         <p:nvPicPr>
-          <p:cNvPr id="4" name="Immagine 3" descr="Immagine che contiene testo&#10;&#10;Descrizione generata automaticamente">
+          <p:cNvPr id="4" name="Immagine 3">
             <a:extLst>
               <a:ext uri="{FF2B5EF4-FFF2-40B4-BE49-F238E27FC236}">
                 <a16:creationId xmlns:a16="http://schemas.microsoft.com/office/drawing/2014/main" id="{35307024-FC78-4FDF-B242-FAFAB3ECB7CA}"/>
@@ -4159,20 +5608,123 @@
         </p:nvPicPr>
         <p:blipFill>
           <a:blip r:embed="rId2"/>
-          <a:stretch>
-            <a:fillRect/>
-          </a:stretch>
+          <a:srcRect/>
+          <a:stretch/>
         </p:blipFill>
         <p:spPr>
           <a:xfrm>
-            <a:off x="1038225" y="1567932"/>
-            <a:ext cx="10315575" cy="4991100"/>
+            <a:off x="1214325" y="952959"/>
+            <a:ext cx="9376003" cy="5392282"/>
           </a:xfrm>
           <a:prstGeom prst="rect">
             <a:avLst/>
           </a:prstGeom>
+          <a:ln>
+            <a:noFill/>
+          </a:ln>
         </p:spPr>
       </p:pic>
+      <p:sp>
+        <p:nvSpPr>
+          <p:cNvPr id="21" name="Isosceles Triangle 20">
+            <a:extLst>
+              <a:ext uri="{FF2B5EF4-FFF2-40B4-BE49-F238E27FC236}">
+                <a16:creationId xmlns:a16="http://schemas.microsoft.com/office/drawing/2014/main" id="{3ECA69A1-7536-43AC-85EF-C7106179F5ED}"/>
+              </a:ext>
+              <a:ext uri="{C183D7F6-B498-43B3-948B-1728B52AA6E4}">
+                <adec:decorative xmlns:adec="http://schemas.microsoft.com/office/drawing/2017/decorative" val="1"/>
+              </a:ext>
+            </a:extLst>
+          </p:cNvPr>
+          <p:cNvSpPr>
+            <a:spLocks noGrp="1" noRot="1" noChangeAspect="1" noMove="1" noResize="1" noEditPoints="1" noAdjustHandles="1" noChangeArrowheads="1" noChangeShapeType="1" noTextEdit="1"/>
+          </p:cNvSpPr>
+          <p:nvPr>
+            <p:extLst>
+              <p:ext uri="{386F3935-93C4-4BCD-93E2-E3B085C9AB24}">
+                <p16:designElem xmlns:p16="http://schemas.microsoft.com/office/powerpoint/2015/main" val="1"/>
+              </p:ext>
+            </p:extLst>
+          </p:nvPr>
+        </p:nvSpPr>
+        <p:spPr>
+          <a:xfrm flipH="1">
+            <a:off x="7604080" y="6453143"/>
+            <a:ext cx="814903" cy="404857"/>
+          </a:xfrm>
+          <a:prstGeom prst="triangle">
+            <a:avLst/>
+          </a:prstGeom>
+          <a:solidFill>
+            <a:schemeClr val="accent1">
+              <a:alpha val="30000"/>
+            </a:schemeClr>
+          </a:solidFill>
+          <a:ln>
+            <a:noFill/>
+          </a:ln>
+        </p:spPr>
+        <p:style>
+          <a:lnRef idx="2">
+            <a:schemeClr val="accent1">
+              <a:shade val="50000"/>
+            </a:schemeClr>
+          </a:lnRef>
+          <a:fillRef idx="1">
+            <a:schemeClr val="accent1"/>
+          </a:fillRef>
+          <a:effectRef idx="0">
+            <a:schemeClr val="accent1"/>
+          </a:effectRef>
+          <a:fontRef idx="minor">
+            <a:schemeClr val="lt1"/>
+          </a:fontRef>
+        </p:style>
+        <p:txBody>
+          <a:bodyPr rtlCol="0" anchor="ctr"/>
+          <a:lstStyle/>
+          <a:p>
+            <a:pPr algn="ctr"/>
+            <a:endParaRPr lang="en-US"/>
+          </a:p>
+        </p:txBody>
+      </p:sp>
+      <p:sp>
+        <p:nvSpPr>
+          <p:cNvPr id="20" name="Titolo 1">
+            <a:extLst>
+              <a:ext uri="{FF2B5EF4-FFF2-40B4-BE49-F238E27FC236}">
+                <a16:creationId xmlns:a16="http://schemas.microsoft.com/office/drawing/2014/main" id="{581E1446-22EB-40F6-92B2-148ECEA6B8F9}"/>
+              </a:ext>
+            </a:extLst>
+          </p:cNvPr>
+          <p:cNvSpPr>
+            <a:spLocks noGrp="1"/>
+          </p:cNvSpPr>
+          <p:nvPr>
+            <p:ph type="title"/>
+          </p:nvPr>
+        </p:nvSpPr>
+        <p:spPr>
+          <a:xfrm>
+            <a:off x="643467" y="-43442"/>
+            <a:ext cx="10905066" cy="1135737"/>
+          </a:xfrm>
+        </p:spPr>
+        <p:txBody>
+          <a:bodyPr>
+            <a:normAutofit/>
+          </a:bodyPr>
+          <a:lstStyle/>
+          <a:p>
+            <a:pPr algn="ctr"/>
+            <a:r>
+              <a:rPr lang="it-IT" sz="3600" dirty="0"/>
+              <a:t>Schema</a:t>
+            </a:r>
+          </a:p>
+        </p:txBody>
+      </p:sp>
     </p:spTree>
     <p:extLst>
       <p:ext uri="{BB962C8B-B14F-4D97-AF65-F5344CB8AC3E}">
@@ -4211,12 +5763,12 @@
           <a:chExt cx="0" cy="0"/>
         </a:xfrm>
       </p:grpSpPr>
-      <p:sp useBgFill="1">
-        <p:nvSpPr>
-          <p:cNvPr id="8" name="Rectangle 7">
-            <a:extLst>
-              <a:ext uri="{FF2B5EF4-FFF2-40B4-BE49-F238E27FC236}">
-                <a16:creationId xmlns:a16="http://schemas.microsoft.com/office/drawing/2014/main" id="{1C799903-48D5-4A31-A1A2-541072D9771E}"/>
+      <p:sp>
+        <p:nvSpPr>
+          <p:cNvPr id="56" name="Rectangle 55">
+            <a:extLst>
+              <a:ext uri="{FF2B5EF4-FFF2-40B4-BE49-F238E27FC236}">
+                <a16:creationId xmlns:a16="http://schemas.microsoft.com/office/drawing/2014/main" id="{2B566528-1B12-4246-9431-5C2D7D081168}"/>
               </a:ext>
               <a:ext uri="{C183D7F6-B498-43B3-948B-1728B52AA6E4}">
                 <adec:decorative xmlns:adec="http://schemas.microsoft.com/office/drawing/2017/decorative" val="1"/>
@@ -4237,443 +5789,13 @@
         <p:spPr>
           <a:xfrm>
             <a:off x="0" y="0"/>
-            <a:ext cx="12192002" cy="6858000"/>
-          </a:xfrm>
-          <a:prstGeom prst="rect">
-            <a:avLst/>
-          </a:prstGeom>
-          <a:ln>
-            <a:noFill/>
-          </a:ln>
-        </p:spPr>
-        <p:style>
-          <a:lnRef idx="2">
-            <a:schemeClr val="accent1">
-              <a:shade val="50000"/>
-            </a:schemeClr>
-          </a:lnRef>
-          <a:fillRef idx="1">
-            <a:schemeClr val="accent1"/>
-          </a:fillRef>
-          <a:effectRef idx="0">
-            <a:schemeClr val="accent1"/>
-          </a:effectRef>
-          <a:fontRef idx="minor">
-            <a:schemeClr val="lt1"/>
-          </a:fontRef>
-        </p:style>
-        <p:txBody>
-          <a:bodyPr rtlCol="0" anchor="ctr"/>
-          <a:lstStyle/>
-          <a:p>
-            <a:pPr algn="ctr"/>
-            <a:endParaRPr lang="en-US"/>
-          </a:p>
-        </p:txBody>
-      </p:sp>
-      <p:sp useBgFill="1">
-        <p:nvSpPr>
-          <p:cNvPr id="10" name="Freeform: Shape 9">
-            <a:extLst>
-              <a:ext uri="{FF2B5EF4-FFF2-40B4-BE49-F238E27FC236}">
-                <a16:creationId xmlns:a16="http://schemas.microsoft.com/office/drawing/2014/main" id="{8EFFF109-FC58-4FD3-BE05-9775A1310F55}"/>
-              </a:ext>
-              <a:ext uri="{C183D7F6-B498-43B3-948B-1728B52AA6E4}">
-                <adec:decorative xmlns:adec="http://schemas.microsoft.com/office/drawing/2017/decorative" val="1"/>
-              </a:ext>
-            </a:extLst>
-          </p:cNvPr>
-          <p:cNvSpPr>
-            <a:spLocks noGrp="1" noRot="1" noChangeAspect="1" noMove="1" noResize="1" noEditPoints="1" noAdjustHandles="1" noChangeArrowheads="1" noChangeShapeType="1" noTextEdit="1"/>
-          </p:cNvSpPr>
-          <p:nvPr>
-            <p:extLst>
-              <p:ext uri="{386F3935-93C4-4BCD-93E2-E3B085C9AB24}">
-                <p16:designElem xmlns:p16="http://schemas.microsoft.com/office/powerpoint/2015/main" val="1"/>
-              </p:ext>
-            </p:extLst>
-          </p:nvPr>
-        </p:nvSpPr>
-        <p:spPr>
-          <a:xfrm>
-            <a:off x="-1" y="0"/>
-            <a:ext cx="4818889" cy="6858000"/>
-          </a:xfrm>
-          <a:custGeom>
-            <a:avLst/>
-            <a:gdLst>
-              <a:gd name="connsiteX0" fmla="*/ 0 w 4818889"/>
-              <a:gd name="connsiteY0" fmla="*/ 0 h 6858000"/>
-              <a:gd name="connsiteX1" fmla="*/ 3605911 w 4818889"/>
-              <a:gd name="connsiteY1" fmla="*/ 0 h 6858000"/>
-              <a:gd name="connsiteX2" fmla="*/ 3668894 w 4818889"/>
-              <a:gd name="connsiteY2" fmla="*/ 69271 h 6858000"/>
-              <a:gd name="connsiteX3" fmla="*/ 4818889 w 4818889"/>
-              <a:gd name="connsiteY3" fmla="*/ 3429000 h 6858000"/>
-              <a:gd name="connsiteX4" fmla="*/ 3668894 w 4818889"/>
-              <a:gd name="connsiteY4" fmla="*/ 6788730 h 6858000"/>
-              <a:gd name="connsiteX5" fmla="*/ 3605911 w 4818889"/>
-              <a:gd name="connsiteY5" fmla="*/ 6858000 h 6858000"/>
-              <a:gd name="connsiteX6" fmla="*/ 0 w 4818889"/>
-              <a:gd name="connsiteY6" fmla="*/ 6858000 h 6858000"/>
-            </a:gdLst>
-            <a:ahLst/>
-            <a:cxnLst>
-              <a:cxn ang="0">
-                <a:pos x="connsiteX0" y="connsiteY0"/>
-              </a:cxn>
-              <a:cxn ang="0">
-                <a:pos x="connsiteX1" y="connsiteY1"/>
-              </a:cxn>
-              <a:cxn ang="0">
-                <a:pos x="connsiteX2" y="connsiteY2"/>
-              </a:cxn>
-              <a:cxn ang="0">
-                <a:pos x="connsiteX3" y="connsiteY3"/>
-              </a:cxn>
-              <a:cxn ang="0">
-                <a:pos x="connsiteX4" y="connsiteY4"/>
-              </a:cxn>
-              <a:cxn ang="0">
-                <a:pos x="connsiteX5" y="connsiteY5"/>
-              </a:cxn>
-              <a:cxn ang="0">
-                <a:pos x="connsiteX6" y="connsiteY6"/>
-              </a:cxn>
-            </a:cxnLst>
-            <a:rect l="l" t="t" r="r" b="b"/>
-            <a:pathLst>
-              <a:path w="4818889" h="6858000">
-                <a:moveTo>
-                  <a:pt x="0" y="0"/>
-                </a:moveTo>
-                <a:lnTo>
-                  <a:pt x="3605911" y="0"/>
-                </a:lnTo>
-                <a:lnTo>
-                  <a:pt x="3668894" y="69271"/>
-                </a:lnTo>
-                <a:cubicBezTo>
-                  <a:pt x="4379420" y="929100"/>
-                  <a:pt x="4818889" y="2116944"/>
-                  <a:pt x="4818889" y="3429000"/>
-                </a:cubicBezTo>
-                <a:cubicBezTo>
-                  <a:pt x="4818889" y="4741056"/>
-                  <a:pt x="4379420" y="5928900"/>
-                  <a:pt x="3668894" y="6788730"/>
-                </a:cubicBezTo>
-                <a:lnTo>
-                  <a:pt x="3605911" y="6858000"/>
-                </a:lnTo>
-                <a:lnTo>
-                  <a:pt x="0" y="6858000"/>
-                </a:lnTo>
-                <a:close/>
-              </a:path>
-            </a:pathLst>
-          </a:custGeom>
-          <a:ln w="9525">
-            <a:solidFill>
-              <a:srgbClr val="E6E6E6"/>
-            </a:solidFill>
-          </a:ln>
-          <a:effectLst>
-            <a:outerShdw blurRad="50800" dist="38100" algn="l" rotWithShape="0">
-              <a:schemeClr val="bg1">
-                <a:lumMod val="85000"/>
-                <a:alpha val="50000"/>
-              </a:schemeClr>
-            </a:outerShdw>
-          </a:effectLst>
-        </p:spPr>
-        <p:style>
-          <a:lnRef idx="2">
-            <a:schemeClr val="accent1">
-              <a:shade val="50000"/>
-            </a:schemeClr>
-          </a:lnRef>
-          <a:fillRef idx="1">
-            <a:schemeClr val="accent1"/>
-          </a:fillRef>
-          <a:effectRef idx="0">
-            <a:schemeClr val="accent1"/>
-          </a:effectRef>
-          <a:fontRef idx="minor">
-            <a:schemeClr val="lt1"/>
-          </a:fontRef>
-        </p:style>
-        <p:txBody>
-          <a:bodyPr wrap="square" rtlCol="0" anchor="ctr">
-            <a:noAutofit/>
-          </a:bodyPr>
-          <a:lstStyle/>
-          <a:p>
-            <a:pPr marL="0" marR="0" lvl="0" indent="0" algn="ctr" defTabSz="914400" rtl="0" eaLnBrk="1" fontAlgn="auto" latinLnBrk="0" hangingPunct="1">
-              <a:lnSpc>
-                <a:spcPct val="100000"/>
-              </a:lnSpc>
-              <a:spcBef>
-                <a:spcPts val="0"/>
-              </a:spcBef>
-              <a:spcAft>
-                <a:spcPts val="0"/>
-              </a:spcAft>
-              <a:buClrTx/>
-              <a:buSzTx/>
-              <a:buFontTx/>
-              <a:buNone/>
-              <a:tabLst/>
-              <a:defRPr/>
-            </a:pPr>
-            <a:endParaRPr kumimoji="0" lang="en-US" sz="1800" b="0" i="0" u="none" strike="noStrike" kern="1200" cap="none" spc="0" normalizeH="0" baseline="0" noProof="0">
-              <a:ln>
-                <a:noFill/>
-              </a:ln>
-              <a:solidFill>
-                <a:prstClr val="white"/>
-              </a:solidFill>
-              <a:effectLst/>
-              <a:uLnTx/>
-              <a:uFillTx/>
-              <a:latin typeface="Calibri" panose="020F0502020204030204"/>
-              <a:ea typeface="+mn-ea"/>
-              <a:cs typeface="+mn-cs"/>
-            </a:endParaRPr>
-          </a:p>
-        </p:txBody>
-      </p:sp>
-      <p:sp useBgFill="1">
-        <p:nvSpPr>
-          <p:cNvPr id="12" name="Freeform: Shape 11">
-            <a:extLst>
-              <a:ext uri="{FF2B5EF4-FFF2-40B4-BE49-F238E27FC236}">
-                <a16:creationId xmlns:a16="http://schemas.microsoft.com/office/drawing/2014/main" id="{E1B96AD6-92A9-4273-A62B-96A1C3E0BA95}"/>
-              </a:ext>
-              <a:ext uri="{C183D7F6-B498-43B3-948B-1728B52AA6E4}">
-                <adec:decorative xmlns:adec="http://schemas.microsoft.com/office/drawing/2017/decorative" val="1"/>
-              </a:ext>
-            </a:extLst>
-          </p:cNvPr>
-          <p:cNvSpPr>
-            <a:spLocks noGrp="1" noRot="1" noChangeAspect="1" noMove="1" noResize="1" noEditPoints="1" noAdjustHandles="1" noChangeArrowheads="1" noChangeShapeType="1" noTextEdit="1"/>
-          </p:cNvSpPr>
-          <p:nvPr>
-            <p:extLst>
-              <p:ext uri="{386F3935-93C4-4BCD-93E2-E3B085C9AB24}">
-                <p16:designElem xmlns:p16="http://schemas.microsoft.com/office/powerpoint/2015/main" val="1"/>
-              </p:ext>
-            </p:extLst>
-          </p:nvPr>
-        </p:nvSpPr>
-        <p:spPr>
-          <a:xfrm>
-            <a:off x="1" y="0"/>
-            <a:ext cx="4811477" cy="6858000"/>
-          </a:xfrm>
-          <a:custGeom>
-            <a:avLst/>
-            <a:gdLst>
-              <a:gd name="connsiteX0" fmla="*/ 0 w 4811477"/>
-              <a:gd name="connsiteY0" fmla="*/ 0 h 6858000"/>
-              <a:gd name="connsiteX1" fmla="*/ 3598499 w 4811477"/>
-              <a:gd name="connsiteY1" fmla="*/ 0 h 6858000"/>
-              <a:gd name="connsiteX2" fmla="*/ 3661482 w 4811477"/>
-              <a:gd name="connsiteY2" fmla="*/ 69271 h 6858000"/>
-              <a:gd name="connsiteX3" fmla="*/ 4811477 w 4811477"/>
-              <a:gd name="connsiteY3" fmla="*/ 3429000 h 6858000"/>
-              <a:gd name="connsiteX4" fmla="*/ 3661482 w 4811477"/>
-              <a:gd name="connsiteY4" fmla="*/ 6788730 h 6858000"/>
-              <a:gd name="connsiteX5" fmla="*/ 3598499 w 4811477"/>
-              <a:gd name="connsiteY5" fmla="*/ 6858000 h 6858000"/>
-              <a:gd name="connsiteX6" fmla="*/ 0 w 4811477"/>
-              <a:gd name="connsiteY6" fmla="*/ 6858000 h 6858000"/>
-            </a:gdLst>
-            <a:ahLst/>
-            <a:cxnLst>
-              <a:cxn ang="0">
-                <a:pos x="connsiteX0" y="connsiteY0"/>
-              </a:cxn>
-              <a:cxn ang="0">
-                <a:pos x="connsiteX1" y="connsiteY1"/>
-              </a:cxn>
-              <a:cxn ang="0">
-                <a:pos x="connsiteX2" y="connsiteY2"/>
-              </a:cxn>
-              <a:cxn ang="0">
-                <a:pos x="connsiteX3" y="connsiteY3"/>
-              </a:cxn>
-              <a:cxn ang="0">
-                <a:pos x="connsiteX4" y="connsiteY4"/>
-              </a:cxn>
-              <a:cxn ang="0">
-                <a:pos x="connsiteX5" y="connsiteY5"/>
-              </a:cxn>
-              <a:cxn ang="0">
-                <a:pos x="connsiteX6" y="connsiteY6"/>
-              </a:cxn>
-            </a:cxnLst>
-            <a:rect l="l" t="t" r="r" b="b"/>
-            <a:pathLst>
-              <a:path w="4811477" h="6858000">
-                <a:moveTo>
-                  <a:pt x="0" y="0"/>
-                </a:moveTo>
-                <a:lnTo>
-                  <a:pt x="3598499" y="0"/>
-                </a:lnTo>
-                <a:lnTo>
-                  <a:pt x="3661482" y="69271"/>
-                </a:lnTo>
-                <a:cubicBezTo>
-                  <a:pt x="4372008" y="929100"/>
-                  <a:pt x="4811477" y="2116944"/>
-                  <a:pt x="4811477" y="3429000"/>
-                </a:cubicBezTo>
-                <a:cubicBezTo>
-                  <a:pt x="4811477" y="4741056"/>
-                  <a:pt x="4372008" y="5928900"/>
-                  <a:pt x="3661482" y="6788730"/>
-                </a:cubicBezTo>
-                <a:lnTo>
-                  <a:pt x="3598499" y="6858000"/>
-                </a:lnTo>
-                <a:lnTo>
-                  <a:pt x="0" y="6858000"/>
-                </a:lnTo>
-                <a:close/>
-              </a:path>
-            </a:pathLst>
-          </a:custGeom>
-          <a:ln w="9525">
-            <a:noFill/>
-          </a:ln>
-          <a:effectLst/>
-        </p:spPr>
-        <p:style>
-          <a:lnRef idx="2">
-            <a:schemeClr val="accent1">
-              <a:shade val="50000"/>
-            </a:schemeClr>
-          </a:lnRef>
-          <a:fillRef idx="1">
-            <a:schemeClr val="accent1"/>
-          </a:fillRef>
-          <a:effectRef idx="0">
-            <a:schemeClr val="accent1"/>
-          </a:effectRef>
-          <a:fontRef idx="minor">
-            <a:schemeClr val="lt1"/>
-          </a:fontRef>
-        </p:style>
-        <p:txBody>
-          <a:bodyPr wrap="square" rtlCol="0" anchor="ctr">
-            <a:noAutofit/>
-          </a:bodyPr>
-          <a:lstStyle/>
-          <a:p>
-            <a:pPr marL="0" marR="0" lvl="0" indent="0" algn="ctr" defTabSz="914400" rtl="0" eaLnBrk="1" fontAlgn="auto" latinLnBrk="0" hangingPunct="1">
-              <a:lnSpc>
-                <a:spcPct val="100000"/>
-              </a:lnSpc>
-              <a:spcBef>
-                <a:spcPts val="0"/>
-              </a:spcBef>
-              <a:spcAft>
-                <a:spcPts val="0"/>
-              </a:spcAft>
-              <a:buClrTx/>
-              <a:buSzTx/>
-              <a:buFontTx/>
-              <a:buNone/>
-              <a:tabLst/>
-              <a:defRPr/>
-            </a:pPr>
-            <a:endParaRPr kumimoji="0" lang="en-US" sz="1800" b="0" i="0" u="none" strike="noStrike" kern="1200" cap="none" spc="0" normalizeH="0" baseline="0" noProof="0">
-              <a:ln>
-                <a:noFill/>
-              </a:ln>
-              <a:solidFill>
-                <a:prstClr val="white"/>
-              </a:solidFill>
-              <a:effectLst/>
-              <a:uLnTx/>
-              <a:uFillTx/>
-              <a:latin typeface="Calibri" panose="020F0502020204030204"/>
-              <a:ea typeface="+mn-ea"/>
-              <a:cs typeface="+mn-cs"/>
-            </a:endParaRPr>
-          </a:p>
-        </p:txBody>
-      </p:sp>
-      <p:sp>
-        <p:nvSpPr>
-          <p:cNvPr id="2" name="Titolo 1">
-            <a:extLst>
-              <a:ext uri="{FF2B5EF4-FFF2-40B4-BE49-F238E27FC236}">
-                <a16:creationId xmlns:a16="http://schemas.microsoft.com/office/drawing/2014/main" id="{65F4D648-4323-429F-81F4-0DC01BAF0F85}"/>
-              </a:ext>
-            </a:extLst>
-          </p:cNvPr>
-          <p:cNvSpPr>
-            <a:spLocks noGrp="1"/>
-          </p:cNvSpPr>
-          <p:nvPr>
-            <p:ph type="title"/>
-          </p:nvPr>
-        </p:nvSpPr>
-        <p:spPr>
-          <a:xfrm>
-            <a:off x="621792" y="1161288"/>
-            <a:ext cx="3602736" cy="4526280"/>
-          </a:xfrm>
-        </p:spPr>
-        <p:txBody>
-          <a:bodyPr>
-            <a:normAutofit/>
-          </a:bodyPr>
-          <a:lstStyle/>
-          <a:p>
-            <a:r>
-              <a:rPr lang="it-IT" sz="4000" dirty="0"/>
-              <a:t>OVERVIEW</a:t>
-            </a:r>
-          </a:p>
-        </p:txBody>
-      </p:sp>
-      <p:sp>
-        <p:nvSpPr>
-          <p:cNvPr id="14" name="Rectangle 13">
-            <a:extLst>
-              <a:ext uri="{FF2B5EF4-FFF2-40B4-BE49-F238E27FC236}">
-                <a16:creationId xmlns:a16="http://schemas.microsoft.com/office/drawing/2014/main" id="{463EEC44-1BA3-44ED-81FC-A644B04B2A44}"/>
-              </a:ext>
-              <a:ext uri="{C183D7F6-B498-43B3-948B-1728B52AA6E4}">
-                <adec:decorative xmlns:adec="http://schemas.microsoft.com/office/drawing/2017/decorative" val="1"/>
-              </a:ext>
-            </a:extLst>
-          </p:cNvPr>
-          <p:cNvSpPr>
-            <a:spLocks noGrp="1" noRot="1" noChangeAspect="1" noMove="1" noResize="1" noEditPoints="1" noAdjustHandles="1" noChangeArrowheads="1" noChangeShapeType="1" noTextEdit="1"/>
-          </p:cNvSpPr>
-          <p:nvPr>
-            <p:extLst>
-              <p:ext uri="{386F3935-93C4-4BCD-93E2-E3B085C9AB24}">
-                <p16:designElem xmlns:p16="http://schemas.microsoft.com/office/powerpoint/2015/main" val="1"/>
-              </p:ext>
-            </p:extLst>
-          </p:nvPr>
-        </p:nvSpPr>
-        <p:spPr>
-          <a:xfrm>
-            <a:off x="0" y="3102049"/>
-            <a:ext cx="128016" cy="653903"/>
+            <a:ext cx="12192000" cy="6858000"/>
           </a:xfrm>
           <a:prstGeom prst="rect">
             <a:avLst/>
           </a:prstGeom>
           <a:solidFill>
-            <a:schemeClr val="accent2"/>
+            <a:schemeClr val="bg1"/>
           </a:solidFill>
           <a:ln>
             <a:noFill/>
@@ -4700,21 +5822,16 @@
           <a:lstStyle/>
           <a:p>
             <a:pPr algn="ctr"/>
-            <a:endParaRPr lang="en-US">
-              <a:solidFill>
-                <a:prstClr val="white"/>
-              </a:solidFill>
-              <a:latin typeface="Calibri" panose="020F0502020204030204"/>
-            </a:endParaRPr>
-          </a:p>
-        </p:txBody>
-      </p:sp>
-      <p:sp>
-        <p:nvSpPr>
-          <p:cNvPr id="3" name="Segnaposto contenuto 2">
-            <a:extLst>
-              <a:ext uri="{FF2B5EF4-FFF2-40B4-BE49-F238E27FC236}">
-                <a16:creationId xmlns:a16="http://schemas.microsoft.com/office/drawing/2014/main" id="{53791F3C-6B65-4EE9-8D35-475CE948462C}"/>
+            <a:endParaRPr lang="en-US" dirty="0"/>
+          </a:p>
+        </p:txBody>
+      </p:sp>
+      <p:sp>
+        <p:nvSpPr>
+          <p:cNvPr id="2" name="Titolo 1">
+            <a:extLst>
+              <a:ext uri="{FF2B5EF4-FFF2-40B4-BE49-F238E27FC236}">
+                <a16:creationId xmlns:a16="http://schemas.microsoft.com/office/drawing/2014/main" id="{65F4D648-4323-429F-81F4-0DC01BAF0F85}"/>
               </a:ext>
             </a:extLst>
           </p:cNvPr>
@@ -4722,71 +5839,1311 @@
             <a:spLocks noGrp="1"/>
           </p:cNvSpPr>
           <p:nvPr>
-            <p:ph idx="1"/>
+            <p:ph type="title"/>
           </p:nvPr>
         </p:nvSpPr>
         <p:spPr>
           <a:xfrm>
-            <a:off x="5434149" y="932688"/>
-            <a:ext cx="5916603" cy="4992624"/>
+            <a:off x="643467" y="321734"/>
+            <a:ext cx="10905066" cy="1135737"/>
           </a:xfrm>
         </p:spPr>
         <p:txBody>
-          <a:bodyPr anchor="ctr">
+          <a:bodyPr>
             <a:normAutofit/>
           </a:bodyPr>
           <a:lstStyle/>
           <a:p>
             <a:r>
-              <a:rPr lang="it-IT" sz="2000" dirty="0" err="1"/>
-              <a:t>All</a:t>
-            </a:r>
-            <a:r>
-              <a:rPr lang="it-IT" sz="2000" dirty="0"/>
-              <a:t> component are </a:t>
-            </a:r>
-            <a:r>
-              <a:rPr lang="it-IT" sz="2000" dirty="0" err="1"/>
-              <a:t>deployed</a:t>
-            </a:r>
-            <a:r>
-              <a:rPr lang="it-IT" sz="2000" dirty="0"/>
-              <a:t> in a </a:t>
-            </a:r>
-            <a:r>
-              <a:rPr lang="it-IT" sz="2000" dirty="0" err="1"/>
-              <a:t>docker</a:t>
-            </a:r>
-            <a:r>
-              <a:rPr lang="it-IT" sz="2000" dirty="0"/>
+              <a:rPr lang="it-IT" sz="3600" dirty="0"/>
+              <a:t>OVERVIEW</a:t>
+            </a:r>
+          </a:p>
+        </p:txBody>
+      </p:sp>
+      <p:sp>
+        <p:nvSpPr>
+          <p:cNvPr id="3" name="Segnaposto contenuto 2">
+            <a:extLst>
+              <a:ext uri="{FF2B5EF4-FFF2-40B4-BE49-F238E27FC236}">
+                <a16:creationId xmlns:a16="http://schemas.microsoft.com/office/drawing/2014/main" id="{53791F3C-6B65-4EE9-8D35-475CE948462C}"/>
+              </a:ext>
+            </a:extLst>
+          </p:cNvPr>
+          <p:cNvSpPr>
+            <a:spLocks noGrp="1"/>
+          </p:cNvSpPr>
+          <p:nvPr>
+            <p:ph idx="1"/>
+          </p:nvPr>
+        </p:nvSpPr>
+        <p:spPr>
+          <a:xfrm>
+            <a:off x="650294" y="1411383"/>
+            <a:ext cx="4008384" cy="4393982"/>
+          </a:xfrm>
+        </p:spPr>
+        <p:txBody>
+          <a:bodyPr>
+            <a:normAutofit/>
+          </a:bodyPr>
+          <a:lstStyle/>
+          <a:p>
+            <a:r>
+              <a:rPr lang="en-GB" sz="2000" dirty="0"/>
+              <a:t>All components are deployed in </a:t>
+            </a:r>
+            <a:r>
+              <a:rPr lang="en-GB" sz="2000" b="1" dirty="0"/>
+              <a:t>Docker containers</a:t>
+            </a:r>
+            <a:r>
+              <a:rPr lang="en-GB" sz="2000" dirty="0"/>
               <a:t>.</a:t>
             </a:r>
           </a:p>
           <a:p>
             <a:r>
+              <a:rPr lang="en-GB" sz="2000" dirty="0"/>
+              <a:t>The</a:t>
+            </a:r>
+            <a:r>
+              <a:rPr lang="en-GB" sz="2000" b="1" dirty="0"/>
+              <a:t> Controller node </a:t>
+            </a:r>
+            <a:r>
+              <a:rPr lang="en-GB" sz="2000" dirty="0"/>
+              <a:t>contains all the support modules needed to run the application. Can be replicated to ensure </a:t>
+            </a:r>
+            <a:r>
+              <a:rPr lang="en-GB" sz="2000" i="1" dirty="0"/>
+              <a:t>high availability</a:t>
+            </a:r>
+            <a:r>
+              <a:rPr lang="en-GB" sz="2000" dirty="0"/>
+              <a:t>.</a:t>
+            </a:r>
+          </a:p>
+          <a:p>
+            <a:r>
+              <a:rPr lang="en-GB" sz="2000" b="1" dirty="0"/>
+              <a:t>Worker nodes </a:t>
+            </a:r>
+            <a:r>
+              <a:rPr lang="en-GB" sz="2000" dirty="0"/>
+              <a:t>also</a:t>
+            </a:r>
+            <a:r>
+              <a:rPr lang="en-GB" sz="2000" b="1" dirty="0"/>
+              <a:t> </a:t>
+            </a:r>
+            <a:r>
+              <a:rPr lang="en-GB" sz="2000" dirty="0"/>
+              <a:t>run their software in containers </a:t>
+            </a:r>
+            <a:r>
               <a:rPr lang="en-US" sz="2000" dirty="0"/>
-              <a:t>There is a controller node, that is the machine 172.16.3.35, in which all components except the front-end and back-end are deployed. These component could be replicated for </a:t>
-            </a:r>
-            <a:r>
-              <a:rPr lang="en-US" sz="2000" dirty="0" err="1"/>
-              <a:t>availabity</a:t>
+              <a:t>and take care of the </a:t>
+            </a:r>
+            <a:r>
+              <a:rPr lang="en-US" sz="2000" i="1" dirty="0"/>
+              <a:t>front-end</a:t>
             </a:r>
             <a:r>
               <a:rPr lang="en-US" sz="2000" dirty="0"/>
-              <a:t> on other node.</a:t>
-            </a:r>
-          </a:p>
-          <a:p>
-            <a:pPr marL="0" indent="0">
-              <a:buNone/>
-            </a:pPr>
-            <a:r>
-              <a:rPr lang="it-IT" sz="2000" dirty="0"/>
-              <a:t> </a:t>
-            </a:r>
-          </a:p>
-        </p:txBody>
-      </p:sp>
+              <a:t> and </a:t>
+            </a:r>
+            <a:r>
+              <a:rPr lang="en-US" sz="2000" i="1" dirty="0"/>
+              <a:t>back-end</a:t>
+            </a:r>
+            <a:r>
+              <a:rPr lang="en-US" sz="2000" dirty="0"/>
+              <a:t> tasks, they can be replicated to ensure </a:t>
+            </a:r>
+            <a:r>
+              <a:rPr lang="en-US" sz="2000" i="1" dirty="0"/>
+              <a:t>scalability.</a:t>
+            </a:r>
+            <a:endParaRPr lang="en-GB" sz="2000" b="1" i="1" dirty="0"/>
+          </a:p>
+        </p:txBody>
+      </p:sp>
+      <p:grpSp>
+        <p:nvGrpSpPr>
+          <p:cNvPr id="58" name="Group 57">
+            <a:extLst>
+              <a:ext uri="{FF2B5EF4-FFF2-40B4-BE49-F238E27FC236}">
+                <a16:creationId xmlns:a16="http://schemas.microsoft.com/office/drawing/2014/main" id="{828A5161-06F1-46CF-8AD7-844680A59E13}"/>
+              </a:ext>
+              <a:ext uri="{C183D7F6-B498-43B3-948B-1728B52AA6E4}">
+                <adec:decorative xmlns:adec="http://schemas.microsoft.com/office/drawing/2017/decorative" val="1"/>
+              </a:ext>
+            </a:extLst>
+          </p:cNvPr>
+          <p:cNvGrpSpPr>
+            <a:grpSpLocks noGrp="1" noUngrp="1" noRot="1" noChangeAspect="1" noMove="1" noResize="1"/>
+          </p:cNvGrpSpPr>
+          <p:nvPr>
+            <p:extLst>
+              <p:ext uri="{386F3935-93C4-4BCD-93E2-E3B085C9AB24}">
+                <p16:designElem xmlns:p16="http://schemas.microsoft.com/office/powerpoint/2015/main" val="1"/>
+              </p:ext>
+            </p:extLst>
+          </p:nvPr>
+        </p:nvGrpSpPr>
+        <p:grpSpPr>
+          <a:xfrm>
+            <a:off x="0" y="4601497"/>
+            <a:ext cx="1014060" cy="2017580"/>
+            <a:chOff x="0" y="4601497"/>
+            <a:chExt cx="1014060" cy="2017580"/>
+          </a:xfrm>
+        </p:grpSpPr>
+        <p:sp>
+          <p:nvSpPr>
+            <p:cNvPr id="59" name="Isosceles Triangle 58">
+              <a:extLst>
+                <a:ext uri="{FF2B5EF4-FFF2-40B4-BE49-F238E27FC236}">
+                  <a16:creationId xmlns:a16="http://schemas.microsoft.com/office/drawing/2014/main" id="{D3F51FEB-38FB-4F6C-9F7B-2F2AFAB65463}"/>
+                </a:ext>
+                <a:ext uri="{C183D7F6-B498-43B3-948B-1728B52AA6E4}">
+                  <adec:decorative xmlns:adec="http://schemas.microsoft.com/office/drawing/2017/decorative" val="1"/>
+                </a:ext>
+              </a:extLst>
+            </p:cNvPr>
+            <p:cNvSpPr/>
+            <p:nvPr>
+              <p:extLst>
+                <p:ext uri="{386F3935-93C4-4BCD-93E2-E3B085C9AB24}">
+                  <p16:designElem xmlns:p16="http://schemas.microsoft.com/office/powerpoint/2015/main" val="1"/>
+                </p:ext>
+              </p:extLst>
+            </p:nvPr>
+          </p:nvSpPr>
+          <p:spPr>
+            <a:xfrm rot="5400000">
+              <a:off x="-501760" y="5103257"/>
+              <a:ext cx="2017580" cy="1014060"/>
+            </a:xfrm>
+            <a:prstGeom prst="triangle">
+              <a:avLst>
+                <a:gd name="adj" fmla="val 50000"/>
+              </a:avLst>
+            </a:prstGeom>
+            <a:solidFill>
+              <a:schemeClr val="accent1">
+                <a:alpha val="30000"/>
+              </a:schemeClr>
+            </a:solidFill>
+            <a:ln>
+              <a:noFill/>
+            </a:ln>
+          </p:spPr>
+          <p:style>
+            <a:lnRef idx="2">
+              <a:schemeClr val="accent1">
+                <a:shade val="50000"/>
+              </a:schemeClr>
+            </a:lnRef>
+            <a:fillRef idx="1">
+              <a:schemeClr val="accent1"/>
+            </a:fillRef>
+            <a:effectRef idx="0">
+              <a:schemeClr val="accent1"/>
+            </a:effectRef>
+            <a:fontRef idx="minor">
+              <a:schemeClr val="lt1"/>
+            </a:fontRef>
+          </p:style>
+          <p:txBody>
+            <a:bodyPr rtlCol="0" anchor="ctr"/>
+            <a:lstStyle/>
+            <a:p>
+              <a:pPr algn="ctr"/>
+              <a:endParaRPr lang="en-US"/>
+            </a:p>
+          </p:txBody>
+        </p:sp>
+        <p:sp>
+          <p:nvSpPr>
+            <p:cNvPr id="60" name="Rectangle 59">
+              <a:extLst>
+                <a:ext uri="{FF2B5EF4-FFF2-40B4-BE49-F238E27FC236}">
+                  <a16:creationId xmlns:a16="http://schemas.microsoft.com/office/drawing/2014/main" id="{1E547BA6-BAE0-43BB-A7CA-60F69CE252F0}"/>
+                </a:ext>
+                <a:ext uri="{C183D7F6-B498-43B3-948B-1728B52AA6E4}">
+                  <adec:decorative xmlns:adec="http://schemas.microsoft.com/office/drawing/2017/decorative" val="1"/>
+                </a:ext>
+              </a:extLst>
+            </p:cNvPr>
+            <p:cNvSpPr/>
+            <p:nvPr>
+              <p:extLst>
+                <p:ext uri="{386F3935-93C4-4BCD-93E2-E3B085C9AB24}">
+                  <p16:designElem xmlns:p16="http://schemas.microsoft.com/office/powerpoint/2015/main" val="1"/>
+                </p:ext>
+              </p:extLst>
+            </p:nvPr>
+          </p:nvSpPr>
+          <p:spPr>
+            <a:xfrm rot="2700000">
+              <a:off x="427916" y="5728708"/>
+              <a:ext cx="485578" cy="485578"/>
+            </a:xfrm>
+            <a:prstGeom prst="rect">
+              <a:avLst/>
+            </a:prstGeom>
+            <a:solidFill>
+              <a:schemeClr val="accent1">
+                <a:alpha val="30000"/>
+              </a:schemeClr>
+            </a:solidFill>
+            <a:ln>
+              <a:noFill/>
+            </a:ln>
+          </p:spPr>
+          <p:style>
+            <a:lnRef idx="2">
+              <a:schemeClr val="accent1">
+                <a:shade val="50000"/>
+              </a:schemeClr>
+            </a:lnRef>
+            <a:fillRef idx="1">
+              <a:schemeClr val="accent1"/>
+            </a:fillRef>
+            <a:effectRef idx="0">
+              <a:schemeClr val="accent1"/>
+            </a:effectRef>
+            <a:fontRef idx="minor">
+              <a:schemeClr val="lt1"/>
+            </a:fontRef>
+          </p:style>
+          <p:txBody>
+            <a:bodyPr rtlCol="0" anchor="ctr"/>
+            <a:lstStyle/>
+            <a:p>
+              <a:pPr algn="ctr"/>
+              <a:endParaRPr lang="en-US"/>
+            </a:p>
+          </p:txBody>
+        </p:sp>
+      </p:grpSp>
+      <p:grpSp>
+        <p:nvGrpSpPr>
+          <p:cNvPr id="62" name="Group 61">
+            <a:extLst>
+              <a:ext uri="{FF2B5EF4-FFF2-40B4-BE49-F238E27FC236}">
+                <a16:creationId xmlns:a16="http://schemas.microsoft.com/office/drawing/2014/main" id="{5995D10D-E9C9-47DB-AE7E-801FEF38F5C9}"/>
+              </a:ext>
+              <a:ext uri="{C183D7F6-B498-43B3-948B-1728B52AA6E4}">
+                <adec:decorative xmlns:adec="http://schemas.microsoft.com/office/drawing/2017/decorative" val="1"/>
+              </a:ext>
+            </a:extLst>
+          </p:cNvPr>
+          <p:cNvGrpSpPr>
+            <a:grpSpLocks noGrp="1" noUngrp="1" noRot="1" noChangeAspect="1" noMove="1" noResize="1"/>
+          </p:cNvGrpSpPr>
+          <p:nvPr>
+            <p:extLst>
+              <p:ext uri="{386F3935-93C4-4BCD-93E2-E3B085C9AB24}">
+                <p16:designElem xmlns:p16="http://schemas.microsoft.com/office/powerpoint/2015/main" val="1"/>
+              </p:ext>
+            </p:extLst>
+          </p:nvPr>
+        </p:nvGrpSpPr>
+        <p:grpSpPr>
+          <a:xfrm>
+            <a:off x="11219290" y="1"/>
+            <a:ext cx="972709" cy="1935307"/>
+            <a:chOff x="10918968" y="713127"/>
+            <a:chExt cx="1273032" cy="2532832"/>
+          </a:xfrm>
+        </p:grpSpPr>
+        <p:sp>
+          <p:nvSpPr>
+            <p:cNvPr id="63" name="Rectangle 62">
+              <a:extLst>
+                <a:ext uri="{FF2B5EF4-FFF2-40B4-BE49-F238E27FC236}">
+                  <a16:creationId xmlns:a16="http://schemas.microsoft.com/office/drawing/2014/main" id="{CC1A72C6-3DE4-4EC3-9AD5-9E0D40D8CE8A}"/>
+                </a:ext>
+                <a:ext uri="{C183D7F6-B498-43B3-948B-1728B52AA6E4}">
+                  <adec:decorative xmlns:adec="http://schemas.microsoft.com/office/drawing/2017/decorative" val="1"/>
+                </a:ext>
+              </a:extLst>
+            </p:cNvPr>
+            <p:cNvSpPr/>
+            <p:nvPr>
+              <p:extLst>
+                <p:ext uri="{386F3935-93C4-4BCD-93E2-E3B085C9AB24}">
+                  <p16:designElem xmlns:p16="http://schemas.microsoft.com/office/powerpoint/2015/main" val="1"/>
+                </p:ext>
+              </p:extLst>
+            </p:nvPr>
+          </p:nvSpPr>
+          <p:spPr>
+            <a:xfrm rot="2700000">
+              <a:off x="11052629" y="2120024"/>
+              <a:ext cx="645368" cy="645368"/>
+            </a:xfrm>
+            <a:prstGeom prst="rect">
+              <a:avLst/>
+            </a:prstGeom>
+            <a:solidFill>
+              <a:schemeClr val="accent4">
+                <a:alpha val="30000"/>
+              </a:schemeClr>
+            </a:solidFill>
+            <a:ln>
+              <a:noFill/>
+            </a:ln>
+          </p:spPr>
+          <p:style>
+            <a:lnRef idx="2">
+              <a:schemeClr val="accent1">
+                <a:shade val="50000"/>
+              </a:schemeClr>
+            </a:lnRef>
+            <a:fillRef idx="1">
+              <a:schemeClr val="accent1"/>
+            </a:fillRef>
+            <a:effectRef idx="0">
+              <a:schemeClr val="accent1"/>
+            </a:effectRef>
+            <a:fontRef idx="minor">
+              <a:schemeClr val="lt1"/>
+            </a:fontRef>
+          </p:style>
+          <p:txBody>
+            <a:bodyPr rtlCol="0" anchor="ctr"/>
+            <a:lstStyle/>
+            <a:p>
+              <a:pPr algn="ctr"/>
+              <a:endParaRPr lang="en-US"/>
+            </a:p>
+          </p:txBody>
+        </p:sp>
+        <p:sp>
+          <p:nvSpPr>
+            <p:cNvPr id="64" name="Isosceles Triangle 63">
+              <a:extLst>
+                <a:ext uri="{FF2B5EF4-FFF2-40B4-BE49-F238E27FC236}">
+                  <a16:creationId xmlns:a16="http://schemas.microsoft.com/office/drawing/2014/main" id="{0B0DA1F1-C391-4EDF-9FE0-23E86E137765}"/>
+                </a:ext>
+                <a:ext uri="{C183D7F6-B498-43B3-948B-1728B52AA6E4}">
+                  <adec:decorative xmlns:adec="http://schemas.microsoft.com/office/drawing/2017/decorative" val="1"/>
+                </a:ext>
+              </a:extLst>
+            </p:cNvPr>
+            <p:cNvSpPr/>
+            <p:nvPr>
+              <p:extLst>
+                <p:ext uri="{386F3935-93C4-4BCD-93E2-E3B085C9AB24}">
+                  <p16:designElem xmlns:p16="http://schemas.microsoft.com/office/powerpoint/2015/main" val="1"/>
+                </p:ext>
+              </p:extLst>
+            </p:nvPr>
+          </p:nvSpPr>
+          <p:spPr>
+            <a:xfrm rot="16200000">
+              <a:off x="10289068" y="1343027"/>
+              <a:ext cx="2532832" cy="1273032"/>
+            </a:xfrm>
+            <a:prstGeom prst="triangle">
+              <a:avLst>
+                <a:gd name="adj" fmla="val 50000"/>
+              </a:avLst>
+            </a:prstGeom>
+            <a:solidFill>
+              <a:schemeClr val="accent4">
+                <a:alpha val="30000"/>
+              </a:schemeClr>
+            </a:solidFill>
+            <a:ln>
+              <a:noFill/>
+            </a:ln>
+          </p:spPr>
+          <p:style>
+            <a:lnRef idx="2">
+              <a:schemeClr val="accent1">
+                <a:shade val="50000"/>
+              </a:schemeClr>
+            </a:lnRef>
+            <a:fillRef idx="1">
+              <a:schemeClr val="accent1"/>
+            </a:fillRef>
+            <a:effectRef idx="0">
+              <a:schemeClr val="accent1"/>
+            </a:effectRef>
+            <a:fontRef idx="minor">
+              <a:schemeClr val="lt1"/>
+            </a:fontRef>
+          </p:style>
+          <p:txBody>
+            <a:bodyPr rtlCol="0" anchor="ctr"/>
+            <a:lstStyle/>
+            <a:p>
+              <a:pPr algn="ctr"/>
+              <a:endParaRPr lang="en-US" dirty="0"/>
+            </a:p>
+          </p:txBody>
+        </p:sp>
+      </p:grpSp>
+      <p:grpSp>
+        <p:nvGrpSpPr>
+          <p:cNvPr id="51" name="Gruppo 50">
+            <a:extLst>
+              <a:ext uri="{FF2B5EF4-FFF2-40B4-BE49-F238E27FC236}">
+                <a16:creationId xmlns:a16="http://schemas.microsoft.com/office/drawing/2014/main" id="{E9294CAA-A390-4CEE-85BC-DCF8E67DB62B}"/>
+              </a:ext>
+            </a:extLst>
+          </p:cNvPr>
+          <p:cNvGrpSpPr/>
+          <p:nvPr/>
+        </p:nvGrpSpPr>
+        <p:grpSpPr>
+          <a:xfrm>
+            <a:off x="4601441" y="1093906"/>
+            <a:ext cx="6247436" cy="5061428"/>
+            <a:chOff x="4856859" y="2035753"/>
+            <a:chExt cx="5886022" cy="4425394"/>
+          </a:xfrm>
+        </p:grpSpPr>
+        <p:sp>
+          <p:nvSpPr>
+            <p:cNvPr id="46" name="CasellaDiTesto 45">
+              <a:extLst>
+                <a:ext uri="{FF2B5EF4-FFF2-40B4-BE49-F238E27FC236}">
+                  <a16:creationId xmlns:a16="http://schemas.microsoft.com/office/drawing/2014/main" id="{EB1F3197-AB33-41A9-9F07-FA0089C91FBC}"/>
+                </a:ext>
+              </a:extLst>
+            </p:cNvPr>
+            <p:cNvSpPr txBox="1"/>
+            <p:nvPr/>
+          </p:nvSpPr>
+          <p:spPr>
+            <a:xfrm>
+              <a:off x="4856859" y="5193256"/>
+              <a:ext cx="2214241" cy="276999"/>
+            </a:xfrm>
+            <a:prstGeom prst="rect">
+              <a:avLst/>
+            </a:prstGeom>
+            <a:noFill/>
+          </p:spPr>
+          <p:txBody>
+            <a:bodyPr wrap="square" rtlCol="0">
+              <a:normAutofit/>
+            </a:bodyPr>
+            <a:lstStyle/>
+            <a:p>
+              <a:pPr algn="ctr">
+                <a:lnSpc>
+                  <a:spcPct val="90000"/>
+                </a:lnSpc>
+                <a:spcAft>
+                  <a:spcPts val="600"/>
+                </a:spcAft>
+              </a:pPr>
+              <a:r>
+                <a:rPr lang="it-IT" sz="1300" dirty="0">
+                  <a:latin typeface="Consolas" panose="020B0609020204030204" pitchFamily="49" charset="0"/>
+                </a:rPr>
+                <a:t>172.16.1.120</a:t>
+              </a:r>
+            </a:p>
+          </p:txBody>
+        </p:sp>
+        <p:grpSp>
+          <p:nvGrpSpPr>
+            <p:cNvPr id="50" name="Gruppo 49">
+              <a:extLst>
+                <a:ext uri="{FF2B5EF4-FFF2-40B4-BE49-F238E27FC236}">
+                  <a16:creationId xmlns:a16="http://schemas.microsoft.com/office/drawing/2014/main" id="{3F27A6DE-255B-47C0-A153-FB447834D5B7}"/>
+                </a:ext>
+              </a:extLst>
+            </p:cNvPr>
+            <p:cNvGrpSpPr/>
+            <p:nvPr/>
+          </p:nvGrpSpPr>
+          <p:grpSpPr>
+            <a:xfrm>
+              <a:off x="5563802" y="2035753"/>
+              <a:ext cx="5179079" cy="4425394"/>
+              <a:chOff x="5606406" y="1835023"/>
+              <a:chExt cx="5962725" cy="5350890"/>
+            </a:xfrm>
+          </p:grpSpPr>
+          <p:pic>
+            <p:nvPicPr>
+              <p:cNvPr id="5" name="Immagine 4" descr="Immagine che contiene disegnando&#10;&#10;Descrizione generata automaticamente">
+                <a:extLst>
+                  <a:ext uri="{FF2B5EF4-FFF2-40B4-BE49-F238E27FC236}">
+                    <a16:creationId xmlns:a16="http://schemas.microsoft.com/office/drawing/2014/main" id="{1CC88FF3-4DE3-46FF-AFEA-EED2B6403FD1}"/>
+                  </a:ext>
+                </a:extLst>
+              </p:cNvPr>
+              <p:cNvPicPr>
+                <a:picLocks noChangeAspect="1"/>
+              </p:cNvPicPr>
+              <p:nvPr/>
+            </p:nvPicPr>
+            <p:blipFill rotWithShape="1">
+              <a:blip r:embed="rId3"/>
+              <a:srcRect l="28409" t="17778" r="29034" b="18081"/>
+              <a:stretch/>
+            </p:blipFill>
+            <p:spPr>
+              <a:xfrm>
+                <a:off x="9375243" y="2018616"/>
+                <a:ext cx="1028737" cy="872151"/>
+              </a:xfrm>
+              <a:prstGeom prst="rect">
+                <a:avLst/>
+              </a:prstGeom>
+            </p:spPr>
+          </p:pic>
+          <p:pic>
+            <p:nvPicPr>
+              <p:cNvPr id="11" name="Immagine 10" descr="Immagine che contiene sedendo, computer&#10;&#10;Descrizione generata automaticamente">
+                <a:extLst>
+                  <a:ext uri="{FF2B5EF4-FFF2-40B4-BE49-F238E27FC236}">
+                    <a16:creationId xmlns:a16="http://schemas.microsoft.com/office/drawing/2014/main" id="{D9092897-8129-47D8-88CC-4AF41DD36735}"/>
+                  </a:ext>
+                </a:extLst>
+              </p:cNvPr>
+              <p:cNvPicPr>
+                <a:picLocks noChangeAspect="1"/>
+              </p:cNvPicPr>
+              <p:nvPr/>
+            </p:nvPicPr>
+            <p:blipFill>
+              <a:blip r:embed="rId4"/>
+              <a:stretch>
+                <a:fillRect/>
+              </a:stretch>
+            </p:blipFill>
+            <p:spPr>
+              <a:xfrm>
+                <a:off x="5912204" y="1835023"/>
+                <a:ext cx="1872843" cy="1872843"/>
+              </a:xfrm>
+              <a:prstGeom prst="rect">
+                <a:avLst/>
+              </a:prstGeom>
+            </p:spPr>
+          </p:pic>
+          <p:sp>
+            <p:nvSpPr>
+              <p:cNvPr id="13" name="CasellaDiTesto 12">
+                <a:extLst>
+                  <a:ext uri="{FF2B5EF4-FFF2-40B4-BE49-F238E27FC236}">
+                    <a16:creationId xmlns:a16="http://schemas.microsoft.com/office/drawing/2014/main" id="{832B8AD9-6B5D-4645-8532-10076A0D24A7}"/>
+                  </a:ext>
+                </a:extLst>
+              </p:cNvPr>
+              <p:cNvSpPr txBox="1"/>
+              <p:nvPr/>
+            </p:nvSpPr>
+            <p:spPr>
+              <a:xfrm>
+                <a:off x="5676297" y="3688085"/>
+                <a:ext cx="2344657" cy="632642"/>
+              </a:xfrm>
+              <a:prstGeom prst="rect">
+                <a:avLst/>
+              </a:prstGeom>
+              <a:noFill/>
+            </p:spPr>
+            <p:txBody>
+              <a:bodyPr wrap="square" rtlCol="0">
+                <a:normAutofit/>
+              </a:bodyPr>
+              <a:lstStyle/>
+              <a:p>
+                <a:pPr algn="ctr">
+                  <a:lnSpc>
+                    <a:spcPct val="90000"/>
+                  </a:lnSpc>
+                  <a:spcAft>
+                    <a:spcPts val="600"/>
+                  </a:spcAft>
+                </a:pPr>
+                <a:r>
+                  <a:rPr lang="it-IT" sz="1600" b="1">
+                    <a:latin typeface="Consolas" panose="020B0609020204030204" pitchFamily="49" charset="0"/>
+                  </a:rPr>
+                  <a:t>Controller </a:t>
+                </a:r>
+                <a:r>
+                  <a:rPr lang="it-IT" sz="1600" b="1" err="1">
+                    <a:latin typeface="Consolas" panose="020B0609020204030204" pitchFamily="49" charset="0"/>
+                  </a:rPr>
+                  <a:t>Node</a:t>
+                </a:r>
+                <a:br>
+                  <a:rPr lang="it-IT" sz="1600">
+                    <a:latin typeface="Consolas" panose="020B0609020204030204" pitchFamily="49" charset="0"/>
+                  </a:rPr>
+                </a:br>
+                <a:r>
+                  <a:rPr lang="it-IT" sz="1600">
+                    <a:latin typeface="Consolas" panose="020B0609020204030204" pitchFamily="49" charset="0"/>
+                  </a:rPr>
+                  <a:t>172.16.3.35</a:t>
+                </a:r>
+              </a:p>
+            </p:txBody>
+          </p:sp>
+          <p:sp>
+            <p:nvSpPr>
+              <p:cNvPr id="15" name="Rettangolo 14">
+                <a:extLst>
+                  <a:ext uri="{FF2B5EF4-FFF2-40B4-BE49-F238E27FC236}">
+                    <a16:creationId xmlns:a16="http://schemas.microsoft.com/office/drawing/2014/main" id="{BB080471-A7C6-4CD7-8FD7-3C018BEB379D}"/>
+                  </a:ext>
+                </a:extLst>
+              </p:cNvPr>
+              <p:cNvSpPr/>
+              <p:nvPr/>
+            </p:nvSpPr>
+            <p:spPr>
+              <a:xfrm>
+                <a:off x="9314666" y="3083393"/>
+                <a:ext cx="558495" cy="532432"/>
+              </a:xfrm>
+              <a:prstGeom prst="rect">
+                <a:avLst/>
+              </a:prstGeom>
+              <a:solidFill>
+                <a:srgbClr val="00B0F0"/>
+              </a:solidFill>
+            </p:spPr>
+            <p:style>
+              <a:lnRef idx="2">
+                <a:schemeClr val="accent1">
+                  <a:shade val="50000"/>
+                </a:schemeClr>
+              </a:lnRef>
+              <a:fillRef idx="1">
+                <a:schemeClr val="accent1"/>
+              </a:fillRef>
+              <a:effectRef idx="0">
+                <a:schemeClr val="accent1"/>
+              </a:effectRef>
+              <a:fontRef idx="minor">
+                <a:schemeClr val="lt1"/>
+              </a:fontRef>
+            </p:style>
+            <p:txBody>
+              <a:bodyPr rtlCol="0" anchor="ctr"/>
+              <a:lstStyle/>
+              <a:p>
+                <a:pPr algn="ctr"/>
+                <a:endParaRPr lang="it-IT"/>
+              </a:p>
+            </p:txBody>
+          </p:sp>
+          <p:sp>
+            <p:nvSpPr>
+              <p:cNvPr id="27" name="Rettangolo 26">
+                <a:extLst>
+                  <a:ext uri="{FF2B5EF4-FFF2-40B4-BE49-F238E27FC236}">
+                    <a16:creationId xmlns:a16="http://schemas.microsoft.com/office/drawing/2014/main" id="{887873B6-6C12-40BE-AB0D-14B21C5E0AE0}"/>
+                  </a:ext>
+                </a:extLst>
+              </p:cNvPr>
+              <p:cNvSpPr/>
+              <p:nvPr/>
+            </p:nvSpPr>
+            <p:spPr>
+              <a:xfrm>
+                <a:off x="10749006" y="2447890"/>
+                <a:ext cx="558495" cy="532432"/>
+              </a:xfrm>
+              <a:prstGeom prst="rect">
+                <a:avLst/>
+              </a:prstGeom>
+              <a:solidFill>
+                <a:srgbClr val="00B0F0"/>
+              </a:solidFill>
+            </p:spPr>
+            <p:style>
+              <a:lnRef idx="2">
+                <a:schemeClr val="accent1">
+                  <a:shade val="50000"/>
+                </a:schemeClr>
+              </a:lnRef>
+              <a:fillRef idx="1">
+                <a:schemeClr val="accent1"/>
+              </a:fillRef>
+              <a:effectRef idx="0">
+                <a:schemeClr val="accent1"/>
+              </a:effectRef>
+              <a:fontRef idx="minor">
+                <a:schemeClr val="lt1"/>
+              </a:fontRef>
+            </p:style>
+            <p:txBody>
+              <a:bodyPr rtlCol="0" anchor="ctr"/>
+              <a:lstStyle/>
+              <a:p>
+                <a:pPr algn="ctr"/>
+                <a:endParaRPr lang="it-IT"/>
+              </a:p>
+            </p:txBody>
+          </p:sp>
+          <p:sp>
+            <p:nvSpPr>
+              <p:cNvPr id="28" name="Rettangolo 27">
+                <a:extLst>
+                  <a:ext uri="{FF2B5EF4-FFF2-40B4-BE49-F238E27FC236}">
+                    <a16:creationId xmlns:a16="http://schemas.microsoft.com/office/drawing/2014/main" id="{F8BE381D-2734-4394-AB6A-8548290BA3DB}"/>
+                  </a:ext>
+                </a:extLst>
+              </p:cNvPr>
+              <p:cNvSpPr/>
+              <p:nvPr/>
+            </p:nvSpPr>
+            <p:spPr>
+              <a:xfrm>
+                <a:off x="10401710" y="3356343"/>
+                <a:ext cx="558495" cy="532432"/>
+              </a:xfrm>
+              <a:prstGeom prst="rect">
+                <a:avLst/>
+              </a:prstGeom>
+              <a:solidFill>
+                <a:srgbClr val="00B0F0"/>
+              </a:solidFill>
+            </p:spPr>
+            <p:style>
+              <a:lnRef idx="2">
+                <a:schemeClr val="accent1">
+                  <a:shade val="50000"/>
+                </a:schemeClr>
+              </a:lnRef>
+              <a:fillRef idx="1">
+                <a:schemeClr val="accent1"/>
+              </a:fillRef>
+              <a:effectRef idx="0">
+                <a:schemeClr val="accent1"/>
+              </a:effectRef>
+              <a:fontRef idx="minor">
+                <a:schemeClr val="lt1"/>
+              </a:fontRef>
+            </p:style>
+            <p:txBody>
+              <a:bodyPr rtlCol="0" anchor="ctr"/>
+              <a:lstStyle/>
+              <a:p>
+                <a:pPr algn="ctr"/>
+                <a:endParaRPr lang="it-IT" dirty="0"/>
+              </a:p>
+            </p:txBody>
+          </p:sp>
+          <p:pic>
+            <p:nvPicPr>
+              <p:cNvPr id="29" name="Elemento grafico 28">
+                <a:extLst>
+                  <a:ext uri="{FF2B5EF4-FFF2-40B4-BE49-F238E27FC236}">
+                    <a16:creationId xmlns:a16="http://schemas.microsoft.com/office/drawing/2014/main" id="{77BFF191-6190-4529-8721-90343773E07B}"/>
+                  </a:ext>
+                </a:extLst>
+              </p:cNvPr>
+              <p:cNvPicPr>
+                <a:picLocks noChangeAspect="1"/>
+              </p:cNvPicPr>
+              <p:nvPr/>
+            </p:nvPicPr>
+            <p:blipFill>
+              <a:blip r:embed="rId5">
+                <a:extLst>
+                  <a:ext uri="{96DAC541-7B7A-43D3-8B79-37D633B846F1}">
+                    <asvg:svgBlip xmlns:asvg="http://schemas.microsoft.com/office/drawing/2016/SVG/main" r:embed="rId6"/>
+                  </a:ext>
+                </a:extLst>
+              </a:blip>
+              <a:stretch>
+                <a:fillRect/>
+              </a:stretch>
+            </p:blipFill>
+            <p:spPr>
+              <a:xfrm>
+                <a:off x="9428806" y="3174855"/>
+                <a:ext cx="330214" cy="349507"/>
+              </a:xfrm>
+              <a:prstGeom prst="rect">
+                <a:avLst/>
+              </a:prstGeom>
+            </p:spPr>
+          </p:pic>
+          <p:pic>
+            <p:nvPicPr>
+              <p:cNvPr id="31" name="Immagine 30">
+                <a:extLst>
+                  <a:ext uri="{FF2B5EF4-FFF2-40B4-BE49-F238E27FC236}">
+                    <a16:creationId xmlns:a16="http://schemas.microsoft.com/office/drawing/2014/main" id="{08A941D0-B295-460D-9C92-B4A33D6DA199}"/>
+                  </a:ext>
+                </a:extLst>
+              </p:cNvPr>
+              <p:cNvPicPr>
+                <a:picLocks noChangeAspect="1"/>
+              </p:cNvPicPr>
+              <p:nvPr/>
+            </p:nvPicPr>
+            <p:blipFill>
+              <a:blip r:embed="rId7"/>
+              <a:stretch>
+                <a:fillRect/>
+              </a:stretch>
+            </p:blipFill>
+            <p:spPr>
+              <a:xfrm>
+                <a:off x="10726747" y="2392352"/>
+                <a:ext cx="603015" cy="603015"/>
+              </a:xfrm>
+              <a:prstGeom prst="rect">
+                <a:avLst/>
+              </a:prstGeom>
+            </p:spPr>
+          </p:pic>
+          <p:pic>
+            <p:nvPicPr>
+              <p:cNvPr id="34" name="Immagine 33">
+                <a:extLst>
+                  <a:ext uri="{FF2B5EF4-FFF2-40B4-BE49-F238E27FC236}">
+                    <a16:creationId xmlns:a16="http://schemas.microsoft.com/office/drawing/2014/main" id="{40306540-5F4E-4FE3-B2A0-15EC8EB1EE53}"/>
+                  </a:ext>
+                </a:extLst>
+              </p:cNvPr>
+              <p:cNvPicPr>
+                <a:picLocks noChangeAspect="1"/>
+              </p:cNvPicPr>
+              <p:nvPr/>
+            </p:nvPicPr>
+            <p:blipFill>
+              <a:blip r:embed="rId8">
+                <a:extLst>
+                  <a:ext uri="{BEBA8EAE-BF5A-486C-A8C5-ECC9F3942E4B}">
+                    <a14:imgProps xmlns:a14="http://schemas.microsoft.com/office/drawing/2010/main">
+                      <a14:imgLayer r:embed="rId9">
+                        <a14:imgEffect>
+                          <a14:backgroundRemoval t="5984" b="94707" l="10000" r="90000">
+                            <a14:foregroundMark x1="29891" y1="89413" x2="25543" y2="82163"/>
+                            <a14:foregroundMark x1="31739" y1="94707" x2="31739" y2="94707"/>
+                            <a14:foregroundMark x1="27826" y1="86191" x2="27826" y2="86191"/>
+                            <a14:foregroundMark x1="56522" y1="9436" x2="65000" y2="10357"/>
+                            <a14:foregroundMark x1="59348" y1="5984" x2="59348" y2="5984"/>
+                            <a14:backgroundMark x1="68696" y1="41542" x2="68696" y2="41542"/>
+                          </a14:backgroundRemoval>
+                        </a14:imgEffect>
+                      </a14:imgLayer>
+                    </a14:imgProps>
+                  </a:ext>
+                </a:extLst>
+              </a:blip>
+              <a:stretch>
+                <a:fillRect/>
+              </a:stretch>
+            </p:blipFill>
+            <p:spPr>
+              <a:xfrm>
+                <a:off x="10403980" y="3383734"/>
+                <a:ext cx="491420" cy="464179"/>
+              </a:xfrm>
+              <a:prstGeom prst="rect">
+                <a:avLst/>
+              </a:prstGeom>
+            </p:spPr>
+          </p:pic>
+          <p:pic>
+            <p:nvPicPr>
+              <p:cNvPr id="35" name="Immagine 34" descr="Immagine che contiene sedendo, computer&#10;&#10;Descrizione generata automaticamente">
+                <a:extLst>
+                  <a:ext uri="{FF2B5EF4-FFF2-40B4-BE49-F238E27FC236}">
+                    <a16:creationId xmlns:a16="http://schemas.microsoft.com/office/drawing/2014/main" id="{4BAA5FE4-28AC-4CE3-BB26-418F6E9B2098}"/>
+                  </a:ext>
+                </a:extLst>
+              </p:cNvPr>
+              <p:cNvPicPr>
+                <a:picLocks noChangeAspect="1"/>
+              </p:cNvPicPr>
+              <p:nvPr/>
+            </p:nvPicPr>
+            <p:blipFill>
+              <a:blip r:embed="rId4"/>
+              <a:stretch>
+                <a:fillRect/>
+              </a:stretch>
+            </p:blipFill>
+            <p:spPr>
+              <a:xfrm>
+                <a:off x="10028621" y="4752789"/>
+                <a:ext cx="866779" cy="866779"/>
+              </a:xfrm>
+              <a:prstGeom prst="rect">
+                <a:avLst/>
+              </a:prstGeom>
+            </p:spPr>
+          </p:pic>
+          <p:pic>
+            <p:nvPicPr>
+              <p:cNvPr id="36" name="Immagine 35" descr="Immagine che contiene sedendo, computer&#10;&#10;Descrizione generata automaticamente">
+                <a:extLst>
+                  <a:ext uri="{FF2B5EF4-FFF2-40B4-BE49-F238E27FC236}">
+                    <a16:creationId xmlns:a16="http://schemas.microsoft.com/office/drawing/2014/main" id="{F805A8FD-DB8D-4954-9495-B7BE46020C20}"/>
+                  </a:ext>
+                </a:extLst>
+              </p:cNvPr>
+              <p:cNvPicPr>
+                <a:picLocks noChangeAspect="1"/>
+              </p:cNvPicPr>
+              <p:nvPr/>
+            </p:nvPicPr>
+            <p:blipFill>
+              <a:blip r:embed="rId4"/>
+              <a:stretch>
+                <a:fillRect/>
+              </a:stretch>
+            </p:blipFill>
+            <p:spPr>
+              <a:xfrm>
+                <a:off x="5606406" y="4786086"/>
+                <a:ext cx="866779" cy="866779"/>
+              </a:xfrm>
+              <a:prstGeom prst="rect">
+                <a:avLst/>
+              </a:prstGeom>
+            </p:spPr>
+          </p:pic>
+          <p:pic>
+            <p:nvPicPr>
+              <p:cNvPr id="37" name="Immagine 36" descr="Immagine che contiene sedendo, computer&#10;&#10;Descrizione generata automaticamente">
+                <a:extLst>
+                  <a:ext uri="{FF2B5EF4-FFF2-40B4-BE49-F238E27FC236}">
+                    <a16:creationId xmlns:a16="http://schemas.microsoft.com/office/drawing/2014/main" id="{630E9F6E-CCA4-4D0B-B959-206A245E6294}"/>
+                  </a:ext>
+                </a:extLst>
+              </p:cNvPr>
+              <p:cNvPicPr>
+                <a:picLocks noChangeAspect="1"/>
+              </p:cNvPicPr>
+              <p:nvPr/>
+            </p:nvPicPr>
+            <p:blipFill>
+              <a:blip r:embed="rId4"/>
+              <a:stretch>
+                <a:fillRect/>
+              </a:stretch>
+            </p:blipFill>
+            <p:spPr>
+              <a:xfrm>
+                <a:off x="6850002" y="5997487"/>
+                <a:ext cx="866779" cy="866779"/>
+              </a:xfrm>
+              <a:prstGeom prst="rect">
+                <a:avLst/>
+              </a:prstGeom>
+            </p:spPr>
+          </p:pic>
+          <p:pic>
+            <p:nvPicPr>
+              <p:cNvPr id="38" name="Immagine 37" descr="Immagine che contiene sedendo, computer&#10;&#10;Descrizione generata automaticamente">
+                <a:extLst>
+                  <a:ext uri="{FF2B5EF4-FFF2-40B4-BE49-F238E27FC236}">
+                    <a16:creationId xmlns:a16="http://schemas.microsoft.com/office/drawing/2014/main" id="{B91D39BD-29F2-4892-81DF-BC3716764D58}"/>
+                  </a:ext>
+                </a:extLst>
+              </p:cNvPr>
+              <p:cNvPicPr>
+                <a:picLocks noChangeAspect="1"/>
+              </p:cNvPicPr>
+              <p:nvPr/>
+            </p:nvPicPr>
+            <p:blipFill>
+              <a:blip r:embed="rId4"/>
+              <a:stretch>
+                <a:fillRect/>
+              </a:stretch>
+            </p:blipFill>
+            <p:spPr>
+              <a:xfrm>
+                <a:off x="8612046" y="6034259"/>
+                <a:ext cx="866779" cy="866779"/>
+              </a:xfrm>
+              <a:prstGeom prst="rect">
+                <a:avLst/>
+              </a:prstGeom>
+            </p:spPr>
+          </p:pic>
+          <p:cxnSp>
+            <p:nvCxnSpPr>
+              <p:cNvPr id="40" name="Connettore diritto 39">
+                <a:extLst>
+                  <a:ext uri="{FF2B5EF4-FFF2-40B4-BE49-F238E27FC236}">
+                    <a16:creationId xmlns:a16="http://schemas.microsoft.com/office/drawing/2014/main" id="{E35117D0-8E6E-4D2D-A588-A1838414BA2B}"/>
+                  </a:ext>
+                </a:extLst>
+              </p:cNvPr>
+              <p:cNvCxnSpPr>
+                <a:cxnSpLocks/>
+              </p:cNvCxnSpPr>
+              <p:nvPr/>
+            </p:nvCxnSpPr>
+            <p:spPr>
+              <a:xfrm flipV="1">
+                <a:off x="7660345" y="1896726"/>
+                <a:ext cx="2167717" cy="620410"/>
+              </a:xfrm>
+              <a:prstGeom prst="line">
+                <a:avLst/>
+              </a:prstGeom>
+            </p:spPr>
+            <p:style>
+              <a:lnRef idx="1">
+                <a:schemeClr val="accent1"/>
+              </a:lnRef>
+              <a:fillRef idx="0">
+                <a:schemeClr val="accent1"/>
+              </a:fillRef>
+              <a:effectRef idx="0">
+                <a:schemeClr val="accent1"/>
+              </a:effectRef>
+              <a:fontRef idx="minor">
+                <a:schemeClr val="tx1"/>
+              </a:fontRef>
+            </p:style>
+          </p:cxnSp>
+          <p:cxnSp>
+            <p:nvCxnSpPr>
+              <p:cNvPr id="42" name="Connettore diritto 41">
+                <a:extLst>
+                  <a:ext uri="{FF2B5EF4-FFF2-40B4-BE49-F238E27FC236}">
+                    <a16:creationId xmlns:a16="http://schemas.microsoft.com/office/drawing/2014/main" id="{DF13DAA2-62A4-4B35-8CC1-F32468C81B4A}"/>
+                  </a:ext>
+                </a:extLst>
+              </p:cNvPr>
+              <p:cNvCxnSpPr>
+                <a:cxnSpLocks/>
+              </p:cNvCxnSpPr>
+              <p:nvPr/>
+            </p:nvCxnSpPr>
+            <p:spPr>
+              <a:xfrm>
+                <a:off x="7660345" y="3011504"/>
+                <a:ext cx="2686608" cy="1286057"/>
+              </a:xfrm>
+              <a:prstGeom prst="line">
+                <a:avLst/>
+              </a:prstGeom>
+            </p:spPr>
+            <p:style>
+              <a:lnRef idx="1">
+                <a:schemeClr val="accent1"/>
+              </a:lnRef>
+              <a:fillRef idx="0">
+                <a:schemeClr val="accent1"/>
+              </a:fillRef>
+              <a:effectRef idx="0">
+                <a:schemeClr val="accent1"/>
+              </a:effectRef>
+              <a:fontRef idx="minor">
+                <a:schemeClr val="tx1"/>
+              </a:fontRef>
+            </p:style>
+          </p:cxnSp>
+          <p:sp>
+            <p:nvSpPr>
+              <p:cNvPr id="45" name="CasellaDiTesto 44">
+                <a:extLst>
+                  <a:ext uri="{FF2B5EF4-FFF2-40B4-BE49-F238E27FC236}">
+                    <a16:creationId xmlns:a16="http://schemas.microsoft.com/office/drawing/2014/main" id="{358C6E71-3050-416C-A4EB-EEB959F96E91}"/>
+                  </a:ext>
+                </a:extLst>
+              </p:cNvPr>
+              <p:cNvSpPr txBox="1"/>
+              <p:nvPr/>
+            </p:nvSpPr>
+            <p:spPr>
+              <a:xfrm>
+                <a:off x="7225011" y="5132832"/>
+                <a:ext cx="2214241" cy="409357"/>
+              </a:xfrm>
+              <a:prstGeom prst="rect">
+                <a:avLst/>
+              </a:prstGeom>
+              <a:noFill/>
+            </p:spPr>
+            <p:txBody>
+              <a:bodyPr wrap="square" rtlCol="0">
+                <a:normAutofit/>
+              </a:bodyPr>
+              <a:lstStyle/>
+              <a:p>
+                <a:pPr algn="ctr">
+                  <a:lnSpc>
+                    <a:spcPct val="90000"/>
+                  </a:lnSpc>
+                  <a:spcAft>
+                    <a:spcPts val="600"/>
+                  </a:spcAft>
+                </a:pPr>
+                <a:r>
+                  <a:rPr lang="it-IT" b="1" dirty="0">
+                    <a:latin typeface="Consolas" panose="020B0609020204030204" pitchFamily="49" charset="0"/>
+                  </a:rPr>
+                  <a:t>Worker </a:t>
+                </a:r>
+                <a:r>
+                  <a:rPr lang="it-IT" b="1" dirty="0" err="1">
+                    <a:latin typeface="Consolas" panose="020B0609020204030204" pitchFamily="49" charset="0"/>
+                  </a:rPr>
+                  <a:t>Nodes</a:t>
+                </a:r>
+                <a:endParaRPr lang="it-IT" dirty="0">
+                  <a:latin typeface="Consolas" panose="020B0609020204030204" pitchFamily="49" charset="0"/>
+                </a:endParaRPr>
+              </a:p>
+            </p:txBody>
+          </p:sp>
+          <p:sp>
+            <p:nvSpPr>
+              <p:cNvPr id="47" name="CasellaDiTesto 46">
+                <a:extLst>
+                  <a:ext uri="{FF2B5EF4-FFF2-40B4-BE49-F238E27FC236}">
+                    <a16:creationId xmlns:a16="http://schemas.microsoft.com/office/drawing/2014/main" id="{3521542B-185F-4EFC-AA8E-7E3F5A88BEEB}"/>
+                  </a:ext>
+                </a:extLst>
+              </p:cNvPr>
+              <p:cNvSpPr txBox="1"/>
+              <p:nvPr/>
+            </p:nvSpPr>
+            <p:spPr>
+              <a:xfrm>
+                <a:off x="6186577" y="6844229"/>
+                <a:ext cx="2214241" cy="334929"/>
+              </a:xfrm>
+              <a:prstGeom prst="rect">
+                <a:avLst/>
+              </a:prstGeom>
+              <a:noFill/>
+            </p:spPr>
+            <p:txBody>
+              <a:bodyPr wrap="square" rtlCol="0">
+                <a:normAutofit/>
+              </a:bodyPr>
+              <a:lstStyle/>
+              <a:p>
+                <a:pPr algn="ctr">
+                  <a:lnSpc>
+                    <a:spcPct val="90000"/>
+                  </a:lnSpc>
+                  <a:spcAft>
+                    <a:spcPts val="600"/>
+                  </a:spcAft>
+                </a:pPr>
+                <a:r>
+                  <a:rPr lang="it-IT" sz="1300">
+                    <a:latin typeface="Consolas" panose="020B0609020204030204" pitchFamily="49" charset="0"/>
+                  </a:rPr>
+                  <a:t>172.16.1.121</a:t>
+                </a:r>
+              </a:p>
+            </p:txBody>
+          </p:sp>
+          <p:sp>
+            <p:nvSpPr>
+              <p:cNvPr id="48" name="CasellaDiTesto 47">
+                <a:extLst>
+                  <a:ext uri="{FF2B5EF4-FFF2-40B4-BE49-F238E27FC236}">
+                    <a16:creationId xmlns:a16="http://schemas.microsoft.com/office/drawing/2014/main" id="{D66CE646-8FEF-451A-88D6-E96BC861A4AB}"/>
+                  </a:ext>
+                </a:extLst>
+              </p:cNvPr>
+              <p:cNvSpPr txBox="1"/>
+              <p:nvPr/>
+            </p:nvSpPr>
+            <p:spPr>
+              <a:xfrm>
+                <a:off x="9354890" y="5581716"/>
+                <a:ext cx="2214241" cy="334929"/>
+              </a:xfrm>
+              <a:prstGeom prst="rect">
+                <a:avLst/>
+              </a:prstGeom>
+              <a:noFill/>
+            </p:spPr>
+            <p:txBody>
+              <a:bodyPr wrap="square" rtlCol="0">
+                <a:normAutofit/>
+              </a:bodyPr>
+              <a:lstStyle/>
+              <a:p>
+                <a:pPr algn="ctr">
+                  <a:lnSpc>
+                    <a:spcPct val="90000"/>
+                  </a:lnSpc>
+                  <a:spcAft>
+                    <a:spcPts val="600"/>
+                  </a:spcAft>
+                </a:pPr>
+                <a:r>
+                  <a:rPr lang="it-IT" sz="1300" dirty="0">
+                    <a:latin typeface="Consolas" panose="020B0609020204030204" pitchFamily="49" charset="0"/>
+                  </a:rPr>
+                  <a:t>172.16.1.213</a:t>
+                </a:r>
+              </a:p>
+            </p:txBody>
+          </p:sp>
+          <p:sp>
+            <p:nvSpPr>
+              <p:cNvPr id="49" name="CasellaDiTesto 48">
+                <a:extLst>
+                  <a:ext uri="{FF2B5EF4-FFF2-40B4-BE49-F238E27FC236}">
+                    <a16:creationId xmlns:a16="http://schemas.microsoft.com/office/drawing/2014/main" id="{E95024A6-BD02-4C09-9158-8C3334FBA78A}"/>
+                  </a:ext>
+                </a:extLst>
+              </p:cNvPr>
+              <p:cNvSpPr txBox="1"/>
+              <p:nvPr/>
+            </p:nvSpPr>
+            <p:spPr>
+              <a:xfrm>
+                <a:off x="7938313" y="6850984"/>
+                <a:ext cx="2214241" cy="334929"/>
+              </a:xfrm>
+              <a:prstGeom prst="rect">
+                <a:avLst/>
+              </a:prstGeom>
+              <a:noFill/>
+            </p:spPr>
+            <p:txBody>
+              <a:bodyPr wrap="square" rtlCol="0">
+                <a:normAutofit/>
+              </a:bodyPr>
+              <a:lstStyle/>
+              <a:p>
+                <a:pPr algn="ctr">
+                  <a:lnSpc>
+                    <a:spcPct val="90000"/>
+                  </a:lnSpc>
+                  <a:spcAft>
+                    <a:spcPts val="600"/>
+                  </a:spcAft>
+                </a:pPr>
+                <a:r>
+                  <a:rPr lang="it-IT" sz="1300">
+                    <a:latin typeface="Consolas" panose="020B0609020204030204" pitchFamily="49" charset="0"/>
+                  </a:rPr>
+                  <a:t>172.16.1.242</a:t>
+                </a:r>
+              </a:p>
+            </p:txBody>
+          </p:sp>
+        </p:grpSp>
+      </p:grpSp>
     </p:spTree>
     <p:extLst>
       <p:ext uri="{BB962C8B-B14F-4D97-AF65-F5344CB8AC3E}">
@@ -4825,12 +7182,12 @@
           <a:chExt cx="0" cy="0"/>
         </a:xfrm>
       </p:grpSpPr>
-      <p:sp useBgFill="1">
-        <p:nvSpPr>
-          <p:cNvPr id="109" name="Rectangle 108">
-            <a:extLst>
-              <a:ext uri="{FF2B5EF4-FFF2-40B4-BE49-F238E27FC236}">
-                <a16:creationId xmlns:a16="http://schemas.microsoft.com/office/drawing/2014/main" id="{1C799903-48D5-4A31-A1A2-541072D9771E}"/>
+      <p:sp>
+        <p:nvSpPr>
+          <p:cNvPr id="120" name="Rectangle 119">
+            <a:extLst>
+              <a:ext uri="{FF2B5EF4-FFF2-40B4-BE49-F238E27FC236}">
+                <a16:creationId xmlns:a16="http://schemas.microsoft.com/office/drawing/2014/main" id="{2B566528-1B12-4246-9431-5C2D7D081168}"/>
               </a:ext>
               <a:ext uri="{C183D7F6-B498-43B3-948B-1728B52AA6E4}">
                 <adec:decorative xmlns:adec="http://schemas.microsoft.com/office/drawing/2017/decorative" val="1"/>
@@ -4851,443 +7208,13 @@
         <p:spPr>
           <a:xfrm>
             <a:off x="0" y="0"/>
-            <a:ext cx="12192002" cy="6858000"/>
-          </a:xfrm>
-          <a:prstGeom prst="rect">
-            <a:avLst/>
-          </a:prstGeom>
-          <a:ln>
-            <a:noFill/>
-          </a:ln>
-        </p:spPr>
-        <p:style>
-          <a:lnRef idx="2">
-            <a:schemeClr val="accent1">
-              <a:shade val="50000"/>
-            </a:schemeClr>
-          </a:lnRef>
-          <a:fillRef idx="1">
-            <a:schemeClr val="accent1"/>
-          </a:fillRef>
-          <a:effectRef idx="0">
-            <a:schemeClr val="accent1"/>
-          </a:effectRef>
-          <a:fontRef idx="minor">
-            <a:schemeClr val="lt1"/>
-          </a:fontRef>
-        </p:style>
-        <p:txBody>
-          <a:bodyPr rtlCol="0" anchor="ctr"/>
-          <a:lstStyle/>
-          <a:p>
-            <a:pPr algn="ctr"/>
-            <a:endParaRPr lang="en-US"/>
-          </a:p>
-        </p:txBody>
-      </p:sp>
-      <p:sp useBgFill="1">
-        <p:nvSpPr>
-          <p:cNvPr id="111" name="Freeform: Shape 110">
-            <a:extLst>
-              <a:ext uri="{FF2B5EF4-FFF2-40B4-BE49-F238E27FC236}">
-                <a16:creationId xmlns:a16="http://schemas.microsoft.com/office/drawing/2014/main" id="{8EFFF109-FC58-4FD3-BE05-9775A1310F55}"/>
-              </a:ext>
-              <a:ext uri="{C183D7F6-B498-43B3-948B-1728B52AA6E4}">
-                <adec:decorative xmlns:adec="http://schemas.microsoft.com/office/drawing/2017/decorative" val="1"/>
-              </a:ext>
-            </a:extLst>
-          </p:cNvPr>
-          <p:cNvSpPr>
-            <a:spLocks noGrp="1" noRot="1" noChangeAspect="1" noMove="1" noResize="1" noEditPoints="1" noAdjustHandles="1" noChangeArrowheads="1" noChangeShapeType="1" noTextEdit="1"/>
-          </p:cNvSpPr>
-          <p:nvPr>
-            <p:extLst>
-              <p:ext uri="{386F3935-93C4-4BCD-93E2-E3B085C9AB24}">
-                <p16:designElem xmlns:p16="http://schemas.microsoft.com/office/powerpoint/2015/main" val="1"/>
-              </p:ext>
-            </p:extLst>
-          </p:nvPr>
-        </p:nvSpPr>
-        <p:spPr>
-          <a:xfrm>
-            <a:off x="-1" y="0"/>
-            <a:ext cx="4818889" cy="6858000"/>
-          </a:xfrm>
-          <a:custGeom>
-            <a:avLst/>
-            <a:gdLst>
-              <a:gd name="connsiteX0" fmla="*/ 0 w 4818889"/>
-              <a:gd name="connsiteY0" fmla="*/ 0 h 6858000"/>
-              <a:gd name="connsiteX1" fmla="*/ 3605911 w 4818889"/>
-              <a:gd name="connsiteY1" fmla="*/ 0 h 6858000"/>
-              <a:gd name="connsiteX2" fmla="*/ 3668894 w 4818889"/>
-              <a:gd name="connsiteY2" fmla="*/ 69271 h 6858000"/>
-              <a:gd name="connsiteX3" fmla="*/ 4818889 w 4818889"/>
-              <a:gd name="connsiteY3" fmla="*/ 3429000 h 6858000"/>
-              <a:gd name="connsiteX4" fmla="*/ 3668894 w 4818889"/>
-              <a:gd name="connsiteY4" fmla="*/ 6788730 h 6858000"/>
-              <a:gd name="connsiteX5" fmla="*/ 3605911 w 4818889"/>
-              <a:gd name="connsiteY5" fmla="*/ 6858000 h 6858000"/>
-              <a:gd name="connsiteX6" fmla="*/ 0 w 4818889"/>
-              <a:gd name="connsiteY6" fmla="*/ 6858000 h 6858000"/>
-            </a:gdLst>
-            <a:ahLst/>
-            <a:cxnLst>
-              <a:cxn ang="0">
-                <a:pos x="connsiteX0" y="connsiteY0"/>
-              </a:cxn>
-              <a:cxn ang="0">
-                <a:pos x="connsiteX1" y="connsiteY1"/>
-              </a:cxn>
-              <a:cxn ang="0">
-                <a:pos x="connsiteX2" y="connsiteY2"/>
-              </a:cxn>
-              <a:cxn ang="0">
-                <a:pos x="connsiteX3" y="connsiteY3"/>
-              </a:cxn>
-              <a:cxn ang="0">
-                <a:pos x="connsiteX4" y="connsiteY4"/>
-              </a:cxn>
-              <a:cxn ang="0">
-                <a:pos x="connsiteX5" y="connsiteY5"/>
-              </a:cxn>
-              <a:cxn ang="0">
-                <a:pos x="connsiteX6" y="connsiteY6"/>
-              </a:cxn>
-            </a:cxnLst>
-            <a:rect l="l" t="t" r="r" b="b"/>
-            <a:pathLst>
-              <a:path w="4818889" h="6858000">
-                <a:moveTo>
-                  <a:pt x="0" y="0"/>
-                </a:moveTo>
-                <a:lnTo>
-                  <a:pt x="3605911" y="0"/>
-                </a:lnTo>
-                <a:lnTo>
-                  <a:pt x="3668894" y="69271"/>
-                </a:lnTo>
-                <a:cubicBezTo>
-                  <a:pt x="4379420" y="929100"/>
-                  <a:pt x="4818889" y="2116944"/>
-                  <a:pt x="4818889" y="3429000"/>
-                </a:cubicBezTo>
-                <a:cubicBezTo>
-                  <a:pt x="4818889" y="4741056"/>
-                  <a:pt x="4379420" y="5928900"/>
-                  <a:pt x="3668894" y="6788730"/>
-                </a:cubicBezTo>
-                <a:lnTo>
-                  <a:pt x="3605911" y="6858000"/>
-                </a:lnTo>
-                <a:lnTo>
-                  <a:pt x="0" y="6858000"/>
-                </a:lnTo>
-                <a:close/>
-              </a:path>
-            </a:pathLst>
-          </a:custGeom>
-          <a:ln w="9525">
-            <a:solidFill>
-              <a:srgbClr val="E6E6E6"/>
-            </a:solidFill>
-          </a:ln>
-          <a:effectLst>
-            <a:outerShdw blurRad="50800" dist="38100" algn="l" rotWithShape="0">
-              <a:schemeClr val="bg1">
-                <a:lumMod val="85000"/>
-                <a:alpha val="50000"/>
-              </a:schemeClr>
-            </a:outerShdw>
-          </a:effectLst>
-        </p:spPr>
-        <p:style>
-          <a:lnRef idx="2">
-            <a:schemeClr val="accent1">
-              <a:shade val="50000"/>
-            </a:schemeClr>
-          </a:lnRef>
-          <a:fillRef idx="1">
-            <a:schemeClr val="accent1"/>
-          </a:fillRef>
-          <a:effectRef idx="0">
-            <a:schemeClr val="accent1"/>
-          </a:effectRef>
-          <a:fontRef idx="minor">
-            <a:schemeClr val="lt1"/>
-          </a:fontRef>
-        </p:style>
-        <p:txBody>
-          <a:bodyPr wrap="square" rtlCol="0" anchor="ctr">
-            <a:noAutofit/>
-          </a:bodyPr>
-          <a:lstStyle/>
-          <a:p>
-            <a:pPr marL="0" marR="0" lvl="0" indent="0" algn="ctr" defTabSz="914400" rtl="0" eaLnBrk="1" fontAlgn="auto" latinLnBrk="0" hangingPunct="1">
-              <a:lnSpc>
-                <a:spcPct val="100000"/>
-              </a:lnSpc>
-              <a:spcBef>
-                <a:spcPts val="0"/>
-              </a:spcBef>
-              <a:spcAft>
-                <a:spcPts val="0"/>
-              </a:spcAft>
-              <a:buClrTx/>
-              <a:buSzTx/>
-              <a:buFontTx/>
-              <a:buNone/>
-              <a:tabLst/>
-              <a:defRPr/>
-            </a:pPr>
-            <a:endParaRPr kumimoji="0" lang="en-US" sz="1800" b="0" i="0" u="none" strike="noStrike" kern="1200" cap="none" spc="0" normalizeH="0" baseline="0" noProof="0">
-              <a:ln>
-                <a:noFill/>
-              </a:ln>
-              <a:solidFill>
-                <a:prstClr val="white"/>
-              </a:solidFill>
-              <a:effectLst/>
-              <a:uLnTx/>
-              <a:uFillTx/>
-              <a:latin typeface="Calibri" panose="020F0502020204030204"/>
-              <a:ea typeface="+mn-ea"/>
-              <a:cs typeface="+mn-cs"/>
-            </a:endParaRPr>
-          </a:p>
-        </p:txBody>
-      </p:sp>
-      <p:sp useBgFill="1">
-        <p:nvSpPr>
-          <p:cNvPr id="113" name="Freeform: Shape 112">
-            <a:extLst>
-              <a:ext uri="{FF2B5EF4-FFF2-40B4-BE49-F238E27FC236}">
-                <a16:creationId xmlns:a16="http://schemas.microsoft.com/office/drawing/2014/main" id="{E1B96AD6-92A9-4273-A62B-96A1C3E0BA95}"/>
-              </a:ext>
-              <a:ext uri="{C183D7F6-B498-43B3-948B-1728B52AA6E4}">
-                <adec:decorative xmlns:adec="http://schemas.microsoft.com/office/drawing/2017/decorative" val="1"/>
-              </a:ext>
-            </a:extLst>
-          </p:cNvPr>
-          <p:cNvSpPr>
-            <a:spLocks noGrp="1" noRot="1" noChangeAspect="1" noMove="1" noResize="1" noEditPoints="1" noAdjustHandles="1" noChangeArrowheads="1" noChangeShapeType="1" noTextEdit="1"/>
-          </p:cNvSpPr>
-          <p:nvPr>
-            <p:extLst>
-              <p:ext uri="{386F3935-93C4-4BCD-93E2-E3B085C9AB24}">
-                <p16:designElem xmlns:p16="http://schemas.microsoft.com/office/powerpoint/2015/main" val="1"/>
-              </p:ext>
-            </p:extLst>
-          </p:nvPr>
-        </p:nvSpPr>
-        <p:spPr>
-          <a:xfrm>
-            <a:off x="1" y="0"/>
-            <a:ext cx="4811477" cy="6858000"/>
-          </a:xfrm>
-          <a:custGeom>
-            <a:avLst/>
-            <a:gdLst>
-              <a:gd name="connsiteX0" fmla="*/ 0 w 4811477"/>
-              <a:gd name="connsiteY0" fmla="*/ 0 h 6858000"/>
-              <a:gd name="connsiteX1" fmla="*/ 3598499 w 4811477"/>
-              <a:gd name="connsiteY1" fmla="*/ 0 h 6858000"/>
-              <a:gd name="connsiteX2" fmla="*/ 3661482 w 4811477"/>
-              <a:gd name="connsiteY2" fmla="*/ 69271 h 6858000"/>
-              <a:gd name="connsiteX3" fmla="*/ 4811477 w 4811477"/>
-              <a:gd name="connsiteY3" fmla="*/ 3429000 h 6858000"/>
-              <a:gd name="connsiteX4" fmla="*/ 3661482 w 4811477"/>
-              <a:gd name="connsiteY4" fmla="*/ 6788730 h 6858000"/>
-              <a:gd name="connsiteX5" fmla="*/ 3598499 w 4811477"/>
-              <a:gd name="connsiteY5" fmla="*/ 6858000 h 6858000"/>
-              <a:gd name="connsiteX6" fmla="*/ 0 w 4811477"/>
-              <a:gd name="connsiteY6" fmla="*/ 6858000 h 6858000"/>
-            </a:gdLst>
-            <a:ahLst/>
-            <a:cxnLst>
-              <a:cxn ang="0">
-                <a:pos x="connsiteX0" y="connsiteY0"/>
-              </a:cxn>
-              <a:cxn ang="0">
-                <a:pos x="connsiteX1" y="connsiteY1"/>
-              </a:cxn>
-              <a:cxn ang="0">
-                <a:pos x="connsiteX2" y="connsiteY2"/>
-              </a:cxn>
-              <a:cxn ang="0">
-                <a:pos x="connsiteX3" y="connsiteY3"/>
-              </a:cxn>
-              <a:cxn ang="0">
-                <a:pos x="connsiteX4" y="connsiteY4"/>
-              </a:cxn>
-              <a:cxn ang="0">
-                <a:pos x="connsiteX5" y="connsiteY5"/>
-              </a:cxn>
-              <a:cxn ang="0">
-                <a:pos x="connsiteX6" y="connsiteY6"/>
-              </a:cxn>
-            </a:cxnLst>
-            <a:rect l="l" t="t" r="r" b="b"/>
-            <a:pathLst>
-              <a:path w="4811477" h="6858000">
-                <a:moveTo>
-                  <a:pt x="0" y="0"/>
-                </a:moveTo>
-                <a:lnTo>
-                  <a:pt x="3598499" y="0"/>
-                </a:lnTo>
-                <a:lnTo>
-                  <a:pt x="3661482" y="69271"/>
-                </a:lnTo>
-                <a:cubicBezTo>
-                  <a:pt x="4372008" y="929100"/>
-                  <a:pt x="4811477" y="2116944"/>
-                  <a:pt x="4811477" y="3429000"/>
-                </a:cubicBezTo>
-                <a:cubicBezTo>
-                  <a:pt x="4811477" y="4741056"/>
-                  <a:pt x="4372008" y="5928900"/>
-                  <a:pt x="3661482" y="6788730"/>
-                </a:cubicBezTo>
-                <a:lnTo>
-                  <a:pt x="3598499" y="6858000"/>
-                </a:lnTo>
-                <a:lnTo>
-                  <a:pt x="0" y="6858000"/>
-                </a:lnTo>
-                <a:close/>
-              </a:path>
-            </a:pathLst>
-          </a:custGeom>
-          <a:ln w="9525">
-            <a:noFill/>
-          </a:ln>
-          <a:effectLst/>
-        </p:spPr>
-        <p:style>
-          <a:lnRef idx="2">
-            <a:schemeClr val="accent1">
-              <a:shade val="50000"/>
-            </a:schemeClr>
-          </a:lnRef>
-          <a:fillRef idx="1">
-            <a:schemeClr val="accent1"/>
-          </a:fillRef>
-          <a:effectRef idx="0">
-            <a:schemeClr val="accent1"/>
-          </a:effectRef>
-          <a:fontRef idx="minor">
-            <a:schemeClr val="lt1"/>
-          </a:fontRef>
-        </p:style>
-        <p:txBody>
-          <a:bodyPr wrap="square" rtlCol="0" anchor="ctr">
-            <a:noAutofit/>
-          </a:bodyPr>
-          <a:lstStyle/>
-          <a:p>
-            <a:pPr marL="0" marR="0" lvl="0" indent="0" algn="ctr" defTabSz="914400" rtl="0" eaLnBrk="1" fontAlgn="auto" latinLnBrk="0" hangingPunct="1">
-              <a:lnSpc>
-                <a:spcPct val="100000"/>
-              </a:lnSpc>
-              <a:spcBef>
-                <a:spcPts val="0"/>
-              </a:spcBef>
-              <a:spcAft>
-                <a:spcPts val="0"/>
-              </a:spcAft>
-              <a:buClrTx/>
-              <a:buSzTx/>
-              <a:buFontTx/>
-              <a:buNone/>
-              <a:tabLst/>
-              <a:defRPr/>
-            </a:pPr>
-            <a:endParaRPr kumimoji="0" lang="en-US" sz="1800" b="0" i="0" u="none" strike="noStrike" kern="1200" cap="none" spc="0" normalizeH="0" baseline="0" noProof="0">
-              <a:ln>
-                <a:noFill/>
-              </a:ln>
-              <a:solidFill>
-                <a:prstClr val="white"/>
-              </a:solidFill>
-              <a:effectLst/>
-              <a:uLnTx/>
-              <a:uFillTx/>
-              <a:latin typeface="Calibri" panose="020F0502020204030204"/>
-              <a:ea typeface="+mn-ea"/>
-              <a:cs typeface="+mn-cs"/>
-            </a:endParaRPr>
-          </a:p>
-        </p:txBody>
-      </p:sp>
-      <p:sp>
-        <p:nvSpPr>
-          <p:cNvPr id="2" name="Titolo 1">
-            <a:extLst>
-              <a:ext uri="{FF2B5EF4-FFF2-40B4-BE49-F238E27FC236}">
-                <a16:creationId xmlns:a16="http://schemas.microsoft.com/office/drawing/2014/main" id="{65F4D648-4323-429F-81F4-0DC01BAF0F85}"/>
-              </a:ext>
-            </a:extLst>
-          </p:cNvPr>
-          <p:cNvSpPr>
-            <a:spLocks noGrp="1"/>
-          </p:cNvSpPr>
-          <p:nvPr>
-            <p:ph type="title"/>
-          </p:nvPr>
-        </p:nvSpPr>
-        <p:spPr>
-          <a:xfrm>
-            <a:off x="621792" y="1161288"/>
-            <a:ext cx="3602736" cy="4526280"/>
-          </a:xfrm>
-        </p:spPr>
-        <p:txBody>
-          <a:bodyPr>
-            <a:normAutofit/>
-          </a:bodyPr>
-          <a:lstStyle/>
-          <a:p>
-            <a:r>
-              <a:rPr lang="it-IT" sz="4000" dirty="0"/>
-              <a:t>HAPROXY &amp; FRONT-END</a:t>
-            </a:r>
-          </a:p>
-        </p:txBody>
-      </p:sp>
-      <p:sp>
-        <p:nvSpPr>
-          <p:cNvPr id="115" name="Rectangle 114">
-            <a:extLst>
-              <a:ext uri="{FF2B5EF4-FFF2-40B4-BE49-F238E27FC236}">
-                <a16:creationId xmlns:a16="http://schemas.microsoft.com/office/drawing/2014/main" id="{463EEC44-1BA3-44ED-81FC-A644B04B2A44}"/>
-              </a:ext>
-              <a:ext uri="{C183D7F6-B498-43B3-948B-1728B52AA6E4}">
-                <adec:decorative xmlns:adec="http://schemas.microsoft.com/office/drawing/2017/decorative" val="1"/>
-              </a:ext>
-            </a:extLst>
-          </p:cNvPr>
-          <p:cNvSpPr>
-            <a:spLocks noGrp="1" noRot="1" noChangeAspect="1" noMove="1" noResize="1" noEditPoints="1" noAdjustHandles="1" noChangeArrowheads="1" noChangeShapeType="1" noTextEdit="1"/>
-          </p:cNvSpPr>
-          <p:nvPr>
-            <p:extLst>
-              <p:ext uri="{386F3935-93C4-4BCD-93E2-E3B085C9AB24}">
-                <p16:designElem xmlns:p16="http://schemas.microsoft.com/office/powerpoint/2015/main" val="1"/>
-              </p:ext>
-            </p:extLst>
-          </p:nvPr>
-        </p:nvSpPr>
-        <p:spPr>
-          <a:xfrm>
-            <a:off x="0" y="3102049"/>
-            <a:ext cx="128016" cy="653903"/>
+            <a:ext cx="12192000" cy="6858000"/>
           </a:xfrm>
           <a:prstGeom prst="rect">
             <a:avLst/>
           </a:prstGeom>
           <a:solidFill>
-            <a:schemeClr val="accent2"/>
+            <a:schemeClr val="bg1"/>
           </a:solidFill>
           <a:ln>
             <a:noFill/>
@@ -5314,21 +7241,16 @@
           <a:lstStyle/>
           <a:p>
             <a:pPr algn="ctr"/>
-            <a:endParaRPr lang="en-US">
-              <a:solidFill>
-                <a:prstClr val="white"/>
-              </a:solidFill>
-              <a:latin typeface="Calibri" panose="020F0502020204030204"/>
-            </a:endParaRPr>
-          </a:p>
-        </p:txBody>
-      </p:sp>
-      <p:sp>
-        <p:nvSpPr>
-          <p:cNvPr id="3" name="Segnaposto contenuto 2">
-            <a:extLst>
-              <a:ext uri="{FF2B5EF4-FFF2-40B4-BE49-F238E27FC236}">
-                <a16:creationId xmlns:a16="http://schemas.microsoft.com/office/drawing/2014/main" id="{53791F3C-6B65-4EE9-8D35-475CE948462C}"/>
+            <a:endParaRPr lang="en-US" dirty="0"/>
+          </a:p>
+        </p:txBody>
+      </p:sp>
+      <p:sp>
+        <p:nvSpPr>
+          <p:cNvPr id="2" name="Titolo 1">
+            <a:extLst>
+              <a:ext uri="{FF2B5EF4-FFF2-40B4-BE49-F238E27FC236}">
+                <a16:creationId xmlns:a16="http://schemas.microsoft.com/office/drawing/2014/main" id="{65F4D648-4323-429F-81F4-0DC01BAF0F85}"/>
               </a:ext>
             </a:extLst>
           </p:cNvPr>
@@ -5336,238 +7258,457 @@
             <a:spLocks noGrp="1"/>
           </p:cNvSpPr>
           <p:nvPr>
-            <p:ph idx="1"/>
+            <p:ph type="title"/>
           </p:nvPr>
         </p:nvSpPr>
         <p:spPr>
           <a:xfrm>
-            <a:off x="5434149" y="932688"/>
-            <a:ext cx="5916603" cy="4992624"/>
+            <a:off x="643467" y="321734"/>
+            <a:ext cx="5136416" cy="1135737"/>
           </a:xfrm>
         </p:spPr>
         <p:txBody>
-          <a:bodyPr anchor="ctr">
+          <a:bodyPr>
             <a:normAutofit/>
           </a:bodyPr>
           <a:lstStyle/>
           <a:p>
             <a:r>
-              <a:rPr lang="it-IT" sz="2000" dirty="0" err="1"/>
+              <a:rPr lang="it-IT" sz="3600"/>
+              <a:t>HAPROXY &amp; FRONT-END</a:t>
+            </a:r>
+          </a:p>
+        </p:txBody>
+      </p:sp>
+      <p:sp>
+        <p:nvSpPr>
+          <p:cNvPr id="3" name="Segnaposto contenuto 2">
+            <a:extLst>
+              <a:ext uri="{FF2B5EF4-FFF2-40B4-BE49-F238E27FC236}">
+                <a16:creationId xmlns:a16="http://schemas.microsoft.com/office/drawing/2014/main" id="{53791F3C-6B65-4EE9-8D35-475CE948462C}"/>
+              </a:ext>
+            </a:extLst>
+          </p:cNvPr>
+          <p:cNvSpPr>
+            <a:spLocks noGrp="1"/>
+          </p:cNvSpPr>
+          <p:nvPr>
+            <p:ph idx="1"/>
+          </p:nvPr>
+        </p:nvSpPr>
+        <p:spPr>
+          <a:xfrm>
+            <a:off x="643467" y="1536586"/>
+            <a:ext cx="5136416" cy="4393982"/>
+          </a:xfrm>
+        </p:spPr>
+        <p:txBody>
+          <a:bodyPr>
+            <a:normAutofit/>
+          </a:bodyPr>
+          <a:lstStyle/>
+          <a:p>
+            <a:r>
+              <a:rPr lang="en-GB" sz="2000" b="1" dirty="0"/>
               <a:t>HAProxy</a:t>
             </a:r>
             <a:r>
-              <a:rPr lang="it-IT" sz="2000" dirty="0"/>
-              <a:t> </a:t>
-            </a:r>
-            <a:r>
-              <a:rPr lang="it-IT" sz="2000" dirty="0" err="1"/>
-              <a:t>is</a:t>
-            </a:r>
-            <a:r>
-              <a:rPr lang="it-IT" sz="2000" dirty="0"/>
-              <a:t> </a:t>
-            </a:r>
-            <a:r>
-              <a:rPr lang="it-IT" sz="2000" dirty="0" err="1"/>
-              <a:t>deployed</a:t>
-            </a:r>
-            <a:r>
-              <a:rPr lang="it-IT" sz="2000" dirty="0"/>
-              <a:t> </a:t>
-            </a:r>
-            <a:r>
-              <a:rPr lang="it-IT" sz="2000" dirty="0" err="1"/>
-              <a:t>as</a:t>
-            </a:r>
-            <a:r>
-              <a:rPr lang="it-IT" sz="2000" dirty="0"/>
-              <a:t> single </a:t>
-            </a:r>
-            <a:r>
-              <a:rPr lang="it-IT" sz="2000" dirty="0" err="1"/>
-              <a:t>istance</a:t>
-            </a:r>
-            <a:r>
-              <a:rPr lang="it-IT" sz="2000" dirty="0"/>
-              <a:t>, in the VM with </a:t>
-            </a:r>
-            <a:r>
-              <a:rPr lang="it-IT" sz="2000" dirty="0" err="1"/>
-              <a:t>ip</a:t>
-            </a:r>
-            <a:r>
-              <a:rPr lang="it-IT" sz="2000" dirty="0"/>
-              <a:t> 172.16.3.35.</a:t>
-            </a:r>
-          </a:p>
-          <a:p>
-            <a:r>
-              <a:rPr lang="it-IT" sz="2000" dirty="0"/>
-              <a:t>For </a:t>
-            </a:r>
-            <a:r>
-              <a:rPr lang="it-IT" sz="2000" dirty="0" err="1"/>
-              <a:t>this</a:t>
-            </a:r>
-            <a:r>
-              <a:rPr lang="it-IT" sz="2000" dirty="0"/>
-              <a:t> </a:t>
-            </a:r>
-            <a:r>
-              <a:rPr lang="it-IT" sz="2000" dirty="0" err="1"/>
-              <a:t>architecture</a:t>
-            </a:r>
-            <a:r>
-              <a:rPr lang="it-IT" sz="2000" dirty="0"/>
-              <a:t>, </a:t>
-            </a:r>
-            <a:r>
-              <a:rPr lang="it-IT" sz="2000" dirty="0" err="1"/>
-              <a:t>every</a:t>
-            </a:r>
-            <a:r>
-              <a:rPr lang="it-IT" sz="2000" dirty="0"/>
-              <a:t> front-end </a:t>
-            </a:r>
-            <a:r>
-              <a:rPr lang="it-IT" sz="2000" dirty="0" err="1"/>
-              <a:t>instance</a:t>
-            </a:r>
-            <a:r>
-              <a:rPr lang="it-IT" sz="2000" dirty="0"/>
-              <a:t> must be </a:t>
-            </a:r>
-            <a:r>
-              <a:rPr lang="it-IT" sz="2000" dirty="0" err="1"/>
-              <a:t>connected</a:t>
-            </a:r>
-            <a:r>
-              <a:rPr lang="it-IT" sz="2000" dirty="0"/>
-              <a:t> with one back-end </a:t>
-            </a:r>
-            <a:r>
-              <a:rPr lang="it-IT" sz="2000" dirty="0" err="1"/>
-              <a:t>istance</a:t>
-            </a:r>
-            <a:r>
-              <a:rPr lang="it-IT" sz="2000" dirty="0"/>
+              <a:rPr lang="en-GB" sz="2000" dirty="0"/>
+              <a:t> is deployed using a </a:t>
+            </a:r>
+            <a:r>
+              <a:rPr lang="en-GB" sz="2000" i="1" dirty="0"/>
+              <a:t>dedicated node </a:t>
+            </a:r>
+            <a:r>
+              <a:rPr lang="en-GB" sz="2000" dirty="0"/>
+              <a:t>model to load-balance the requests to the </a:t>
+            </a:r>
+            <a:r>
+              <a:rPr lang="en-GB" sz="2000" i="1" dirty="0"/>
+              <a:t>front-ends</a:t>
+            </a:r>
+            <a:r>
+              <a:rPr lang="en-GB" sz="2000" dirty="0"/>
               <a:t>.</a:t>
             </a:r>
           </a:p>
           <a:p>
             <a:r>
-              <a:rPr lang="it-IT" sz="2000" dirty="0" err="1"/>
-              <a:t>There</a:t>
-            </a:r>
-            <a:r>
-              <a:rPr lang="it-IT" sz="2000" dirty="0"/>
-              <a:t> are 2 front-end </a:t>
-            </a:r>
-            <a:r>
-              <a:rPr lang="it-IT" sz="2000" dirty="0" err="1"/>
-              <a:t>istances</a:t>
-            </a:r>
-            <a:r>
-              <a:rPr lang="it-IT" sz="2000" dirty="0"/>
-              <a:t>, and are on the VM with </a:t>
-            </a:r>
-            <a:r>
-              <a:rPr lang="it-IT" sz="2000" dirty="0" err="1"/>
-              <a:t>ip</a:t>
-            </a:r>
-            <a:r>
-              <a:rPr lang="it-IT" sz="2000" dirty="0"/>
-              <a:t> 172.16.1.120 and 172.16.1.121</a:t>
-            </a:r>
-          </a:p>
-          <a:p>
-            <a:r>
-              <a:rPr lang="it-IT" sz="2000" dirty="0"/>
-              <a:t>The front-end </a:t>
-            </a:r>
-            <a:r>
-              <a:rPr lang="it-IT" sz="2000" dirty="0" err="1"/>
-              <a:t>is</a:t>
-            </a:r>
-            <a:r>
-              <a:rPr lang="it-IT" sz="2000" dirty="0"/>
-              <a:t> </a:t>
-            </a:r>
-            <a:r>
-              <a:rPr lang="it-IT" sz="2000" dirty="0" err="1"/>
-              <a:t>obtained</a:t>
-            </a:r>
-            <a:r>
-              <a:rPr lang="it-IT" sz="2000" dirty="0"/>
-              <a:t> </a:t>
-            </a:r>
-            <a:r>
-              <a:rPr lang="it-IT" sz="2000" dirty="0" err="1"/>
-              <a:t>starting</a:t>
-            </a:r>
-            <a:r>
-              <a:rPr lang="it-IT" sz="2000" dirty="0"/>
-              <a:t> from a </a:t>
-            </a:r>
-            <a:r>
-              <a:rPr lang="it-IT" sz="2000" dirty="0" err="1"/>
+              <a:rPr lang="en-GB" sz="2000" dirty="0"/>
+              <a:t>The </a:t>
+            </a:r>
+            <a:r>
+              <a:rPr lang="en-GB" sz="2000" b="1" dirty="0"/>
+              <a:t>front-ends</a:t>
+            </a:r>
+            <a:r>
+              <a:rPr lang="en-GB" sz="2000" dirty="0"/>
+              <a:t> are obtained from a </a:t>
+            </a:r>
+            <a:r>
+              <a:rPr lang="en-GB" sz="2000" i="1" dirty="0"/>
               <a:t>yaml</a:t>
             </a:r>
             <a:r>
-              <a:rPr lang="it-IT" sz="2000" dirty="0"/>
-              <a:t> </a:t>
-            </a:r>
-            <a:r>
-              <a:rPr lang="it-IT" sz="2000" dirty="0" err="1"/>
-              <a:t>declaration</a:t>
-            </a:r>
-            <a:r>
-              <a:rPr lang="it-IT" sz="2000" dirty="0"/>
-              <a:t>.</a:t>
-            </a:r>
-          </a:p>
-          <a:p>
-            <a:r>
-              <a:rPr lang="it-IT" sz="2000" dirty="0"/>
-              <a:t>The front-end use </a:t>
-            </a:r>
-            <a:r>
-              <a:rPr lang="it-IT" sz="2000" dirty="0" err="1"/>
-              <a:t>rabbitmq</a:t>
-            </a:r>
-            <a:r>
-              <a:rPr lang="it-IT" sz="2000" dirty="0"/>
-              <a:t> to </a:t>
-            </a:r>
-            <a:r>
-              <a:rPr lang="it-IT" sz="2000" dirty="0" err="1"/>
-              <a:t>communicate</a:t>
-            </a:r>
-            <a:r>
-              <a:rPr lang="it-IT" sz="2000" dirty="0"/>
-              <a:t> with the </a:t>
-            </a:r>
-            <a:r>
-              <a:rPr lang="it-IT" sz="2000" dirty="0" err="1"/>
-              <a:t>corrispective</a:t>
-            </a:r>
-            <a:r>
-              <a:rPr lang="it-IT" sz="2000" dirty="0"/>
-              <a:t> back-end.</a:t>
-            </a:r>
-            <a:endParaRPr lang="en-US" sz="2000" dirty="0"/>
-          </a:p>
-          <a:p>
-            <a:pPr marL="0" indent="0">
-              <a:buNone/>
-            </a:pPr>
-            <a:r>
-              <a:rPr lang="it-IT" sz="2000" dirty="0"/>
-              <a:t> </a:t>
-            </a:r>
-          </a:p>
-        </p:txBody>
-      </p:sp>
+              <a:rPr lang="en-GB" sz="2000" dirty="0"/>
+              <a:t> declaration. </a:t>
+            </a:r>
+          </a:p>
+        </p:txBody>
+      </p:sp>
+      <p:sp>
+        <p:nvSpPr>
+          <p:cNvPr id="122" name="Isosceles Triangle 121">
+            <a:extLst>
+              <a:ext uri="{FF2B5EF4-FFF2-40B4-BE49-F238E27FC236}">
+                <a16:creationId xmlns:a16="http://schemas.microsoft.com/office/drawing/2014/main" id="{D3F51FEB-38FB-4F6C-9F7B-2F2AFAB65463}"/>
+              </a:ext>
+              <a:ext uri="{C183D7F6-B498-43B3-948B-1728B52AA6E4}">
+                <adec:decorative xmlns:adec="http://schemas.microsoft.com/office/drawing/2017/decorative" val="1"/>
+              </a:ext>
+            </a:extLst>
+          </p:cNvPr>
+          <p:cNvSpPr>
+            <a:spLocks noGrp="1" noRot="1" noChangeAspect="1" noMove="1" noResize="1" noEditPoints="1" noAdjustHandles="1" noChangeArrowheads="1" noChangeShapeType="1" noTextEdit="1"/>
+          </p:cNvSpPr>
+          <p:nvPr>
+            <p:extLst>
+              <p:ext uri="{386F3935-93C4-4BCD-93E2-E3B085C9AB24}">
+                <p16:designElem xmlns:p16="http://schemas.microsoft.com/office/powerpoint/2015/main" val="1"/>
+              </p:ext>
+            </p:extLst>
+          </p:nvPr>
+        </p:nvSpPr>
+        <p:spPr>
+          <a:xfrm rot="5400000">
+            <a:off x="-501760" y="5103257"/>
+            <a:ext cx="2017580" cy="1014060"/>
+          </a:xfrm>
+          <a:prstGeom prst="triangle">
+            <a:avLst>
+              <a:gd name="adj" fmla="val 50000"/>
+            </a:avLst>
+          </a:prstGeom>
+          <a:solidFill>
+            <a:schemeClr val="accent1">
+              <a:alpha val="30000"/>
+            </a:schemeClr>
+          </a:solidFill>
+          <a:ln>
+            <a:noFill/>
+          </a:ln>
+        </p:spPr>
+        <p:style>
+          <a:lnRef idx="2">
+            <a:schemeClr val="accent1">
+              <a:shade val="50000"/>
+            </a:schemeClr>
+          </a:lnRef>
+          <a:fillRef idx="1">
+            <a:schemeClr val="accent1"/>
+          </a:fillRef>
+          <a:effectRef idx="0">
+            <a:schemeClr val="accent1"/>
+          </a:effectRef>
+          <a:fontRef idx="minor">
+            <a:schemeClr val="lt1"/>
+          </a:fontRef>
+        </p:style>
+        <p:txBody>
+          <a:bodyPr rtlCol="0" anchor="ctr"/>
+          <a:lstStyle/>
+          <a:p>
+            <a:pPr algn="ctr"/>
+            <a:endParaRPr lang="en-US" dirty="0"/>
+          </a:p>
+        </p:txBody>
+      </p:sp>
+      <p:sp>
+        <p:nvSpPr>
+          <p:cNvPr id="124" name="Rectangle 123">
+            <a:extLst>
+              <a:ext uri="{FF2B5EF4-FFF2-40B4-BE49-F238E27FC236}">
+                <a16:creationId xmlns:a16="http://schemas.microsoft.com/office/drawing/2014/main" id="{1E547BA6-BAE0-43BB-A7CA-60F69CE252F0}"/>
+              </a:ext>
+              <a:ext uri="{C183D7F6-B498-43B3-948B-1728B52AA6E4}">
+                <adec:decorative xmlns:adec="http://schemas.microsoft.com/office/drawing/2017/decorative" val="1"/>
+              </a:ext>
+            </a:extLst>
+          </p:cNvPr>
+          <p:cNvSpPr>
+            <a:spLocks noGrp="1" noRot="1" noChangeAspect="1" noMove="1" noResize="1" noEditPoints="1" noAdjustHandles="1" noChangeArrowheads="1" noChangeShapeType="1" noTextEdit="1"/>
+          </p:cNvSpPr>
+          <p:nvPr>
+            <p:extLst>
+              <p:ext uri="{386F3935-93C4-4BCD-93E2-E3B085C9AB24}">
+                <p16:designElem xmlns:p16="http://schemas.microsoft.com/office/powerpoint/2015/main" val="1"/>
+              </p:ext>
+            </p:extLst>
+          </p:nvPr>
+        </p:nvSpPr>
+        <p:spPr>
+          <a:xfrm rot="2700000">
+            <a:off x="427916" y="5728708"/>
+            <a:ext cx="485578" cy="485578"/>
+          </a:xfrm>
+          <a:prstGeom prst="rect">
+            <a:avLst/>
+          </a:prstGeom>
+          <a:solidFill>
+            <a:schemeClr val="accent1">
+              <a:alpha val="30000"/>
+            </a:schemeClr>
+          </a:solidFill>
+          <a:ln>
+            <a:noFill/>
+          </a:ln>
+        </p:spPr>
+        <p:style>
+          <a:lnRef idx="2">
+            <a:schemeClr val="accent1">
+              <a:shade val="50000"/>
+            </a:schemeClr>
+          </a:lnRef>
+          <a:fillRef idx="1">
+            <a:schemeClr val="accent1"/>
+          </a:fillRef>
+          <a:effectRef idx="0">
+            <a:schemeClr val="accent1"/>
+          </a:effectRef>
+          <a:fontRef idx="minor">
+            <a:schemeClr val="lt1"/>
+          </a:fontRef>
+        </p:style>
+        <p:txBody>
+          <a:bodyPr rtlCol="0" anchor="ctr"/>
+          <a:lstStyle/>
+          <a:p>
+            <a:pPr algn="ctr"/>
+            <a:endParaRPr lang="en-US" dirty="0"/>
+          </a:p>
+        </p:txBody>
+      </p:sp>
+      <p:grpSp>
+        <p:nvGrpSpPr>
+          <p:cNvPr id="126" name="Group 125">
+            <a:extLst>
+              <a:ext uri="{FF2B5EF4-FFF2-40B4-BE49-F238E27FC236}">
+                <a16:creationId xmlns:a16="http://schemas.microsoft.com/office/drawing/2014/main" id="{07EAA094-9CF6-4695-958A-33D9BCAA9474}"/>
+              </a:ext>
+              <a:ext uri="{C183D7F6-B498-43B3-948B-1728B52AA6E4}">
+                <adec:decorative xmlns:adec="http://schemas.microsoft.com/office/drawing/2017/decorative" val="1"/>
+              </a:ext>
+            </a:extLst>
+          </p:cNvPr>
+          <p:cNvGrpSpPr>
+            <a:grpSpLocks noGrp="1" noUngrp="1" noRot="1" noChangeAspect="1" noMove="1" noResize="1"/>
+          </p:cNvGrpSpPr>
+          <p:nvPr>
+            <p:extLst>
+              <p:ext uri="{386F3935-93C4-4BCD-93E2-E3B085C9AB24}">
+                <p16:designElem xmlns:p16="http://schemas.microsoft.com/office/powerpoint/2015/main" val="1"/>
+              </p:ext>
+            </p:extLst>
+          </p:nvPr>
+        </p:nvGrpSpPr>
+        <p:grpSpPr>
+          <a:xfrm>
+            <a:off x="11123132" y="713128"/>
+            <a:ext cx="1068867" cy="2126625"/>
+            <a:chOff x="10918968" y="713127"/>
+            <a:chExt cx="1273032" cy="2532832"/>
+          </a:xfrm>
+        </p:grpSpPr>
+        <p:sp>
+          <p:nvSpPr>
+            <p:cNvPr id="127" name="Rectangle 126">
+              <a:extLst>
+                <a:ext uri="{FF2B5EF4-FFF2-40B4-BE49-F238E27FC236}">
+                  <a16:creationId xmlns:a16="http://schemas.microsoft.com/office/drawing/2014/main" id="{2E80C965-DB6D-4F81-9E9E-B027384D0BD6}"/>
+                </a:ext>
+                <a:ext uri="{C183D7F6-B498-43B3-948B-1728B52AA6E4}">
+                  <adec:decorative xmlns:adec="http://schemas.microsoft.com/office/drawing/2017/decorative" val="1"/>
+                </a:ext>
+              </a:extLst>
+            </p:cNvPr>
+            <p:cNvSpPr/>
+            <p:nvPr>
+              <p:extLst>
+                <p:ext uri="{386F3935-93C4-4BCD-93E2-E3B085C9AB24}">
+                  <p16:designElem xmlns:p16="http://schemas.microsoft.com/office/powerpoint/2015/main" val="1"/>
+                </p:ext>
+              </p:extLst>
+            </p:nvPr>
+          </p:nvSpPr>
+          <p:spPr>
+            <a:xfrm rot="2700000">
+              <a:off x="11052629" y="2120024"/>
+              <a:ext cx="645368" cy="645368"/>
+            </a:xfrm>
+            <a:prstGeom prst="rect">
+              <a:avLst/>
+            </a:prstGeom>
+            <a:solidFill>
+              <a:schemeClr val="accent4">
+                <a:alpha val="30000"/>
+              </a:schemeClr>
+            </a:solidFill>
+            <a:ln>
+              <a:noFill/>
+            </a:ln>
+          </p:spPr>
+          <p:style>
+            <a:lnRef idx="2">
+              <a:schemeClr val="accent1">
+                <a:shade val="50000"/>
+              </a:schemeClr>
+            </a:lnRef>
+            <a:fillRef idx="1">
+              <a:schemeClr val="accent1"/>
+            </a:fillRef>
+            <a:effectRef idx="0">
+              <a:schemeClr val="accent1"/>
+            </a:effectRef>
+            <a:fontRef idx="minor">
+              <a:schemeClr val="lt1"/>
+            </a:fontRef>
+          </p:style>
+          <p:txBody>
+            <a:bodyPr rtlCol="0" anchor="ctr"/>
+            <a:lstStyle/>
+            <a:p>
+              <a:pPr algn="ctr"/>
+              <a:endParaRPr lang="en-US" dirty="0"/>
+            </a:p>
+          </p:txBody>
+        </p:sp>
+        <p:sp>
+          <p:nvSpPr>
+            <p:cNvPr id="128" name="Isosceles Triangle 127">
+              <a:extLst>
+                <a:ext uri="{FF2B5EF4-FFF2-40B4-BE49-F238E27FC236}">
+                  <a16:creationId xmlns:a16="http://schemas.microsoft.com/office/drawing/2014/main" id="{A580F890-B085-4E95-96AA-55AEBEC5CE6E}"/>
+                </a:ext>
+                <a:ext uri="{C183D7F6-B498-43B3-948B-1728B52AA6E4}">
+                  <adec:decorative xmlns:adec="http://schemas.microsoft.com/office/drawing/2017/decorative" val="1"/>
+                </a:ext>
+              </a:extLst>
+            </p:cNvPr>
+            <p:cNvSpPr/>
+            <p:nvPr>
+              <p:extLst>
+                <p:ext uri="{386F3935-93C4-4BCD-93E2-E3B085C9AB24}">
+                  <p16:designElem xmlns:p16="http://schemas.microsoft.com/office/powerpoint/2015/main" val="1"/>
+                </p:ext>
+              </p:extLst>
+            </p:nvPr>
+          </p:nvSpPr>
+          <p:spPr>
+            <a:xfrm rot="16200000">
+              <a:off x="10289068" y="1343027"/>
+              <a:ext cx="2532832" cy="1273032"/>
+            </a:xfrm>
+            <a:prstGeom prst="triangle">
+              <a:avLst>
+                <a:gd name="adj" fmla="val 50000"/>
+              </a:avLst>
+            </a:prstGeom>
+            <a:solidFill>
+              <a:schemeClr val="accent4">
+                <a:alpha val="30000"/>
+              </a:schemeClr>
+            </a:solidFill>
+            <a:ln>
+              <a:noFill/>
+            </a:ln>
+          </p:spPr>
+          <p:style>
+            <a:lnRef idx="2">
+              <a:schemeClr val="accent1">
+                <a:shade val="50000"/>
+              </a:schemeClr>
+            </a:lnRef>
+            <a:fillRef idx="1">
+              <a:schemeClr val="accent1"/>
+            </a:fillRef>
+            <a:effectRef idx="0">
+              <a:schemeClr val="accent1"/>
+            </a:effectRef>
+            <a:fontRef idx="minor">
+              <a:schemeClr val="lt1"/>
+            </a:fontRef>
+          </p:style>
+          <p:txBody>
+            <a:bodyPr rtlCol="0" anchor="ctr"/>
+            <a:lstStyle/>
+            <a:p>
+              <a:pPr algn="ctr"/>
+              <a:endParaRPr lang="en-US" dirty="0"/>
+            </a:p>
+          </p:txBody>
+        </p:sp>
+      </p:grpSp>
+      <p:pic>
+        <p:nvPicPr>
+          <p:cNvPr id="7" name="Immagine 6">
+            <a:extLst>
+              <a:ext uri="{FF2B5EF4-FFF2-40B4-BE49-F238E27FC236}">
+                <a16:creationId xmlns:a16="http://schemas.microsoft.com/office/drawing/2014/main" id="{13846BEA-07EF-4739-AD20-FEA5598182E3}"/>
+              </a:ext>
+            </a:extLst>
+          </p:cNvPr>
+          <p:cNvPicPr>
+            <a:picLocks noChangeAspect="1"/>
+          </p:cNvPicPr>
+          <p:nvPr/>
+        </p:nvPicPr>
+        <p:blipFill>
+          <a:blip r:embed="rId2"/>
+          <a:stretch>
+            <a:fillRect/>
+          </a:stretch>
+        </p:blipFill>
+        <p:spPr>
+          <a:xfrm>
+            <a:off x="5898800" y="1913833"/>
+            <a:ext cx="4921781" cy="3641276"/>
+          </a:xfrm>
+          <a:prstGeom prst="rect">
+            <a:avLst/>
+          </a:prstGeom>
+        </p:spPr>
+      </p:pic>
+      <p:pic>
+        <p:nvPicPr>
+          <p:cNvPr id="12" name="Immagine 11">
+            <a:extLst>
+              <a:ext uri="{FF2B5EF4-FFF2-40B4-BE49-F238E27FC236}">
+                <a16:creationId xmlns:a16="http://schemas.microsoft.com/office/drawing/2014/main" id="{32E8792F-FAFD-4812-BFC9-73001079CB09}"/>
+              </a:ext>
+            </a:extLst>
+          </p:cNvPr>
+          <p:cNvPicPr>
+            <a:picLocks noChangeAspect="1"/>
+          </p:cNvPicPr>
+          <p:nvPr/>
+        </p:nvPicPr>
+        <p:blipFill>
+          <a:blip r:embed="rId3"/>
+          <a:stretch>
+            <a:fillRect/>
+          </a:stretch>
+        </p:blipFill>
+        <p:spPr>
+          <a:xfrm>
+            <a:off x="1256769" y="3647884"/>
+            <a:ext cx="3909811" cy="1907225"/>
+          </a:xfrm>
+          <a:prstGeom prst="rect">
+            <a:avLst/>
+          </a:prstGeom>
+        </p:spPr>
+      </p:pic>
     </p:spTree>
     <p:extLst>
       <p:ext uri="{BB962C8B-B14F-4D97-AF65-F5344CB8AC3E}">
@@ -5606,12 +7747,12 @@
           <a:chExt cx="0" cy="0"/>
         </a:xfrm>
       </p:grpSpPr>
-      <p:sp useBgFill="1">
-        <p:nvSpPr>
-          <p:cNvPr id="8" name="Rectangle 7">
-            <a:extLst>
-              <a:ext uri="{FF2B5EF4-FFF2-40B4-BE49-F238E27FC236}">
-                <a16:creationId xmlns:a16="http://schemas.microsoft.com/office/drawing/2014/main" id="{1C799903-48D5-4A31-A1A2-541072D9771E}"/>
+      <p:sp>
+        <p:nvSpPr>
+          <p:cNvPr id="56" name="Rectangle 55">
+            <a:extLst>
+              <a:ext uri="{FF2B5EF4-FFF2-40B4-BE49-F238E27FC236}">
+                <a16:creationId xmlns:a16="http://schemas.microsoft.com/office/drawing/2014/main" id="{2B566528-1B12-4246-9431-5C2D7D081168}"/>
               </a:ext>
               <a:ext uri="{C183D7F6-B498-43B3-948B-1728B52AA6E4}">
                 <adec:decorative xmlns:adec="http://schemas.microsoft.com/office/drawing/2017/decorative" val="1"/>
@@ -5632,443 +7773,13 @@
         <p:spPr>
           <a:xfrm>
             <a:off x="0" y="0"/>
-            <a:ext cx="12192002" cy="6858000"/>
-          </a:xfrm>
-          <a:prstGeom prst="rect">
-            <a:avLst/>
-          </a:prstGeom>
-          <a:ln>
-            <a:noFill/>
-          </a:ln>
-        </p:spPr>
-        <p:style>
-          <a:lnRef idx="2">
-            <a:schemeClr val="accent1">
-              <a:shade val="50000"/>
-            </a:schemeClr>
-          </a:lnRef>
-          <a:fillRef idx="1">
-            <a:schemeClr val="accent1"/>
-          </a:fillRef>
-          <a:effectRef idx="0">
-            <a:schemeClr val="accent1"/>
-          </a:effectRef>
-          <a:fontRef idx="minor">
-            <a:schemeClr val="lt1"/>
-          </a:fontRef>
-        </p:style>
-        <p:txBody>
-          <a:bodyPr rtlCol="0" anchor="ctr"/>
-          <a:lstStyle/>
-          <a:p>
-            <a:pPr algn="ctr"/>
-            <a:endParaRPr lang="en-US"/>
-          </a:p>
-        </p:txBody>
-      </p:sp>
-      <p:sp useBgFill="1">
-        <p:nvSpPr>
-          <p:cNvPr id="10" name="Freeform: Shape 9">
-            <a:extLst>
-              <a:ext uri="{FF2B5EF4-FFF2-40B4-BE49-F238E27FC236}">
-                <a16:creationId xmlns:a16="http://schemas.microsoft.com/office/drawing/2014/main" id="{8EFFF109-FC58-4FD3-BE05-9775A1310F55}"/>
-              </a:ext>
-              <a:ext uri="{C183D7F6-B498-43B3-948B-1728B52AA6E4}">
-                <adec:decorative xmlns:adec="http://schemas.microsoft.com/office/drawing/2017/decorative" val="1"/>
-              </a:ext>
-            </a:extLst>
-          </p:cNvPr>
-          <p:cNvSpPr>
-            <a:spLocks noGrp="1" noRot="1" noChangeAspect="1" noMove="1" noResize="1" noEditPoints="1" noAdjustHandles="1" noChangeArrowheads="1" noChangeShapeType="1" noTextEdit="1"/>
-          </p:cNvSpPr>
-          <p:nvPr>
-            <p:extLst>
-              <p:ext uri="{386F3935-93C4-4BCD-93E2-E3B085C9AB24}">
-                <p16:designElem xmlns:p16="http://schemas.microsoft.com/office/powerpoint/2015/main" val="1"/>
-              </p:ext>
-            </p:extLst>
-          </p:nvPr>
-        </p:nvSpPr>
-        <p:spPr>
-          <a:xfrm>
-            <a:off x="-1" y="0"/>
-            <a:ext cx="4818889" cy="6858000"/>
-          </a:xfrm>
-          <a:custGeom>
-            <a:avLst/>
-            <a:gdLst>
-              <a:gd name="connsiteX0" fmla="*/ 0 w 4818889"/>
-              <a:gd name="connsiteY0" fmla="*/ 0 h 6858000"/>
-              <a:gd name="connsiteX1" fmla="*/ 3605911 w 4818889"/>
-              <a:gd name="connsiteY1" fmla="*/ 0 h 6858000"/>
-              <a:gd name="connsiteX2" fmla="*/ 3668894 w 4818889"/>
-              <a:gd name="connsiteY2" fmla="*/ 69271 h 6858000"/>
-              <a:gd name="connsiteX3" fmla="*/ 4818889 w 4818889"/>
-              <a:gd name="connsiteY3" fmla="*/ 3429000 h 6858000"/>
-              <a:gd name="connsiteX4" fmla="*/ 3668894 w 4818889"/>
-              <a:gd name="connsiteY4" fmla="*/ 6788730 h 6858000"/>
-              <a:gd name="connsiteX5" fmla="*/ 3605911 w 4818889"/>
-              <a:gd name="connsiteY5" fmla="*/ 6858000 h 6858000"/>
-              <a:gd name="connsiteX6" fmla="*/ 0 w 4818889"/>
-              <a:gd name="connsiteY6" fmla="*/ 6858000 h 6858000"/>
-            </a:gdLst>
-            <a:ahLst/>
-            <a:cxnLst>
-              <a:cxn ang="0">
-                <a:pos x="connsiteX0" y="connsiteY0"/>
-              </a:cxn>
-              <a:cxn ang="0">
-                <a:pos x="connsiteX1" y="connsiteY1"/>
-              </a:cxn>
-              <a:cxn ang="0">
-                <a:pos x="connsiteX2" y="connsiteY2"/>
-              </a:cxn>
-              <a:cxn ang="0">
-                <a:pos x="connsiteX3" y="connsiteY3"/>
-              </a:cxn>
-              <a:cxn ang="0">
-                <a:pos x="connsiteX4" y="connsiteY4"/>
-              </a:cxn>
-              <a:cxn ang="0">
-                <a:pos x="connsiteX5" y="connsiteY5"/>
-              </a:cxn>
-              <a:cxn ang="0">
-                <a:pos x="connsiteX6" y="connsiteY6"/>
-              </a:cxn>
-            </a:cxnLst>
-            <a:rect l="l" t="t" r="r" b="b"/>
-            <a:pathLst>
-              <a:path w="4818889" h="6858000">
-                <a:moveTo>
-                  <a:pt x="0" y="0"/>
-                </a:moveTo>
-                <a:lnTo>
-                  <a:pt x="3605911" y="0"/>
-                </a:lnTo>
-                <a:lnTo>
-                  <a:pt x="3668894" y="69271"/>
-                </a:lnTo>
-                <a:cubicBezTo>
-                  <a:pt x="4379420" y="929100"/>
-                  <a:pt x="4818889" y="2116944"/>
-                  <a:pt x="4818889" y="3429000"/>
-                </a:cubicBezTo>
-                <a:cubicBezTo>
-                  <a:pt x="4818889" y="4741056"/>
-                  <a:pt x="4379420" y="5928900"/>
-                  <a:pt x="3668894" y="6788730"/>
-                </a:cubicBezTo>
-                <a:lnTo>
-                  <a:pt x="3605911" y="6858000"/>
-                </a:lnTo>
-                <a:lnTo>
-                  <a:pt x="0" y="6858000"/>
-                </a:lnTo>
-                <a:close/>
-              </a:path>
-            </a:pathLst>
-          </a:custGeom>
-          <a:ln w="9525">
-            <a:solidFill>
-              <a:srgbClr val="E6E6E6"/>
-            </a:solidFill>
-          </a:ln>
-          <a:effectLst>
-            <a:outerShdw blurRad="50800" dist="38100" algn="l" rotWithShape="0">
-              <a:schemeClr val="bg1">
-                <a:lumMod val="85000"/>
-                <a:alpha val="50000"/>
-              </a:schemeClr>
-            </a:outerShdw>
-          </a:effectLst>
-        </p:spPr>
-        <p:style>
-          <a:lnRef idx="2">
-            <a:schemeClr val="accent1">
-              <a:shade val="50000"/>
-            </a:schemeClr>
-          </a:lnRef>
-          <a:fillRef idx="1">
-            <a:schemeClr val="accent1"/>
-          </a:fillRef>
-          <a:effectRef idx="0">
-            <a:schemeClr val="accent1"/>
-          </a:effectRef>
-          <a:fontRef idx="minor">
-            <a:schemeClr val="lt1"/>
-          </a:fontRef>
-        </p:style>
-        <p:txBody>
-          <a:bodyPr wrap="square" rtlCol="0" anchor="ctr">
-            <a:noAutofit/>
-          </a:bodyPr>
-          <a:lstStyle/>
-          <a:p>
-            <a:pPr marL="0" marR="0" lvl="0" indent="0" algn="ctr" defTabSz="914400" rtl="0" eaLnBrk="1" fontAlgn="auto" latinLnBrk="0" hangingPunct="1">
-              <a:lnSpc>
-                <a:spcPct val="100000"/>
-              </a:lnSpc>
-              <a:spcBef>
-                <a:spcPts val="0"/>
-              </a:spcBef>
-              <a:spcAft>
-                <a:spcPts val="0"/>
-              </a:spcAft>
-              <a:buClrTx/>
-              <a:buSzTx/>
-              <a:buFontTx/>
-              <a:buNone/>
-              <a:tabLst/>
-              <a:defRPr/>
-            </a:pPr>
-            <a:endParaRPr kumimoji="0" lang="en-US" sz="1800" b="0" i="0" u="none" strike="noStrike" kern="1200" cap="none" spc="0" normalizeH="0" baseline="0" noProof="0">
-              <a:ln>
-                <a:noFill/>
-              </a:ln>
-              <a:solidFill>
-                <a:prstClr val="white"/>
-              </a:solidFill>
-              <a:effectLst/>
-              <a:uLnTx/>
-              <a:uFillTx/>
-              <a:latin typeface="Calibri" panose="020F0502020204030204"/>
-              <a:ea typeface="+mn-ea"/>
-              <a:cs typeface="+mn-cs"/>
-            </a:endParaRPr>
-          </a:p>
-        </p:txBody>
-      </p:sp>
-      <p:sp useBgFill="1">
-        <p:nvSpPr>
-          <p:cNvPr id="12" name="Freeform: Shape 11">
-            <a:extLst>
-              <a:ext uri="{FF2B5EF4-FFF2-40B4-BE49-F238E27FC236}">
-                <a16:creationId xmlns:a16="http://schemas.microsoft.com/office/drawing/2014/main" id="{E1B96AD6-92A9-4273-A62B-96A1C3E0BA95}"/>
-              </a:ext>
-              <a:ext uri="{C183D7F6-B498-43B3-948B-1728B52AA6E4}">
-                <adec:decorative xmlns:adec="http://schemas.microsoft.com/office/drawing/2017/decorative" val="1"/>
-              </a:ext>
-            </a:extLst>
-          </p:cNvPr>
-          <p:cNvSpPr>
-            <a:spLocks noGrp="1" noRot="1" noChangeAspect="1" noMove="1" noResize="1" noEditPoints="1" noAdjustHandles="1" noChangeArrowheads="1" noChangeShapeType="1" noTextEdit="1"/>
-          </p:cNvSpPr>
-          <p:nvPr>
-            <p:extLst>
-              <p:ext uri="{386F3935-93C4-4BCD-93E2-E3B085C9AB24}">
-                <p16:designElem xmlns:p16="http://schemas.microsoft.com/office/powerpoint/2015/main" val="1"/>
-              </p:ext>
-            </p:extLst>
-          </p:nvPr>
-        </p:nvSpPr>
-        <p:spPr>
-          <a:xfrm>
-            <a:off x="1" y="0"/>
-            <a:ext cx="4811477" cy="6858000"/>
-          </a:xfrm>
-          <a:custGeom>
-            <a:avLst/>
-            <a:gdLst>
-              <a:gd name="connsiteX0" fmla="*/ 0 w 4811477"/>
-              <a:gd name="connsiteY0" fmla="*/ 0 h 6858000"/>
-              <a:gd name="connsiteX1" fmla="*/ 3598499 w 4811477"/>
-              <a:gd name="connsiteY1" fmla="*/ 0 h 6858000"/>
-              <a:gd name="connsiteX2" fmla="*/ 3661482 w 4811477"/>
-              <a:gd name="connsiteY2" fmla="*/ 69271 h 6858000"/>
-              <a:gd name="connsiteX3" fmla="*/ 4811477 w 4811477"/>
-              <a:gd name="connsiteY3" fmla="*/ 3429000 h 6858000"/>
-              <a:gd name="connsiteX4" fmla="*/ 3661482 w 4811477"/>
-              <a:gd name="connsiteY4" fmla="*/ 6788730 h 6858000"/>
-              <a:gd name="connsiteX5" fmla="*/ 3598499 w 4811477"/>
-              <a:gd name="connsiteY5" fmla="*/ 6858000 h 6858000"/>
-              <a:gd name="connsiteX6" fmla="*/ 0 w 4811477"/>
-              <a:gd name="connsiteY6" fmla="*/ 6858000 h 6858000"/>
-            </a:gdLst>
-            <a:ahLst/>
-            <a:cxnLst>
-              <a:cxn ang="0">
-                <a:pos x="connsiteX0" y="connsiteY0"/>
-              </a:cxn>
-              <a:cxn ang="0">
-                <a:pos x="connsiteX1" y="connsiteY1"/>
-              </a:cxn>
-              <a:cxn ang="0">
-                <a:pos x="connsiteX2" y="connsiteY2"/>
-              </a:cxn>
-              <a:cxn ang="0">
-                <a:pos x="connsiteX3" y="connsiteY3"/>
-              </a:cxn>
-              <a:cxn ang="0">
-                <a:pos x="connsiteX4" y="connsiteY4"/>
-              </a:cxn>
-              <a:cxn ang="0">
-                <a:pos x="connsiteX5" y="connsiteY5"/>
-              </a:cxn>
-              <a:cxn ang="0">
-                <a:pos x="connsiteX6" y="connsiteY6"/>
-              </a:cxn>
-            </a:cxnLst>
-            <a:rect l="l" t="t" r="r" b="b"/>
-            <a:pathLst>
-              <a:path w="4811477" h="6858000">
-                <a:moveTo>
-                  <a:pt x="0" y="0"/>
-                </a:moveTo>
-                <a:lnTo>
-                  <a:pt x="3598499" y="0"/>
-                </a:lnTo>
-                <a:lnTo>
-                  <a:pt x="3661482" y="69271"/>
-                </a:lnTo>
-                <a:cubicBezTo>
-                  <a:pt x="4372008" y="929100"/>
-                  <a:pt x="4811477" y="2116944"/>
-                  <a:pt x="4811477" y="3429000"/>
-                </a:cubicBezTo>
-                <a:cubicBezTo>
-                  <a:pt x="4811477" y="4741056"/>
-                  <a:pt x="4372008" y="5928900"/>
-                  <a:pt x="3661482" y="6788730"/>
-                </a:cubicBezTo>
-                <a:lnTo>
-                  <a:pt x="3598499" y="6858000"/>
-                </a:lnTo>
-                <a:lnTo>
-                  <a:pt x="0" y="6858000"/>
-                </a:lnTo>
-                <a:close/>
-              </a:path>
-            </a:pathLst>
-          </a:custGeom>
-          <a:ln w="9525">
-            <a:noFill/>
-          </a:ln>
-          <a:effectLst/>
-        </p:spPr>
-        <p:style>
-          <a:lnRef idx="2">
-            <a:schemeClr val="accent1">
-              <a:shade val="50000"/>
-            </a:schemeClr>
-          </a:lnRef>
-          <a:fillRef idx="1">
-            <a:schemeClr val="accent1"/>
-          </a:fillRef>
-          <a:effectRef idx="0">
-            <a:schemeClr val="accent1"/>
-          </a:effectRef>
-          <a:fontRef idx="minor">
-            <a:schemeClr val="lt1"/>
-          </a:fontRef>
-        </p:style>
-        <p:txBody>
-          <a:bodyPr wrap="square" rtlCol="0" anchor="ctr">
-            <a:noAutofit/>
-          </a:bodyPr>
-          <a:lstStyle/>
-          <a:p>
-            <a:pPr marL="0" marR="0" lvl="0" indent="0" algn="ctr" defTabSz="914400" rtl="0" eaLnBrk="1" fontAlgn="auto" latinLnBrk="0" hangingPunct="1">
-              <a:lnSpc>
-                <a:spcPct val="100000"/>
-              </a:lnSpc>
-              <a:spcBef>
-                <a:spcPts val="0"/>
-              </a:spcBef>
-              <a:spcAft>
-                <a:spcPts val="0"/>
-              </a:spcAft>
-              <a:buClrTx/>
-              <a:buSzTx/>
-              <a:buFontTx/>
-              <a:buNone/>
-              <a:tabLst/>
-              <a:defRPr/>
-            </a:pPr>
-            <a:endParaRPr kumimoji="0" lang="en-US" sz="1800" b="0" i="0" u="none" strike="noStrike" kern="1200" cap="none" spc="0" normalizeH="0" baseline="0" noProof="0">
-              <a:ln>
-                <a:noFill/>
-              </a:ln>
-              <a:solidFill>
-                <a:prstClr val="white"/>
-              </a:solidFill>
-              <a:effectLst/>
-              <a:uLnTx/>
-              <a:uFillTx/>
-              <a:latin typeface="Calibri" panose="020F0502020204030204"/>
-              <a:ea typeface="+mn-ea"/>
-              <a:cs typeface="+mn-cs"/>
-            </a:endParaRPr>
-          </a:p>
-        </p:txBody>
-      </p:sp>
-      <p:sp>
-        <p:nvSpPr>
-          <p:cNvPr id="2" name="Titolo 1">
-            <a:extLst>
-              <a:ext uri="{FF2B5EF4-FFF2-40B4-BE49-F238E27FC236}">
-                <a16:creationId xmlns:a16="http://schemas.microsoft.com/office/drawing/2014/main" id="{65F4D648-4323-429F-81F4-0DC01BAF0F85}"/>
-              </a:ext>
-            </a:extLst>
-          </p:cNvPr>
-          <p:cNvSpPr>
-            <a:spLocks noGrp="1"/>
-          </p:cNvSpPr>
-          <p:nvPr>
-            <p:ph type="title"/>
-          </p:nvPr>
-        </p:nvSpPr>
-        <p:spPr>
-          <a:xfrm>
-            <a:off x="621792" y="1161288"/>
-            <a:ext cx="3602736" cy="4526280"/>
-          </a:xfrm>
-        </p:spPr>
-        <p:txBody>
-          <a:bodyPr>
-            <a:normAutofit/>
-          </a:bodyPr>
-          <a:lstStyle/>
-          <a:p>
-            <a:r>
-              <a:rPr lang="it-IT" sz="4000"/>
-              <a:t>RABBITMQ</a:t>
-            </a:r>
-          </a:p>
-        </p:txBody>
-      </p:sp>
-      <p:sp>
-        <p:nvSpPr>
-          <p:cNvPr id="14" name="Rectangle 13">
-            <a:extLst>
-              <a:ext uri="{FF2B5EF4-FFF2-40B4-BE49-F238E27FC236}">
-                <a16:creationId xmlns:a16="http://schemas.microsoft.com/office/drawing/2014/main" id="{463EEC44-1BA3-44ED-81FC-A644B04B2A44}"/>
-              </a:ext>
-              <a:ext uri="{C183D7F6-B498-43B3-948B-1728B52AA6E4}">
-                <adec:decorative xmlns:adec="http://schemas.microsoft.com/office/drawing/2017/decorative" val="1"/>
-              </a:ext>
-            </a:extLst>
-          </p:cNvPr>
-          <p:cNvSpPr>
-            <a:spLocks noGrp="1" noRot="1" noChangeAspect="1" noMove="1" noResize="1" noEditPoints="1" noAdjustHandles="1" noChangeArrowheads="1" noChangeShapeType="1" noTextEdit="1"/>
-          </p:cNvSpPr>
-          <p:nvPr>
-            <p:extLst>
-              <p:ext uri="{386F3935-93C4-4BCD-93E2-E3B085C9AB24}">
-                <p16:designElem xmlns:p16="http://schemas.microsoft.com/office/powerpoint/2015/main" val="1"/>
-              </p:ext>
-            </p:extLst>
-          </p:nvPr>
-        </p:nvSpPr>
-        <p:spPr>
-          <a:xfrm>
-            <a:off x="0" y="3102049"/>
-            <a:ext cx="128016" cy="653903"/>
+            <a:ext cx="12192000" cy="6858000"/>
           </a:xfrm>
           <a:prstGeom prst="rect">
             <a:avLst/>
           </a:prstGeom>
           <a:solidFill>
-            <a:schemeClr val="accent2"/>
+            <a:schemeClr val="bg1"/>
           </a:solidFill>
           <a:ln>
             <a:noFill/>
@@ -6095,21 +7806,16 @@
           <a:lstStyle/>
           <a:p>
             <a:pPr algn="ctr"/>
-            <a:endParaRPr lang="en-US">
-              <a:solidFill>
-                <a:prstClr val="white"/>
-              </a:solidFill>
-              <a:latin typeface="Calibri" panose="020F0502020204030204"/>
-            </a:endParaRPr>
-          </a:p>
-        </p:txBody>
-      </p:sp>
-      <p:sp>
-        <p:nvSpPr>
-          <p:cNvPr id="3" name="Segnaposto contenuto 2">
-            <a:extLst>
-              <a:ext uri="{FF2B5EF4-FFF2-40B4-BE49-F238E27FC236}">
-                <a16:creationId xmlns:a16="http://schemas.microsoft.com/office/drawing/2014/main" id="{53791F3C-6B65-4EE9-8D35-475CE948462C}"/>
+            <a:endParaRPr lang="en-US" dirty="0"/>
+          </a:p>
+        </p:txBody>
+      </p:sp>
+      <p:sp>
+        <p:nvSpPr>
+          <p:cNvPr id="2" name="Titolo 1">
+            <a:extLst>
+              <a:ext uri="{FF2B5EF4-FFF2-40B4-BE49-F238E27FC236}">
+                <a16:creationId xmlns:a16="http://schemas.microsoft.com/office/drawing/2014/main" id="{65F4D648-4323-429F-81F4-0DC01BAF0F85}"/>
               </a:ext>
             </a:extLst>
           </p:cNvPr>
@@ -6117,23 +7823,58 @@
             <a:spLocks noGrp="1"/>
           </p:cNvSpPr>
           <p:nvPr>
-            <p:ph idx="1"/>
+            <p:ph type="title"/>
           </p:nvPr>
         </p:nvSpPr>
         <p:spPr>
           <a:xfrm>
-            <a:off x="5434149" y="932688"/>
-            <a:ext cx="5916603" cy="4992624"/>
+            <a:off x="643467" y="321734"/>
+            <a:ext cx="10905066" cy="1135737"/>
           </a:xfrm>
         </p:spPr>
         <p:txBody>
-          <a:bodyPr anchor="ctr">
+          <a:bodyPr>
             <a:normAutofit/>
           </a:bodyPr>
           <a:lstStyle/>
           <a:p>
             <a:r>
-              <a:rPr lang="it-IT" sz="2000" dirty="0" err="1"/>
+              <a:rPr lang="it-IT" sz="3600" dirty="0"/>
+              <a:t>RABBITMQ</a:t>
+            </a:r>
+          </a:p>
+        </p:txBody>
+      </p:sp>
+      <p:sp>
+        <p:nvSpPr>
+          <p:cNvPr id="3" name="Segnaposto contenuto 2">
+            <a:extLst>
+              <a:ext uri="{FF2B5EF4-FFF2-40B4-BE49-F238E27FC236}">
+                <a16:creationId xmlns:a16="http://schemas.microsoft.com/office/drawing/2014/main" id="{53791F3C-6B65-4EE9-8D35-475CE948462C}"/>
+              </a:ext>
+            </a:extLst>
+          </p:cNvPr>
+          <p:cNvSpPr>
+            <a:spLocks noGrp="1"/>
+          </p:cNvSpPr>
+          <p:nvPr>
+            <p:ph idx="1"/>
+          </p:nvPr>
+        </p:nvSpPr>
+        <p:spPr>
+          <a:xfrm>
+            <a:off x="643467" y="1321553"/>
+            <a:ext cx="4008384" cy="4393982"/>
+          </a:xfrm>
+        </p:spPr>
+        <p:txBody>
+          <a:bodyPr>
+            <a:normAutofit/>
+          </a:bodyPr>
+          <a:lstStyle/>
+          <a:p>
+            <a:r>
+              <a:rPr lang="it-IT" sz="2000" b="1" dirty="0" err="1"/>
               <a:t>RabbitMQ</a:t>
             </a:r>
             <a:r>
@@ -6170,119 +7911,11 @@
             </a:r>
             <a:r>
               <a:rPr lang="it-IT" sz="2000" dirty="0"/>
-              <a:t> in the VM with IP 172.16.3.35.</a:t>
-            </a:r>
-          </a:p>
-          <a:p>
-            <a:r>
-              <a:rPr lang="it-IT" sz="2000" dirty="0"/>
-              <a:t>For </a:t>
-            </a:r>
-            <a:r>
-              <a:rPr lang="it-IT" sz="2000" dirty="0" err="1"/>
-              <a:t>each</a:t>
-            </a:r>
-            <a:r>
-              <a:rPr lang="it-IT" sz="2000" dirty="0"/>
-              <a:t> </a:t>
-            </a:r>
-            <a:r>
-              <a:rPr lang="it-IT" sz="2000" dirty="0" err="1"/>
-              <a:t>pair</a:t>
-            </a:r>
-            <a:r>
-              <a:rPr lang="it-IT" sz="2000" dirty="0"/>
-              <a:t> front-end back-end </a:t>
-            </a:r>
-            <a:r>
-              <a:rPr lang="it-IT" sz="2000" dirty="0" err="1"/>
-              <a:t>two</a:t>
-            </a:r>
-            <a:r>
-              <a:rPr lang="it-IT" sz="2000" dirty="0"/>
-              <a:t> </a:t>
-            </a:r>
-            <a:r>
-              <a:rPr lang="it-IT" sz="2000" dirty="0" err="1"/>
-              <a:t>exhange</a:t>
-            </a:r>
-            <a:r>
-              <a:rPr lang="it-IT" sz="2000" dirty="0"/>
-              <a:t> are </a:t>
-            </a:r>
-            <a:r>
-              <a:rPr lang="it-IT" sz="2000" dirty="0" err="1"/>
-              <a:t>declared</a:t>
-            </a:r>
-            <a:r>
-              <a:rPr lang="it-IT" sz="2000" dirty="0"/>
-              <a:t>, one from the front-end to the back-end and </a:t>
-            </a:r>
-            <a:r>
-              <a:rPr lang="it-IT" sz="2000" dirty="0" err="1"/>
-              <a:t>another</a:t>
-            </a:r>
-            <a:r>
-              <a:rPr lang="it-IT" sz="2000" dirty="0"/>
-              <a:t> from the back-end to the front-end.</a:t>
-            </a:r>
-          </a:p>
-          <a:p>
-            <a:r>
-              <a:rPr lang="it-IT" sz="2000" dirty="0"/>
-              <a:t>The </a:t>
-            </a:r>
-            <a:r>
-              <a:rPr lang="it-IT" sz="2000" dirty="0" err="1"/>
-              <a:t>message</a:t>
-            </a:r>
-            <a:r>
-              <a:rPr lang="it-IT" sz="2000" dirty="0"/>
-              <a:t> from the front-end to the back-end are </a:t>
-            </a:r>
-            <a:r>
-              <a:rPr lang="it-IT" sz="2000" dirty="0" err="1"/>
-              <a:t>sent</a:t>
-            </a:r>
-            <a:r>
-              <a:rPr lang="it-IT" sz="2000" dirty="0"/>
-              <a:t> with </a:t>
-            </a:r>
-            <a:r>
-              <a:rPr lang="it-IT" sz="2000" dirty="0" err="1"/>
-              <a:t>different</a:t>
-            </a:r>
-            <a:r>
-              <a:rPr lang="it-IT" sz="2000" dirty="0"/>
-              <a:t> </a:t>
-            </a:r>
-            <a:r>
-              <a:rPr lang="it-IT" sz="2000" dirty="0" err="1"/>
-              <a:t>routing</a:t>
-            </a:r>
-            <a:r>
-              <a:rPr lang="it-IT" sz="2000" dirty="0"/>
-              <a:t> key, </a:t>
-            </a:r>
-            <a:r>
-              <a:rPr lang="it-IT" sz="2000" dirty="0" err="1"/>
-              <a:t>based</a:t>
-            </a:r>
-            <a:r>
-              <a:rPr lang="it-IT" sz="2000" dirty="0"/>
               <a:t> on the </a:t>
             </a:r>
             <a:r>
-              <a:rPr lang="it-IT" sz="2000" dirty="0" err="1"/>
-              <a:t>function</a:t>
-            </a:r>
-            <a:r>
-              <a:rPr lang="it-IT" sz="2000" dirty="0"/>
-              <a:t> to </a:t>
-            </a:r>
-            <a:r>
-              <a:rPr lang="it-IT" sz="2000" dirty="0" err="1"/>
-              <a:t>perform</a:t>
+              <a:rPr lang="it-IT" sz="2000" i="1" dirty="0"/>
+              <a:t>controller</a:t>
             </a:r>
             <a:r>
               <a:rPr lang="it-IT" sz="2000" dirty="0"/>
@@ -6290,20 +7923,479 @@
             </a:r>
           </a:p>
           <a:p>
-            <a:pPr marL="0" indent="0">
-              <a:buNone/>
+            <a:r>
+              <a:rPr lang="en-US" sz="2000" b="1" dirty="0"/>
+              <a:t>Communications</a:t>
+            </a:r>
+            <a:r>
+              <a:rPr lang="en-US" sz="2000" dirty="0"/>
+              <a:t> between </a:t>
+            </a:r>
+            <a:r>
+              <a:rPr lang="en-US" sz="2000" i="1" dirty="0"/>
+              <a:t>front-end</a:t>
+            </a:r>
+            <a:r>
+              <a:rPr lang="en-US" sz="2000" dirty="0"/>
+              <a:t> and </a:t>
+            </a:r>
+            <a:r>
+              <a:rPr lang="en-US" sz="2000" i="1" dirty="0"/>
+              <a:t>back-end</a:t>
+            </a:r>
+            <a:r>
+              <a:rPr lang="en-US" sz="2000" dirty="0"/>
+              <a:t> are managed by the message broker using the configuration in the figure.</a:t>
+            </a:r>
+          </a:p>
+          <a:p>
+            <a:r>
+              <a:rPr lang="en-US" sz="2000" u="sng" dirty="0" err="1">
+                <a:solidFill>
+                  <a:srgbClr val="C00000"/>
+                </a:solidFill>
+              </a:rPr>
+              <a:t>Descrizione</a:t>
+            </a:r>
+            <a:r>
+              <a:rPr lang="en-US" sz="2000" u="sng" dirty="0">
+                <a:solidFill>
+                  <a:srgbClr val="C00000"/>
+                </a:solidFill>
+              </a:rPr>
+              <a:t> exchange e code</a:t>
+            </a:r>
+          </a:p>
+          <a:p>
+            <a:r>
+              <a:rPr lang="en-US" sz="2000" dirty="0"/>
+              <a:t>Each </a:t>
+            </a:r>
+            <a:r>
+              <a:rPr lang="en-US" sz="2000" i="1" dirty="0"/>
+              <a:t>front-end</a:t>
+            </a:r>
+            <a:r>
+              <a:rPr lang="en-US" sz="2000" dirty="0"/>
+              <a:t> instance communicates with a </a:t>
+            </a:r>
+            <a:r>
+              <a:rPr lang="en-US" sz="2000" b="1" dirty="0"/>
+              <a:t>single</a:t>
+            </a:r>
+            <a:r>
+              <a:rPr lang="en-US" sz="2000" dirty="0"/>
+              <a:t> </a:t>
+            </a:r>
+            <a:br>
+              <a:rPr lang="en-US" sz="2000" dirty="0"/>
+            </a:br>
+            <a:r>
+              <a:rPr lang="en-US" sz="2000" i="1" dirty="0"/>
+              <a:t>back-end</a:t>
+            </a:r>
+            <a:r>
+              <a:rPr lang="en-US" sz="2000" dirty="0"/>
+              <a:t> instance in order to maintain the </a:t>
+            </a:r>
+            <a:r>
+              <a:rPr lang="en-US" sz="2000" i="1" dirty="0"/>
+              <a:t>load-balancing</a:t>
+            </a:r>
+            <a:r>
+              <a:rPr lang="en-US" sz="2000" dirty="0"/>
+              <a:t> performed by </a:t>
+            </a:r>
+            <a:r>
+              <a:rPr lang="en-US" sz="2000" i="1" dirty="0" err="1"/>
+              <a:t>HAProxy</a:t>
+            </a:r>
+            <a:r>
+              <a:rPr lang="it-IT" sz="2000" i="1" dirty="0"/>
+              <a:t>.</a:t>
+            </a:r>
+            <a:endParaRPr lang="it-IT" sz="2000" dirty="0"/>
+          </a:p>
+        </p:txBody>
+      </p:sp>
+      <p:grpSp>
+        <p:nvGrpSpPr>
+          <p:cNvPr id="58" name="Group 57">
+            <a:extLst>
+              <a:ext uri="{FF2B5EF4-FFF2-40B4-BE49-F238E27FC236}">
+                <a16:creationId xmlns:a16="http://schemas.microsoft.com/office/drawing/2014/main" id="{828A5161-06F1-46CF-8AD7-844680A59E13}"/>
+              </a:ext>
+              <a:ext uri="{C183D7F6-B498-43B3-948B-1728B52AA6E4}">
+                <adec:decorative xmlns:adec="http://schemas.microsoft.com/office/drawing/2017/decorative" val="1"/>
+              </a:ext>
+            </a:extLst>
+          </p:cNvPr>
+          <p:cNvGrpSpPr>
+            <a:grpSpLocks noGrp="1" noUngrp="1" noRot="1" noChangeAspect="1" noMove="1" noResize="1"/>
+          </p:cNvGrpSpPr>
+          <p:nvPr>
+            <p:extLst>
+              <p:ext uri="{386F3935-93C4-4BCD-93E2-E3B085C9AB24}">
+                <p16:designElem xmlns:p16="http://schemas.microsoft.com/office/powerpoint/2015/main" val="1"/>
+              </p:ext>
+            </p:extLst>
+          </p:nvPr>
+        </p:nvGrpSpPr>
+        <p:grpSpPr>
+          <a:xfrm>
+            <a:off x="0" y="4601497"/>
+            <a:ext cx="1014060" cy="2017580"/>
+            <a:chOff x="0" y="4601497"/>
+            <a:chExt cx="1014060" cy="2017580"/>
+          </a:xfrm>
+        </p:grpSpPr>
+        <p:sp>
+          <p:nvSpPr>
+            <p:cNvPr id="59" name="Isosceles Triangle 58">
+              <a:extLst>
+                <a:ext uri="{FF2B5EF4-FFF2-40B4-BE49-F238E27FC236}">
+                  <a16:creationId xmlns:a16="http://schemas.microsoft.com/office/drawing/2014/main" id="{D3F51FEB-38FB-4F6C-9F7B-2F2AFAB65463}"/>
+                </a:ext>
+                <a:ext uri="{C183D7F6-B498-43B3-948B-1728B52AA6E4}">
+                  <adec:decorative xmlns:adec="http://schemas.microsoft.com/office/drawing/2017/decorative" val="1"/>
+                </a:ext>
+              </a:extLst>
+            </p:cNvPr>
+            <p:cNvSpPr/>
+            <p:nvPr>
+              <p:extLst>
+                <p:ext uri="{386F3935-93C4-4BCD-93E2-E3B085C9AB24}">
+                  <p16:designElem xmlns:p16="http://schemas.microsoft.com/office/powerpoint/2015/main" val="1"/>
+                </p:ext>
+              </p:extLst>
+            </p:nvPr>
+          </p:nvSpPr>
+          <p:spPr>
+            <a:xfrm rot="5400000">
+              <a:off x="-501760" y="5103257"/>
+              <a:ext cx="2017580" cy="1014060"/>
+            </a:xfrm>
+            <a:prstGeom prst="triangle">
+              <a:avLst>
+                <a:gd name="adj" fmla="val 50000"/>
+              </a:avLst>
+            </a:prstGeom>
+            <a:solidFill>
+              <a:schemeClr val="accent1">
+                <a:alpha val="30000"/>
+              </a:schemeClr>
+            </a:solidFill>
+            <a:ln>
+              <a:noFill/>
+            </a:ln>
+          </p:spPr>
+          <p:style>
+            <a:lnRef idx="2">
+              <a:schemeClr val="accent1">
+                <a:shade val="50000"/>
+              </a:schemeClr>
+            </a:lnRef>
+            <a:fillRef idx="1">
+              <a:schemeClr val="accent1"/>
+            </a:fillRef>
+            <a:effectRef idx="0">
+              <a:schemeClr val="accent1"/>
+            </a:effectRef>
+            <a:fontRef idx="minor">
+              <a:schemeClr val="lt1"/>
+            </a:fontRef>
+          </p:style>
+          <p:txBody>
+            <a:bodyPr rtlCol="0" anchor="ctr"/>
+            <a:lstStyle/>
+            <a:p>
+              <a:pPr algn="ctr"/>
+              <a:endParaRPr lang="en-US"/>
+            </a:p>
+          </p:txBody>
+        </p:sp>
+        <p:sp>
+          <p:nvSpPr>
+            <p:cNvPr id="60" name="Rectangle 59">
+              <a:extLst>
+                <a:ext uri="{FF2B5EF4-FFF2-40B4-BE49-F238E27FC236}">
+                  <a16:creationId xmlns:a16="http://schemas.microsoft.com/office/drawing/2014/main" id="{1E547BA6-BAE0-43BB-A7CA-60F69CE252F0}"/>
+                </a:ext>
+                <a:ext uri="{C183D7F6-B498-43B3-948B-1728B52AA6E4}">
+                  <adec:decorative xmlns:adec="http://schemas.microsoft.com/office/drawing/2017/decorative" val="1"/>
+                </a:ext>
+              </a:extLst>
+            </p:cNvPr>
+            <p:cNvSpPr/>
+            <p:nvPr>
+              <p:extLst>
+                <p:ext uri="{386F3935-93C4-4BCD-93E2-E3B085C9AB24}">
+                  <p16:designElem xmlns:p16="http://schemas.microsoft.com/office/powerpoint/2015/main" val="1"/>
+                </p:ext>
+              </p:extLst>
+            </p:nvPr>
+          </p:nvSpPr>
+          <p:spPr>
+            <a:xfrm rot="2700000">
+              <a:off x="427916" y="5728708"/>
+              <a:ext cx="485578" cy="485578"/>
+            </a:xfrm>
+            <a:prstGeom prst="rect">
+              <a:avLst/>
+            </a:prstGeom>
+            <a:solidFill>
+              <a:schemeClr val="accent1">
+                <a:alpha val="30000"/>
+              </a:schemeClr>
+            </a:solidFill>
+            <a:ln>
+              <a:noFill/>
+            </a:ln>
+          </p:spPr>
+          <p:style>
+            <a:lnRef idx="2">
+              <a:schemeClr val="accent1">
+                <a:shade val="50000"/>
+              </a:schemeClr>
+            </a:lnRef>
+            <a:fillRef idx="1">
+              <a:schemeClr val="accent1"/>
+            </a:fillRef>
+            <a:effectRef idx="0">
+              <a:schemeClr val="accent1"/>
+            </a:effectRef>
+            <a:fontRef idx="minor">
+              <a:schemeClr val="lt1"/>
+            </a:fontRef>
+          </p:style>
+          <p:txBody>
+            <a:bodyPr rtlCol="0" anchor="ctr"/>
+            <a:lstStyle/>
+            <a:p>
+              <a:pPr algn="ctr"/>
+              <a:endParaRPr lang="en-US"/>
+            </a:p>
+          </p:txBody>
+        </p:sp>
+      </p:grpSp>
+      <p:grpSp>
+        <p:nvGrpSpPr>
+          <p:cNvPr id="62" name="Group 61">
+            <a:extLst>
+              <a:ext uri="{FF2B5EF4-FFF2-40B4-BE49-F238E27FC236}">
+                <a16:creationId xmlns:a16="http://schemas.microsoft.com/office/drawing/2014/main" id="{5995D10D-E9C9-47DB-AE7E-801FEF38F5C9}"/>
+              </a:ext>
+              <a:ext uri="{C183D7F6-B498-43B3-948B-1728B52AA6E4}">
+                <adec:decorative xmlns:adec="http://schemas.microsoft.com/office/drawing/2017/decorative" val="1"/>
+              </a:ext>
+            </a:extLst>
+          </p:cNvPr>
+          <p:cNvGrpSpPr>
+            <a:grpSpLocks noGrp="1" noUngrp="1" noRot="1" noChangeAspect="1" noMove="1" noResize="1"/>
+          </p:cNvGrpSpPr>
+          <p:nvPr>
+            <p:extLst>
+              <p:ext uri="{386F3935-93C4-4BCD-93E2-E3B085C9AB24}">
+                <p16:designElem xmlns:p16="http://schemas.microsoft.com/office/powerpoint/2015/main" val="1"/>
+              </p:ext>
+            </p:extLst>
+          </p:nvPr>
+        </p:nvGrpSpPr>
+        <p:grpSpPr>
+          <a:xfrm>
+            <a:off x="11219290" y="1"/>
+            <a:ext cx="972709" cy="1935307"/>
+            <a:chOff x="10918968" y="713127"/>
+            <a:chExt cx="1273032" cy="2532832"/>
+          </a:xfrm>
+        </p:grpSpPr>
+        <p:sp>
+          <p:nvSpPr>
+            <p:cNvPr id="63" name="Rectangle 62">
+              <a:extLst>
+                <a:ext uri="{FF2B5EF4-FFF2-40B4-BE49-F238E27FC236}">
+                  <a16:creationId xmlns:a16="http://schemas.microsoft.com/office/drawing/2014/main" id="{CC1A72C6-3DE4-4EC3-9AD5-9E0D40D8CE8A}"/>
+                </a:ext>
+                <a:ext uri="{C183D7F6-B498-43B3-948B-1728B52AA6E4}">
+                  <adec:decorative xmlns:adec="http://schemas.microsoft.com/office/drawing/2017/decorative" val="1"/>
+                </a:ext>
+              </a:extLst>
+            </p:cNvPr>
+            <p:cNvSpPr/>
+            <p:nvPr>
+              <p:extLst>
+                <p:ext uri="{386F3935-93C4-4BCD-93E2-E3B085C9AB24}">
+                  <p16:designElem xmlns:p16="http://schemas.microsoft.com/office/powerpoint/2015/main" val="1"/>
+                </p:ext>
+              </p:extLst>
+            </p:nvPr>
+          </p:nvSpPr>
+          <p:spPr>
+            <a:xfrm rot="2700000">
+              <a:off x="11052629" y="2120024"/>
+              <a:ext cx="645368" cy="645368"/>
+            </a:xfrm>
+            <a:prstGeom prst="rect">
+              <a:avLst/>
+            </a:prstGeom>
+            <a:solidFill>
+              <a:schemeClr val="accent4">
+                <a:alpha val="30000"/>
+              </a:schemeClr>
+            </a:solidFill>
+            <a:ln>
+              <a:noFill/>
+            </a:ln>
+          </p:spPr>
+          <p:style>
+            <a:lnRef idx="2">
+              <a:schemeClr val="accent1">
+                <a:shade val="50000"/>
+              </a:schemeClr>
+            </a:lnRef>
+            <a:fillRef idx="1">
+              <a:schemeClr val="accent1"/>
+            </a:fillRef>
+            <a:effectRef idx="0">
+              <a:schemeClr val="accent1"/>
+            </a:effectRef>
+            <a:fontRef idx="minor">
+              <a:schemeClr val="lt1"/>
+            </a:fontRef>
+          </p:style>
+          <p:txBody>
+            <a:bodyPr rtlCol="0" anchor="ctr"/>
+            <a:lstStyle/>
+            <a:p>
+              <a:pPr algn="ctr"/>
+              <a:endParaRPr lang="en-US"/>
+            </a:p>
+          </p:txBody>
+        </p:sp>
+        <p:sp>
+          <p:nvSpPr>
+            <p:cNvPr id="64" name="Isosceles Triangle 63">
+              <a:extLst>
+                <a:ext uri="{FF2B5EF4-FFF2-40B4-BE49-F238E27FC236}">
+                  <a16:creationId xmlns:a16="http://schemas.microsoft.com/office/drawing/2014/main" id="{0B0DA1F1-C391-4EDF-9FE0-23E86E137765}"/>
+                </a:ext>
+                <a:ext uri="{C183D7F6-B498-43B3-948B-1728B52AA6E4}">
+                  <adec:decorative xmlns:adec="http://schemas.microsoft.com/office/drawing/2017/decorative" val="1"/>
+                </a:ext>
+              </a:extLst>
+            </p:cNvPr>
+            <p:cNvSpPr/>
+            <p:nvPr>
+              <p:extLst>
+                <p:ext uri="{386F3935-93C4-4BCD-93E2-E3B085C9AB24}">
+                  <p16:designElem xmlns:p16="http://schemas.microsoft.com/office/powerpoint/2015/main" val="1"/>
+                </p:ext>
+              </p:extLst>
+            </p:nvPr>
+          </p:nvSpPr>
+          <p:spPr>
+            <a:xfrm rot="16200000">
+              <a:off x="10289068" y="1343027"/>
+              <a:ext cx="2532832" cy="1273032"/>
+            </a:xfrm>
+            <a:prstGeom prst="triangle">
+              <a:avLst>
+                <a:gd name="adj" fmla="val 50000"/>
+              </a:avLst>
+            </a:prstGeom>
+            <a:solidFill>
+              <a:schemeClr val="accent4">
+                <a:alpha val="30000"/>
+              </a:schemeClr>
+            </a:solidFill>
+            <a:ln>
+              <a:noFill/>
+            </a:ln>
+          </p:spPr>
+          <p:style>
+            <a:lnRef idx="2">
+              <a:schemeClr val="accent1">
+                <a:shade val="50000"/>
+              </a:schemeClr>
+            </a:lnRef>
+            <a:fillRef idx="1">
+              <a:schemeClr val="accent1"/>
+            </a:fillRef>
+            <a:effectRef idx="0">
+              <a:schemeClr val="accent1"/>
+            </a:effectRef>
+            <a:fontRef idx="minor">
+              <a:schemeClr val="lt1"/>
+            </a:fontRef>
+          </p:style>
+          <p:txBody>
+            <a:bodyPr rtlCol="0" anchor="ctr"/>
+            <a:lstStyle/>
+            <a:p>
+              <a:pPr algn="ctr"/>
+              <a:endParaRPr lang="en-US" dirty="0"/>
+            </a:p>
+          </p:txBody>
+        </p:sp>
+      </p:grpSp>
+      <p:sp>
+        <p:nvSpPr>
+          <p:cNvPr id="33" name="CasellaDiTesto 32">
+            <a:extLst>
+              <a:ext uri="{FF2B5EF4-FFF2-40B4-BE49-F238E27FC236}">
+                <a16:creationId xmlns:a16="http://schemas.microsoft.com/office/drawing/2014/main" id="{891B4A33-D4C9-4379-83AD-452B6C939B51}"/>
+              </a:ext>
+            </a:extLst>
+          </p:cNvPr>
+          <p:cNvSpPr txBox="1"/>
+          <p:nvPr/>
+        </p:nvSpPr>
+        <p:spPr>
+          <a:xfrm>
+            <a:off x="7089770" y="3050600"/>
+            <a:ext cx="2041327" cy="387212"/>
+          </a:xfrm>
+          <a:prstGeom prst="rect">
+            <a:avLst/>
+          </a:prstGeom>
+          <a:noFill/>
+        </p:spPr>
+        <p:txBody>
+          <a:bodyPr wrap="square" rtlCol="0">
+            <a:normAutofit fontScale="70000" lnSpcReduction="20000"/>
+          </a:bodyPr>
+          <a:lstStyle/>
+          <a:p>
+            <a:pPr algn="ctr">
+              <a:lnSpc>
+                <a:spcPct val="90000"/>
+              </a:lnSpc>
+              <a:spcAft>
+                <a:spcPts val="600"/>
+              </a:spcAft>
             </a:pPr>
             <a:r>
-              <a:rPr lang="it-IT" sz="2000" dirty="0"/>
-              <a:t> </a:t>
-            </a:r>
+              <a:rPr lang="it-IT" b="1" dirty="0">
+                <a:latin typeface="Consolas" panose="020B0609020204030204" pitchFamily="49" charset="0"/>
+              </a:rPr>
+              <a:t>Schema code e </a:t>
+            </a:r>
+            <a:r>
+              <a:rPr lang="it-IT" b="1" dirty="0" err="1">
+                <a:latin typeface="Consolas" panose="020B0609020204030204" pitchFamily="49" charset="0"/>
+              </a:rPr>
+              <a:t>exchange</a:t>
+            </a:r>
+            <a:endParaRPr lang="it-IT" dirty="0">
+              <a:latin typeface="Consolas" panose="020B0609020204030204" pitchFamily="49" charset="0"/>
+            </a:endParaRPr>
           </a:p>
         </p:txBody>
       </p:sp>
     </p:spTree>
     <p:extLst>
       <p:ext uri="{BB962C8B-B14F-4D97-AF65-F5344CB8AC3E}">
-        <p14:creationId xmlns:p14="http://schemas.microsoft.com/office/powerpoint/2010/main" val="179246388"/>
+        <p14:creationId xmlns:p14="http://schemas.microsoft.com/office/powerpoint/2010/main" val="2054511357"/>
       </p:ext>
     </p:extLst>
   </p:cSld>
@@ -6338,12 +8430,12 @@
           <a:chExt cx="0" cy="0"/>
         </a:xfrm>
       </p:grpSpPr>
-      <p:sp useBgFill="1">
-        <p:nvSpPr>
-          <p:cNvPr id="8" name="Rectangle 7">
-            <a:extLst>
-              <a:ext uri="{FF2B5EF4-FFF2-40B4-BE49-F238E27FC236}">
-                <a16:creationId xmlns:a16="http://schemas.microsoft.com/office/drawing/2014/main" id="{1C799903-48D5-4A31-A1A2-541072D9771E}"/>
+      <p:sp>
+        <p:nvSpPr>
+          <p:cNvPr id="56" name="Rectangle 55">
+            <a:extLst>
+              <a:ext uri="{FF2B5EF4-FFF2-40B4-BE49-F238E27FC236}">
+                <a16:creationId xmlns:a16="http://schemas.microsoft.com/office/drawing/2014/main" id="{2B566528-1B12-4246-9431-5C2D7D081168}"/>
               </a:ext>
               <a:ext uri="{C183D7F6-B498-43B3-948B-1728B52AA6E4}">
                 <adec:decorative xmlns:adec="http://schemas.microsoft.com/office/drawing/2017/decorative" val="1"/>
@@ -6364,443 +8456,13 @@
         <p:spPr>
           <a:xfrm>
             <a:off x="0" y="0"/>
-            <a:ext cx="12192002" cy="6858000"/>
-          </a:xfrm>
-          <a:prstGeom prst="rect">
-            <a:avLst/>
-          </a:prstGeom>
-          <a:ln>
-            <a:noFill/>
-          </a:ln>
-        </p:spPr>
-        <p:style>
-          <a:lnRef idx="2">
-            <a:schemeClr val="accent1">
-              <a:shade val="50000"/>
-            </a:schemeClr>
-          </a:lnRef>
-          <a:fillRef idx="1">
-            <a:schemeClr val="accent1"/>
-          </a:fillRef>
-          <a:effectRef idx="0">
-            <a:schemeClr val="accent1"/>
-          </a:effectRef>
-          <a:fontRef idx="minor">
-            <a:schemeClr val="lt1"/>
-          </a:fontRef>
-        </p:style>
-        <p:txBody>
-          <a:bodyPr rtlCol="0" anchor="ctr"/>
-          <a:lstStyle/>
-          <a:p>
-            <a:pPr algn="ctr"/>
-            <a:endParaRPr lang="en-US"/>
-          </a:p>
-        </p:txBody>
-      </p:sp>
-      <p:sp useBgFill="1">
-        <p:nvSpPr>
-          <p:cNvPr id="10" name="Freeform: Shape 9">
-            <a:extLst>
-              <a:ext uri="{FF2B5EF4-FFF2-40B4-BE49-F238E27FC236}">
-                <a16:creationId xmlns:a16="http://schemas.microsoft.com/office/drawing/2014/main" id="{8EFFF109-FC58-4FD3-BE05-9775A1310F55}"/>
-              </a:ext>
-              <a:ext uri="{C183D7F6-B498-43B3-948B-1728B52AA6E4}">
-                <adec:decorative xmlns:adec="http://schemas.microsoft.com/office/drawing/2017/decorative" val="1"/>
-              </a:ext>
-            </a:extLst>
-          </p:cNvPr>
-          <p:cNvSpPr>
-            <a:spLocks noGrp="1" noRot="1" noChangeAspect="1" noMove="1" noResize="1" noEditPoints="1" noAdjustHandles="1" noChangeArrowheads="1" noChangeShapeType="1" noTextEdit="1"/>
-          </p:cNvSpPr>
-          <p:nvPr>
-            <p:extLst>
-              <p:ext uri="{386F3935-93C4-4BCD-93E2-E3B085C9AB24}">
-                <p16:designElem xmlns:p16="http://schemas.microsoft.com/office/powerpoint/2015/main" val="1"/>
-              </p:ext>
-            </p:extLst>
-          </p:nvPr>
-        </p:nvSpPr>
-        <p:spPr>
-          <a:xfrm>
-            <a:off x="-1" y="0"/>
-            <a:ext cx="4818889" cy="6858000"/>
-          </a:xfrm>
-          <a:custGeom>
-            <a:avLst/>
-            <a:gdLst>
-              <a:gd name="connsiteX0" fmla="*/ 0 w 4818889"/>
-              <a:gd name="connsiteY0" fmla="*/ 0 h 6858000"/>
-              <a:gd name="connsiteX1" fmla="*/ 3605911 w 4818889"/>
-              <a:gd name="connsiteY1" fmla="*/ 0 h 6858000"/>
-              <a:gd name="connsiteX2" fmla="*/ 3668894 w 4818889"/>
-              <a:gd name="connsiteY2" fmla="*/ 69271 h 6858000"/>
-              <a:gd name="connsiteX3" fmla="*/ 4818889 w 4818889"/>
-              <a:gd name="connsiteY3" fmla="*/ 3429000 h 6858000"/>
-              <a:gd name="connsiteX4" fmla="*/ 3668894 w 4818889"/>
-              <a:gd name="connsiteY4" fmla="*/ 6788730 h 6858000"/>
-              <a:gd name="connsiteX5" fmla="*/ 3605911 w 4818889"/>
-              <a:gd name="connsiteY5" fmla="*/ 6858000 h 6858000"/>
-              <a:gd name="connsiteX6" fmla="*/ 0 w 4818889"/>
-              <a:gd name="connsiteY6" fmla="*/ 6858000 h 6858000"/>
-            </a:gdLst>
-            <a:ahLst/>
-            <a:cxnLst>
-              <a:cxn ang="0">
-                <a:pos x="connsiteX0" y="connsiteY0"/>
-              </a:cxn>
-              <a:cxn ang="0">
-                <a:pos x="connsiteX1" y="connsiteY1"/>
-              </a:cxn>
-              <a:cxn ang="0">
-                <a:pos x="connsiteX2" y="connsiteY2"/>
-              </a:cxn>
-              <a:cxn ang="0">
-                <a:pos x="connsiteX3" y="connsiteY3"/>
-              </a:cxn>
-              <a:cxn ang="0">
-                <a:pos x="connsiteX4" y="connsiteY4"/>
-              </a:cxn>
-              <a:cxn ang="0">
-                <a:pos x="connsiteX5" y="connsiteY5"/>
-              </a:cxn>
-              <a:cxn ang="0">
-                <a:pos x="connsiteX6" y="connsiteY6"/>
-              </a:cxn>
-            </a:cxnLst>
-            <a:rect l="l" t="t" r="r" b="b"/>
-            <a:pathLst>
-              <a:path w="4818889" h="6858000">
-                <a:moveTo>
-                  <a:pt x="0" y="0"/>
-                </a:moveTo>
-                <a:lnTo>
-                  <a:pt x="3605911" y="0"/>
-                </a:lnTo>
-                <a:lnTo>
-                  <a:pt x="3668894" y="69271"/>
-                </a:lnTo>
-                <a:cubicBezTo>
-                  <a:pt x="4379420" y="929100"/>
-                  <a:pt x="4818889" y="2116944"/>
-                  <a:pt x="4818889" y="3429000"/>
-                </a:cubicBezTo>
-                <a:cubicBezTo>
-                  <a:pt x="4818889" y="4741056"/>
-                  <a:pt x="4379420" y="5928900"/>
-                  <a:pt x="3668894" y="6788730"/>
-                </a:cubicBezTo>
-                <a:lnTo>
-                  <a:pt x="3605911" y="6858000"/>
-                </a:lnTo>
-                <a:lnTo>
-                  <a:pt x="0" y="6858000"/>
-                </a:lnTo>
-                <a:close/>
-              </a:path>
-            </a:pathLst>
-          </a:custGeom>
-          <a:ln w="9525">
-            <a:solidFill>
-              <a:srgbClr val="E6E6E6"/>
-            </a:solidFill>
-          </a:ln>
-          <a:effectLst>
-            <a:outerShdw blurRad="50800" dist="38100" algn="l" rotWithShape="0">
-              <a:schemeClr val="bg1">
-                <a:lumMod val="85000"/>
-                <a:alpha val="50000"/>
-              </a:schemeClr>
-            </a:outerShdw>
-          </a:effectLst>
-        </p:spPr>
-        <p:style>
-          <a:lnRef idx="2">
-            <a:schemeClr val="accent1">
-              <a:shade val="50000"/>
-            </a:schemeClr>
-          </a:lnRef>
-          <a:fillRef idx="1">
-            <a:schemeClr val="accent1"/>
-          </a:fillRef>
-          <a:effectRef idx="0">
-            <a:schemeClr val="accent1"/>
-          </a:effectRef>
-          <a:fontRef idx="minor">
-            <a:schemeClr val="lt1"/>
-          </a:fontRef>
-        </p:style>
-        <p:txBody>
-          <a:bodyPr wrap="square" rtlCol="0" anchor="ctr">
-            <a:noAutofit/>
-          </a:bodyPr>
-          <a:lstStyle/>
-          <a:p>
-            <a:pPr marL="0" marR="0" lvl="0" indent="0" algn="ctr" defTabSz="914400" rtl="0" eaLnBrk="1" fontAlgn="auto" latinLnBrk="0" hangingPunct="1">
-              <a:lnSpc>
-                <a:spcPct val="100000"/>
-              </a:lnSpc>
-              <a:spcBef>
-                <a:spcPts val="0"/>
-              </a:spcBef>
-              <a:spcAft>
-                <a:spcPts val="0"/>
-              </a:spcAft>
-              <a:buClrTx/>
-              <a:buSzTx/>
-              <a:buFontTx/>
-              <a:buNone/>
-              <a:tabLst/>
-              <a:defRPr/>
-            </a:pPr>
-            <a:endParaRPr kumimoji="0" lang="en-US" sz="1800" b="0" i="0" u="none" strike="noStrike" kern="1200" cap="none" spc="0" normalizeH="0" baseline="0" noProof="0">
-              <a:ln>
-                <a:noFill/>
-              </a:ln>
-              <a:solidFill>
-                <a:prstClr val="white"/>
-              </a:solidFill>
-              <a:effectLst/>
-              <a:uLnTx/>
-              <a:uFillTx/>
-              <a:latin typeface="Calibri" panose="020F0502020204030204"/>
-              <a:ea typeface="+mn-ea"/>
-              <a:cs typeface="+mn-cs"/>
-            </a:endParaRPr>
-          </a:p>
-        </p:txBody>
-      </p:sp>
-      <p:sp useBgFill="1">
-        <p:nvSpPr>
-          <p:cNvPr id="12" name="Freeform: Shape 11">
-            <a:extLst>
-              <a:ext uri="{FF2B5EF4-FFF2-40B4-BE49-F238E27FC236}">
-                <a16:creationId xmlns:a16="http://schemas.microsoft.com/office/drawing/2014/main" id="{E1B96AD6-92A9-4273-A62B-96A1C3E0BA95}"/>
-              </a:ext>
-              <a:ext uri="{C183D7F6-B498-43B3-948B-1728B52AA6E4}">
-                <adec:decorative xmlns:adec="http://schemas.microsoft.com/office/drawing/2017/decorative" val="1"/>
-              </a:ext>
-            </a:extLst>
-          </p:cNvPr>
-          <p:cNvSpPr>
-            <a:spLocks noGrp="1" noRot="1" noChangeAspect="1" noMove="1" noResize="1" noEditPoints="1" noAdjustHandles="1" noChangeArrowheads="1" noChangeShapeType="1" noTextEdit="1"/>
-          </p:cNvSpPr>
-          <p:nvPr>
-            <p:extLst>
-              <p:ext uri="{386F3935-93C4-4BCD-93E2-E3B085C9AB24}">
-                <p16:designElem xmlns:p16="http://schemas.microsoft.com/office/powerpoint/2015/main" val="1"/>
-              </p:ext>
-            </p:extLst>
-          </p:nvPr>
-        </p:nvSpPr>
-        <p:spPr>
-          <a:xfrm>
-            <a:off x="1" y="0"/>
-            <a:ext cx="4811477" cy="6858000"/>
-          </a:xfrm>
-          <a:custGeom>
-            <a:avLst/>
-            <a:gdLst>
-              <a:gd name="connsiteX0" fmla="*/ 0 w 4811477"/>
-              <a:gd name="connsiteY0" fmla="*/ 0 h 6858000"/>
-              <a:gd name="connsiteX1" fmla="*/ 3598499 w 4811477"/>
-              <a:gd name="connsiteY1" fmla="*/ 0 h 6858000"/>
-              <a:gd name="connsiteX2" fmla="*/ 3661482 w 4811477"/>
-              <a:gd name="connsiteY2" fmla="*/ 69271 h 6858000"/>
-              <a:gd name="connsiteX3" fmla="*/ 4811477 w 4811477"/>
-              <a:gd name="connsiteY3" fmla="*/ 3429000 h 6858000"/>
-              <a:gd name="connsiteX4" fmla="*/ 3661482 w 4811477"/>
-              <a:gd name="connsiteY4" fmla="*/ 6788730 h 6858000"/>
-              <a:gd name="connsiteX5" fmla="*/ 3598499 w 4811477"/>
-              <a:gd name="connsiteY5" fmla="*/ 6858000 h 6858000"/>
-              <a:gd name="connsiteX6" fmla="*/ 0 w 4811477"/>
-              <a:gd name="connsiteY6" fmla="*/ 6858000 h 6858000"/>
-            </a:gdLst>
-            <a:ahLst/>
-            <a:cxnLst>
-              <a:cxn ang="0">
-                <a:pos x="connsiteX0" y="connsiteY0"/>
-              </a:cxn>
-              <a:cxn ang="0">
-                <a:pos x="connsiteX1" y="connsiteY1"/>
-              </a:cxn>
-              <a:cxn ang="0">
-                <a:pos x="connsiteX2" y="connsiteY2"/>
-              </a:cxn>
-              <a:cxn ang="0">
-                <a:pos x="connsiteX3" y="connsiteY3"/>
-              </a:cxn>
-              <a:cxn ang="0">
-                <a:pos x="connsiteX4" y="connsiteY4"/>
-              </a:cxn>
-              <a:cxn ang="0">
-                <a:pos x="connsiteX5" y="connsiteY5"/>
-              </a:cxn>
-              <a:cxn ang="0">
-                <a:pos x="connsiteX6" y="connsiteY6"/>
-              </a:cxn>
-            </a:cxnLst>
-            <a:rect l="l" t="t" r="r" b="b"/>
-            <a:pathLst>
-              <a:path w="4811477" h="6858000">
-                <a:moveTo>
-                  <a:pt x="0" y="0"/>
-                </a:moveTo>
-                <a:lnTo>
-                  <a:pt x="3598499" y="0"/>
-                </a:lnTo>
-                <a:lnTo>
-                  <a:pt x="3661482" y="69271"/>
-                </a:lnTo>
-                <a:cubicBezTo>
-                  <a:pt x="4372008" y="929100"/>
-                  <a:pt x="4811477" y="2116944"/>
-                  <a:pt x="4811477" y="3429000"/>
-                </a:cubicBezTo>
-                <a:cubicBezTo>
-                  <a:pt x="4811477" y="4741056"/>
-                  <a:pt x="4372008" y="5928900"/>
-                  <a:pt x="3661482" y="6788730"/>
-                </a:cubicBezTo>
-                <a:lnTo>
-                  <a:pt x="3598499" y="6858000"/>
-                </a:lnTo>
-                <a:lnTo>
-                  <a:pt x="0" y="6858000"/>
-                </a:lnTo>
-                <a:close/>
-              </a:path>
-            </a:pathLst>
-          </a:custGeom>
-          <a:ln w="9525">
-            <a:noFill/>
-          </a:ln>
-          <a:effectLst/>
-        </p:spPr>
-        <p:style>
-          <a:lnRef idx="2">
-            <a:schemeClr val="accent1">
-              <a:shade val="50000"/>
-            </a:schemeClr>
-          </a:lnRef>
-          <a:fillRef idx="1">
-            <a:schemeClr val="accent1"/>
-          </a:fillRef>
-          <a:effectRef idx="0">
-            <a:schemeClr val="accent1"/>
-          </a:effectRef>
-          <a:fontRef idx="minor">
-            <a:schemeClr val="lt1"/>
-          </a:fontRef>
-        </p:style>
-        <p:txBody>
-          <a:bodyPr wrap="square" rtlCol="0" anchor="ctr">
-            <a:noAutofit/>
-          </a:bodyPr>
-          <a:lstStyle/>
-          <a:p>
-            <a:pPr marL="0" marR="0" lvl="0" indent="0" algn="ctr" defTabSz="914400" rtl="0" eaLnBrk="1" fontAlgn="auto" latinLnBrk="0" hangingPunct="1">
-              <a:lnSpc>
-                <a:spcPct val="100000"/>
-              </a:lnSpc>
-              <a:spcBef>
-                <a:spcPts val="0"/>
-              </a:spcBef>
-              <a:spcAft>
-                <a:spcPts val="0"/>
-              </a:spcAft>
-              <a:buClrTx/>
-              <a:buSzTx/>
-              <a:buFontTx/>
-              <a:buNone/>
-              <a:tabLst/>
-              <a:defRPr/>
-            </a:pPr>
-            <a:endParaRPr kumimoji="0" lang="en-US" sz="1800" b="0" i="0" u="none" strike="noStrike" kern="1200" cap="none" spc="0" normalizeH="0" baseline="0" noProof="0">
-              <a:ln>
-                <a:noFill/>
-              </a:ln>
-              <a:solidFill>
-                <a:prstClr val="white"/>
-              </a:solidFill>
-              <a:effectLst/>
-              <a:uLnTx/>
-              <a:uFillTx/>
-              <a:latin typeface="Calibri" panose="020F0502020204030204"/>
-              <a:ea typeface="+mn-ea"/>
-              <a:cs typeface="+mn-cs"/>
-            </a:endParaRPr>
-          </a:p>
-        </p:txBody>
-      </p:sp>
-      <p:sp>
-        <p:nvSpPr>
-          <p:cNvPr id="2" name="Titolo 1">
-            <a:extLst>
-              <a:ext uri="{FF2B5EF4-FFF2-40B4-BE49-F238E27FC236}">
-                <a16:creationId xmlns:a16="http://schemas.microsoft.com/office/drawing/2014/main" id="{65F4D648-4323-429F-81F4-0DC01BAF0F85}"/>
-              </a:ext>
-            </a:extLst>
-          </p:cNvPr>
-          <p:cNvSpPr>
-            <a:spLocks noGrp="1"/>
-          </p:cNvSpPr>
-          <p:nvPr>
-            <p:ph type="title"/>
-          </p:nvPr>
-        </p:nvSpPr>
-        <p:spPr>
-          <a:xfrm>
-            <a:off x="621792" y="1161288"/>
-            <a:ext cx="3602736" cy="4526280"/>
-          </a:xfrm>
-        </p:spPr>
-        <p:txBody>
-          <a:bodyPr>
-            <a:normAutofit/>
-          </a:bodyPr>
-          <a:lstStyle/>
-          <a:p>
-            <a:r>
-              <a:rPr lang="it-IT" sz="4000" dirty="0"/>
-              <a:t>ZOOKEEPER</a:t>
-            </a:r>
-          </a:p>
-        </p:txBody>
-      </p:sp>
-      <p:sp>
-        <p:nvSpPr>
-          <p:cNvPr id="14" name="Rectangle 13">
-            <a:extLst>
-              <a:ext uri="{FF2B5EF4-FFF2-40B4-BE49-F238E27FC236}">
-                <a16:creationId xmlns:a16="http://schemas.microsoft.com/office/drawing/2014/main" id="{463EEC44-1BA3-44ED-81FC-A644B04B2A44}"/>
-              </a:ext>
-              <a:ext uri="{C183D7F6-B498-43B3-948B-1728B52AA6E4}">
-                <adec:decorative xmlns:adec="http://schemas.microsoft.com/office/drawing/2017/decorative" val="1"/>
-              </a:ext>
-            </a:extLst>
-          </p:cNvPr>
-          <p:cNvSpPr>
-            <a:spLocks noGrp="1" noRot="1" noChangeAspect="1" noMove="1" noResize="1" noEditPoints="1" noAdjustHandles="1" noChangeArrowheads="1" noChangeShapeType="1" noTextEdit="1"/>
-          </p:cNvSpPr>
-          <p:nvPr>
-            <p:extLst>
-              <p:ext uri="{386F3935-93C4-4BCD-93E2-E3B085C9AB24}">
-                <p16:designElem xmlns:p16="http://schemas.microsoft.com/office/powerpoint/2015/main" val="1"/>
-              </p:ext>
-            </p:extLst>
-          </p:nvPr>
-        </p:nvSpPr>
-        <p:spPr>
-          <a:xfrm>
-            <a:off x="0" y="3102049"/>
-            <a:ext cx="128016" cy="653903"/>
+            <a:ext cx="12192000" cy="6858000"/>
           </a:xfrm>
           <a:prstGeom prst="rect">
             <a:avLst/>
           </a:prstGeom>
           <a:solidFill>
-            <a:schemeClr val="accent2"/>
+            <a:schemeClr val="bg1"/>
           </a:solidFill>
           <a:ln>
             <a:noFill/>
@@ -6827,21 +8489,16 @@
           <a:lstStyle/>
           <a:p>
             <a:pPr algn="ctr"/>
-            <a:endParaRPr lang="en-US">
-              <a:solidFill>
-                <a:prstClr val="white"/>
-              </a:solidFill>
-              <a:latin typeface="Calibri" panose="020F0502020204030204"/>
-            </a:endParaRPr>
-          </a:p>
-        </p:txBody>
-      </p:sp>
-      <p:sp>
-        <p:nvSpPr>
-          <p:cNvPr id="3" name="Segnaposto contenuto 2">
-            <a:extLst>
-              <a:ext uri="{FF2B5EF4-FFF2-40B4-BE49-F238E27FC236}">
-                <a16:creationId xmlns:a16="http://schemas.microsoft.com/office/drawing/2014/main" id="{53791F3C-6B65-4EE9-8D35-475CE948462C}"/>
+            <a:endParaRPr lang="en-US" dirty="0"/>
+          </a:p>
+        </p:txBody>
+      </p:sp>
+      <p:sp>
+        <p:nvSpPr>
+          <p:cNvPr id="2" name="Titolo 1">
+            <a:extLst>
+              <a:ext uri="{FF2B5EF4-FFF2-40B4-BE49-F238E27FC236}">
+                <a16:creationId xmlns:a16="http://schemas.microsoft.com/office/drawing/2014/main" id="{65F4D648-4323-429F-81F4-0DC01BAF0F85}"/>
               </a:ext>
             </a:extLst>
           </p:cNvPr>
@@ -6849,191 +8506,179 @@
             <a:spLocks noGrp="1"/>
           </p:cNvSpPr>
           <p:nvPr>
-            <p:ph idx="1"/>
+            <p:ph type="title"/>
           </p:nvPr>
         </p:nvSpPr>
         <p:spPr>
           <a:xfrm>
-            <a:off x="5434149" y="932688"/>
-            <a:ext cx="5916603" cy="4992624"/>
+            <a:off x="643467" y="321734"/>
+            <a:ext cx="10905066" cy="1135737"/>
           </a:xfrm>
         </p:spPr>
         <p:txBody>
-          <a:bodyPr anchor="ctr">
+          <a:bodyPr>
             <a:normAutofit/>
           </a:bodyPr>
           <a:lstStyle/>
           <a:p>
             <a:r>
-              <a:rPr lang="it-IT" sz="2000" dirty="0" err="1"/>
-              <a:t>ZooKeeper</a:t>
-            </a:r>
-            <a:r>
-              <a:rPr lang="it-IT" sz="2000" dirty="0"/>
+              <a:rPr lang="it-IT" sz="3600" dirty="0"/>
+              <a:t>BACK-END &amp; MYSQL</a:t>
+            </a:r>
+          </a:p>
+        </p:txBody>
+      </p:sp>
+      <p:sp>
+        <p:nvSpPr>
+          <p:cNvPr id="3" name="Segnaposto contenuto 2">
+            <a:extLst>
+              <a:ext uri="{FF2B5EF4-FFF2-40B4-BE49-F238E27FC236}">
+                <a16:creationId xmlns:a16="http://schemas.microsoft.com/office/drawing/2014/main" id="{53791F3C-6B65-4EE9-8D35-475CE948462C}"/>
+              </a:ext>
+            </a:extLst>
+          </p:cNvPr>
+          <p:cNvSpPr>
+            <a:spLocks noGrp="1"/>
+          </p:cNvSpPr>
+          <p:nvPr>
+            <p:ph idx="1"/>
+          </p:nvPr>
+        </p:nvSpPr>
+        <p:spPr>
+          <a:xfrm>
+            <a:off x="643467" y="1321553"/>
+            <a:ext cx="4008384" cy="4393982"/>
+          </a:xfrm>
+        </p:spPr>
+        <p:txBody>
+          <a:bodyPr>
+            <a:normAutofit/>
+          </a:bodyPr>
+          <a:lstStyle/>
+          <a:p>
+            <a:r>
+              <a:rPr lang="en-GB" sz="2000" b="1" dirty="0"/>
+              <a:t>Back-end</a:t>
+            </a:r>
+            <a:r>
+              <a:rPr lang="en-GB" sz="2000" dirty="0"/>
+              <a:t> instances are connected to </a:t>
+            </a:r>
+            <a:r>
+              <a:rPr lang="en-GB" sz="2000" i="1" dirty="0"/>
+              <a:t>MySQL</a:t>
+            </a:r>
+            <a:r>
+              <a:rPr lang="en-GB" sz="2000" dirty="0"/>
               <a:t> </a:t>
             </a:r>
             <a:r>
-              <a:rPr lang="it-IT" sz="2000" dirty="0" err="1"/>
-              <a:t>is</a:t>
-            </a:r>
-            <a:r>
-              <a:rPr lang="it-IT" sz="2000" dirty="0"/>
+              <a:rPr lang="en-GB" sz="2000" i="1" dirty="0"/>
+              <a:t>server</a:t>
+            </a:r>
+            <a:r>
+              <a:rPr lang="en-GB" sz="2000" dirty="0"/>
+              <a:t>.</a:t>
+            </a:r>
+          </a:p>
+          <a:p>
+            <a:r>
+              <a:rPr lang="en-GB" sz="2000" b="1" dirty="0"/>
+              <a:t>MySQL</a:t>
+            </a:r>
+            <a:r>
+              <a:rPr lang="en-GB" sz="2000" dirty="0"/>
+              <a:t> is deployed as single instance, in the </a:t>
+            </a:r>
+            <a:r>
+              <a:rPr lang="en-GB" sz="2000" i="1" dirty="0"/>
+              <a:t>controller</a:t>
+            </a:r>
+            <a:r>
+              <a:rPr lang="en-GB" sz="2000" dirty="0"/>
               <a:t> </a:t>
             </a:r>
             <a:r>
-              <a:rPr lang="it-IT" sz="2000" dirty="0" err="1"/>
-              <a:t>deployed</a:t>
-            </a:r>
-            <a:r>
-              <a:rPr lang="it-IT" sz="2000" dirty="0"/>
-              <a:t> </a:t>
-            </a:r>
-            <a:r>
-              <a:rPr lang="it-IT" sz="2000" dirty="0" err="1"/>
-              <a:t>as</a:t>
-            </a:r>
-            <a:r>
-              <a:rPr lang="it-IT" sz="2000" dirty="0"/>
-              <a:t> single </a:t>
-            </a:r>
-            <a:r>
-              <a:rPr lang="it-IT" sz="2000" dirty="0" err="1"/>
-              <a:t>istance</a:t>
-            </a:r>
-            <a:r>
-              <a:rPr lang="it-IT" sz="2000" dirty="0"/>
-              <a:t> in the VM with IP 172.16.3.35, </a:t>
-            </a:r>
-            <a:r>
-              <a:rPr lang="it-IT" sz="2000" dirty="0" err="1"/>
-              <a:t>although</a:t>
-            </a:r>
-            <a:r>
-              <a:rPr lang="it-IT" sz="2000" dirty="0"/>
-              <a:t> more </a:t>
-            </a:r>
-            <a:r>
-              <a:rPr lang="it-IT" sz="2000" dirty="0" err="1"/>
-              <a:t>istances</a:t>
-            </a:r>
-            <a:r>
-              <a:rPr lang="it-IT" sz="2000" dirty="0"/>
-              <a:t> are </a:t>
-            </a:r>
-            <a:r>
-              <a:rPr lang="it-IT" sz="2000" dirty="0" err="1"/>
-              <a:t>usually</a:t>
-            </a:r>
-            <a:r>
-              <a:rPr lang="it-IT" sz="2000" dirty="0"/>
-              <a:t> </a:t>
-            </a:r>
-            <a:r>
-              <a:rPr lang="it-IT" sz="2000" dirty="0" err="1"/>
-              <a:t>preferred</a:t>
-            </a:r>
-            <a:r>
-              <a:rPr lang="it-IT" sz="2000" dirty="0"/>
+              <a:rPr lang="en-GB" sz="2000" i="1" dirty="0"/>
+              <a:t>node</a:t>
+            </a:r>
+            <a:r>
+              <a:rPr lang="en-GB" sz="2000" dirty="0"/>
               <a:t>.</a:t>
             </a:r>
           </a:p>
           <a:p>
             <a:r>
-              <a:rPr lang="it-IT" sz="2000" dirty="0" err="1"/>
+              <a:rPr lang="en-GB" sz="2000" b="1" dirty="0"/>
               <a:t>Zookeeper</a:t>
             </a:r>
             <a:r>
-              <a:rPr lang="it-IT" sz="2000" dirty="0"/>
-              <a:t> </a:t>
-            </a:r>
-            <a:r>
-              <a:rPr lang="it-IT" sz="2000" dirty="0" err="1"/>
-              <a:t>is</a:t>
-            </a:r>
-            <a:r>
-              <a:rPr lang="it-IT" sz="2000" dirty="0"/>
-              <a:t> </a:t>
-            </a:r>
-            <a:r>
-              <a:rPr lang="it-IT" sz="2000" dirty="0" err="1"/>
-              <a:t>used</a:t>
-            </a:r>
-            <a:r>
-              <a:rPr lang="it-IT" sz="2000" dirty="0"/>
-              <a:t> to </a:t>
-            </a:r>
-            <a:r>
-              <a:rPr lang="it-IT" sz="2000" dirty="0" err="1"/>
-              <a:t>save</a:t>
-            </a:r>
-            <a:r>
-              <a:rPr lang="it-IT" sz="2000" dirty="0"/>
-              <a:t> the </a:t>
-            </a:r>
-            <a:r>
-              <a:rPr lang="it-IT" sz="2000" dirty="0" err="1"/>
-              <a:t>configuration</a:t>
-            </a:r>
-            <a:r>
-              <a:rPr lang="it-IT" sz="2000" dirty="0"/>
-              <a:t> setting of the front-end and back-end.</a:t>
-            </a:r>
-          </a:p>
-        </p:txBody>
-      </p:sp>
-    </p:spTree>
-    <p:extLst>
-      <p:ext uri="{BB962C8B-B14F-4D97-AF65-F5344CB8AC3E}">
-        <p14:creationId xmlns:p14="http://schemas.microsoft.com/office/powerpoint/2010/main" val="4093763883"/>
-      </p:ext>
-    </p:extLst>
-  </p:cSld>
-  <p:clrMapOvr>
-    <a:masterClrMapping/>
-  </p:clrMapOvr>
-</p:sld>
-</file>
-
-<file path=ppt/slides/slide7.xml><?xml version="1.0" encoding="utf-8"?>
-<p:sld xmlns:a="http://schemas.openxmlformats.org/drawingml/2006/main" xmlns:r="http://schemas.openxmlformats.org/officeDocument/2006/relationships" xmlns:p="http://schemas.openxmlformats.org/presentationml/2006/main">
-  <p:cSld>
-    <p:bg>
-      <p:bgPr>
-        <a:solidFill>
-          <a:schemeClr val="bg1"/>
-        </a:solidFill>
-        <a:effectLst/>
-      </p:bgPr>
-    </p:bg>
-    <p:spTree>
-      <p:nvGrpSpPr>
-        <p:cNvPr id="1" name=""/>
-        <p:cNvGrpSpPr/>
-        <p:nvPr/>
-      </p:nvGrpSpPr>
-      <p:grpSpPr>
-        <a:xfrm>
-          <a:off x="0" y="0"/>
-          <a:ext cx="0" cy="0"/>
-          <a:chOff x="0" y="0"/>
-          <a:chExt cx="0" cy="0"/>
-        </a:xfrm>
-      </p:grpSpPr>
-      <p:sp useBgFill="1">
-        <p:nvSpPr>
-          <p:cNvPr id="8" name="Rectangle 7">
-            <a:extLst>
-              <a:ext uri="{FF2B5EF4-FFF2-40B4-BE49-F238E27FC236}">
-                <a16:creationId xmlns:a16="http://schemas.microsoft.com/office/drawing/2014/main" id="{1C799903-48D5-4A31-A1A2-541072D9771E}"/>
+              <a:rPr lang="en-GB" sz="2000" dirty="0"/>
+              <a:t> is deployed as single instance in the </a:t>
+            </a:r>
+            <a:r>
+              <a:rPr lang="en-GB" sz="2000" i="1" dirty="0"/>
+              <a:t>controller</a:t>
+            </a:r>
+            <a:r>
+              <a:rPr lang="en-GB" sz="2000" dirty="0"/>
+              <a:t>, although more instances are usually preferred.</a:t>
+            </a:r>
+          </a:p>
+          <a:p>
+            <a:r>
+              <a:rPr lang="en-GB" sz="2000" i="1" dirty="0"/>
+              <a:t>Zookeeper</a:t>
+            </a:r>
+            <a:r>
+              <a:rPr lang="en-GB" sz="2000" dirty="0"/>
+              <a:t> is used to save the </a:t>
+            </a:r>
+            <a:r>
+              <a:rPr lang="en-GB" sz="2000" b="1" dirty="0"/>
+              <a:t>configuration setting </a:t>
+            </a:r>
+            <a:r>
+              <a:rPr lang="en-GB" sz="2000" dirty="0"/>
+              <a:t>of the </a:t>
+            </a:r>
+            <a:r>
+              <a:rPr lang="en-GB" sz="2000" i="1" dirty="0"/>
+              <a:t>front-end</a:t>
+            </a:r>
+            <a:r>
+              <a:rPr lang="en-GB" sz="2000" dirty="0"/>
+              <a:t> and </a:t>
+            </a:r>
+            <a:r>
+              <a:rPr lang="en-GB" sz="2000" i="1" dirty="0"/>
+              <a:t>back-end</a:t>
+            </a:r>
+            <a:r>
+              <a:rPr lang="en-GB" sz="2000" dirty="0"/>
+              <a:t>.</a:t>
+            </a:r>
+          </a:p>
+          <a:p>
+            <a:endParaRPr lang="en-GB" sz="2000" dirty="0"/>
+          </a:p>
+        </p:txBody>
+      </p:sp>
+      <p:grpSp>
+        <p:nvGrpSpPr>
+          <p:cNvPr id="58" name="Group 57">
+            <a:extLst>
+              <a:ext uri="{FF2B5EF4-FFF2-40B4-BE49-F238E27FC236}">
+                <a16:creationId xmlns:a16="http://schemas.microsoft.com/office/drawing/2014/main" id="{828A5161-06F1-46CF-8AD7-844680A59E13}"/>
               </a:ext>
               <a:ext uri="{C183D7F6-B498-43B3-948B-1728B52AA6E4}">
                 <adec:decorative xmlns:adec="http://schemas.microsoft.com/office/drawing/2017/decorative" val="1"/>
               </a:ext>
             </a:extLst>
           </p:cNvPr>
-          <p:cNvSpPr>
-            <a:spLocks noGrp="1" noRot="1" noChangeAspect="1" noMove="1" noResize="1" noEditPoints="1" noAdjustHandles="1" noChangeArrowheads="1" noChangeShapeType="1" noTextEdit="1"/>
-          </p:cNvSpPr>
+          <p:cNvGrpSpPr>
+            <a:grpSpLocks noGrp="1" noUngrp="1" noRot="1" noChangeAspect="1" noMove="1" noResize="1"/>
+          </p:cNvGrpSpPr>
           <p:nvPr>
             <p:extLst>
               <p:ext uri="{386F3935-93C4-4BCD-93E2-E3B085C9AB24}">
@@ -7041,59 +8686,159 @@
               </p:ext>
             </p:extLst>
           </p:nvPr>
-        </p:nvSpPr>
-        <p:spPr>
+        </p:nvGrpSpPr>
+        <p:grpSpPr>
           <a:xfrm>
-            <a:off x="0" y="0"/>
-            <a:ext cx="12192002" cy="6858000"/>
+            <a:off x="0" y="4601497"/>
+            <a:ext cx="1014060" cy="2017580"/>
+            <a:chOff x="0" y="4601497"/>
+            <a:chExt cx="1014060" cy="2017580"/>
           </a:xfrm>
-          <a:prstGeom prst="rect">
-            <a:avLst/>
-          </a:prstGeom>
-          <a:ln>
-            <a:noFill/>
-          </a:ln>
-        </p:spPr>
-        <p:style>
-          <a:lnRef idx="2">
-            <a:schemeClr val="accent1">
-              <a:shade val="50000"/>
-            </a:schemeClr>
-          </a:lnRef>
-          <a:fillRef idx="1">
-            <a:schemeClr val="accent1"/>
-          </a:fillRef>
-          <a:effectRef idx="0">
-            <a:schemeClr val="accent1"/>
-          </a:effectRef>
-          <a:fontRef idx="minor">
-            <a:schemeClr val="lt1"/>
-          </a:fontRef>
-        </p:style>
-        <p:txBody>
-          <a:bodyPr rtlCol="0" anchor="ctr"/>
-          <a:lstStyle/>
-          <a:p>
-            <a:pPr algn="ctr"/>
-            <a:endParaRPr lang="en-US"/>
-          </a:p>
-        </p:txBody>
-      </p:sp>
-      <p:sp useBgFill="1">
-        <p:nvSpPr>
-          <p:cNvPr id="10" name="Freeform: Shape 9">
-            <a:extLst>
-              <a:ext uri="{FF2B5EF4-FFF2-40B4-BE49-F238E27FC236}">
-                <a16:creationId xmlns:a16="http://schemas.microsoft.com/office/drawing/2014/main" id="{8EFFF109-FC58-4FD3-BE05-9775A1310F55}"/>
+        </p:grpSpPr>
+        <p:sp>
+          <p:nvSpPr>
+            <p:cNvPr id="59" name="Isosceles Triangle 58">
+              <a:extLst>
+                <a:ext uri="{FF2B5EF4-FFF2-40B4-BE49-F238E27FC236}">
+                  <a16:creationId xmlns:a16="http://schemas.microsoft.com/office/drawing/2014/main" id="{D3F51FEB-38FB-4F6C-9F7B-2F2AFAB65463}"/>
+                </a:ext>
+                <a:ext uri="{C183D7F6-B498-43B3-948B-1728B52AA6E4}">
+                  <adec:decorative xmlns:adec="http://schemas.microsoft.com/office/drawing/2017/decorative" val="1"/>
+                </a:ext>
+              </a:extLst>
+            </p:cNvPr>
+            <p:cNvSpPr/>
+            <p:nvPr>
+              <p:extLst>
+                <p:ext uri="{386F3935-93C4-4BCD-93E2-E3B085C9AB24}">
+                  <p16:designElem xmlns:p16="http://schemas.microsoft.com/office/powerpoint/2015/main" val="1"/>
+                </p:ext>
+              </p:extLst>
+            </p:nvPr>
+          </p:nvSpPr>
+          <p:spPr>
+            <a:xfrm rot="5400000">
+              <a:off x="-501760" y="5103257"/>
+              <a:ext cx="2017580" cy="1014060"/>
+            </a:xfrm>
+            <a:prstGeom prst="triangle">
+              <a:avLst>
+                <a:gd name="adj" fmla="val 50000"/>
+              </a:avLst>
+            </a:prstGeom>
+            <a:solidFill>
+              <a:schemeClr val="accent1">
+                <a:alpha val="30000"/>
+              </a:schemeClr>
+            </a:solidFill>
+            <a:ln>
+              <a:noFill/>
+            </a:ln>
+          </p:spPr>
+          <p:style>
+            <a:lnRef idx="2">
+              <a:schemeClr val="accent1">
+                <a:shade val="50000"/>
+              </a:schemeClr>
+            </a:lnRef>
+            <a:fillRef idx="1">
+              <a:schemeClr val="accent1"/>
+            </a:fillRef>
+            <a:effectRef idx="0">
+              <a:schemeClr val="accent1"/>
+            </a:effectRef>
+            <a:fontRef idx="minor">
+              <a:schemeClr val="lt1"/>
+            </a:fontRef>
+          </p:style>
+          <p:txBody>
+            <a:bodyPr rtlCol="0" anchor="ctr"/>
+            <a:lstStyle/>
+            <a:p>
+              <a:pPr algn="ctr"/>
+              <a:endParaRPr lang="en-US" dirty="0"/>
+            </a:p>
+          </p:txBody>
+        </p:sp>
+        <p:sp>
+          <p:nvSpPr>
+            <p:cNvPr id="60" name="Rectangle 59">
+              <a:extLst>
+                <a:ext uri="{FF2B5EF4-FFF2-40B4-BE49-F238E27FC236}">
+                  <a16:creationId xmlns:a16="http://schemas.microsoft.com/office/drawing/2014/main" id="{1E547BA6-BAE0-43BB-A7CA-60F69CE252F0}"/>
+                </a:ext>
+                <a:ext uri="{C183D7F6-B498-43B3-948B-1728B52AA6E4}">
+                  <adec:decorative xmlns:adec="http://schemas.microsoft.com/office/drawing/2017/decorative" val="1"/>
+                </a:ext>
+              </a:extLst>
+            </p:cNvPr>
+            <p:cNvSpPr/>
+            <p:nvPr>
+              <p:extLst>
+                <p:ext uri="{386F3935-93C4-4BCD-93E2-E3B085C9AB24}">
+                  <p16:designElem xmlns:p16="http://schemas.microsoft.com/office/powerpoint/2015/main" val="1"/>
+                </p:ext>
+              </p:extLst>
+            </p:nvPr>
+          </p:nvSpPr>
+          <p:spPr>
+            <a:xfrm rot="2700000">
+              <a:off x="427916" y="5728708"/>
+              <a:ext cx="485578" cy="485578"/>
+            </a:xfrm>
+            <a:prstGeom prst="rect">
+              <a:avLst/>
+            </a:prstGeom>
+            <a:solidFill>
+              <a:schemeClr val="accent1">
+                <a:alpha val="30000"/>
+              </a:schemeClr>
+            </a:solidFill>
+            <a:ln>
+              <a:noFill/>
+            </a:ln>
+          </p:spPr>
+          <p:style>
+            <a:lnRef idx="2">
+              <a:schemeClr val="accent1">
+                <a:shade val="50000"/>
+              </a:schemeClr>
+            </a:lnRef>
+            <a:fillRef idx="1">
+              <a:schemeClr val="accent1"/>
+            </a:fillRef>
+            <a:effectRef idx="0">
+              <a:schemeClr val="accent1"/>
+            </a:effectRef>
+            <a:fontRef idx="minor">
+              <a:schemeClr val="lt1"/>
+            </a:fontRef>
+          </p:style>
+          <p:txBody>
+            <a:bodyPr rtlCol="0" anchor="ctr"/>
+            <a:lstStyle/>
+            <a:p>
+              <a:pPr algn="ctr"/>
+              <a:endParaRPr lang="en-US" dirty="0"/>
+            </a:p>
+          </p:txBody>
+        </p:sp>
+      </p:grpSp>
+      <p:grpSp>
+        <p:nvGrpSpPr>
+          <p:cNvPr id="62" name="Group 61">
+            <a:extLst>
+              <a:ext uri="{FF2B5EF4-FFF2-40B4-BE49-F238E27FC236}">
+                <a16:creationId xmlns:a16="http://schemas.microsoft.com/office/drawing/2014/main" id="{5995D10D-E9C9-47DB-AE7E-801FEF38F5C9}"/>
               </a:ext>
               <a:ext uri="{C183D7F6-B498-43B3-948B-1728B52AA6E4}">
                 <adec:decorative xmlns:adec="http://schemas.microsoft.com/office/drawing/2017/decorative" val="1"/>
               </a:ext>
             </a:extLst>
           </p:cNvPr>
-          <p:cNvSpPr>
-            <a:spLocks noGrp="1" noRot="1" noChangeAspect="1" noMove="1" noResize="1" noEditPoints="1" noAdjustHandles="1" noChangeArrowheads="1" noChangeShapeType="1" noTextEdit="1"/>
-          </p:cNvSpPr>
+          <p:cNvGrpSpPr>
+            <a:grpSpLocks noGrp="1" noUngrp="1" noRot="1" noChangeAspect="1" noMove="1" noResize="1"/>
+          </p:cNvGrpSpPr>
           <p:nvPr>
             <p:extLst>
               <p:ext uri="{386F3935-93C4-4BCD-93E2-E3B085C9AB24}">
@@ -7101,667 +8846,178 @@
               </p:ext>
             </p:extLst>
           </p:nvPr>
-        </p:nvSpPr>
+        </p:nvGrpSpPr>
+        <p:grpSpPr>
+          <a:xfrm>
+            <a:off x="11219290" y="1"/>
+            <a:ext cx="972709" cy="1935307"/>
+            <a:chOff x="10918968" y="713127"/>
+            <a:chExt cx="1273032" cy="2532832"/>
+          </a:xfrm>
+        </p:grpSpPr>
+        <p:sp>
+          <p:nvSpPr>
+            <p:cNvPr id="63" name="Rectangle 62">
+              <a:extLst>
+                <a:ext uri="{FF2B5EF4-FFF2-40B4-BE49-F238E27FC236}">
+                  <a16:creationId xmlns:a16="http://schemas.microsoft.com/office/drawing/2014/main" id="{CC1A72C6-3DE4-4EC3-9AD5-9E0D40D8CE8A}"/>
+                </a:ext>
+                <a:ext uri="{C183D7F6-B498-43B3-948B-1728B52AA6E4}">
+                  <adec:decorative xmlns:adec="http://schemas.microsoft.com/office/drawing/2017/decorative" val="1"/>
+                </a:ext>
+              </a:extLst>
+            </p:cNvPr>
+            <p:cNvSpPr/>
+            <p:nvPr>
+              <p:extLst>
+                <p:ext uri="{386F3935-93C4-4BCD-93E2-E3B085C9AB24}">
+                  <p16:designElem xmlns:p16="http://schemas.microsoft.com/office/powerpoint/2015/main" val="1"/>
+                </p:ext>
+              </p:extLst>
+            </p:nvPr>
+          </p:nvSpPr>
+          <p:spPr>
+            <a:xfrm rot="2700000">
+              <a:off x="11052629" y="2120024"/>
+              <a:ext cx="645368" cy="645368"/>
+            </a:xfrm>
+            <a:prstGeom prst="rect">
+              <a:avLst/>
+            </a:prstGeom>
+            <a:solidFill>
+              <a:schemeClr val="accent4">
+                <a:alpha val="30000"/>
+              </a:schemeClr>
+            </a:solidFill>
+            <a:ln>
+              <a:noFill/>
+            </a:ln>
+          </p:spPr>
+          <p:style>
+            <a:lnRef idx="2">
+              <a:schemeClr val="accent1">
+                <a:shade val="50000"/>
+              </a:schemeClr>
+            </a:lnRef>
+            <a:fillRef idx="1">
+              <a:schemeClr val="accent1"/>
+            </a:fillRef>
+            <a:effectRef idx="0">
+              <a:schemeClr val="accent1"/>
+            </a:effectRef>
+            <a:fontRef idx="minor">
+              <a:schemeClr val="lt1"/>
+            </a:fontRef>
+          </p:style>
+          <p:txBody>
+            <a:bodyPr rtlCol="0" anchor="ctr"/>
+            <a:lstStyle/>
+            <a:p>
+              <a:pPr algn="ctr"/>
+              <a:endParaRPr lang="en-US" dirty="0"/>
+            </a:p>
+          </p:txBody>
+        </p:sp>
+        <p:sp>
+          <p:nvSpPr>
+            <p:cNvPr id="64" name="Isosceles Triangle 63">
+              <a:extLst>
+                <a:ext uri="{FF2B5EF4-FFF2-40B4-BE49-F238E27FC236}">
+                  <a16:creationId xmlns:a16="http://schemas.microsoft.com/office/drawing/2014/main" id="{0B0DA1F1-C391-4EDF-9FE0-23E86E137765}"/>
+                </a:ext>
+                <a:ext uri="{C183D7F6-B498-43B3-948B-1728B52AA6E4}">
+                  <adec:decorative xmlns:adec="http://schemas.microsoft.com/office/drawing/2017/decorative" val="1"/>
+                </a:ext>
+              </a:extLst>
+            </p:cNvPr>
+            <p:cNvSpPr/>
+            <p:nvPr>
+              <p:extLst>
+                <p:ext uri="{386F3935-93C4-4BCD-93E2-E3B085C9AB24}">
+                  <p16:designElem xmlns:p16="http://schemas.microsoft.com/office/powerpoint/2015/main" val="1"/>
+                </p:ext>
+              </p:extLst>
+            </p:nvPr>
+          </p:nvSpPr>
+          <p:spPr>
+            <a:xfrm rot="16200000">
+              <a:off x="10289068" y="1343027"/>
+              <a:ext cx="2532832" cy="1273032"/>
+            </a:xfrm>
+            <a:prstGeom prst="triangle">
+              <a:avLst>
+                <a:gd name="adj" fmla="val 50000"/>
+              </a:avLst>
+            </a:prstGeom>
+            <a:solidFill>
+              <a:schemeClr val="accent4">
+                <a:alpha val="30000"/>
+              </a:schemeClr>
+            </a:solidFill>
+            <a:ln>
+              <a:noFill/>
+            </a:ln>
+          </p:spPr>
+          <p:style>
+            <a:lnRef idx="2">
+              <a:schemeClr val="accent1">
+                <a:shade val="50000"/>
+              </a:schemeClr>
+            </a:lnRef>
+            <a:fillRef idx="1">
+              <a:schemeClr val="accent1"/>
+            </a:fillRef>
+            <a:effectRef idx="0">
+              <a:schemeClr val="accent1"/>
+            </a:effectRef>
+            <a:fontRef idx="minor">
+              <a:schemeClr val="lt1"/>
+            </a:fontRef>
+          </p:style>
+          <p:txBody>
+            <a:bodyPr rtlCol="0" anchor="ctr"/>
+            <a:lstStyle/>
+            <a:p>
+              <a:pPr algn="ctr"/>
+              <a:endParaRPr lang="en-US" dirty="0"/>
+            </a:p>
+          </p:txBody>
+        </p:sp>
+      </p:grpSp>
+      <p:pic>
+        <p:nvPicPr>
+          <p:cNvPr id="5" name="Immagine 4">
+            <a:extLst>
+              <a:ext uri="{FF2B5EF4-FFF2-40B4-BE49-F238E27FC236}">
+                <a16:creationId xmlns:a16="http://schemas.microsoft.com/office/drawing/2014/main" id="{A7D81F4F-EB35-4D5D-8D19-7F56E1454BAC}"/>
+              </a:ext>
+            </a:extLst>
+          </p:cNvPr>
+          <p:cNvPicPr>
+            <a:picLocks noChangeAspect="1"/>
+          </p:cNvPicPr>
+          <p:nvPr/>
+        </p:nvPicPr>
+        <p:blipFill>
+          <a:blip r:embed="rId3"/>
+          <a:stretch>
+            <a:fillRect/>
+          </a:stretch>
+        </p:blipFill>
         <p:spPr>
           <a:xfrm>
-            <a:off x="-1" y="0"/>
-            <a:ext cx="4818889" cy="6858000"/>
-          </a:xfrm>
-          <a:custGeom>
-            <a:avLst/>
-            <a:gdLst>
-              <a:gd name="connsiteX0" fmla="*/ 0 w 4818889"/>
-              <a:gd name="connsiteY0" fmla="*/ 0 h 6858000"/>
-              <a:gd name="connsiteX1" fmla="*/ 3605911 w 4818889"/>
-              <a:gd name="connsiteY1" fmla="*/ 0 h 6858000"/>
-              <a:gd name="connsiteX2" fmla="*/ 3668894 w 4818889"/>
-              <a:gd name="connsiteY2" fmla="*/ 69271 h 6858000"/>
-              <a:gd name="connsiteX3" fmla="*/ 4818889 w 4818889"/>
-              <a:gd name="connsiteY3" fmla="*/ 3429000 h 6858000"/>
-              <a:gd name="connsiteX4" fmla="*/ 3668894 w 4818889"/>
-              <a:gd name="connsiteY4" fmla="*/ 6788730 h 6858000"/>
-              <a:gd name="connsiteX5" fmla="*/ 3605911 w 4818889"/>
-              <a:gd name="connsiteY5" fmla="*/ 6858000 h 6858000"/>
-              <a:gd name="connsiteX6" fmla="*/ 0 w 4818889"/>
-              <a:gd name="connsiteY6" fmla="*/ 6858000 h 6858000"/>
-            </a:gdLst>
-            <a:ahLst/>
-            <a:cxnLst>
-              <a:cxn ang="0">
-                <a:pos x="connsiteX0" y="connsiteY0"/>
-              </a:cxn>
-              <a:cxn ang="0">
-                <a:pos x="connsiteX1" y="connsiteY1"/>
-              </a:cxn>
-              <a:cxn ang="0">
-                <a:pos x="connsiteX2" y="connsiteY2"/>
-              </a:cxn>
-              <a:cxn ang="0">
-                <a:pos x="connsiteX3" y="connsiteY3"/>
-              </a:cxn>
-              <a:cxn ang="0">
-                <a:pos x="connsiteX4" y="connsiteY4"/>
-              </a:cxn>
-              <a:cxn ang="0">
-                <a:pos x="connsiteX5" y="connsiteY5"/>
-              </a:cxn>
-              <a:cxn ang="0">
-                <a:pos x="connsiteX6" y="connsiteY6"/>
-              </a:cxn>
-            </a:cxnLst>
-            <a:rect l="l" t="t" r="r" b="b"/>
-            <a:pathLst>
-              <a:path w="4818889" h="6858000">
-                <a:moveTo>
-                  <a:pt x="0" y="0"/>
-                </a:moveTo>
-                <a:lnTo>
-                  <a:pt x="3605911" y="0"/>
-                </a:lnTo>
-                <a:lnTo>
-                  <a:pt x="3668894" y="69271"/>
-                </a:lnTo>
-                <a:cubicBezTo>
-                  <a:pt x="4379420" y="929100"/>
-                  <a:pt x="4818889" y="2116944"/>
-                  <a:pt x="4818889" y="3429000"/>
-                </a:cubicBezTo>
-                <a:cubicBezTo>
-                  <a:pt x="4818889" y="4741056"/>
-                  <a:pt x="4379420" y="5928900"/>
-                  <a:pt x="3668894" y="6788730"/>
-                </a:cubicBezTo>
-                <a:lnTo>
-                  <a:pt x="3605911" y="6858000"/>
-                </a:lnTo>
-                <a:lnTo>
-                  <a:pt x="0" y="6858000"/>
-                </a:lnTo>
-                <a:close/>
-              </a:path>
-            </a:pathLst>
-          </a:custGeom>
-          <a:ln w="9525">
-            <a:solidFill>
-              <a:srgbClr val="E6E6E6"/>
-            </a:solidFill>
-          </a:ln>
-          <a:effectLst>
-            <a:outerShdw blurRad="50800" dist="38100" algn="l" rotWithShape="0">
-              <a:schemeClr val="bg1">
-                <a:lumMod val="85000"/>
-                <a:alpha val="50000"/>
-              </a:schemeClr>
-            </a:outerShdw>
-          </a:effectLst>
-        </p:spPr>
-        <p:style>
-          <a:lnRef idx="2">
-            <a:schemeClr val="accent1">
-              <a:shade val="50000"/>
-            </a:schemeClr>
-          </a:lnRef>
-          <a:fillRef idx="1">
-            <a:schemeClr val="accent1"/>
-          </a:fillRef>
-          <a:effectRef idx="0">
-            <a:schemeClr val="accent1"/>
-          </a:effectRef>
-          <a:fontRef idx="minor">
-            <a:schemeClr val="lt1"/>
-          </a:fontRef>
-        </p:style>
-        <p:txBody>
-          <a:bodyPr wrap="square" rtlCol="0" anchor="ctr">
-            <a:noAutofit/>
-          </a:bodyPr>
-          <a:lstStyle/>
-          <a:p>
-            <a:pPr marL="0" marR="0" lvl="0" indent="0" algn="ctr" defTabSz="914400" rtl="0" eaLnBrk="1" fontAlgn="auto" latinLnBrk="0" hangingPunct="1">
-              <a:lnSpc>
-                <a:spcPct val="100000"/>
-              </a:lnSpc>
-              <a:spcBef>
-                <a:spcPts val="0"/>
-              </a:spcBef>
-              <a:spcAft>
-                <a:spcPts val="0"/>
-              </a:spcAft>
-              <a:buClrTx/>
-              <a:buSzTx/>
-              <a:buFontTx/>
-              <a:buNone/>
-              <a:tabLst/>
-              <a:defRPr/>
-            </a:pPr>
-            <a:endParaRPr kumimoji="0" lang="en-US" sz="1800" b="0" i="0" u="none" strike="noStrike" kern="1200" cap="none" spc="0" normalizeH="0" baseline="0" noProof="0">
-              <a:ln>
-                <a:noFill/>
-              </a:ln>
-              <a:solidFill>
-                <a:prstClr val="white"/>
-              </a:solidFill>
-              <a:effectLst/>
-              <a:uLnTx/>
-              <a:uFillTx/>
-              <a:latin typeface="Calibri" panose="020F0502020204030204"/>
-              <a:ea typeface="+mn-ea"/>
-              <a:cs typeface="+mn-cs"/>
-            </a:endParaRPr>
-          </a:p>
-        </p:txBody>
-      </p:sp>
-      <p:sp useBgFill="1">
-        <p:nvSpPr>
-          <p:cNvPr id="12" name="Freeform: Shape 11">
-            <a:extLst>
-              <a:ext uri="{FF2B5EF4-FFF2-40B4-BE49-F238E27FC236}">
-                <a16:creationId xmlns:a16="http://schemas.microsoft.com/office/drawing/2014/main" id="{E1B96AD6-92A9-4273-A62B-96A1C3E0BA95}"/>
-              </a:ext>
-              <a:ext uri="{C183D7F6-B498-43B3-948B-1728B52AA6E4}">
-                <adec:decorative xmlns:adec="http://schemas.microsoft.com/office/drawing/2017/decorative" val="1"/>
-              </a:ext>
-            </a:extLst>
-          </p:cNvPr>
-          <p:cNvSpPr>
-            <a:spLocks noGrp="1" noRot="1" noChangeAspect="1" noMove="1" noResize="1" noEditPoints="1" noAdjustHandles="1" noChangeArrowheads="1" noChangeShapeType="1" noTextEdit="1"/>
-          </p:cNvSpPr>
-          <p:nvPr>
-            <p:extLst>
-              <p:ext uri="{386F3935-93C4-4BCD-93E2-E3B085C9AB24}">
-                <p16:designElem xmlns:p16="http://schemas.microsoft.com/office/powerpoint/2015/main" val="1"/>
-              </p:ext>
-            </p:extLst>
-          </p:nvPr>
-        </p:nvSpPr>
-        <p:spPr>
-          <a:xfrm>
-            <a:off x="1" y="0"/>
-            <a:ext cx="4811477" cy="6858000"/>
-          </a:xfrm>
-          <a:custGeom>
-            <a:avLst/>
-            <a:gdLst>
-              <a:gd name="connsiteX0" fmla="*/ 0 w 4811477"/>
-              <a:gd name="connsiteY0" fmla="*/ 0 h 6858000"/>
-              <a:gd name="connsiteX1" fmla="*/ 3598499 w 4811477"/>
-              <a:gd name="connsiteY1" fmla="*/ 0 h 6858000"/>
-              <a:gd name="connsiteX2" fmla="*/ 3661482 w 4811477"/>
-              <a:gd name="connsiteY2" fmla="*/ 69271 h 6858000"/>
-              <a:gd name="connsiteX3" fmla="*/ 4811477 w 4811477"/>
-              <a:gd name="connsiteY3" fmla="*/ 3429000 h 6858000"/>
-              <a:gd name="connsiteX4" fmla="*/ 3661482 w 4811477"/>
-              <a:gd name="connsiteY4" fmla="*/ 6788730 h 6858000"/>
-              <a:gd name="connsiteX5" fmla="*/ 3598499 w 4811477"/>
-              <a:gd name="connsiteY5" fmla="*/ 6858000 h 6858000"/>
-              <a:gd name="connsiteX6" fmla="*/ 0 w 4811477"/>
-              <a:gd name="connsiteY6" fmla="*/ 6858000 h 6858000"/>
-            </a:gdLst>
-            <a:ahLst/>
-            <a:cxnLst>
-              <a:cxn ang="0">
-                <a:pos x="connsiteX0" y="connsiteY0"/>
-              </a:cxn>
-              <a:cxn ang="0">
-                <a:pos x="connsiteX1" y="connsiteY1"/>
-              </a:cxn>
-              <a:cxn ang="0">
-                <a:pos x="connsiteX2" y="connsiteY2"/>
-              </a:cxn>
-              <a:cxn ang="0">
-                <a:pos x="connsiteX3" y="connsiteY3"/>
-              </a:cxn>
-              <a:cxn ang="0">
-                <a:pos x="connsiteX4" y="connsiteY4"/>
-              </a:cxn>
-              <a:cxn ang="0">
-                <a:pos x="connsiteX5" y="connsiteY5"/>
-              </a:cxn>
-              <a:cxn ang="0">
-                <a:pos x="connsiteX6" y="connsiteY6"/>
-              </a:cxn>
-            </a:cxnLst>
-            <a:rect l="l" t="t" r="r" b="b"/>
-            <a:pathLst>
-              <a:path w="4811477" h="6858000">
-                <a:moveTo>
-                  <a:pt x="0" y="0"/>
-                </a:moveTo>
-                <a:lnTo>
-                  <a:pt x="3598499" y="0"/>
-                </a:lnTo>
-                <a:lnTo>
-                  <a:pt x="3661482" y="69271"/>
-                </a:lnTo>
-                <a:cubicBezTo>
-                  <a:pt x="4372008" y="929100"/>
-                  <a:pt x="4811477" y="2116944"/>
-                  <a:pt x="4811477" y="3429000"/>
-                </a:cubicBezTo>
-                <a:cubicBezTo>
-                  <a:pt x="4811477" y="4741056"/>
-                  <a:pt x="4372008" y="5928900"/>
-                  <a:pt x="3661482" y="6788730"/>
-                </a:cubicBezTo>
-                <a:lnTo>
-                  <a:pt x="3598499" y="6858000"/>
-                </a:lnTo>
-                <a:lnTo>
-                  <a:pt x="0" y="6858000"/>
-                </a:lnTo>
-                <a:close/>
-              </a:path>
-            </a:pathLst>
-          </a:custGeom>
-          <a:ln w="9525">
-            <a:noFill/>
-          </a:ln>
-          <a:effectLst/>
-        </p:spPr>
-        <p:style>
-          <a:lnRef idx="2">
-            <a:schemeClr val="accent1">
-              <a:shade val="50000"/>
-            </a:schemeClr>
-          </a:lnRef>
-          <a:fillRef idx="1">
-            <a:schemeClr val="accent1"/>
-          </a:fillRef>
-          <a:effectRef idx="0">
-            <a:schemeClr val="accent1"/>
-          </a:effectRef>
-          <a:fontRef idx="minor">
-            <a:schemeClr val="lt1"/>
-          </a:fontRef>
-        </p:style>
-        <p:txBody>
-          <a:bodyPr wrap="square" rtlCol="0" anchor="ctr">
-            <a:noAutofit/>
-          </a:bodyPr>
-          <a:lstStyle/>
-          <a:p>
-            <a:pPr marL="0" marR="0" lvl="0" indent="0" algn="ctr" defTabSz="914400" rtl="0" eaLnBrk="1" fontAlgn="auto" latinLnBrk="0" hangingPunct="1">
-              <a:lnSpc>
-                <a:spcPct val="100000"/>
-              </a:lnSpc>
-              <a:spcBef>
-                <a:spcPts val="0"/>
-              </a:spcBef>
-              <a:spcAft>
-                <a:spcPts val="0"/>
-              </a:spcAft>
-              <a:buClrTx/>
-              <a:buSzTx/>
-              <a:buFontTx/>
-              <a:buNone/>
-              <a:tabLst/>
-              <a:defRPr/>
-            </a:pPr>
-            <a:endParaRPr kumimoji="0" lang="en-US" sz="1800" b="0" i="0" u="none" strike="noStrike" kern="1200" cap="none" spc="0" normalizeH="0" baseline="0" noProof="0">
-              <a:ln>
-                <a:noFill/>
-              </a:ln>
-              <a:solidFill>
-                <a:prstClr val="white"/>
-              </a:solidFill>
-              <a:effectLst/>
-              <a:uLnTx/>
-              <a:uFillTx/>
-              <a:latin typeface="Calibri" panose="020F0502020204030204"/>
-              <a:ea typeface="+mn-ea"/>
-              <a:cs typeface="+mn-cs"/>
-            </a:endParaRPr>
-          </a:p>
-        </p:txBody>
-      </p:sp>
-      <p:sp>
-        <p:nvSpPr>
-          <p:cNvPr id="2" name="Titolo 1">
-            <a:extLst>
-              <a:ext uri="{FF2B5EF4-FFF2-40B4-BE49-F238E27FC236}">
-                <a16:creationId xmlns:a16="http://schemas.microsoft.com/office/drawing/2014/main" id="{65F4D648-4323-429F-81F4-0DC01BAF0F85}"/>
-              </a:ext>
-            </a:extLst>
-          </p:cNvPr>
-          <p:cNvSpPr>
-            <a:spLocks noGrp="1"/>
-          </p:cNvSpPr>
-          <p:nvPr>
-            <p:ph type="title"/>
-          </p:nvPr>
-        </p:nvSpPr>
-        <p:spPr>
-          <a:xfrm>
-            <a:off x="621792" y="1161288"/>
-            <a:ext cx="3602736" cy="4526280"/>
-          </a:xfrm>
-        </p:spPr>
-        <p:txBody>
-          <a:bodyPr>
-            <a:normAutofit/>
-          </a:bodyPr>
-          <a:lstStyle/>
-          <a:p>
-            <a:r>
-              <a:rPr lang="it-IT" sz="4000" dirty="0"/>
-              <a:t>BACK-END &amp; MYSQL</a:t>
-            </a:r>
-          </a:p>
-        </p:txBody>
-      </p:sp>
-      <p:sp>
-        <p:nvSpPr>
-          <p:cNvPr id="14" name="Rectangle 13">
-            <a:extLst>
-              <a:ext uri="{FF2B5EF4-FFF2-40B4-BE49-F238E27FC236}">
-                <a16:creationId xmlns:a16="http://schemas.microsoft.com/office/drawing/2014/main" id="{463EEC44-1BA3-44ED-81FC-A644B04B2A44}"/>
-              </a:ext>
-              <a:ext uri="{C183D7F6-B498-43B3-948B-1728B52AA6E4}">
-                <adec:decorative xmlns:adec="http://schemas.microsoft.com/office/drawing/2017/decorative" val="1"/>
-              </a:ext>
-            </a:extLst>
-          </p:cNvPr>
-          <p:cNvSpPr>
-            <a:spLocks noGrp="1" noRot="1" noChangeAspect="1" noMove="1" noResize="1" noEditPoints="1" noAdjustHandles="1" noChangeArrowheads="1" noChangeShapeType="1" noTextEdit="1"/>
-          </p:cNvSpPr>
-          <p:nvPr>
-            <p:extLst>
-              <p:ext uri="{386F3935-93C4-4BCD-93E2-E3B085C9AB24}">
-                <p16:designElem xmlns:p16="http://schemas.microsoft.com/office/powerpoint/2015/main" val="1"/>
-              </p:ext>
-            </p:extLst>
-          </p:nvPr>
-        </p:nvSpPr>
-        <p:spPr>
-          <a:xfrm>
-            <a:off x="0" y="3102049"/>
-            <a:ext cx="128016" cy="653903"/>
+            <a:off x="7227006" y="3066490"/>
+            <a:ext cx="2389839" cy="1194920"/>
           </a:xfrm>
           <a:prstGeom prst="rect">
             <a:avLst/>
           </a:prstGeom>
-          <a:solidFill>
-            <a:schemeClr val="accent2"/>
-          </a:solidFill>
-          <a:ln>
-            <a:noFill/>
-          </a:ln>
         </p:spPr>
-        <p:style>
-          <a:lnRef idx="2">
-            <a:schemeClr val="accent1">
-              <a:shade val="50000"/>
-            </a:schemeClr>
-          </a:lnRef>
-          <a:fillRef idx="1">
-            <a:schemeClr val="accent1"/>
-          </a:fillRef>
-          <a:effectRef idx="0">
-            <a:schemeClr val="accent1"/>
-          </a:effectRef>
-          <a:fontRef idx="minor">
-            <a:schemeClr val="lt1"/>
-          </a:fontRef>
-        </p:style>
-        <p:txBody>
-          <a:bodyPr rtlCol="0" anchor="ctr"/>
-          <a:lstStyle/>
-          <a:p>
-            <a:pPr algn="ctr"/>
-            <a:endParaRPr lang="en-US">
-              <a:solidFill>
-                <a:prstClr val="white"/>
-              </a:solidFill>
-              <a:latin typeface="Calibri" panose="020F0502020204030204"/>
-            </a:endParaRPr>
-          </a:p>
-        </p:txBody>
-      </p:sp>
-      <p:sp>
-        <p:nvSpPr>
-          <p:cNvPr id="3" name="Segnaposto contenuto 2">
-            <a:extLst>
-              <a:ext uri="{FF2B5EF4-FFF2-40B4-BE49-F238E27FC236}">
-                <a16:creationId xmlns:a16="http://schemas.microsoft.com/office/drawing/2014/main" id="{53791F3C-6B65-4EE9-8D35-475CE948462C}"/>
-              </a:ext>
-            </a:extLst>
-          </p:cNvPr>
-          <p:cNvSpPr>
-            <a:spLocks noGrp="1"/>
-          </p:cNvSpPr>
-          <p:nvPr>
-            <p:ph idx="1"/>
-          </p:nvPr>
-        </p:nvSpPr>
-        <p:spPr>
-          <a:xfrm>
-            <a:off x="5434149" y="932688"/>
-            <a:ext cx="5916603" cy="4992624"/>
-          </a:xfrm>
-        </p:spPr>
-        <p:txBody>
-          <a:bodyPr anchor="ctr">
-            <a:normAutofit/>
-          </a:bodyPr>
-          <a:lstStyle/>
-          <a:p>
-            <a:r>
-              <a:rPr lang="it-IT" sz="2000" dirty="0" err="1"/>
-              <a:t>As</a:t>
-            </a:r>
-            <a:r>
-              <a:rPr lang="it-IT" sz="2000" dirty="0"/>
-              <a:t> </a:t>
-            </a:r>
-            <a:r>
-              <a:rPr lang="it-IT" sz="2000" dirty="0" err="1"/>
-              <a:t>said</a:t>
-            </a:r>
-            <a:r>
-              <a:rPr lang="it-IT" sz="2000" dirty="0"/>
-              <a:t> </a:t>
-            </a:r>
-            <a:r>
-              <a:rPr lang="it-IT" sz="2000" dirty="0" err="1"/>
-              <a:t>before</a:t>
-            </a:r>
-            <a:r>
-              <a:rPr lang="it-IT" sz="2000" dirty="0"/>
-              <a:t>, </a:t>
-            </a:r>
-            <a:r>
-              <a:rPr lang="it-IT" sz="2000" dirty="0" err="1"/>
-              <a:t>every</a:t>
-            </a:r>
-            <a:r>
-              <a:rPr lang="it-IT" sz="2000" dirty="0"/>
-              <a:t> </a:t>
-            </a:r>
-            <a:r>
-              <a:rPr lang="it-IT" sz="2000" dirty="0" err="1"/>
-              <a:t>istance</a:t>
-            </a:r>
-            <a:r>
-              <a:rPr lang="it-IT" sz="2000" dirty="0"/>
-              <a:t> of the back-end </a:t>
-            </a:r>
-            <a:r>
-              <a:rPr lang="it-IT" sz="2000" dirty="0" err="1"/>
-              <a:t>is</a:t>
-            </a:r>
-            <a:r>
-              <a:rPr lang="it-IT" sz="2000" dirty="0"/>
-              <a:t> </a:t>
-            </a:r>
-            <a:r>
-              <a:rPr lang="it-IT" sz="2000" dirty="0" err="1"/>
-              <a:t>connected</a:t>
-            </a:r>
-            <a:r>
-              <a:rPr lang="it-IT" sz="2000" dirty="0"/>
-              <a:t> with an </a:t>
-            </a:r>
-            <a:r>
-              <a:rPr lang="it-IT" sz="2000" dirty="0" err="1"/>
-              <a:t>istance</a:t>
-            </a:r>
-            <a:r>
-              <a:rPr lang="it-IT" sz="2000" dirty="0"/>
-              <a:t> of the front-end, and use </a:t>
-            </a:r>
-            <a:r>
-              <a:rPr lang="it-IT" sz="2000" dirty="0" err="1"/>
-              <a:t>RabbitMQ</a:t>
-            </a:r>
-            <a:r>
-              <a:rPr lang="it-IT" sz="2000" dirty="0"/>
-              <a:t> to </a:t>
-            </a:r>
-            <a:r>
-              <a:rPr lang="it-IT" sz="2000" dirty="0" err="1"/>
-              <a:t>excange</a:t>
-            </a:r>
-            <a:r>
-              <a:rPr lang="it-IT" sz="2000" dirty="0"/>
-              <a:t> </a:t>
-            </a:r>
-            <a:r>
-              <a:rPr lang="it-IT" sz="2000" dirty="0" err="1"/>
-              <a:t>message</a:t>
-            </a:r>
-            <a:endParaRPr lang="it-IT" sz="2000" dirty="0"/>
-          </a:p>
-          <a:p>
-            <a:r>
-              <a:rPr lang="it-IT" sz="2000" dirty="0" err="1"/>
-              <a:t>There</a:t>
-            </a:r>
-            <a:r>
-              <a:rPr lang="it-IT" sz="2000" dirty="0"/>
-              <a:t> are 2 </a:t>
-            </a:r>
-            <a:r>
-              <a:rPr lang="it-IT" sz="2000" dirty="0" err="1"/>
-              <a:t>istances</a:t>
-            </a:r>
-            <a:r>
-              <a:rPr lang="it-IT" sz="2000" dirty="0"/>
-              <a:t> of the back-end and are on the </a:t>
-            </a:r>
-            <a:r>
-              <a:rPr lang="it-IT" sz="2000" dirty="0" err="1"/>
-              <a:t>node</a:t>
-            </a:r>
-            <a:r>
-              <a:rPr lang="it-IT" sz="2000" dirty="0"/>
-              <a:t> with </a:t>
-            </a:r>
-            <a:r>
-              <a:rPr lang="it-IT" sz="2000" dirty="0" err="1"/>
-              <a:t>ip</a:t>
-            </a:r>
-            <a:r>
-              <a:rPr lang="it-IT" sz="2000" dirty="0"/>
-              <a:t> 172.16.1.213 and 172.16.1.242.</a:t>
-            </a:r>
-          </a:p>
-          <a:p>
-            <a:r>
-              <a:rPr lang="it-IT" sz="2000" dirty="0"/>
-              <a:t>Back-end </a:t>
-            </a:r>
-            <a:r>
-              <a:rPr lang="it-IT" sz="2000" dirty="0" err="1"/>
-              <a:t>instances</a:t>
-            </a:r>
-            <a:r>
-              <a:rPr lang="it-IT" sz="2000" dirty="0"/>
-              <a:t> </a:t>
-            </a:r>
-            <a:r>
-              <a:rPr lang="it-IT" sz="2000" dirty="0" err="1"/>
-              <a:t>is</a:t>
-            </a:r>
-            <a:r>
-              <a:rPr lang="it-IT" sz="2000" dirty="0"/>
-              <a:t> </a:t>
-            </a:r>
-            <a:r>
-              <a:rPr lang="it-IT" sz="2000" dirty="0" err="1"/>
-              <a:t>connected</a:t>
-            </a:r>
-            <a:r>
-              <a:rPr lang="it-IT" sz="2000" dirty="0"/>
-              <a:t> to </a:t>
-            </a:r>
-            <a:r>
-              <a:rPr lang="it-IT" sz="2000" dirty="0" err="1"/>
-              <a:t>mysql</a:t>
-            </a:r>
-            <a:r>
-              <a:rPr lang="it-IT" sz="2000" dirty="0"/>
-              <a:t> server.</a:t>
-            </a:r>
-          </a:p>
-          <a:p>
-            <a:r>
-              <a:rPr lang="it-IT" sz="2000" dirty="0" err="1"/>
-              <a:t>Mysql</a:t>
-            </a:r>
-            <a:r>
-              <a:rPr lang="it-IT" sz="2000" dirty="0"/>
-              <a:t> </a:t>
-            </a:r>
-            <a:r>
-              <a:rPr lang="it-IT" sz="2000" dirty="0" err="1"/>
-              <a:t>is</a:t>
-            </a:r>
-            <a:r>
-              <a:rPr lang="it-IT" sz="2000" dirty="0"/>
-              <a:t> </a:t>
-            </a:r>
-            <a:r>
-              <a:rPr lang="it-IT" sz="2000" dirty="0" err="1"/>
-              <a:t>deployed</a:t>
-            </a:r>
-            <a:r>
-              <a:rPr lang="it-IT" sz="2000" dirty="0"/>
-              <a:t> </a:t>
-            </a:r>
-            <a:r>
-              <a:rPr lang="it-IT" sz="2000" dirty="0" err="1"/>
-              <a:t>as</a:t>
-            </a:r>
-            <a:r>
-              <a:rPr lang="it-IT" sz="2000" dirty="0"/>
-              <a:t> single </a:t>
-            </a:r>
-            <a:r>
-              <a:rPr lang="it-IT" sz="2000" dirty="0" err="1"/>
-              <a:t>istance</a:t>
-            </a:r>
-            <a:r>
-              <a:rPr lang="it-IT" sz="2000" dirty="0"/>
-              <a:t>, in the VM with </a:t>
-            </a:r>
-            <a:r>
-              <a:rPr lang="it-IT" sz="2000" dirty="0" err="1"/>
-              <a:t>ip</a:t>
-            </a:r>
-            <a:r>
-              <a:rPr lang="it-IT" sz="2000" dirty="0"/>
-              <a:t> 172.16.3.35.</a:t>
-            </a:r>
-          </a:p>
-          <a:p>
-            <a:endParaRPr lang="it-IT" sz="2000" dirty="0"/>
-          </a:p>
-        </p:txBody>
-      </p:sp>
+      </p:pic>
     </p:spTree>
     <p:extLst>
       <p:ext uri="{BB962C8B-B14F-4D97-AF65-F5344CB8AC3E}">
-        <p14:creationId xmlns:p14="http://schemas.microsoft.com/office/powerpoint/2010/main" val="927841979"/>
+        <p14:creationId xmlns:p14="http://schemas.microsoft.com/office/powerpoint/2010/main" val="3046171623"/>
       </p:ext>
     </p:extLst>
   </p:cSld>
